--- a/Building SPAs in SharePoint Using AngularJS.pptx
+++ b/Building SPAs in SharePoint Using AngularJS.pptx
@@ -5,44 +5,39 @@
     <p:sldMasterId id="2147483662" r:id="rId1"/>
   </p:sldMasterIdLst>
   <p:notesMasterIdLst>
-    <p:notesMasterId r:id="rId34"/>
+    <p:notesMasterId r:id="rId29"/>
   </p:notesMasterIdLst>
   <p:handoutMasterIdLst>
-    <p:handoutMasterId r:id="rId35"/>
+    <p:handoutMasterId r:id="rId30"/>
   </p:handoutMasterIdLst>
   <p:sldIdLst>
     <p:sldId id="340" r:id="rId2"/>
     <p:sldId id="339" r:id="rId3"/>
-    <p:sldId id="341" r:id="rId4"/>
-    <p:sldId id="342" r:id="rId5"/>
-    <p:sldId id="343" r:id="rId6"/>
-    <p:sldId id="344" r:id="rId7"/>
-    <p:sldId id="267" r:id="rId8"/>
-    <p:sldId id="300" r:id="rId9"/>
-    <p:sldId id="308" r:id="rId10"/>
-    <p:sldId id="272" r:id="rId11"/>
-    <p:sldId id="275" r:id="rId12"/>
-    <p:sldId id="319" r:id="rId13"/>
-    <p:sldId id="277" r:id="rId14"/>
-    <p:sldId id="290" r:id="rId15"/>
-    <p:sldId id="292" r:id="rId16"/>
-    <p:sldId id="331" r:id="rId17"/>
-    <p:sldId id="284" r:id="rId18"/>
-    <p:sldId id="293" r:id="rId19"/>
-    <p:sldId id="346" r:id="rId20"/>
-    <p:sldId id="307" r:id="rId21"/>
-    <p:sldId id="345" r:id="rId22"/>
-    <p:sldId id="347" r:id="rId23"/>
-    <p:sldId id="301" r:id="rId24"/>
-    <p:sldId id="302" r:id="rId25"/>
-    <p:sldId id="298" r:id="rId26"/>
-    <p:sldId id="270" r:id="rId27"/>
-    <p:sldId id="311" r:id="rId28"/>
-    <p:sldId id="313" r:id="rId29"/>
-    <p:sldId id="296" r:id="rId30"/>
-    <p:sldId id="317" r:id="rId31"/>
-    <p:sldId id="297" r:id="rId32"/>
-    <p:sldId id="348" r:id="rId33"/>
+    <p:sldId id="267" r:id="rId4"/>
+    <p:sldId id="300" r:id="rId5"/>
+    <p:sldId id="308" r:id="rId6"/>
+    <p:sldId id="272" r:id="rId7"/>
+    <p:sldId id="275" r:id="rId8"/>
+    <p:sldId id="319" r:id="rId9"/>
+    <p:sldId id="277" r:id="rId10"/>
+    <p:sldId id="290" r:id="rId11"/>
+    <p:sldId id="292" r:id="rId12"/>
+    <p:sldId id="331" r:id="rId13"/>
+    <p:sldId id="284" r:id="rId14"/>
+    <p:sldId id="293" r:id="rId15"/>
+    <p:sldId id="346" r:id="rId16"/>
+    <p:sldId id="307" r:id="rId17"/>
+    <p:sldId id="345" r:id="rId18"/>
+    <p:sldId id="347" r:id="rId19"/>
+    <p:sldId id="301" r:id="rId20"/>
+    <p:sldId id="302" r:id="rId21"/>
+    <p:sldId id="298" r:id="rId22"/>
+    <p:sldId id="270" r:id="rId23"/>
+    <p:sldId id="311" r:id="rId24"/>
+    <p:sldId id="313" r:id="rId25"/>
+    <p:sldId id="296" r:id="rId26"/>
+    <p:sldId id="317" r:id="rId27"/>
+    <p:sldId id="297" r:id="rId28"/>
   </p:sldIdLst>
   <p:sldSz cx="12192000" cy="6858000"/>
   <p:notesSz cx="6858000" cy="9144000"/>
@@ -4032,11 +4027,7 @@
         <a:p>
           <a:r>
             <a:rPr lang="en-US" dirty="0" smtClean="0"/>
-            <a:t>Gulp tasks (</a:t>
-          </a:r>
-          <a:r>
-            <a:rPr lang="en-US" dirty="0" smtClean="0"/>
-            <a:t>test, serve-dev, serve-specs)</a:t>
+            <a:t>Gulp tasks (test, serve-dev, serve-specs)</a:t>
           </a:r>
           <a:endParaRPr lang="en-US" dirty="0"/>
         </a:p>
@@ -4073,11 +4064,7 @@
         <a:p>
           <a:r>
             <a:rPr lang="en-US" dirty="0" smtClean="0"/>
-            <a:t>Functional </a:t>
-          </a:r>
-          <a:r>
-            <a:rPr lang="en-US" dirty="0" smtClean="0"/>
-            <a:t>testing in Chrome</a:t>
+            <a:t>Functional testing in Chrome</a:t>
           </a:r>
           <a:endParaRPr lang="en-US" dirty="0"/>
         </a:p>
@@ -4373,11 +4360,7 @@
         <a:p>
           <a:r>
             <a:rPr lang="en-US" dirty="0" smtClean="0"/>
-            <a:t>Functional </a:t>
-          </a:r>
-          <a:r>
-            <a:rPr lang="en-US" dirty="0" smtClean="0"/>
-            <a:t>testing in SharePoint</a:t>
+            <a:t>Functional testing in SharePoint</a:t>
           </a:r>
           <a:endParaRPr lang="en-US" dirty="0"/>
         </a:p>
@@ -4518,8 +4501,8 @@
     <dgm:cxn modelId="{BAD6D932-295D-4B11-AB4F-C6A51681FEBF}" type="presOf" srcId="{CF2E496F-FE56-4416-B846-DC12E4577A57}" destId="{17A1F249-6BEF-4F56-A4D8-8470A1E98F15}" srcOrd="0" destOrd="4" presId="urn:microsoft.com/office/officeart/2005/8/layout/hProcess9"/>
     <dgm:cxn modelId="{EA0EE867-287C-4759-B04B-1A44DD272934}" srcId="{EB74A234-8CAB-45D0-A223-6A45EB9687CD}" destId="{73AD9478-DFBD-45AE-8C86-9F4CB3BB1065}" srcOrd="2" destOrd="0" parTransId="{9746DDD7-C15A-4CDE-A7A9-ECC7812B47E4}" sibTransId="{B69AF354-070B-44D2-9041-ADEA0B558672}"/>
     <dgm:cxn modelId="{04F02849-7425-4E1F-898E-FA7DF4ED9666}" srcId="{95A2F766-9D02-45F9-8F0E-E4477259B64E}" destId="{7BAE7899-E3C2-4B98-B54B-7CF98FABE6C9}" srcOrd="1" destOrd="0" parTransId="{6A4813D0-9A5E-4C8A-8814-6B3627CFB165}" sibTransId="{F555F416-CF8C-46B6-A6CB-31C043865330}"/>
+    <dgm:cxn modelId="{4B256FB0-F8A6-4FC7-9768-1B5644FB9597}" srcId="{95A2F766-9D02-45F9-8F0E-E4477259B64E}" destId="{06ABEAEB-0AB1-4B03-9DB2-1747D846F76E}" srcOrd="2" destOrd="0" parTransId="{39D41540-6B5A-4F2C-B728-B10955AEA6F0}" sibTransId="{31BEE491-4EB9-4240-BAFF-E839945F6CC2}"/>
     <dgm:cxn modelId="{06CBBF6D-5C60-4E24-85FE-3D72B5DF292D}" type="presOf" srcId="{D025C9CA-C276-4620-8793-4C01C8D3C8C5}" destId="{17A1F249-6BEF-4F56-A4D8-8470A1E98F15}" srcOrd="0" destOrd="5" presId="urn:microsoft.com/office/officeart/2005/8/layout/hProcess9"/>
-    <dgm:cxn modelId="{4B256FB0-F8A6-4FC7-9768-1B5644FB9597}" srcId="{95A2F766-9D02-45F9-8F0E-E4477259B64E}" destId="{06ABEAEB-0AB1-4B03-9DB2-1747D846F76E}" srcOrd="2" destOrd="0" parTransId="{39D41540-6B5A-4F2C-B728-B10955AEA6F0}" sibTransId="{31BEE491-4EB9-4240-BAFF-E839945F6CC2}"/>
     <dgm:cxn modelId="{56E07505-5528-42D2-BF65-AC0B13049BD5}" srcId="{06ABEAEB-0AB1-4B03-9DB2-1747D846F76E}" destId="{DAD5068A-7091-420C-87F0-598961455E7C}" srcOrd="0" destOrd="0" parTransId="{E2E48095-73D9-45CE-B1F4-5CC208A04174}" sibTransId="{6BA6DC11-1A25-4A5E-A262-45E03AB8968F}"/>
     <dgm:cxn modelId="{597B6F7A-1AB8-7A40-A88C-F20BDA8446CA}" type="presOf" srcId="{3D2CA84F-7F83-488E-9CE9-2466A7E58E8C}" destId="{C5C479F1-027C-425C-A0B3-5734FC2D9DF4}" srcOrd="0" destOrd="3" presId="urn:microsoft.com/office/officeart/2005/8/layout/hProcess9"/>
     <dgm:cxn modelId="{0E8AE683-6858-4ECC-8F94-9CB028DF1605}" srcId="{7BAE7899-E3C2-4B98-B54B-7CF98FABE6C9}" destId="{9D1C7FDD-1C7E-4F92-A303-4A4F612A191B}" srcOrd="0" destOrd="0" parTransId="{CE3951D3-C82F-4197-BB44-E4023C884400}" sibTransId="{78BC0FB8-1233-449C-947F-C73B9E9738DF}"/>
@@ -6362,11 +6345,7 @@
           </a:pPr>
           <a:r>
             <a:rPr lang="en-US" sz="1500" kern="1200" dirty="0" smtClean="0"/>
-            <a:t>Gulp tasks (</a:t>
-          </a:r>
-          <a:r>
-            <a:rPr lang="en-US" sz="1500" kern="1200" dirty="0" smtClean="0"/>
-            <a:t>test, serve-dev, serve-specs)</a:t>
+            <a:t>Gulp tasks (test, serve-dev, serve-specs)</a:t>
           </a:r>
           <a:endParaRPr lang="en-US" sz="1500" kern="1200" dirty="0"/>
         </a:p>
@@ -6404,11 +6383,7 @@
           </a:pPr>
           <a:r>
             <a:rPr lang="en-US" sz="1500" kern="1200" dirty="0" smtClean="0"/>
-            <a:t>Functional </a:t>
-          </a:r>
-          <a:r>
-            <a:rPr lang="en-US" sz="1500" kern="1200" dirty="0" smtClean="0"/>
-            <a:t>testing in Chrome</a:t>
+            <a:t>Functional testing in Chrome</a:t>
           </a:r>
           <a:endParaRPr lang="en-US" sz="1500" kern="1200" dirty="0"/>
         </a:p>
@@ -6562,11 +6537,7 @@
           </a:pPr>
           <a:r>
             <a:rPr lang="en-US" sz="1500" kern="1200" dirty="0" smtClean="0"/>
-            <a:t>Functional </a:t>
-          </a:r>
-          <a:r>
-            <a:rPr lang="en-US" sz="1500" kern="1200" dirty="0" smtClean="0"/>
-            <a:t>testing in SharePoint</a:t>
+            <a:t>Functional testing in SharePoint</a:t>
           </a:r>
           <a:endParaRPr lang="en-US" sz="1500" kern="1200" dirty="0"/>
         </a:p>
@@ -10212,7 +10183,7 @@
           <a:p>
             <a:fld id="{061C5132-FFA3-4B02-9F09-22FCF40EFA74}" type="datetimeFigureOut">
               <a:rPr lang="en-US" smtClean="0"/>
-              <a:t>6/13/2015</a:t>
+              <a:t>7/4/15</a:t>
             </a:fld>
             <a:endParaRPr lang="en-US"/>
           </a:p>
@@ -10377,7 +10348,7 @@
           <a:p>
             <a:fld id="{0B6E42C9-243F-4DC5-AFF6-9D56B5FA9D63}" type="datetimeFigureOut">
               <a:rPr lang="en-US" smtClean="0"/>
-              <a:t>6/13/2015</a:t>
+              <a:t>7/4/15</a:t>
             </a:fld>
             <a:endParaRPr lang="en-US"/>
           </a:p>
@@ -10672,7 +10643,12 @@
             <p:ph type="sldImg"/>
           </p:nvPr>
         </p:nvSpPr>
-        <p:spPr/>
+        <p:spPr>
+          <a:xfrm>
+            <a:off x="406400" y="696913"/>
+            <a:ext cx="6197600" cy="3486150"/>
+          </a:xfrm>
+        </p:spPr>
       </p:sp>
       <p:sp>
         <p:nvSpPr>
@@ -10689,18 +10665,152 @@
           <a:bodyPr/>
           <a:lstStyle/>
           <a:p>
-            <a:endParaRPr lang="en-US"/>
+            <a:r>
+              <a:rPr lang="en-US" dirty="0" smtClean="0"/>
+              <a:t>Challenges</a:t>
+            </a:r>
+          </a:p>
+          <a:p>
+            <a:endParaRPr lang="en-US" dirty="0" smtClean="0"/>
+          </a:p>
+          <a:p>
+            <a:pPr marL="171450" indent="-171450">
+              <a:buFont typeface="Arial" panose="020B0604020202020204" pitchFamily="34" charset="0"/>
+              <a:buChar char="•"/>
+            </a:pPr>
+            <a:r>
+              <a:rPr lang="en-US" dirty="0" smtClean="0"/>
+              <a:t>Difficultly finding qualified resources</a:t>
+            </a:r>
+          </a:p>
+          <a:p>
+            <a:pPr marL="171450" indent="-171450">
+              <a:buFont typeface="Arial" panose="020B0604020202020204" pitchFamily="34" charset="0"/>
+              <a:buChar char="•"/>
+            </a:pPr>
+            <a:r>
+              <a:rPr lang="en-US" dirty="0" smtClean="0"/>
+              <a:t>Steep learning curve</a:t>
+            </a:r>
+          </a:p>
+          <a:p>
+            <a:pPr marL="171450" indent="-171450">
+              <a:buFont typeface="Arial" panose="020B0604020202020204" pitchFamily="34" charset="0"/>
+              <a:buChar char="•"/>
+            </a:pPr>
+            <a:r>
+              <a:rPr lang="en-US" dirty="0" smtClean="0"/>
+              <a:t>Performance and stability issues</a:t>
+            </a:r>
+          </a:p>
+          <a:p>
+            <a:pPr marL="171450" indent="-171450">
+              <a:buFont typeface="Arial" panose="020B0604020202020204" pitchFamily="34" charset="0"/>
+              <a:buChar char="•"/>
+            </a:pPr>
+            <a:r>
+              <a:rPr lang="en-US" dirty="0" smtClean="0"/>
+              <a:t>Requires deployment by Farm Administrators</a:t>
+            </a:r>
+          </a:p>
+          <a:p>
+            <a:pPr marL="171450" indent="-171450">
+              <a:buFont typeface="Arial" panose="020B0604020202020204" pitchFamily="34" charset="0"/>
+              <a:buChar char="•"/>
+            </a:pPr>
+            <a:r>
+              <a:rPr lang="en-US" dirty="0" smtClean="0"/>
+              <a:t>Lifecycle management</a:t>
+            </a:r>
+          </a:p>
+          <a:p>
+            <a:pPr marL="171450" indent="-171450">
+              <a:buFont typeface="Arial" panose="020B0604020202020204" pitchFamily="34" charset="0"/>
+              <a:buChar char="•"/>
+            </a:pPr>
+            <a:r>
+              <a:rPr lang="en-US" dirty="0" smtClean="0"/>
+              <a:t>Not cloud ready</a:t>
+            </a:r>
+          </a:p>
+          <a:p>
+            <a:endParaRPr lang="en-US" dirty="0" smtClean="0"/>
+          </a:p>
+          <a:p>
+            <a:r>
+              <a:rPr lang="en-US" dirty="0" smtClean="0"/>
+              <a:t>What is</a:t>
+            </a:r>
+            <a:r>
+              <a:rPr lang="en-US" baseline="0" dirty="0" smtClean="0"/>
+              <a:t> a SharePoint 2013 App?</a:t>
+            </a:r>
+            <a:endParaRPr lang="en-US" dirty="0" smtClean="0"/>
+          </a:p>
+          <a:p>
+            <a:pPr marL="171450" indent="-171450">
+              <a:buFont typeface="Arial" panose="020B0604020202020204" pitchFamily="34" charset="0"/>
+              <a:buChar char="•"/>
+            </a:pPr>
+            <a:r>
+              <a:rPr lang="en-US" dirty="0" smtClean="0"/>
+              <a:t>Web application that runs “OUTSIDE” of SharePoint</a:t>
+            </a:r>
+          </a:p>
+          <a:p>
+            <a:pPr marL="171450" indent="-171450">
+              <a:buFont typeface="Arial" panose="020B0604020202020204" pitchFamily="34" charset="0"/>
+              <a:buChar char="•"/>
+            </a:pPr>
+            <a:r>
+              <a:rPr lang="en-US" dirty="0" smtClean="0"/>
+              <a:t>Uses Client</a:t>
+            </a:r>
+            <a:r>
+              <a:rPr lang="en-US" baseline="0" dirty="0" smtClean="0"/>
+              <a:t> OM to talk to SharePoint (JS, REST/CSOM)</a:t>
+            </a:r>
+          </a:p>
+          <a:p>
+            <a:pPr marL="171450" indent="-171450">
+              <a:buFont typeface="Arial" panose="020B0604020202020204" pitchFamily="34" charset="0"/>
+              <a:buChar char="•"/>
+            </a:pPr>
+            <a:r>
+              <a:rPr lang="en-US" baseline="0" dirty="0" smtClean="0"/>
+              <a:t>Is the future proof way to add new capabilities to SP2013+</a:t>
+            </a:r>
+          </a:p>
+          <a:p>
+            <a:pPr marL="171450" indent="-171450">
+              <a:buFont typeface="Arial" panose="020B0604020202020204" pitchFamily="34" charset="0"/>
+              <a:buChar char="•"/>
+            </a:pPr>
+            <a:r>
+              <a:rPr lang="en-US" baseline="0" dirty="0" smtClean="0"/>
+              <a:t>Is available from the Corporate App Catalog or SharePoint Store</a:t>
+            </a:r>
+          </a:p>
+          <a:p>
+            <a:pPr marL="171450" indent="-171450">
+              <a:buFont typeface="Arial" panose="020B0604020202020204" pitchFamily="34" charset="0"/>
+              <a:buChar char="•"/>
+            </a:pPr>
+            <a:r>
+              <a:rPr lang="en-US" baseline="0" dirty="0" smtClean="0"/>
+              <a:t>Is easy to install by site owners or Tenant/Farm administrators</a:t>
+            </a:r>
           </a:p>
         </p:txBody>
       </p:sp>
       <p:sp>
         <p:nvSpPr>
-          <p:cNvPr id="4" name="Header Placeholder 3"/>
+          <p:cNvPr id="4" name="Slide Number Placeholder 3"/>
           <p:cNvSpPr>
             <a:spLocks noGrp="1"/>
           </p:cNvSpPr>
           <p:nvPr>
-            <p:ph type="hdr" sz="quarter" idx="10"/>
+            <p:ph type="sldNum" sz="quarter" idx="10"/>
           </p:nvPr>
         </p:nvSpPr>
         <p:spPr/>
@@ -10708,314 +10818,18 @@
           <a:bodyPr/>
           <a:lstStyle/>
           <a:p>
-            <a:pPr marL="0" marR="0" lvl="0" indent="0" algn="l" defTabSz="932742" rtl="0" eaLnBrk="1" fontAlgn="auto" latinLnBrk="0" hangingPunct="1">
-              <a:lnSpc>
-                <a:spcPct val="100000"/>
-              </a:lnSpc>
-              <a:spcBef>
-                <a:spcPts val="0"/>
-              </a:spcBef>
-              <a:spcAft>
-                <a:spcPts val="0"/>
-              </a:spcAft>
-              <a:buClrTx/>
-              <a:buSzTx/>
-              <a:buFontTx/>
-              <a:buNone/>
-              <a:tabLst/>
-              <a:defRPr/>
-            </a:pPr>
-            <a:endParaRPr kumimoji="0" lang="en-US" sz="1200" b="0" i="0" u="none" strike="noStrike" kern="1200" cap="none" spc="0" normalizeH="0" baseline="0" noProof="0" dirty="0">
-              <a:ln>
-                <a:noFill/>
-              </a:ln>
-              <a:solidFill>
-                <a:prstClr val="black"/>
-              </a:solidFill>
-              <a:effectLst/>
-              <a:uLnTx/>
-              <a:uFillTx/>
-              <a:latin typeface="Segoe UI" pitchFamily="34" charset="0"/>
-              <a:ea typeface="+mn-ea"/>
-              <a:cs typeface="+mn-cs"/>
-            </a:endParaRPr>
-          </a:p>
-        </p:txBody>
-      </p:sp>
-      <p:sp>
-        <p:nvSpPr>
-          <p:cNvPr id="5" name="Footer Placeholder 4"/>
-          <p:cNvSpPr>
-            <a:spLocks noGrp="1"/>
-          </p:cNvSpPr>
-          <p:nvPr>
-            <p:ph type="ftr" sz="quarter" idx="11"/>
-          </p:nvPr>
-        </p:nvSpPr>
-        <p:spPr/>
-        <p:txBody>
-          <a:bodyPr/>
-          <a:lstStyle/>
-          <a:p>
-            <a:pPr marL="571500" marR="0" lvl="0" indent="0" algn="l" defTabSz="914099" rtl="0" eaLnBrk="0" fontAlgn="auto" latinLnBrk="0" hangingPunct="0">
-              <a:lnSpc>
-                <a:spcPct val="100000"/>
-              </a:lnSpc>
-              <a:spcBef>
-                <a:spcPts val="0"/>
-              </a:spcBef>
-              <a:spcAft>
-                <a:spcPts val="0"/>
-              </a:spcAft>
-              <a:buClrTx/>
-              <a:buSzTx/>
-              <a:buFontTx/>
-              <a:buNone/>
-              <a:tabLst/>
-              <a:defRPr/>
-            </a:pPr>
-            <a:r>
-              <a:rPr kumimoji="0" lang="en-US" sz="400" b="0" i="0" u="none" strike="noStrike" kern="1200" cap="none" spc="0" normalizeH="0" baseline="0" noProof="0" dirty="0" smtClean="0">
-                <a:ln>
-                  <a:noFill/>
-                </a:ln>
-                <a:gradFill>
-                  <a:gsLst>
-                    <a:gs pos="0">
-                      <a:prstClr val="black"/>
-                    </a:gs>
-                    <a:gs pos="100000">
-                      <a:prstClr val="black"/>
-                    </a:gs>
-                  </a:gsLst>
-                  <a:lin ang="5400000" scaled="0"/>
-                </a:gradFill>
-                <a:effectLst/>
-                <a:uLnTx/>
-                <a:uFillTx/>
-                <a:latin typeface="Segoe UI" pitchFamily="34" charset="0"/>
-                <a:ea typeface="Segoe UI" pitchFamily="34" charset="0"/>
-                <a:cs typeface="Segoe UI" pitchFamily="34" charset="0"/>
-              </a:rPr>
-              <a:t>© 2012 Microsoft Corporation. All rights reserved. Microsoft, Windows, and other product names are or may be registered trademarks and/or trademarks in the U.S. and/or other countries.</a:t>
-            </a:r>
-          </a:p>
-          <a:p>
-            <a:pPr marL="571500" marR="0" lvl="0" indent="0" algn="l" defTabSz="914099" rtl="0" eaLnBrk="0" fontAlgn="auto" latinLnBrk="0" hangingPunct="0">
-              <a:lnSpc>
-                <a:spcPct val="100000"/>
-              </a:lnSpc>
-              <a:spcBef>
-                <a:spcPts val="0"/>
-              </a:spcBef>
-              <a:spcAft>
-                <a:spcPts val="0"/>
-              </a:spcAft>
-              <a:buClrTx/>
-              <a:buSzTx/>
-              <a:buFontTx/>
-              <a:buNone/>
-              <a:tabLst/>
-              <a:defRPr/>
-            </a:pPr>
-            <a:r>
-              <a:rPr kumimoji="0" lang="en-US" sz="400" b="0" i="0" u="none" strike="noStrike" kern="1200" cap="none" spc="0" normalizeH="0" baseline="0" noProof="0" dirty="0" smtClean="0">
-                <a:ln>
-                  <a:noFill/>
-                </a:ln>
-                <a:gradFill>
-                  <a:gsLst>
-                    <a:gs pos="0">
-                      <a:prstClr val="black"/>
-                    </a:gs>
-                    <a:gs pos="100000">
-                      <a:prstClr val="black"/>
-                    </a:gs>
-                  </a:gsLst>
-                  <a:lin ang="5400000" scaled="0"/>
-                </a:gradFill>
-                <a:effectLst/>
-                <a:uLnTx/>
-                <a:uFillTx/>
-                <a:latin typeface="Segoe UI" pitchFamily="34" charset="0"/>
-                <a:ea typeface="Segoe UI" pitchFamily="34" charset="0"/>
-                <a:cs typeface="Segoe UI" pitchFamily="34" charset="0"/>
-              </a:rPr>
-              <a:t>The information herein is for informational purposes only and represents the current view of Microsoft Corporation as of the date of this presentation.  Because Microsoft must respond to changing market conditions, it should not be interpreted to be a commitment on the part of Microsoft, and Microsoft cannot guarantee the accuracy of any information provided after the date of this presentation.  MICROSOFT MAKES NO WARRANTIES, EXPRESS, IMPLIED OR STATUTORY, AS TO THE INFORMATION IN THIS PRESENTATION.</a:t>
-            </a:r>
-          </a:p>
-        </p:txBody>
-      </p:sp>
-      <p:sp>
-        <p:nvSpPr>
-          <p:cNvPr id="6" name="Date Placeholder 5"/>
-          <p:cNvSpPr>
-            <a:spLocks noGrp="1"/>
-          </p:cNvSpPr>
-          <p:nvPr>
-            <p:ph type="dt" idx="12"/>
-          </p:nvPr>
-        </p:nvSpPr>
-        <p:spPr/>
-        <p:txBody>
-          <a:bodyPr/>
-          <a:lstStyle/>
-          <a:p>
-            <a:pPr marL="0" marR="0" lvl="0" indent="0" algn="r" defTabSz="932742" rtl="0" eaLnBrk="1" fontAlgn="auto" latinLnBrk="0" hangingPunct="1">
-              <a:lnSpc>
-                <a:spcPct val="100000"/>
-              </a:lnSpc>
-              <a:spcBef>
-                <a:spcPts val="0"/>
-              </a:spcBef>
-              <a:spcAft>
-                <a:spcPts val="0"/>
-              </a:spcAft>
-              <a:buClrTx/>
-              <a:buSzTx/>
-              <a:buFontTx/>
-              <a:buNone/>
-              <a:tabLst/>
-              <a:defRPr/>
-            </a:pPr>
-            <a:fld id="{D51B1278-D92B-4AF3-A9C1-71DD298190CE}" type="datetimeFigureOut">
-              <a:rPr kumimoji="0" lang="en-US" sz="1200" b="0" i="0" u="none" strike="noStrike" kern="1200" cap="none" spc="0" normalizeH="0" baseline="0" noProof="0" smtClean="0">
-                <a:ln>
-                  <a:noFill/>
-                </a:ln>
-                <a:solidFill>
-                  <a:prstClr val="black"/>
-                </a:solidFill>
-                <a:effectLst/>
-                <a:uLnTx/>
-                <a:uFillTx/>
-                <a:latin typeface="Segoe UI" pitchFamily="34" charset="0"/>
-                <a:ea typeface="+mn-ea"/>
-                <a:cs typeface="+mn-cs"/>
-              </a:rPr>
-              <a:pPr marL="0" marR="0" lvl="0" indent="0" algn="r" defTabSz="932742" rtl="0" eaLnBrk="1" fontAlgn="auto" latinLnBrk="0" hangingPunct="1">
-                <a:lnSpc>
-                  <a:spcPct val="100000"/>
-                </a:lnSpc>
-                <a:spcBef>
-                  <a:spcPts val="0"/>
-                </a:spcBef>
-                <a:spcAft>
-                  <a:spcPts val="0"/>
-                </a:spcAft>
-                <a:buClrTx/>
-                <a:buSzTx/>
-                <a:buFontTx/>
-                <a:buNone/>
-                <a:tabLst/>
-                <a:defRPr/>
-              </a:pPr>
-              <a:t>6/13/2015</a:t>
+            <a:fld id="{A11972B5-6BC1-3D45-8144-C53926F395E5}" type="slidenum">
+              <a:rPr lang="en-US" smtClean="0"/>
+              <a:t>6</a:t>
             </a:fld>
-            <a:endParaRPr kumimoji="0" lang="en-US" sz="1200" b="0" i="0" u="none" strike="noStrike" kern="1200" cap="none" spc="0" normalizeH="0" baseline="0" noProof="0" dirty="0">
-              <a:ln>
-                <a:noFill/>
-              </a:ln>
-              <a:solidFill>
-                <a:prstClr val="black"/>
-              </a:solidFill>
-              <a:effectLst/>
-              <a:uLnTx/>
-              <a:uFillTx/>
-              <a:latin typeface="Segoe UI" pitchFamily="34" charset="0"/>
-              <a:ea typeface="+mn-ea"/>
-              <a:cs typeface="+mn-cs"/>
-            </a:endParaRPr>
-          </a:p>
-        </p:txBody>
-      </p:sp>
-      <p:sp>
-        <p:nvSpPr>
-          <p:cNvPr id="7" name="Slide Number Placeholder 6"/>
-          <p:cNvSpPr>
-            <a:spLocks noGrp="1"/>
-          </p:cNvSpPr>
-          <p:nvPr>
-            <p:ph type="sldNum" sz="quarter" idx="13"/>
-          </p:nvPr>
-        </p:nvSpPr>
-        <p:spPr/>
-        <p:txBody>
-          <a:bodyPr/>
-          <a:lstStyle/>
-          <a:p>
-            <a:pPr marL="0" marR="0" lvl="0" indent="0" algn="r" defTabSz="932742" rtl="0" eaLnBrk="1" fontAlgn="auto" latinLnBrk="0" hangingPunct="1">
-              <a:lnSpc>
-                <a:spcPct val="100000"/>
-              </a:lnSpc>
-              <a:spcBef>
-                <a:spcPts val="0"/>
-              </a:spcBef>
-              <a:spcAft>
-                <a:spcPts val="0"/>
-              </a:spcAft>
-              <a:buClrTx/>
-              <a:buSzTx/>
-              <a:buFontTx/>
-              <a:buNone/>
-              <a:tabLst/>
-              <a:defRPr/>
-            </a:pPr>
-            <a:fld id="{B4008EB6-D09E-4580-8CD6-DDB14511944F}" type="slidenum">
-              <a:rPr kumimoji="0" lang="en-US" sz="1200" b="0" i="0" u="none" strike="noStrike" kern="1200" cap="none" spc="0" normalizeH="0" baseline="0" noProof="0" smtClean="0">
-                <a:ln>
-                  <a:noFill/>
-                </a:ln>
-                <a:solidFill>
-                  <a:prstClr val="black"/>
-                </a:solidFill>
-                <a:effectLst/>
-                <a:uLnTx/>
-                <a:uFillTx/>
-                <a:latin typeface="Segoe UI" pitchFamily="34" charset="0"/>
-                <a:ea typeface="+mn-ea"/>
-                <a:cs typeface="+mn-cs"/>
-              </a:rPr>
-              <a:pPr marL="0" marR="0" lvl="0" indent="0" algn="r" defTabSz="932742" rtl="0" eaLnBrk="1" fontAlgn="auto" latinLnBrk="0" hangingPunct="1">
-                <a:lnSpc>
-                  <a:spcPct val="100000"/>
-                </a:lnSpc>
-                <a:spcBef>
-                  <a:spcPts val="0"/>
-                </a:spcBef>
-                <a:spcAft>
-                  <a:spcPts val="0"/>
-                </a:spcAft>
-                <a:buClrTx/>
-                <a:buSzTx/>
-                <a:buFontTx/>
-                <a:buNone/>
-                <a:tabLst/>
-                <a:defRPr/>
-              </a:pPr>
-              <a:t>3</a:t>
-            </a:fld>
-            <a:endParaRPr kumimoji="0" lang="en-US" sz="1200" b="0" i="0" u="none" strike="noStrike" kern="1200" cap="none" spc="0" normalizeH="0" baseline="0" noProof="0" dirty="0">
-              <a:ln>
-                <a:noFill/>
-              </a:ln>
-              <a:solidFill>
-                <a:prstClr val="black"/>
-              </a:solidFill>
-              <a:effectLst/>
-              <a:uLnTx/>
-              <a:uFillTx/>
-              <a:latin typeface="Segoe UI" pitchFamily="34" charset="0"/>
-              <a:ea typeface="+mn-ea"/>
-              <a:cs typeface="+mn-cs"/>
-            </a:endParaRPr>
+            <a:endParaRPr lang="en-US" dirty="0"/>
           </a:p>
         </p:txBody>
       </p:sp>
     </p:spTree>
     <p:extLst>
       <p:ext uri="{BB962C8B-B14F-4D97-AF65-F5344CB8AC3E}">
-        <p14:creationId xmlns:p14="http://schemas.microsoft.com/office/powerpoint/2010/main" val="82588782"/>
+        <p14:creationId xmlns:p14="http://schemas.microsoft.com/office/powerpoint/2010/main" val="1180102850"/>
       </p:ext>
     </p:extLst>
   </p:cSld>
@@ -11069,18 +10883,22 @@
           <a:bodyPr/>
           <a:lstStyle/>
           <a:p>
-            <a:endParaRPr lang="en-US"/>
+            <a:r>
+              <a:rPr lang="en-US" dirty="0" smtClean="0"/>
+              <a:t>http://blog.xebia.com/2013/09/01/differences-between-providers-in-angularjs/</a:t>
+            </a:r>
+            <a:endParaRPr lang="en-US" dirty="0"/>
           </a:p>
         </p:txBody>
       </p:sp>
       <p:sp>
         <p:nvSpPr>
-          <p:cNvPr id="4" name="Header Placeholder 3"/>
+          <p:cNvPr id="4" name="Slide Number Placeholder 3"/>
           <p:cNvSpPr>
             <a:spLocks noGrp="1"/>
           </p:cNvSpPr>
           <p:nvPr>
-            <p:ph type="hdr" sz="quarter" idx="10"/>
+            <p:ph type="sldNum" sz="quarter" idx="10"/>
           </p:nvPr>
         </p:nvSpPr>
         <p:spPr/>
@@ -11088,122 +10906,18 @@
           <a:bodyPr/>
           <a:lstStyle/>
           <a:p>
-            <a:endParaRPr lang="en-US" dirty="0"/>
-          </a:p>
-        </p:txBody>
-      </p:sp>
-      <p:sp>
-        <p:nvSpPr>
-          <p:cNvPr id="5" name="Footer Placeholder 4"/>
-          <p:cNvSpPr>
-            <a:spLocks noGrp="1"/>
-          </p:cNvSpPr>
-          <p:nvPr>
-            <p:ph type="ftr" sz="quarter" idx="11"/>
-          </p:nvPr>
-        </p:nvSpPr>
-        <p:spPr/>
-        <p:txBody>
-          <a:bodyPr/>
-          <a:lstStyle/>
-          <a:p>
-            <a:pPr defTabSz="914099" eaLnBrk="0" hangingPunct="0"/>
-            <a:r>
-              <a:rPr lang="en-US" sz="400" dirty="0" smtClean="0">
-                <a:gradFill>
-                  <a:gsLst>
-                    <a:gs pos="0">
-                      <a:prstClr val="black"/>
-                    </a:gs>
-                    <a:gs pos="100000">
-                      <a:prstClr val="black"/>
-                    </a:gs>
-                  </a:gsLst>
-                  <a:lin ang="5400000" scaled="0"/>
-                </a:gradFill>
-                <a:latin typeface="Segoe UI" pitchFamily="34" charset="0"/>
-                <a:ea typeface="Segoe UI" pitchFamily="34" charset="0"/>
-                <a:cs typeface="Segoe UI" pitchFamily="34" charset="0"/>
-              </a:rPr>
-              <a:t>© 2012 Microsoft Corporation. All rights reserved. Microsoft, Windows, and other product names are or may be registered trademarks and/or trademarks in the U.S. and/or other countries.</a:t>
-            </a:r>
-          </a:p>
-          <a:p>
-            <a:pPr defTabSz="914099" eaLnBrk="0" hangingPunct="0"/>
-            <a:r>
-              <a:rPr lang="en-US" sz="400" dirty="0" smtClean="0">
-                <a:gradFill>
-                  <a:gsLst>
-                    <a:gs pos="0">
-                      <a:prstClr val="black"/>
-                    </a:gs>
-                    <a:gs pos="100000">
-                      <a:prstClr val="black"/>
-                    </a:gs>
-                  </a:gsLst>
-                  <a:lin ang="5400000" scaled="0"/>
-                </a:gradFill>
-                <a:latin typeface="Segoe UI" pitchFamily="34" charset="0"/>
-                <a:ea typeface="Segoe UI" pitchFamily="34" charset="0"/>
-                <a:cs typeface="Segoe UI" pitchFamily="34" charset="0"/>
-              </a:rPr>
-              <a:t>The information herein is for informational purposes only and represents the current view of Microsoft Corporation as of the date of this presentation.  Because Microsoft must respond to changing market conditions, it should not be interpreted to be a commitment on the part of Microsoft, and Microsoft cannot guarantee the accuracy of any information provided after the date of this presentation.  MICROSOFT MAKES NO WARRANTIES, EXPRESS, IMPLIED OR STATUTORY, AS TO THE INFORMATION IN THIS PRESENTATION.</a:t>
-            </a:r>
-          </a:p>
-        </p:txBody>
-      </p:sp>
-      <p:sp>
-        <p:nvSpPr>
-          <p:cNvPr id="6" name="Date Placeholder 5"/>
-          <p:cNvSpPr>
-            <a:spLocks noGrp="1"/>
-          </p:cNvSpPr>
-          <p:nvPr>
-            <p:ph type="dt" idx="12"/>
-          </p:nvPr>
-        </p:nvSpPr>
-        <p:spPr/>
-        <p:txBody>
-          <a:bodyPr/>
-          <a:lstStyle/>
-          <a:p>
-            <a:fld id="{D51B1278-D92B-4AF3-A9C1-71DD298190CE}" type="datetimeFigureOut">
+            <a:fld id="{8DAEC444-603B-4F09-9A06-5917518DD901}" type="slidenum">
               <a:rPr lang="en-US" smtClean="0"/>
-              <a:pPr/>
-              <a:t>6/13/2015</a:t>
+              <a:t>11</a:t>
             </a:fld>
-            <a:endParaRPr lang="en-US" dirty="0"/>
-          </a:p>
-        </p:txBody>
-      </p:sp>
-      <p:sp>
-        <p:nvSpPr>
-          <p:cNvPr id="7" name="Slide Number Placeholder 6"/>
-          <p:cNvSpPr>
-            <a:spLocks noGrp="1"/>
-          </p:cNvSpPr>
-          <p:nvPr>
-            <p:ph type="sldNum" sz="quarter" idx="13"/>
-          </p:nvPr>
-        </p:nvSpPr>
-        <p:spPr/>
-        <p:txBody>
-          <a:bodyPr/>
-          <a:lstStyle/>
-          <a:p>
-            <a:fld id="{B4008EB6-D09E-4580-8CD6-DDB14511944F}" type="slidenum">
-              <a:rPr lang="en-US" smtClean="0"/>
-              <a:pPr/>
-              <a:t>4</a:t>
-            </a:fld>
-            <a:endParaRPr lang="en-US" dirty="0"/>
+            <a:endParaRPr lang="en-US"/>
           </a:p>
         </p:txBody>
       </p:sp>
     </p:spTree>
     <p:extLst>
       <p:ext uri="{BB962C8B-B14F-4D97-AF65-F5344CB8AC3E}">
-        <p14:creationId xmlns:p14="http://schemas.microsoft.com/office/powerpoint/2010/main" val="2845186733"/>
+        <p14:creationId xmlns:p14="http://schemas.microsoft.com/office/powerpoint/2010/main" val="2767262396"/>
       </p:ext>
     </p:extLst>
   </p:cSld>
@@ -11214,382 +10928,6 @@
 </file>
 
 <file path=ppt/notesSlides/notesSlide3.xml><?xml version="1.0" encoding="utf-8"?>
-<p:notes xmlns:a="http://schemas.openxmlformats.org/drawingml/2006/main" xmlns:r="http://schemas.openxmlformats.org/officeDocument/2006/relationships" xmlns:p="http://schemas.openxmlformats.org/presentationml/2006/main">
-  <p:cSld>
-    <p:spTree>
-      <p:nvGrpSpPr>
-        <p:cNvPr id="1" name=""/>
-        <p:cNvGrpSpPr/>
-        <p:nvPr/>
-      </p:nvGrpSpPr>
-      <p:grpSpPr>
-        <a:xfrm>
-          <a:off x="0" y="0"/>
-          <a:ext cx="0" cy="0"/>
-          <a:chOff x="0" y="0"/>
-          <a:chExt cx="0" cy="0"/>
-        </a:xfrm>
-      </p:grpSpPr>
-      <p:sp>
-        <p:nvSpPr>
-          <p:cNvPr id="2" name="Slide Image Placeholder 1"/>
-          <p:cNvSpPr>
-            <a:spLocks noGrp="1" noRot="1" noChangeAspect="1"/>
-          </p:cNvSpPr>
-          <p:nvPr>
-            <p:ph type="sldImg"/>
-          </p:nvPr>
-        </p:nvSpPr>
-        <p:spPr/>
-      </p:sp>
-      <p:sp>
-        <p:nvSpPr>
-          <p:cNvPr id="3" name="Notes Placeholder 2"/>
-          <p:cNvSpPr>
-            <a:spLocks noGrp="1"/>
-          </p:cNvSpPr>
-          <p:nvPr>
-            <p:ph type="body" idx="1"/>
-          </p:nvPr>
-        </p:nvSpPr>
-        <p:spPr/>
-        <p:txBody>
-          <a:bodyPr/>
-          <a:lstStyle/>
-          <a:p>
-            <a:endParaRPr lang="en-US"/>
-          </a:p>
-        </p:txBody>
-      </p:sp>
-      <p:sp>
-        <p:nvSpPr>
-          <p:cNvPr id="4" name="Header Placeholder 3"/>
-          <p:cNvSpPr>
-            <a:spLocks noGrp="1"/>
-          </p:cNvSpPr>
-          <p:nvPr>
-            <p:ph type="hdr" sz="quarter" idx="10"/>
-          </p:nvPr>
-        </p:nvSpPr>
-        <p:spPr/>
-        <p:txBody>
-          <a:bodyPr/>
-          <a:lstStyle/>
-          <a:p>
-            <a:endParaRPr lang="en-US" dirty="0"/>
-          </a:p>
-        </p:txBody>
-      </p:sp>
-      <p:sp>
-        <p:nvSpPr>
-          <p:cNvPr id="5" name="Footer Placeholder 4"/>
-          <p:cNvSpPr>
-            <a:spLocks noGrp="1"/>
-          </p:cNvSpPr>
-          <p:nvPr>
-            <p:ph type="ftr" sz="quarter" idx="11"/>
-          </p:nvPr>
-        </p:nvSpPr>
-        <p:spPr/>
-        <p:txBody>
-          <a:bodyPr/>
-          <a:lstStyle/>
-          <a:p>
-            <a:pPr defTabSz="914099" eaLnBrk="0" hangingPunct="0"/>
-            <a:r>
-              <a:rPr lang="en-US" sz="400" dirty="0" smtClean="0">
-                <a:gradFill>
-                  <a:gsLst>
-                    <a:gs pos="0">
-                      <a:prstClr val="black"/>
-                    </a:gs>
-                    <a:gs pos="100000">
-                      <a:prstClr val="black"/>
-                    </a:gs>
-                  </a:gsLst>
-                  <a:lin ang="5400000" scaled="0"/>
-                </a:gradFill>
-                <a:latin typeface="Segoe UI" pitchFamily="34" charset="0"/>
-                <a:ea typeface="Segoe UI" pitchFamily="34" charset="0"/>
-                <a:cs typeface="Segoe UI" pitchFamily="34" charset="0"/>
-              </a:rPr>
-              <a:t>© 2012 Microsoft Corporation. All rights reserved. Microsoft, Windows, and other product names are or may be registered trademarks and/or trademarks in the U.S. and/or other countries.</a:t>
-            </a:r>
-          </a:p>
-          <a:p>
-            <a:pPr defTabSz="914099" eaLnBrk="0" hangingPunct="0"/>
-            <a:r>
-              <a:rPr lang="en-US" sz="400" dirty="0" smtClean="0">
-                <a:gradFill>
-                  <a:gsLst>
-                    <a:gs pos="0">
-                      <a:prstClr val="black"/>
-                    </a:gs>
-                    <a:gs pos="100000">
-                      <a:prstClr val="black"/>
-                    </a:gs>
-                  </a:gsLst>
-                  <a:lin ang="5400000" scaled="0"/>
-                </a:gradFill>
-                <a:latin typeface="Segoe UI" pitchFamily="34" charset="0"/>
-                <a:ea typeface="Segoe UI" pitchFamily="34" charset="0"/>
-                <a:cs typeface="Segoe UI" pitchFamily="34" charset="0"/>
-              </a:rPr>
-              <a:t>The information herein is for informational purposes only and represents the current view of Microsoft Corporation as of the date of this presentation.  Because Microsoft must respond to changing market conditions, it should not be interpreted to be a commitment on the part of Microsoft, and Microsoft cannot guarantee the accuracy of any information provided after the date of this presentation.  MICROSOFT MAKES NO WARRANTIES, EXPRESS, IMPLIED OR STATUTORY, AS TO THE INFORMATION IN THIS PRESENTATION.</a:t>
-            </a:r>
-          </a:p>
-        </p:txBody>
-      </p:sp>
-      <p:sp>
-        <p:nvSpPr>
-          <p:cNvPr id="6" name="Date Placeholder 5"/>
-          <p:cNvSpPr>
-            <a:spLocks noGrp="1"/>
-          </p:cNvSpPr>
-          <p:nvPr>
-            <p:ph type="dt" idx="12"/>
-          </p:nvPr>
-        </p:nvSpPr>
-        <p:spPr/>
-        <p:txBody>
-          <a:bodyPr/>
-          <a:lstStyle/>
-          <a:p>
-            <a:fld id="{D51B1278-D92B-4AF3-A9C1-71DD298190CE}" type="datetimeFigureOut">
-              <a:rPr lang="en-US" smtClean="0"/>
-              <a:pPr/>
-              <a:t>6/13/2015</a:t>
-            </a:fld>
-            <a:endParaRPr lang="en-US" dirty="0"/>
-          </a:p>
-        </p:txBody>
-      </p:sp>
-      <p:sp>
-        <p:nvSpPr>
-          <p:cNvPr id="7" name="Slide Number Placeholder 6"/>
-          <p:cNvSpPr>
-            <a:spLocks noGrp="1"/>
-          </p:cNvSpPr>
-          <p:nvPr>
-            <p:ph type="sldNum" sz="quarter" idx="13"/>
-          </p:nvPr>
-        </p:nvSpPr>
-        <p:spPr/>
-        <p:txBody>
-          <a:bodyPr/>
-          <a:lstStyle/>
-          <a:p>
-            <a:fld id="{B4008EB6-D09E-4580-8CD6-DDB14511944F}" type="slidenum">
-              <a:rPr lang="en-US" smtClean="0"/>
-              <a:pPr/>
-              <a:t>5</a:t>
-            </a:fld>
-            <a:endParaRPr lang="en-US" dirty="0"/>
-          </a:p>
-        </p:txBody>
-      </p:sp>
-    </p:spTree>
-    <p:extLst>
-      <p:ext uri="{BB962C8B-B14F-4D97-AF65-F5344CB8AC3E}">
-        <p14:creationId xmlns:p14="http://schemas.microsoft.com/office/powerpoint/2010/main" val="2470865740"/>
-      </p:ext>
-    </p:extLst>
-  </p:cSld>
-  <p:clrMapOvr>
-    <a:masterClrMapping/>
-  </p:clrMapOvr>
-</p:notes>
-</file>
-
-<file path=ppt/notesSlides/notesSlide4.xml><?xml version="1.0" encoding="utf-8"?>
-<p:notes xmlns:a="http://schemas.openxmlformats.org/drawingml/2006/main" xmlns:r="http://schemas.openxmlformats.org/officeDocument/2006/relationships" xmlns:p="http://schemas.openxmlformats.org/presentationml/2006/main">
-  <p:cSld>
-    <p:spTree>
-      <p:nvGrpSpPr>
-        <p:cNvPr id="1" name=""/>
-        <p:cNvGrpSpPr/>
-        <p:nvPr/>
-      </p:nvGrpSpPr>
-      <p:grpSpPr>
-        <a:xfrm>
-          <a:off x="0" y="0"/>
-          <a:ext cx="0" cy="0"/>
-          <a:chOff x="0" y="0"/>
-          <a:chExt cx="0" cy="0"/>
-        </a:xfrm>
-      </p:grpSpPr>
-      <p:sp>
-        <p:nvSpPr>
-          <p:cNvPr id="2" name="Slide Image Placeholder 1"/>
-          <p:cNvSpPr>
-            <a:spLocks noGrp="1" noRot="1" noChangeAspect="1"/>
-          </p:cNvSpPr>
-          <p:nvPr>
-            <p:ph type="sldImg"/>
-          </p:nvPr>
-        </p:nvSpPr>
-        <p:spPr/>
-      </p:sp>
-      <p:sp>
-        <p:nvSpPr>
-          <p:cNvPr id="3" name="Notes Placeholder 2"/>
-          <p:cNvSpPr>
-            <a:spLocks noGrp="1"/>
-          </p:cNvSpPr>
-          <p:nvPr>
-            <p:ph type="body" idx="1"/>
-          </p:nvPr>
-        </p:nvSpPr>
-        <p:spPr/>
-        <p:txBody>
-          <a:bodyPr/>
-          <a:lstStyle/>
-          <a:p>
-            <a:endParaRPr lang="en-US"/>
-          </a:p>
-        </p:txBody>
-      </p:sp>
-      <p:sp>
-        <p:nvSpPr>
-          <p:cNvPr id="4" name="Header Placeholder 3"/>
-          <p:cNvSpPr>
-            <a:spLocks noGrp="1"/>
-          </p:cNvSpPr>
-          <p:nvPr>
-            <p:ph type="hdr" sz="quarter" idx="10"/>
-          </p:nvPr>
-        </p:nvSpPr>
-        <p:spPr/>
-        <p:txBody>
-          <a:bodyPr/>
-          <a:lstStyle/>
-          <a:p>
-            <a:endParaRPr lang="en-US" dirty="0"/>
-          </a:p>
-        </p:txBody>
-      </p:sp>
-      <p:sp>
-        <p:nvSpPr>
-          <p:cNvPr id="5" name="Footer Placeholder 4"/>
-          <p:cNvSpPr>
-            <a:spLocks noGrp="1"/>
-          </p:cNvSpPr>
-          <p:nvPr>
-            <p:ph type="ftr" sz="quarter" idx="11"/>
-          </p:nvPr>
-        </p:nvSpPr>
-        <p:spPr/>
-        <p:txBody>
-          <a:bodyPr/>
-          <a:lstStyle/>
-          <a:p>
-            <a:pPr defTabSz="914099" eaLnBrk="0" hangingPunct="0"/>
-            <a:r>
-              <a:rPr lang="en-US" sz="400" dirty="0" smtClean="0">
-                <a:gradFill>
-                  <a:gsLst>
-                    <a:gs pos="0">
-                      <a:prstClr val="black"/>
-                    </a:gs>
-                    <a:gs pos="100000">
-                      <a:prstClr val="black"/>
-                    </a:gs>
-                  </a:gsLst>
-                  <a:lin ang="5400000" scaled="0"/>
-                </a:gradFill>
-                <a:latin typeface="Segoe UI" pitchFamily="34" charset="0"/>
-                <a:ea typeface="Segoe UI" pitchFamily="34" charset="0"/>
-                <a:cs typeface="Segoe UI" pitchFamily="34" charset="0"/>
-              </a:rPr>
-              <a:t>© 2012 Microsoft Corporation. All rights reserved. Microsoft, Windows, and other product names are or may be registered trademarks and/or trademarks in the U.S. and/or other countries.</a:t>
-            </a:r>
-          </a:p>
-          <a:p>
-            <a:pPr defTabSz="914099" eaLnBrk="0" hangingPunct="0"/>
-            <a:r>
-              <a:rPr lang="en-US" sz="400" dirty="0" smtClean="0">
-                <a:gradFill>
-                  <a:gsLst>
-                    <a:gs pos="0">
-                      <a:prstClr val="black"/>
-                    </a:gs>
-                    <a:gs pos="100000">
-                      <a:prstClr val="black"/>
-                    </a:gs>
-                  </a:gsLst>
-                  <a:lin ang="5400000" scaled="0"/>
-                </a:gradFill>
-                <a:latin typeface="Segoe UI" pitchFamily="34" charset="0"/>
-                <a:ea typeface="Segoe UI" pitchFamily="34" charset="0"/>
-                <a:cs typeface="Segoe UI" pitchFamily="34" charset="0"/>
-              </a:rPr>
-              <a:t>The information herein is for informational purposes only and represents the current view of Microsoft Corporation as of the date of this presentation.  Because Microsoft must respond to changing market conditions, it should not be interpreted to be a commitment on the part of Microsoft, and Microsoft cannot guarantee the accuracy of any information provided after the date of this presentation.  MICROSOFT MAKES NO WARRANTIES, EXPRESS, IMPLIED OR STATUTORY, AS TO THE INFORMATION IN THIS PRESENTATION.</a:t>
-            </a:r>
-          </a:p>
-        </p:txBody>
-      </p:sp>
-      <p:sp>
-        <p:nvSpPr>
-          <p:cNvPr id="6" name="Date Placeholder 5"/>
-          <p:cNvSpPr>
-            <a:spLocks noGrp="1"/>
-          </p:cNvSpPr>
-          <p:nvPr>
-            <p:ph type="dt" idx="12"/>
-          </p:nvPr>
-        </p:nvSpPr>
-        <p:spPr/>
-        <p:txBody>
-          <a:bodyPr/>
-          <a:lstStyle/>
-          <a:p>
-            <a:fld id="{D51B1278-D92B-4AF3-A9C1-71DD298190CE}" type="datetimeFigureOut">
-              <a:rPr lang="en-US" smtClean="0"/>
-              <a:pPr/>
-              <a:t>6/13/2015</a:t>
-            </a:fld>
-            <a:endParaRPr lang="en-US" dirty="0"/>
-          </a:p>
-        </p:txBody>
-      </p:sp>
-      <p:sp>
-        <p:nvSpPr>
-          <p:cNvPr id="7" name="Slide Number Placeholder 6"/>
-          <p:cNvSpPr>
-            <a:spLocks noGrp="1"/>
-          </p:cNvSpPr>
-          <p:nvPr>
-            <p:ph type="sldNum" sz="quarter" idx="13"/>
-          </p:nvPr>
-        </p:nvSpPr>
-        <p:spPr/>
-        <p:txBody>
-          <a:bodyPr/>
-          <a:lstStyle/>
-          <a:p>
-            <a:fld id="{B4008EB6-D09E-4580-8CD6-DDB14511944F}" type="slidenum">
-              <a:rPr lang="en-US" smtClean="0"/>
-              <a:pPr/>
-              <a:t>6</a:t>
-            </a:fld>
-            <a:endParaRPr lang="en-US" dirty="0"/>
-          </a:p>
-        </p:txBody>
-      </p:sp>
-    </p:spTree>
-    <p:extLst>
-      <p:ext uri="{BB962C8B-B14F-4D97-AF65-F5344CB8AC3E}">
-        <p14:creationId xmlns:p14="http://schemas.microsoft.com/office/powerpoint/2010/main" val="3719232299"/>
-      </p:ext>
-    </p:extLst>
-  </p:cSld>
-  <p:clrMapOvr>
-    <a:masterClrMapping/>
-  </p:clrMapOvr>
-</p:notes>
-</file>
-
-<file path=ppt/notesSlides/notesSlide5.xml><?xml version="1.0" encoding="utf-8"?>
 <p:notes xmlns:a="http://schemas.openxmlformats.org/drawingml/2006/main" xmlns:r="http://schemas.openxmlformats.org/officeDocument/2006/relationships" xmlns:p="http://schemas.openxmlformats.org/presentationml/2006/main">
   <p:cSld>
     <p:spTree>
@@ -11638,141 +10976,7 @@
           <a:bodyPr/>
           <a:lstStyle/>
           <a:p>
-            <a:r>
-              <a:rPr lang="en-US" dirty="0" smtClean="0"/>
-              <a:t>Challenges</a:t>
-            </a:r>
-          </a:p>
-          <a:p>
-            <a:endParaRPr lang="en-US" dirty="0" smtClean="0"/>
-          </a:p>
-          <a:p>
-            <a:pPr marL="171450" indent="-171450">
-              <a:buFont typeface="Arial" panose="020B0604020202020204" pitchFamily="34" charset="0"/>
-              <a:buChar char="•"/>
-            </a:pPr>
-            <a:r>
-              <a:rPr lang="en-US" dirty="0" smtClean="0"/>
-              <a:t>Difficultly finding qualified resources</a:t>
-            </a:r>
-          </a:p>
-          <a:p>
-            <a:pPr marL="171450" indent="-171450">
-              <a:buFont typeface="Arial" panose="020B0604020202020204" pitchFamily="34" charset="0"/>
-              <a:buChar char="•"/>
-            </a:pPr>
-            <a:r>
-              <a:rPr lang="en-US" dirty="0" smtClean="0"/>
-              <a:t>Steep learning curve</a:t>
-            </a:r>
-          </a:p>
-          <a:p>
-            <a:pPr marL="171450" indent="-171450">
-              <a:buFont typeface="Arial" panose="020B0604020202020204" pitchFamily="34" charset="0"/>
-              <a:buChar char="•"/>
-            </a:pPr>
-            <a:r>
-              <a:rPr lang="en-US" dirty="0" smtClean="0"/>
-              <a:t>Performance and stability issues</a:t>
-            </a:r>
-          </a:p>
-          <a:p>
-            <a:pPr marL="171450" indent="-171450">
-              <a:buFont typeface="Arial" panose="020B0604020202020204" pitchFamily="34" charset="0"/>
-              <a:buChar char="•"/>
-            </a:pPr>
-            <a:r>
-              <a:rPr lang="en-US" dirty="0" smtClean="0"/>
-              <a:t>Requires deployment by Farm Administrators</a:t>
-            </a:r>
-          </a:p>
-          <a:p>
-            <a:pPr marL="171450" indent="-171450">
-              <a:buFont typeface="Arial" panose="020B0604020202020204" pitchFamily="34" charset="0"/>
-              <a:buChar char="•"/>
-            </a:pPr>
-            <a:r>
-              <a:rPr lang="en-US" dirty="0" smtClean="0"/>
-              <a:t>Lifecycle management</a:t>
-            </a:r>
-          </a:p>
-          <a:p>
-            <a:pPr marL="171450" indent="-171450">
-              <a:buFont typeface="Arial" panose="020B0604020202020204" pitchFamily="34" charset="0"/>
-              <a:buChar char="•"/>
-            </a:pPr>
-            <a:r>
-              <a:rPr lang="en-US" dirty="0" smtClean="0"/>
-              <a:t>Not cloud ready</a:t>
-            </a:r>
-          </a:p>
-          <a:p>
-            <a:endParaRPr lang="en-US" dirty="0" smtClean="0"/>
-          </a:p>
-          <a:p>
-            <a:r>
-              <a:rPr lang="en-US" dirty="0" smtClean="0"/>
-              <a:t>What is</a:t>
-            </a:r>
-            <a:r>
-              <a:rPr lang="en-US" baseline="0" dirty="0" smtClean="0"/>
-              <a:t> a SharePoint 2013 App?</a:t>
-            </a:r>
-            <a:endParaRPr lang="en-US" dirty="0" smtClean="0"/>
-          </a:p>
-          <a:p>
-            <a:pPr marL="171450" indent="-171450">
-              <a:buFont typeface="Arial" panose="020B0604020202020204" pitchFamily="34" charset="0"/>
-              <a:buChar char="•"/>
-            </a:pPr>
-            <a:r>
-              <a:rPr lang="en-US" dirty="0" smtClean="0"/>
-              <a:t>Web application that runs “OUTSIDE” of SharePoint</a:t>
-            </a:r>
-          </a:p>
-          <a:p>
-            <a:pPr marL="171450" indent="-171450">
-              <a:buFont typeface="Arial" panose="020B0604020202020204" pitchFamily="34" charset="0"/>
-              <a:buChar char="•"/>
-            </a:pPr>
-            <a:r>
-              <a:rPr lang="en-US" dirty="0" smtClean="0"/>
-              <a:t>Uses Client</a:t>
-            </a:r>
-            <a:r>
-              <a:rPr lang="en-US" baseline="0" dirty="0" smtClean="0"/>
-              <a:t> OM to talk to SharePoint (JS, REST/CSOM)</a:t>
-            </a:r>
-          </a:p>
-          <a:p>
-            <a:pPr marL="171450" indent="-171450">
-              <a:buFont typeface="Arial" panose="020B0604020202020204" pitchFamily="34" charset="0"/>
-              <a:buChar char="•"/>
-            </a:pPr>
-            <a:r>
-              <a:rPr lang="en-US" baseline="0" dirty="0" smtClean="0"/>
-              <a:t>Is the future proof way to add new capabilities to SP2013+</a:t>
-            </a:r>
-          </a:p>
-          <a:p>
-            <a:pPr marL="171450" indent="-171450">
-              <a:buFont typeface="Arial" panose="020B0604020202020204" pitchFamily="34" charset="0"/>
-              <a:buChar char="•"/>
-            </a:pPr>
-            <a:r>
-              <a:rPr lang="en-US" baseline="0" dirty="0" smtClean="0"/>
-              <a:t>Is available from the Corporate App Catalog or SharePoint Store</a:t>
-            </a:r>
-          </a:p>
-          <a:p>
-            <a:pPr marL="171450" indent="-171450">
-              <a:buFont typeface="Arial" panose="020B0604020202020204" pitchFamily="34" charset="0"/>
-              <a:buChar char="•"/>
-            </a:pPr>
-            <a:r>
-              <a:rPr lang="en-US" baseline="0" dirty="0" smtClean="0"/>
-              <a:t>Is easy to install by site owners or Tenant/Farm administrators</a:t>
-            </a:r>
+            <a:endParaRPr lang="en-US"/>
           </a:p>
         </p:txBody>
       </p:sp>
@@ -11793,184 +10997,7 @@
           <a:p>
             <a:fld id="{A11972B5-6BC1-3D45-8144-C53926F395E5}" type="slidenum">
               <a:rPr lang="en-US" smtClean="0"/>
-              <a:t>10</a:t>
-            </a:fld>
-            <a:endParaRPr lang="en-US" dirty="0"/>
-          </a:p>
-        </p:txBody>
-      </p:sp>
-    </p:spTree>
-    <p:extLst>
-      <p:ext uri="{BB962C8B-B14F-4D97-AF65-F5344CB8AC3E}">
-        <p14:creationId xmlns:p14="http://schemas.microsoft.com/office/powerpoint/2010/main" val="1180102850"/>
-      </p:ext>
-    </p:extLst>
-  </p:cSld>
-  <p:clrMapOvr>
-    <a:masterClrMapping/>
-  </p:clrMapOvr>
-</p:notes>
-</file>
-
-<file path=ppt/notesSlides/notesSlide6.xml><?xml version="1.0" encoding="utf-8"?>
-<p:notes xmlns:a="http://schemas.openxmlformats.org/drawingml/2006/main" xmlns:r="http://schemas.openxmlformats.org/officeDocument/2006/relationships" xmlns:p="http://schemas.openxmlformats.org/presentationml/2006/main">
-  <p:cSld>
-    <p:spTree>
-      <p:nvGrpSpPr>
-        <p:cNvPr id="1" name=""/>
-        <p:cNvGrpSpPr/>
-        <p:nvPr/>
-      </p:nvGrpSpPr>
-      <p:grpSpPr>
-        <a:xfrm>
-          <a:off x="0" y="0"/>
-          <a:ext cx="0" cy="0"/>
-          <a:chOff x="0" y="0"/>
-          <a:chExt cx="0" cy="0"/>
-        </a:xfrm>
-      </p:grpSpPr>
-      <p:sp>
-        <p:nvSpPr>
-          <p:cNvPr id="2" name="Slide Image Placeholder 1"/>
-          <p:cNvSpPr>
-            <a:spLocks noGrp="1" noRot="1" noChangeAspect="1"/>
-          </p:cNvSpPr>
-          <p:nvPr>
-            <p:ph type="sldImg"/>
-          </p:nvPr>
-        </p:nvSpPr>
-        <p:spPr/>
-      </p:sp>
-      <p:sp>
-        <p:nvSpPr>
-          <p:cNvPr id="3" name="Notes Placeholder 2"/>
-          <p:cNvSpPr>
-            <a:spLocks noGrp="1"/>
-          </p:cNvSpPr>
-          <p:nvPr>
-            <p:ph type="body" idx="1"/>
-          </p:nvPr>
-        </p:nvSpPr>
-        <p:spPr/>
-        <p:txBody>
-          <a:bodyPr/>
-          <a:lstStyle/>
-          <a:p>
-            <a:r>
-              <a:rPr lang="en-US" dirty="0" smtClean="0"/>
-              <a:t>http://blog.xebia.com/2013/09/01/differences-between-providers-in-angularjs/</a:t>
-            </a:r>
-            <a:endParaRPr lang="en-US" dirty="0"/>
-          </a:p>
-        </p:txBody>
-      </p:sp>
-      <p:sp>
-        <p:nvSpPr>
-          <p:cNvPr id="4" name="Slide Number Placeholder 3"/>
-          <p:cNvSpPr>
-            <a:spLocks noGrp="1"/>
-          </p:cNvSpPr>
-          <p:nvPr>
-            <p:ph type="sldNum" sz="quarter" idx="10"/>
-          </p:nvPr>
-        </p:nvSpPr>
-        <p:spPr/>
-        <p:txBody>
-          <a:bodyPr/>
-          <a:lstStyle/>
-          <a:p>
-            <a:fld id="{8DAEC444-603B-4F09-9A06-5917518DD901}" type="slidenum">
-              <a:rPr lang="en-US" smtClean="0"/>
-              <a:t>15</a:t>
-            </a:fld>
-            <a:endParaRPr lang="en-US"/>
-          </a:p>
-        </p:txBody>
-      </p:sp>
-    </p:spTree>
-    <p:extLst>
-      <p:ext uri="{BB962C8B-B14F-4D97-AF65-F5344CB8AC3E}">
-        <p14:creationId xmlns:p14="http://schemas.microsoft.com/office/powerpoint/2010/main" val="2767262396"/>
-      </p:ext>
-    </p:extLst>
-  </p:cSld>
-  <p:clrMapOvr>
-    <a:masterClrMapping/>
-  </p:clrMapOvr>
-</p:notes>
-</file>
-
-<file path=ppt/notesSlides/notesSlide7.xml><?xml version="1.0" encoding="utf-8"?>
-<p:notes xmlns:a="http://schemas.openxmlformats.org/drawingml/2006/main" xmlns:r="http://schemas.openxmlformats.org/officeDocument/2006/relationships" xmlns:p="http://schemas.openxmlformats.org/presentationml/2006/main">
-  <p:cSld>
-    <p:spTree>
-      <p:nvGrpSpPr>
-        <p:cNvPr id="1" name=""/>
-        <p:cNvGrpSpPr/>
-        <p:nvPr/>
-      </p:nvGrpSpPr>
-      <p:grpSpPr>
-        <a:xfrm>
-          <a:off x="0" y="0"/>
-          <a:ext cx="0" cy="0"/>
-          <a:chOff x="0" y="0"/>
-          <a:chExt cx="0" cy="0"/>
-        </a:xfrm>
-      </p:grpSpPr>
-      <p:sp>
-        <p:nvSpPr>
-          <p:cNvPr id="2" name="Slide Image Placeholder 1"/>
-          <p:cNvSpPr>
-            <a:spLocks noGrp="1" noRot="1" noChangeAspect="1"/>
-          </p:cNvSpPr>
-          <p:nvPr>
-            <p:ph type="sldImg"/>
-          </p:nvPr>
-        </p:nvSpPr>
-        <p:spPr>
-          <a:xfrm>
-            <a:off x="406400" y="696913"/>
-            <a:ext cx="6197600" cy="3486150"/>
-          </a:xfrm>
-        </p:spPr>
-      </p:sp>
-      <p:sp>
-        <p:nvSpPr>
-          <p:cNvPr id="3" name="Notes Placeholder 2"/>
-          <p:cNvSpPr>
-            <a:spLocks noGrp="1"/>
-          </p:cNvSpPr>
-          <p:nvPr>
-            <p:ph type="body" idx="1"/>
-          </p:nvPr>
-        </p:nvSpPr>
-        <p:spPr/>
-        <p:txBody>
-          <a:bodyPr/>
-          <a:lstStyle/>
-          <a:p>
-            <a:endParaRPr lang="en-US"/>
-          </a:p>
-        </p:txBody>
-      </p:sp>
-      <p:sp>
-        <p:nvSpPr>
-          <p:cNvPr id="4" name="Slide Number Placeholder 3"/>
-          <p:cNvSpPr>
-            <a:spLocks noGrp="1"/>
-          </p:cNvSpPr>
-          <p:nvPr>
-            <p:ph type="sldNum" sz="quarter" idx="10"/>
-          </p:nvPr>
-        </p:nvSpPr>
-        <p:spPr/>
-        <p:txBody>
-          <a:bodyPr/>
-          <a:lstStyle/>
-          <a:p>
-            <a:fld id="{A11972B5-6BC1-3D45-8144-C53926F395E5}" type="slidenum">
-              <a:rPr lang="en-US" smtClean="0"/>
-              <a:t>17</a:t>
+              <a:t>13</a:t>
             </a:fld>
             <a:endParaRPr lang="en-US"/>
           </a:p>
@@ -11980,194 +11007,6 @@
     <p:extLst>
       <p:ext uri="{BB962C8B-B14F-4D97-AF65-F5344CB8AC3E}">
         <p14:creationId xmlns:p14="http://schemas.microsoft.com/office/powerpoint/2010/main" val="3168027567"/>
-      </p:ext>
-    </p:extLst>
-  </p:cSld>
-  <p:clrMapOvr>
-    <a:masterClrMapping/>
-  </p:clrMapOvr>
-</p:notes>
-</file>
-
-<file path=ppt/notesSlides/notesSlide8.xml><?xml version="1.0" encoding="utf-8"?>
-<p:notes xmlns:a="http://schemas.openxmlformats.org/drawingml/2006/main" xmlns:r="http://schemas.openxmlformats.org/officeDocument/2006/relationships" xmlns:p="http://schemas.openxmlformats.org/presentationml/2006/main">
-  <p:cSld>
-    <p:spTree>
-      <p:nvGrpSpPr>
-        <p:cNvPr id="1" name=""/>
-        <p:cNvGrpSpPr/>
-        <p:nvPr/>
-      </p:nvGrpSpPr>
-      <p:grpSpPr>
-        <a:xfrm>
-          <a:off x="0" y="0"/>
-          <a:ext cx="0" cy="0"/>
-          <a:chOff x="0" y="0"/>
-          <a:chExt cx="0" cy="0"/>
-        </a:xfrm>
-      </p:grpSpPr>
-      <p:sp>
-        <p:nvSpPr>
-          <p:cNvPr id="2" name="Slide Image Placeholder 1"/>
-          <p:cNvSpPr>
-            <a:spLocks noGrp="1" noRot="1" noChangeAspect="1"/>
-          </p:cNvSpPr>
-          <p:nvPr>
-            <p:ph type="sldImg"/>
-          </p:nvPr>
-        </p:nvSpPr>
-        <p:spPr/>
-      </p:sp>
-      <p:sp>
-        <p:nvSpPr>
-          <p:cNvPr id="3" name="Notes Placeholder 2"/>
-          <p:cNvSpPr>
-            <a:spLocks noGrp="1"/>
-          </p:cNvSpPr>
-          <p:nvPr>
-            <p:ph type="body" idx="1"/>
-          </p:nvPr>
-        </p:nvSpPr>
-        <p:spPr/>
-        <p:txBody>
-          <a:bodyPr/>
-          <a:lstStyle/>
-          <a:p>
-            <a:endParaRPr lang="en-US"/>
-          </a:p>
-        </p:txBody>
-      </p:sp>
-      <p:sp>
-        <p:nvSpPr>
-          <p:cNvPr id="4" name="Header Placeholder 3"/>
-          <p:cNvSpPr>
-            <a:spLocks noGrp="1"/>
-          </p:cNvSpPr>
-          <p:nvPr>
-            <p:ph type="hdr" sz="quarter" idx="10"/>
-          </p:nvPr>
-        </p:nvSpPr>
-        <p:spPr/>
-        <p:txBody>
-          <a:bodyPr/>
-          <a:lstStyle/>
-          <a:p>
-            <a:endParaRPr lang="en-US" dirty="0"/>
-          </a:p>
-        </p:txBody>
-      </p:sp>
-      <p:sp>
-        <p:nvSpPr>
-          <p:cNvPr id="5" name="Footer Placeholder 4"/>
-          <p:cNvSpPr>
-            <a:spLocks noGrp="1"/>
-          </p:cNvSpPr>
-          <p:nvPr>
-            <p:ph type="ftr" sz="quarter" idx="11"/>
-          </p:nvPr>
-        </p:nvSpPr>
-        <p:spPr/>
-        <p:txBody>
-          <a:bodyPr/>
-          <a:lstStyle/>
-          <a:p>
-            <a:pPr defTabSz="914099" eaLnBrk="0" hangingPunct="0"/>
-            <a:r>
-              <a:rPr lang="en-US" sz="400" dirty="0" smtClean="0">
-                <a:gradFill>
-                  <a:gsLst>
-                    <a:gs pos="0">
-                      <a:prstClr val="black"/>
-                    </a:gs>
-                    <a:gs pos="100000">
-                      <a:prstClr val="black"/>
-                    </a:gs>
-                  </a:gsLst>
-                  <a:lin ang="5400000" scaled="0"/>
-                </a:gradFill>
-                <a:latin typeface="Segoe UI" pitchFamily="34" charset="0"/>
-                <a:ea typeface="Segoe UI" pitchFamily="34" charset="0"/>
-                <a:cs typeface="Segoe UI" pitchFamily="34" charset="0"/>
-              </a:rPr>
-              <a:t>© 2012 Microsoft Corporation. All rights reserved. Microsoft, Windows, and other product names are or may be registered trademarks and/or trademarks in the U.S. and/or other countries.</a:t>
-            </a:r>
-          </a:p>
-          <a:p>
-            <a:pPr defTabSz="914099" eaLnBrk="0" hangingPunct="0"/>
-            <a:r>
-              <a:rPr lang="en-US" sz="400" dirty="0" smtClean="0">
-                <a:gradFill>
-                  <a:gsLst>
-                    <a:gs pos="0">
-                      <a:prstClr val="black"/>
-                    </a:gs>
-                    <a:gs pos="100000">
-                      <a:prstClr val="black"/>
-                    </a:gs>
-                  </a:gsLst>
-                  <a:lin ang="5400000" scaled="0"/>
-                </a:gradFill>
-                <a:latin typeface="Segoe UI" pitchFamily="34" charset="0"/>
-                <a:ea typeface="Segoe UI" pitchFamily="34" charset="0"/>
-                <a:cs typeface="Segoe UI" pitchFamily="34" charset="0"/>
-              </a:rPr>
-              <a:t>The information herein is for informational purposes only and represents the current view of Microsoft Corporation as of the date of this presentation.  Because Microsoft must respond to changing market conditions, it should not be interpreted to be a commitment on the part of Microsoft, and Microsoft cannot guarantee the accuracy of any information provided after the date of this presentation.  MICROSOFT MAKES NO WARRANTIES, EXPRESS, IMPLIED OR STATUTORY, AS TO THE INFORMATION IN THIS PRESENTATION.</a:t>
-            </a:r>
-          </a:p>
-        </p:txBody>
-      </p:sp>
-      <p:sp>
-        <p:nvSpPr>
-          <p:cNvPr id="6" name="Date Placeholder 5"/>
-          <p:cNvSpPr>
-            <a:spLocks noGrp="1"/>
-          </p:cNvSpPr>
-          <p:nvPr>
-            <p:ph type="dt" idx="12"/>
-          </p:nvPr>
-        </p:nvSpPr>
-        <p:spPr/>
-        <p:txBody>
-          <a:bodyPr/>
-          <a:lstStyle/>
-          <a:p>
-            <a:fld id="{D51B1278-D92B-4AF3-A9C1-71DD298190CE}" type="datetimeFigureOut">
-              <a:rPr lang="en-US" smtClean="0"/>
-              <a:pPr/>
-              <a:t>6/13/2015</a:t>
-            </a:fld>
-            <a:endParaRPr lang="en-US" dirty="0"/>
-          </a:p>
-        </p:txBody>
-      </p:sp>
-      <p:sp>
-        <p:nvSpPr>
-          <p:cNvPr id="7" name="Slide Number Placeholder 6"/>
-          <p:cNvSpPr>
-            <a:spLocks noGrp="1"/>
-          </p:cNvSpPr>
-          <p:nvPr>
-            <p:ph type="sldNum" sz="quarter" idx="13"/>
-          </p:nvPr>
-        </p:nvSpPr>
-        <p:spPr/>
-        <p:txBody>
-          <a:bodyPr/>
-          <a:lstStyle/>
-          <a:p>
-            <a:fld id="{B4008EB6-D09E-4580-8CD6-DDB14511944F}" type="slidenum">
-              <a:rPr lang="en-US" smtClean="0"/>
-              <a:pPr/>
-              <a:t>32</a:t>
-            </a:fld>
-            <a:endParaRPr lang="en-US" dirty="0"/>
-          </a:p>
-        </p:txBody>
-      </p:sp>
-    </p:spTree>
-    <p:extLst>
-      <p:ext uri="{BB962C8B-B14F-4D97-AF65-F5344CB8AC3E}">
-        <p14:creationId xmlns:p14="http://schemas.microsoft.com/office/powerpoint/2010/main" val="2322726143"/>
       </p:ext>
     </p:extLst>
   </p:cSld>
@@ -12348,7 +11187,7 @@
           <a:p>
             <a:fld id="{48A87A34-81AB-432B-8DAE-1953F412C126}" type="datetimeFigureOut">
               <a:rPr lang="en-US" dirty="0"/>
-              <a:t>6/13/2015</a:t>
+              <a:t>7/4/15</a:t>
             </a:fld>
             <a:endParaRPr lang="en-US" dirty="0"/>
           </a:p>
@@ -12679,7 +11518,7 @@
           <a:p>
             <a:fld id="{48A87A34-81AB-432B-8DAE-1953F412C126}" type="datetimeFigureOut">
               <a:rPr lang="en-US" dirty="0"/>
-              <a:t>6/13/2015</a:t>
+              <a:t>7/4/15</a:t>
             </a:fld>
             <a:endParaRPr lang="en-US" dirty="0"/>
           </a:p>
@@ -12905,7 +11744,7 @@
           <a:p>
             <a:fld id="{48A87A34-81AB-432B-8DAE-1953F412C126}" type="datetimeFigureOut">
               <a:rPr lang="en-US" dirty="0"/>
-              <a:t>6/13/2015</a:t>
+              <a:t>7/4/15</a:t>
             </a:fld>
             <a:endParaRPr lang="en-US" dirty="0"/>
           </a:p>
@@ -13200,7 +12039,7 @@
           <a:p>
             <a:fld id="{48A87A34-81AB-432B-8DAE-1953F412C126}" type="datetimeFigureOut">
               <a:rPr lang="en-US" dirty="0"/>
-              <a:t>6/13/2015</a:t>
+              <a:t>7/4/15</a:t>
             </a:fld>
             <a:endParaRPr lang="en-US" dirty="0"/>
           </a:p>
@@ -13658,7 +12497,7 @@
           <a:p>
             <a:fld id="{48A87A34-81AB-432B-8DAE-1953F412C126}" type="datetimeFigureOut">
               <a:rPr lang="en-US" dirty="0"/>
-              <a:t>6/13/2015</a:t>
+              <a:t>7/4/15</a:t>
             </a:fld>
             <a:endParaRPr lang="en-US" dirty="0"/>
           </a:p>
@@ -14238,7 +13077,7 @@
           <a:p>
             <a:fld id="{48A87A34-81AB-432B-8DAE-1953F412C126}" type="datetimeFigureOut">
               <a:rPr lang="en-US" dirty="0"/>
-              <a:t>6/13/2015</a:t>
+              <a:t>7/4/15</a:t>
             </a:fld>
             <a:endParaRPr lang="en-US" dirty="0"/>
           </a:p>
@@ -15094,7 +13933,7 @@
           <a:p>
             <a:fld id="{48A87A34-81AB-432B-8DAE-1953F412C126}" type="datetimeFigureOut">
               <a:rPr lang="en-US" dirty="0"/>
-              <a:t>6/13/2015</a:t>
+              <a:t>7/4/15</a:t>
             </a:fld>
             <a:endParaRPr lang="en-US" dirty="0"/>
           </a:p>
@@ -15303,7 +14142,7 @@
           <a:p>
             <a:fld id="{B0FE2824-C2A0-4931-BB32-60B24BDBB3CC}" type="datetimeFigureOut">
               <a:rPr lang="en-US" smtClean="0"/>
-              <a:t>6/13/2015</a:t>
+              <a:t>7/4/15</a:t>
             </a:fld>
             <a:endParaRPr lang="en-US"/>
           </a:p>
@@ -15536,7 +14375,7 @@
           <a:p>
             <a:fld id="{B0FE2824-C2A0-4931-BB32-60B24BDBB3CC}" type="datetimeFigureOut">
               <a:rPr lang="en-US" smtClean="0"/>
-              <a:t>6/13/2015</a:t>
+              <a:t>7/4/15</a:t>
             </a:fld>
             <a:endParaRPr lang="en-US"/>
           </a:p>
@@ -15840,7 +14679,7 @@
           <a:p>
             <a:fld id="{B0FE2824-C2A0-4931-BB32-60B24BDBB3CC}" type="datetimeFigureOut">
               <a:rPr lang="en-US" smtClean="0"/>
-              <a:t>6/13/2015</a:t>
+              <a:t>7/4/15</a:t>
             </a:fld>
             <a:endParaRPr lang="en-US"/>
           </a:p>
@@ -16139,7 +14978,7 @@
           <a:p>
             <a:fld id="{48A87A34-81AB-432B-8DAE-1953F412C126}" type="datetimeFigureOut">
               <a:rPr lang="en-US" dirty="0"/>
-              <a:t>6/13/2015</a:t>
+              <a:t>7/4/15</a:t>
             </a:fld>
             <a:endParaRPr lang="en-US" dirty="0"/>
           </a:p>
@@ -16425,7 +15264,7 @@
           <a:p>
             <a:fld id="{B0FE2824-C2A0-4931-BB32-60B24BDBB3CC}" type="datetimeFigureOut">
               <a:rPr lang="en-US" smtClean="0"/>
-              <a:t>6/13/2015</a:t>
+              <a:t>7/4/15</a:t>
             </a:fld>
             <a:endParaRPr lang="en-US"/>
           </a:p>
@@ -16859,7 +15698,7 @@
           <a:p>
             <a:fld id="{B0FE2824-C2A0-4931-BB32-60B24BDBB3CC}" type="datetimeFigureOut">
               <a:rPr lang="en-US" smtClean="0"/>
-              <a:t>6/13/2015</a:t>
+              <a:t>7/4/15</a:t>
             </a:fld>
             <a:endParaRPr lang="en-US"/>
           </a:p>
@@ -17026,7 +15865,7 @@
           <a:p>
             <a:fld id="{B0FE2824-C2A0-4931-BB32-60B24BDBB3CC}" type="datetimeFigureOut">
               <a:rPr lang="en-US" smtClean="0"/>
-              <a:t>6/13/2015</a:t>
+              <a:t>7/4/15</a:t>
             </a:fld>
             <a:endParaRPr lang="en-US"/>
           </a:p>
@@ -17170,7 +16009,7 @@
           <a:p>
             <a:fld id="{B0FE2824-C2A0-4931-BB32-60B24BDBB3CC}" type="datetimeFigureOut">
               <a:rPr lang="en-US" smtClean="0"/>
-              <a:t>6/13/2015</a:t>
+              <a:t>7/4/15</a:t>
             </a:fld>
             <a:endParaRPr lang="en-US"/>
           </a:p>
@@ -17468,7 +16307,7 @@
           <a:p>
             <a:fld id="{B0FE2824-C2A0-4931-BB32-60B24BDBB3CC}" type="datetimeFigureOut">
               <a:rPr lang="en-US" smtClean="0"/>
-              <a:t>6/13/2015</a:t>
+              <a:t>7/4/15</a:t>
             </a:fld>
             <a:endParaRPr lang="en-US"/>
           </a:p>
@@ -17799,7 +16638,7 @@
           <a:p>
             <a:fld id="{B0FE2824-C2A0-4931-BB32-60B24BDBB3CC}" type="datetimeFigureOut">
               <a:rPr lang="en-US" smtClean="0"/>
-              <a:t>6/13/2015</a:t>
+              <a:t>7/4/15</a:t>
             </a:fld>
             <a:endParaRPr lang="en-US"/>
           </a:p>
@@ -18072,7 +16911,7 @@
             <a:fld id="{48A87A34-81AB-432B-8DAE-1953F412C126}" type="datetimeFigureOut">
               <a:rPr lang="en-US" dirty="0"/>
               <a:pPr/>
-              <a:t>6/13/2015</a:t>
+              <a:t>7/4/15</a:t>
             </a:fld>
             <a:endParaRPr lang="en-US" dirty="0"/>
           </a:p>
@@ -18244,36 +17083,6 @@
               </a14:hiddenFill>
             </a:ext>
           </a:extLst>
-        </p:spPr>
-      </p:pic>
-      <p:pic>
-        <p:nvPicPr>
-          <p:cNvPr id="10" name="Picture 9"/>
-          <p:cNvPicPr>
-            <a:picLocks noChangeAspect="1"/>
-          </p:cNvPicPr>
-          <p:nvPr userDrawn="1"/>
-        </p:nvPicPr>
-        <p:blipFill>
-          <a:blip r:embed="rId22">
-            <a:extLst>
-              <a:ext uri="{28A0092B-C50C-407E-A947-70E740481C1C}">
-                <a14:useLocalDpi xmlns:a14="http://schemas.microsoft.com/office/drawing/2010/main" val="0"/>
-              </a:ext>
-            </a:extLst>
-          </a:blip>
-          <a:stretch>
-            <a:fillRect/>
-          </a:stretch>
-        </p:blipFill>
-        <p:spPr>
-          <a:xfrm>
-            <a:off x="10115127" y="94598"/>
-            <a:ext cx="1866900" cy="1028700"/>
-          </a:xfrm>
-          <a:prstGeom prst="rect">
-            <a:avLst/>
-          </a:prstGeom>
         </p:spPr>
       </p:pic>
     </p:spTree>
@@ -18696,11 +17505,7 @@
             </a:r>
             <a:r>
               <a:rPr lang="en-US" dirty="0" smtClean="0"/>
-              <a:t>Applications using </a:t>
-            </a:r>
-            <a:r>
-              <a:rPr lang="en-US" dirty="0" smtClean="0"/>
-              <a:t>AngularJS</a:t>
+              <a:t>Applications using AngularJS</a:t>
             </a:r>
             <a:endParaRPr lang="en-US" dirty="0"/>
           </a:p>
@@ -18792,1352 +17597,6 @@
 </file>
 
 <file path=ppt/slides/slide10.xml><?xml version="1.0" encoding="utf-8"?>
-<p:sld xmlns:a="http://schemas.openxmlformats.org/drawingml/2006/main" xmlns:r="http://schemas.openxmlformats.org/officeDocument/2006/relationships" xmlns:p="http://schemas.openxmlformats.org/presentationml/2006/main">
-  <p:cSld>
-    <p:spTree>
-      <p:nvGrpSpPr>
-        <p:cNvPr id="1" name=""/>
-        <p:cNvGrpSpPr/>
-        <p:nvPr/>
-      </p:nvGrpSpPr>
-      <p:grpSpPr>
-        <a:xfrm>
-          <a:off x="0" y="0"/>
-          <a:ext cx="0" cy="0"/>
-          <a:chOff x="0" y="0"/>
-          <a:chExt cx="0" cy="0"/>
-        </a:xfrm>
-      </p:grpSpPr>
-      <p:sp>
-        <p:nvSpPr>
-          <p:cNvPr id="10" name="Rectangle 9"/>
-          <p:cNvSpPr/>
-          <p:nvPr/>
-        </p:nvSpPr>
-        <p:spPr bwMode="auto">
-          <a:xfrm>
-            <a:off x="6215747" y="2919839"/>
-            <a:ext cx="1937657" cy="2453127"/>
-          </a:xfrm>
-          <a:prstGeom prst="rect">
-            <a:avLst/>
-          </a:prstGeom>
-          <a:solidFill>
-            <a:schemeClr val="tx1">
-              <a:lumMod val="65000"/>
-              <a:lumOff val="35000"/>
-            </a:schemeClr>
-          </a:solidFill>
-          <a:ln>
-            <a:solidFill>
-              <a:schemeClr val="bg1"/>
-            </a:solidFill>
-            <a:headEnd type="none" w="med" len="med"/>
-            <a:tailEnd type="none" w="med" len="med"/>
-          </a:ln>
-          <a:effectLst/>
-        </p:spPr>
-        <p:style>
-          <a:lnRef idx="1">
-            <a:schemeClr val="accent2"/>
-          </a:lnRef>
-          <a:fillRef idx="3">
-            <a:schemeClr val="accent2"/>
-          </a:fillRef>
-          <a:effectRef idx="2">
-            <a:schemeClr val="accent2"/>
-          </a:effectRef>
-          <a:fontRef idx="minor">
-            <a:schemeClr val="lt1"/>
-          </a:fontRef>
-        </p:style>
-        <p:txBody>
-          <a:bodyPr rot="0" spcFirstLastPara="0" vertOverflow="overflow" horzOverflow="overflow" vert="horz" wrap="square" lIns="45720" tIns="45720" rIns="45720" bIns="45720" numCol="1" spcCol="0" rtlCol="0" fromWordArt="0" anchor="b" anchorCtr="0" forceAA="0" compatLnSpc="1">
-            <a:prstTxWarp prst="textNoShape">
-              <a:avLst/>
-            </a:prstTxWarp>
-            <a:noAutofit/>
-          </a:bodyPr>
-          <a:lstStyle/>
-          <a:p>
-            <a:pPr marL="120650" defTabSz="914099" fontAlgn="base">
-              <a:spcBef>
-                <a:spcPct val="0"/>
-              </a:spcBef>
-              <a:spcAft>
-                <a:spcPct val="0"/>
-              </a:spcAft>
-            </a:pPr>
-            <a:r>
-              <a:rPr lang="en-US" sz="2000" dirty="0">
-                <a:solidFill>
-                  <a:schemeClr val="bg1"/>
-                </a:solidFill>
-                <a:latin typeface="Effra" panose="020B0506080202020204" pitchFamily="34" charset="0"/>
-                <a:ea typeface="Segoe UI" pitchFamily="34" charset="0"/>
-                <a:cs typeface="Segoe Pro Light"/>
-              </a:rPr>
-              <a:t>Not Cloud Ready</a:t>
-            </a:r>
-          </a:p>
-        </p:txBody>
-      </p:sp>
-      <p:sp>
-        <p:nvSpPr>
-          <p:cNvPr id="8" name="Rectangle 7"/>
-          <p:cNvSpPr/>
-          <p:nvPr/>
-        </p:nvSpPr>
-        <p:spPr bwMode="auto">
-          <a:xfrm>
-            <a:off x="1781633" y="2919841"/>
-            <a:ext cx="1937657" cy="2453127"/>
-          </a:xfrm>
-          <a:prstGeom prst="rect">
-            <a:avLst/>
-          </a:prstGeom>
-          <a:solidFill>
-            <a:schemeClr val="tx1">
-              <a:lumMod val="65000"/>
-              <a:lumOff val="35000"/>
-            </a:schemeClr>
-          </a:solidFill>
-          <a:ln>
-            <a:solidFill>
-              <a:srgbClr val="172952"/>
-            </a:solidFill>
-            <a:headEnd type="none" w="med" len="med"/>
-            <a:tailEnd type="none" w="med" len="med"/>
-          </a:ln>
-          <a:effectLst/>
-        </p:spPr>
-        <p:style>
-          <a:lnRef idx="1">
-            <a:schemeClr val="accent2"/>
-          </a:lnRef>
-          <a:fillRef idx="3">
-            <a:schemeClr val="accent2"/>
-          </a:fillRef>
-          <a:effectRef idx="2">
-            <a:schemeClr val="accent2"/>
-          </a:effectRef>
-          <a:fontRef idx="minor">
-            <a:schemeClr val="lt1"/>
-          </a:fontRef>
-        </p:style>
-        <p:txBody>
-          <a:bodyPr rot="0" spcFirstLastPara="0" vertOverflow="overflow" horzOverflow="overflow" vert="horz" wrap="square" lIns="45720" tIns="45720" rIns="45720" bIns="45720" numCol="1" spcCol="0" rtlCol="0" fromWordArt="0" anchor="b" anchorCtr="0" forceAA="0" compatLnSpc="1">
-            <a:prstTxWarp prst="textNoShape">
-              <a:avLst/>
-            </a:prstTxWarp>
-            <a:noAutofit/>
-          </a:bodyPr>
-          <a:lstStyle/>
-          <a:p>
-            <a:pPr marL="120650" defTabSz="914099" fontAlgn="base">
-              <a:spcBef>
-                <a:spcPct val="0"/>
-              </a:spcBef>
-              <a:spcAft>
-                <a:spcPct val="0"/>
-              </a:spcAft>
-            </a:pPr>
-            <a:r>
-              <a:rPr lang="en-US" sz="2000" dirty="0">
-                <a:solidFill>
-                  <a:schemeClr val="bg1"/>
-                </a:solidFill>
-                <a:latin typeface="Effra" panose="020B0506080202020204" pitchFamily="34" charset="0"/>
-                <a:ea typeface="Segoe UI" pitchFamily="34" charset="0"/>
-                <a:cs typeface="Segoe Pro Light"/>
-              </a:rPr>
-              <a:t>Performance and Stability</a:t>
-            </a:r>
-          </a:p>
-        </p:txBody>
-      </p:sp>
-      <p:sp>
-        <p:nvSpPr>
-          <p:cNvPr id="9" name="Rectangle 8"/>
-          <p:cNvSpPr/>
-          <p:nvPr/>
-        </p:nvSpPr>
-        <p:spPr bwMode="auto">
-          <a:xfrm>
-            <a:off x="3998690" y="2919840"/>
-            <a:ext cx="1937657" cy="2453127"/>
-          </a:xfrm>
-          <a:prstGeom prst="rect">
-            <a:avLst/>
-          </a:prstGeom>
-          <a:solidFill>
-            <a:schemeClr val="tx1">
-              <a:lumMod val="65000"/>
-              <a:lumOff val="35000"/>
-            </a:schemeClr>
-          </a:solidFill>
-          <a:ln>
-            <a:solidFill>
-              <a:srgbClr val="172952"/>
-            </a:solidFill>
-            <a:headEnd type="none" w="med" len="med"/>
-            <a:tailEnd type="none" w="med" len="med"/>
-          </a:ln>
-          <a:effectLst/>
-        </p:spPr>
-        <p:style>
-          <a:lnRef idx="1">
-            <a:schemeClr val="accent2"/>
-          </a:lnRef>
-          <a:fillRef idx="3">
-            <a:schemeClr val="accent2"/>
-          </a:fillRef>
-          <a:effectRef idx="2">
-            <a:schemeClr val="accent2"/>
-          </a:effectRef>
-          <a:fontRef idx="minor">
-            <a:schemeClr val="lt1"/>
-          </a:fontRef>
-        </p:style>
-        <p:txBody>
-          <a:bodyPr rot="0" spcFirstLastPara="0" vertOverflow="overflow" horzOverflow="overflow" vert="horz" wrap="square" lIns="45720" tIns="45720" rIns="45720" bIns="45720" numCol="1" spcCol="0" rtlCol="0" fromWordArt="0" anchor="b" anchorCtr="0" forceAA="0" compatLnSpc="1">
-            <a:prstTxWarp prst="textNoShape">
-              <a:avLst/>
-            </a:prstTxWarp>
-            <a:noAutofit/>
-          </a:bodyPr>
-          <a:lstStyle/>
-          <a:p>
-            <a:pPr marL="120650" defTabSz="914099" fontAlgn="base">
-              <a:spcBef>
-                <a:spcPct val="0"/>
-              </a:spcBef>
-              <a:spcAft>
-                <a:spcPct val="0"/>
-              </a:spcAft>
-            </a:pPr>
-            <a:r>
-              <a:rPr lang="en-US" sz="2000" dirty="0">
-                <a:solidFill>
-                  <a:schemeClr val="bg1"/>
-                </a:solidFill>
-                <a:latin typeface="Effra" panose="020B0506080202020204" pitchFamily="34" charset="0"/>
-                <a:ea typeface="Segoe UI" pitchFamily="34" charset="0"/>
-                <a:cs typeface="Segoe Pro Light"/>
-              </a:rPr>
-              <a:t>Lifecycle Management</a:t>
-            </a:r>
-          </a:p>
-        </p:txBody>
-      </p:sp>
-      <p:sp>
-        <p:nvSpPr>
-          <p:cNvPr id="11" name="Rectangle 10"/>
-          <p:cNvSpPr/>
-          <p:nvPr/>
-        </p:nvSpPr>
-        <p:spPr bwMode="auto">
-          <a:xfrm>
-            <a:off x="8432804" y="2919838"/>
-            <a:ext cx="1937657" cy="2453127"/>
-          </a:xfrm>
-          <a:prstGeom prst="rect">
-            <a:avLst/>
-          </a:prstGeom>
-          <a:solidFill>
-            <a:schemeClr val="tx1">
-              <a:lumMod val="65000"/>
-              <a:lumOff val="35000"/>
-            </a:schemeClr>
-          </a:solidFill>
-          <a:ln>
-            <a:solidFill>
-              <a:srgbClr val="172952"/>
-            </a:solidFill>
-            <a:headEnd type="none" w="med" len="med"/>
-            <a:tailEnd type="none" w="med" len="med"/>
-          </a:ln>
-          <a:effectLst/>
-        </p:spPr>
-        <p:style>
-          <a:lnRef idx="1">
-            <a:schemeClr val="accent2"/>
-          </a:lnRef>
-          <a:fillRef idx="3">
-            <a:schemeClr val="accent2"/>
-          </a:fillRef>
-          <a:effectRef idx="2">
-            <a:schemeClr val="accent2"/>
-          </a:effectRef>
-          <a:fontRef idx="minor">
-            <a:schemeClr val="lt1"/>
-          </a:fontRef>
-        </p:style>
-        <p:txBody>
-          <a:bodyPr rot="0" spcFirstLastPara="0" vertOverflow="overflow" horzOverflow="overflow" vert="horz" wrap="square" lIns="45720" tIns="45720" rIns="45720" bIns="45720" numCol="1" spcCol="0" rtlCol="0" fromWordArt="0" anchor="b" anchorCtr="0" forceAA="0" compatLnSpc="1">
-            <a:prstTxWarp prst="textNoShape">
-              <a:avLst/>
-            </a:prstTxWarp>
-            <a:noAutofit/>
-          </a:bodyPr>
-          <a:lstStyle/>
-          <a:p>
-            <a:pPr marL="120650" defTabSz="914099" fontAlgn="base">
-              <a:spcBef>
-                <a:spcPct val="0"/>
-              </a:spcBef>
-              <a:spcAft>
-                <a:spcPct val="0"/>
-              </a:spcAft>
-            </a:pPr>
-            <a:r>
-              <a:rPr lang="en-US" sz="2000" dirty="0">
-                <a:solidFill>
-                  <a:schemeClr val="bg1"/>
-                </a:solidFill>
-                <a:latin typeface="Effra" panose="020B0506080202020204" pitchFamily="34" charset="0"/>
-                <a:ea typeface="Segoe UI" pitchFamily="34" charset="0"/>
-                <a:cs typeface="Segoe Pro Light"/>
-              </a:rPr>
-              <a:t>Resources</a:t>
-            </a:r>
-          </a:p>
-        </p:txBody>
-      </p:sp>
-      <p:pic>
-        <p:nvPicPr>
-          <p:cNvPr id="12" name="Picture 4" descr="\\MAGNUM\Projects\Microsoft\Cloud Power FY12\Design\ICONS_PNG\IIS-MULTI-TENANCY.png"/>
-          <p:cNvPicPr>
-            <a:picLocks noChangeAspect="1" noChangeArrowheads="1"/>
-          </p:cNvPicPr>
-          <p:nvPr/>
-        </p:nvPicPr>
-        <p:blipFill>
-          <a:blip r:embed="rId3" cstate="print">
-            <a:biLevel thresh="25000"/>
-          </a:blip>
-          <a:stretch>
-            <a:fillRect/>
-          </a:stretch>
-        </p:blipFill>
-        <p:spPr bwMode="auto">
-          <a:xfrm>
-            <a:off x="4122455" y="2917015"/>
-            <a:ext cx="1673223" cy="1673223"/>
-          </a:xfrm>
-          <a:prstGeom prst="rect">
-            <a:avLst/>
-          </a:prstGeom>
-          <a:noFill/>
-          <a:ln>
-            <a:noFill/>
-          </a:ln>
-        </p:spPr>
-      </p:pic>
-      <p:sp>
-        <p:nvSpPr>
-          <p:cNvPr id="13" name="Cloud 12"/>
-          <p:cNvSpPr/>
-          <p:nvPr/>
-        </p:nvSpPr>
-        <p:spPr>
-          <a:xfrm>
-            <a:off x="6482277" y="3269082"/>
-            <a:ext cx="1404594" cy="1140643"/>
-          </a:xfrm>
-          <a:prstGeom prst="cloud">
-            <a:avLst/>
-          </a:prstGeom>
-          <a:solidFill>
-            <a:schemeClr val="bg1"/>
-          </a:solidFill>
-          <a:ln w="38100">
-            <a:solidFill>
-              <a:schemeClr val="bg1"/>
-            </a:solidFill>
-          </a:ln>
-        </p:spPr>
-        <p:style>
-          <a:lnRef idx="1">
-            <a:schemeClr val="accent1"/>
-          </a:lnRef>
-          <a:fillRef idx="3">
-            <a:schemeClr val="accent1"/>
-          </a:fillRef>
-          <a:effectRef idx="2">
-            <a:schemeClr val="accent1"/>
-          </a:effectRef>
-          <a:fontRef idx="minor">
-            <a:schemeClr val="lt1"/>
-          </a:fontRef>
-        </p:style>
-        <p:txBody>
-          <a:bodyPr rtlCol="0" anchor="ctr"/>
-          <a:lstStyle/>
-          <a:p>
-            <a:pPr algn="ctr"/>
-            <a:endParaRPr lang="en-US" dirty="0"/>
-          </a:p>
-        </p:txBody>
-      </p:sp>
-      <p:sp>
-        <p:nvSpPr>
-          <p:cNvPr id="14" name="Lightning Bolt 13"/>
-          <p:cNvSpPr/>
-          <p:nvPr/>
-        </p:nvSpPr>
-        <p:spPr>
-          <a:xfrm>
-            <a:off x="2105970" y="3269081"/>
-            <a:ext cx="1121790" cy="989814"/>
-          </a:xfrm>
-          <a:prstGeom prst="lightningBolt">
-            <a:avLst/>
-          </a:prstGeom>
-          <a:solidFill>
-            <a:schemeClr val="bg1"/>
-          </a:solidFill>
-          <a:ln w="38100">
-            <a:solidFill>
-              <a:schemeClr val="bg1"/>
-            </a:solidFill>
-          </a:ln>
-        </p:spPr>
-        <p:style>
-          <a:lnRef idx="1">
-            <a:schemeClr val="accent1"/>
-          </a:lnRef>
-          <a:fillRef idx="3">
-            <a:schemeClr val="accent1"/>
-          </a:fillRef>
-          <a:effectRef idx="2">
-            <a:schemeClr val="accent1"/>
-          </a:effectRef>
-          <a:fontRef idx="minor">
-            <a:schemeClr val="lt1"/>
-          </a:fontRef>
-        </p:style>
-        <p:txBody>
-          <a:bodyPr rtlCol="0" anchor="ctr"/>
-          <a:lstStyle/>
-          <a:p>
-            <a:pPr algn="ctr"/>
-            <a:endParaRPr lang="en-US" dirty="0"/>
-          </a:p>
-        </p:txBody>
-      </p:sp>
-      <p:sp>
-        <p:nvSpPr>
-          <p:cNvPr id="15" name="Freeform 741"/>
-          <p:cNvSpPr>
-            <a:spLocks/>
-          </p:cNvSpPr>
-          <p:nvPr/>
-        </p:nvSpPr>
-        <p:spPr bwMode="auto">
-          <a:xfrm>
-            <a:off x="8906457" y="3638174"/>
-            <a:ext cx="371046" cy="806232"/>
-          </a:xfrm>
-          <a:custGeom>
-            <a:avLst/>
-            <a:gdLst>
-              <a:gd name="T0" fmla="*/ 73 w 90"/>
-              <a:gd name="T1" fmla="*/ 0 h 181"/>
-              <a:gd name="T2" fmla="*/ 17 w 90"/>
-              <a:gd name="T3" fmla="*/ 0 h 181"/>
-              <a:gd name="T4" fmla="*/ 0 w 90"/>
-              <a:gd name="T5" fmla="*/ 17 h 181"/>
-              <a:gd name="T6" fmla="*/ 0 w 90"/>
-              <a:gd name="T7" fmla="*/ 93 h 181"/>
-              <a:gd name="T8" fmla="*/ 17 w 90"/>
-              <a:gd name="T9" fmla="*/ 110 h 181"/>
-              <a:gd name="T10" fmla="*/ 17 w 90"/>
-              <a:gd name="T11" fmla="*/ 110 h 181"/>
-              <a:gd name="T12" fmla="*/ 17 w 90"/>
-              <a:gd name="T13" fmla="*/ 164 h 181"/>
-              <a:gd name="T14" fmla="*/ 33 w 90"/>
-              <a:gd name="T15" fmla="*/ 181 h 181"/>
-              <a:gd name="T16" fmla="*/ 57 w 90"/>
-              <a:gd name="T17" fmla="*/ 181 h 181"/>
-              <a:gd name="T18" fmla="*/ 73 w 90"/>
-              <a:gd name="T19" fmla="*/ 164 h 181"/>
-              <a:gd name="T20" fmla="*/ 73 w 90"/>
-              <a:gd name="T21" fmla="*/ 110 h 181"/>
-              <a:gd name="T22" fmla="*/ 73 w 90"/>
-              <a:gd name="T23" fmla="*/ 110 h 181"/>
-              <a:gd name="T24" fmla="*/ 90 w 90"/>
-              <a:gd name="T25" fmla="*/ 93 h 181"/>
-              <a:gd name="T26" fmla="*/ 90 w 90"/>
-              <a:gd name="T27" fmla="*/ 17 h 181"/>
-              <a:gd name="T28" fmla="*/ 73 w 90"/>
-              <a:gd name="T29" fmla="*/ 0 h 181"/>
-              <a:gd name="connsiteX0" fmla="*/ 8111 w 10000"/>
-              <a:gd name="connsiteY0" fmla="*/ 0 h 10000"/>
-              <a:gd name="connsiteX1" fmla="*/ 1889 w 10000"/>
-              <a:gd name="connsiteY1" fmla="*/ 0 h 10000"/>
-              <a:gd name="connsiteX2" fmla="*/ 0 w 10000"/>
-              <a:gd name="connsiteY2" fmla="*/ 939 h 10000"/>
-              <a:gd name="connsiteX3" fmla="*/ 0 w 10000"/>
-              <a:gd name="connsiteY3" fmla="*/ 5138 h 10000"/>
-              <a:gd name="connsiteX4" fmla="*/ 1889 w 10000"/>
-              <a:gd name="connsiteY4" fmla="*/ 6077 h 10000"/>
-              <a:gd name="connsiteX5" fmla="*/ 1889 w 10000"/>
-              <a:gd name="connsiteY5" fmla="*/ 6077 h 10000"/>
-              <a:gd name="connsiteX6" fmla="*/ 1889 w 10000"/>
-              <a:gd name="connsiteY6" fmla="*/ 9061 h 10000"/>
-              <a:gd name="connsiteX7" fmla="*/ 3667 w 10000"/>
-              <a:gd name="connsiteY7" fmla="*/ 10000 h 10000"/>
-              <a:gd name="connsiteX8" fmla="*/ 6333 w 10000"/>
-              <a:gd name="connsiteY8" fmla="*/ 10000 h 10000"/>
-              <a:gd name="connsiteX9" fmla="*/ 8111 w 10000"/>
-              <a:gd name="connsiteY9" fmla="*/ 9061 h 10000"/>
-              <a:gd name="connsiteX10" fmla="*/ 8111 w 10000"/>
-              <a:gd name="connsiteY10" fmla="*/ 6077 h 10000"/>
-              <a:gd name="connsiteX11" fmla="*/ 8111 w 10000"/>
-              <a:gd name="connsiteY11" fmla="*/ 6077 h 10000"/>
-              <a:gd name="connsiteX12" fmla="*/ 10000 w 10000"/>
-              <a:gd name="connsiteY12" fmla="*/ 5138 h 10000"/>
-              <a:gd name="connsiteX13" fmla="*/ 8253 w 10000"/>
-              <a:gd name="connsiteY13" fmla="*/ 1991 h 10000"/>
-              <a:gd name="connsiteX14" fmla="*/ 8111 w 10000"/>
-              <a:gd name="connsiteY14" fmla="*/ 0 h 10000"/>
-              <a:gd name="connsiteX0" fmla="*/ 8111 w 8595"/>
-              <a:gd name="connsiteY0" fmla="*/ 0 h 10000"/>
-              <a:gd name="connsiteX1" fmla="*/ 1889 w 8595"/>
-              <a:gd name="connsiteY1" fmla="*/ 0 h 10000"/>
-              <a:gd name="connsiteX2" fmla="*/ 0 w 8595"/>
-              <a:gd name="connsiteY2" fmla="*/ 939 h 10000"/>
-              <a:gd name="connsiteX3" fmla="*/ 0 w 8595"/>
-              <a:gd name="connsiteY3" fmla="*/ 5138 h 10000"/>
-              <a:gd name="connsiteX4" fmla="*/ 1889 w 8595"/>
-              <a:gd name="connsiteY4" fmla="*/ 6077 h 10000"/>
-              <a:gd name="connsiteX5" fmla="*/ 1889 w 8595"/>
-              <a:gd name="connsiteY5" fmla="*/ 6077 h 10000"/>
-              <a:gd name="connsiteX6" fmla="*/ 1889 w 8595"/>
-              <a:gd name="connsiteY6" fmla="*/ 9061 h 10000"/>
-              <a:gd name="connsiteX7" fmla="*/ 3667 w 8595"/>
-              <a:gd name="connsiteY7" fmla="*/ 10000 h 10000"/>
-              <a:gd name="connsiteX8" fmla="*/ 6333 w 8595"/>
-              <a:gd name="connsiteY8" fmla="*/ 10000 h 10000"/>
-              <a:gd name="connsiteX9" fmla="*/ 8111 w 8595"/>
-              <a:gd name="connsiteY9" fmla="*/ 9061 h 10000"/>
-              <a:gd name="connsiteX10" fmla="*/ 8111 w 8595"/>
-              <a:gd name="connsiteY10" fmla="*/ 6077 h 10000"/>
-              <a:gd name="connsiteX11" fmla="*/ 8111 w 8595"/>
-              <a:gd name="connsiteY11" fmla="*/ 6077 h 10000"/>
-              <a:gd name="connsiteX12" fmla="*/ 8253 w 8595"/>
-              <a:gd name="connsiteY12" fmla="*/ 5138 h 10000"/>
-              <a:gd name="connsiteX13" fmla="*/ 8253 w 8595"/>
-              <a:gd name="connsiteY13" fmla="*/ 1991 h 10000"/>
-              <a:gd name="connsiteX14" fmla="*/ 8111 w 8595"/>
-              <a:gd name="connsiteY14" fmla="*/ 0 h 10000"/>
-            </a:gdLst>
-            <a:ahLst/>
-            <a:cxnLst>
-              <a:cxn ang="0">
-                <a:pos x="connsiteX0" y="connsiteY0"/>
-              </a:cxn>
-              <a:cxn ang="0">
-                <a:pos x="connsiteX1" y="connsiteY1"/>
-              </a:cxn>
-              <a:cxn ang="0">
-                <a:pos x="connsiteX2" y="connsiteY2"/>
-              </a:cxn>
-              <a:cxn ang="0">
-                <a:pos x="connsiteX3" y="connsiteY3"/>
-              </a:cxn>
-              <a:cxn ang="0">
-                <a:pos x="connsiteX4" y="connsiteY4"/>
-              </a:cxn>
-              <a:cxn ang="0">
-                <a:pos x="connsiteX5" y="connsiteY5"/>
-              </a:cxn>
-              <a:cxn ang="0">
-                <a:pos x="connsiteX6" y="connsiteY6"/>
-              </a:cxn>
-              <a:cxn ang="0">
-                <a:pos x="connsiteX7" y="connsiteY7"/>
-              </a:cxn>
-              <a:cxn ang="0">
-                <a:pos x="connsiteX8" y="connsiteY8"/>
-              </a:cxn>
-              <a:cxn ang="0">
-                <a:pos x="connsiteX9" y="connsiteY9"/>
-              </a:cxn>
-              <a:cxn ang="0">
-                <a:pos x="connsiteX10" y="connsiteY10"/>
-              </a:cxn>
-              <a:cxn ang="0">
-                <a:pos x="connsiteX11" y="connsiteY11"/>
-              </a:cxn>
-              <a:cxn ang="0">
-                <a:pos x="connsiteX12" y="connsiteY12"/>
-              </a:cxn>
-              <a:cxn ang="0">
-                <a:pos x="connsiteX13" y="connsiteY13"/>
-              </a:cxn>
-              <a:cxn ang="0">
-                <a:pos x="connsiteX14" y="connsiteY14"/>
-              </a:cxn>
-            </a:cxnLst>
-            <a:rect l="l" t="t" r="r" b="b"/>
-            <a:pathLst>
-              <a:path w="8595" h="10000">
-                <a:moveTo>
-                  <a:pt x="8111" y="0"/>
-                </a:moveTo>
-                <a:lnTo>
-                  <a:pt x="1889" y="0"/>
-                </a:lnTo>
-                <a:cubicBezTo>
-                  <a:pt x="889" y="0"/>
-                  <a:pt x="0" y="442"/>
-                  <a:pt x="0" y="939"/>
-                </a:cubicBezTo>
-                <a:lnTo>
-                  <a:pt x="0" y="5138"/>
-                </a:lnTo>
-                <a:cubicBezTo>
-                  <a:pt x="0" y="5635"/>
-                  <a:pt x="889" y="6077"/>
-                  <a:pt x="1889" y="6077"/>
-                </a:cubicBezTo>
-                <a:lnTo>
-                  <a:pt x="1889" y="6077"/>
-                </a:lnTo>
-                <a:lnTo>
-                  <a:pt x="1889" y="9061"/>
-                </a:lnTo>
-                <a:cubicBezTo>
-                  <a:pt x="1889" y="9558"/>
-                  <a:pt x="2667" y="10000"/>
-                  <a:pt x="3667" y="10000"/>
-                </a:cubicBezTo>
-                <a:lnTo>
-                  <a:pt x="6333" y="10000"/>
-                </a:lnTo>
-                <a:cubicBezTo>
-                  <a:pt x="7333" y="10000"/>
-                  <a:pt x="8111" y="9558"/>
-                  <a:pt x="8111" y="9061"/>
-                </a:cubicBezTo>
-                <a:lnTo>
-                  <a:pt x="8111" y="6077"/>
-                </a:lnTo>
-                <a:lnTo>
-                  <a:pt x="8111" y="6077"/>
-                </a:lnTo>
-                <a:cubicBezTo>
-                  <a:pt x="8135" y="5921"/>
-                  <a:pt x="8253" y="5635"/>
-                  <a:pt x="8253" y="5138"/>
-                </a:cubicBezTo>
-                <a:lnTo>
-                  <a:pt x="8253" y="1991"/>
-                </a:lnTo>
-                <a:cubicBezTo>
-                  <a:pt x="8253" y="1494"/>
-                  <a:pt x="9111" y="0"/>
-                  <a:pt x="8111" y="0"/>
-                </a:cubicBezTo>
-                <a:close/>
-              </a:path>
-            </a:pathLst>
-          </a:custGeom>
-          <a:solidFill>
-            <a:srgbClr val="FFFFFF"/>
-          </a:solidFill>
-          <a:ln>
-            <a:noFill/>
-          </a:ln>
-          <a:extLst>
-            <a:ext uri="{91240B29-F687-4f45-9708-019B960494DF}">
-              <a14:hiddenLine xmlns="" xmlns:a14="http://schemas.microsoft.com/office/drawing/2010/main" w="9525">
-                <a:solidFill>
-                  <a:srgbClr val="000000"/>
-                </a:solidFill>
-                <a:round/>
-                <a:headEnd/>
-                <a:tailEnd/>
-              </a14:hiddenLine>
-            </a:ext>
-          </a:extLst>
-        </p:spPr>
-        <p:txBody>
-          <a:bodyPr vert="horz" wrap="square" lIns="91440" tIns="45720" rIns="91440" bIns="45720" numCol="1" anchor="t" anchorCtr="0" compatLnSpc="1">
-            <a:prstTxWarp prst="textNoShape">
-              <a:avLst/>
-            </a:prstTxWarp>
-          </a:bodyPr>
-          <a:lstStyle/>
-          <a:p>
-            <a:pPr defTabSz="1218159">
-              <a:defRPr/>
-            </a:pPr>
-            <a:endParaRPr lang="en-US" sz="2400" kern="0" dirty="0">
-              <a:solidFill>
-                <a:srgbClr val="000000"/>
-              </a:solidFill>
-            </a:endParaRPr>
-          </a:p>
-        </p:txBody>
-      </p:sp>
-      <p:sp>
-        <p:nvSpPr>
-          <p:cNvPr id="16" name="Oval 742"/>
-          <p:cNvSpPr>
-            <a:spLocks noChangeArrowheads="1"/>
-          </p:cNvSpPr>
-          <p:nvPr/>
-        </p:nvSpPr>
-        <p:spPr bwMode="auto">
-          <a:xfrm>
-            <a:off x="8990518" y="3373836"/>
-            <a:ext cx="239358" cy="241681"/>
-          </a:xfrm>
-          <a:prstGeom prst="ellipse">
-            <a:avLst/>
-          </a:prstGeom>
-          <a:solidFill>
-            <a:srgbClr val="FFFFFF"/>
-          </a:solidFill>
-          <a:ln>
-            <a:noFill/>
-          </a:ln>
-          <a:extLst>
-            <a:ext uri="{91240B29-F687-4f45-9708-019B960494DF}">
-              <a14:hiddenLine xmlns="" xmlns:a14="http://schemas.microsoft.com/office/drawing/2010/main" w="9525">
-                <a:solidFill>
-                  <a:srgbClr val="000000"/>
-                </a:solidFill>
-                <a:round/>
-                <a:headEnd/>
-                <a:tailEnd/>
-              </a14:hiddenLine>
-            </a:ext>
-          </a:extLst>
-        </p:spPr>
-        <p:txBody>
-          <a:bodyPr vert="horz" wrap="square" lIns="91440" tIns="45720" rIns="91440" bIns="45720" numCol="1" anchor="t" anchorCtr="0" compatLnSpc="1">
-            <a:prstTxWarp prst="textNoShape">
-              <a:avLst/>
-            </a:prstTxWarp>
-          </a:bodyPr>
-          <a:lstStyle/>
-          <a:p>
-            <a:pPr defTabSz="1218159">
-              <a:defRPr/>
-            </a:pPr>
-            <a:endParaRPr lang="en-US" sz="2400" kern="0" dirty="0">
-              <a:solidFill>
-                <a:srgbClr val="000000"/>
-              </a:solidFill>
-            </a:endParaRPr>
-          </a:p>
-        </p:txBody>
-      </p:sp>
-      <p:sp>
-        <p:nvSpPr>
-          <p:cNvPr id="17" name="Diagonal Stripe 16"/>
-          <p:cNvSpPr/>
-          <p:nvPr/>
-        </p:nvSpPr>
-        <p:spPr>
-          <a:xfrm rot="5400000" flipV="1">
-            <a:off x="9256405" y="3515293"/>
-            <a:ext cx="245219" cy="267350"/>
-          </a:xfrm>
-          <a:prstGeom prst="diagStripe">
-            <a:avLst/>
-          </a:prstGeom>
-          <a:solidFill>
-            <a:schemeClr val="bg1"/>
-          </a:solidFill>
-          <a:ln>
-            <a:solidFill>
-              <a:schemeClr val="bg1"/>
-            </a:solidFill>
-          </a:ln>
-          <a:effectLst/>
-        </p:spPr>
-        <p:style>
-          <a:lnRef idx="1">
-            <a:schemeClr val="accent1"/>
-          </a:lnRef>
-          <a:fillRef idx="3">
-            <a:schemeClr val="accent1"/>
-          </a:fillRef>
-          <a:effectRef idx="2">
-            <a:schemeClr val="accent1"/>
-          </a:effectRef>
-          <a:fontRef idx="minor">
-            <a:schemeClr val="lt1"/>
-          </a:fontRef>
-        </p:style>
-        <p:txBody>
-          <a:bodyPr rtlCol="0" anchor="ctr"/>
-          <a:lstStyle/>
-          <a:p>
-            <a:pPr algn="ctr"/>
-            <a:endParaRPr lang="en-US" dirty="0">
-              <a:solidFill>
-                <a:schemeClr val="tx1"/>
-              </a:solidFill>
-            </a:endParaRPr>
-          </a:p>
-        </p:txBody>
-      </p:sp>
-      <p:sp>
-        <p:nvSpPr>
-          <p:cNvPr id="18" name="Flowchart: Predefined Process 17"/>
-          <p:cNvSpPr/>
-          <p:nvPr/>
-        </p:nvSpPr>
-        <p:spPr>
-          <a:xfrm>
-            <a:off x="9568863" y="3180750"/>
-            <a:ext cx="546173" cy="382589"/>
-          </a:xfrm>
-          <a:prstGeom prst="flowChartPredefinedProcess">
-            <a:avLst/>
-          </a:prstGeom>
-          <a:solidFill>
-            <a:schemeClr val="bg1"/>
-          </a:solidFill>
-          <a:ln>
-            <a:solidFill>
-              <a:schemeClr val="bg1"/>
-            </a:solidFill>
-          </a:ln>
-        </p:spPr>
-        <p:style>
-          <a:lnRef idx="1">
-            <a:schemeClr val="accent1"/>
-          </a:lnRef>
-          <a:fillRef idx="3">
-            <a:schemeClr val="accent1"/>
-          </a:fillRef>
-          <a:effectRef idx="2">
-            <a:schemeClr val="accent1"/>
-          </a:effectRef>
-          <a:fontRef idx="minor">
-            <a:schemeClr val="lt1"/>
-          </a:fontRef>
-        </p:style>
-        <p:txBody>
-          <a:bodyPr rtlCol="0" anchor="ctr"/>
-          <a:lstStyle/>
-          <a:p>
-            <a:pPr algn="ctr"/>
-            <a:endParaRPr lang="en-US" dirty="0">
-              <a:noFill/>
-            </a:endParaRPr>
-          </a:p>
-        </p:txBody>
-      </p:sp>
-      <p:sp>
-        <p:nvSpPr>
-          <p:cNvPr id="3" name="Title 2"/>
-          <p:cNvSpPr>
-            <a:spLocks noGrp="1"/>
-          </p:cNvSpPr>
-          <p:nvPr>
-            <p:ph type="title"/>
-          </p:nvPr>
-        </p:nvSpPr>
-        <p:spPr/>
-        <p:txBody>
-          <a:bodyPr/>
-          <a:lstStyle/>
-          <a:p>
-            <a:r>
-              <a:rPr lang="en-US" dirty="0" smtClean="0"/>
-              <a:t>"Traditional" SharePoint </a:t>
-            </a:r>
-            <a:r>
-              <a:rPr lang="en-US" dirty="0"/>
-              <a:t>Development Challenges</a:t>
-            </a:r>
-          </a:p>
-        </p:txBody>
-      </p:sp>
-    </p:spTree>
-    <p:extLst>
-      <p:ext uri="{BB962C8B-B14F-4D97-AF65-F5344CB8AC3E}">
-        <p14:creationId xmlns:p14="http://schemas.microsoft.com/office/powerpoint/2010/main" val="2431136240"/>
-      </p:ext>
-    </p:extLst>
-  </p:cSld>
-  <p:clrMapOvr>
-    <a:masterClrMapping/>
-  </p:clrMapOvr>
-  <mc:AlternateContent xmlns:mc="http://schemas.openxmlformats.org/markup-compatibility/2006" xmlns:p14="http://schemas.microsoft.com/office/powerpoint/2010/main">
-    <mc:Choice Requires="p14">
-      <p:transition spd="med" p14:dur="700">
-        <p:fade/>
-      </p:transition>
-    </mc:Choice>
-    <mc:Fallback xmlns="">
-      <p:transition spd="med">
-        <p:fade/>
-      </p:transition>
-    </mc:Fallback>
-  </mc:AlternateContent>
-  <p:timing>
-    <p:tnLst>
-      <p:par>
-        <p:cTn id="1" dur="indefinite" restart="never" nodeType="tmRoot"/>
-      </p:par>
-    </p:tnLst>
-  </p:timing>
-</p:sld>
-</file>
-
-<file path=ppt/slides/slide11.xml><?xml version="1.0" encoding="utf-8"?>
-<p:sld xmlns:a="http://schemas.openxmlformats.org/drawingml/2006/main" xmlns:r="http://schemas.openxmlformats.org/officeDocument/2006/relationships" xmlns:p="http://schemas.openxmlformats.org/presentationml/2006/main">
-  <p:cSld>
-    <p:spTree>
-      <p:nvGrpSpPr>
-        <p:cNvPr id="1" name=""/>
-        <p:cNvGrpSpPr/>
-        <p:nvPr/>
-      </p:nvGrpSpPr>
-      <p:grpSpPr>
-        <a:xfrm>
-          <a:off x="0" y="0"/>
-          <a:ext cx="0" cy="0"/>
-          <a:chOff x="0" y="0"/>
-          <a:chExt cx="0" cy="0"/>
-        </a:xfrm>
-      </p:grpSpPr>
-      <p:sp>
-        <p:nvSpPr>
-          <p:cNvPr id="2" name="Title 1"/>
-          <p:cNvSpPr>
-            <a:spLocks noGrp="1"/>
-          </p:cNvSpPr>
-          <p:nvPr>
-            <p:ph type="title"/>
-          </p:nvPr>
-        </p:nvSpPr>
-        <p:spPr/>
-        <p:txBody>
-          <a:bodyPr>
-            <a:normAutofit/>
-          </a:bodyPr>
-          <a:lstStyle/>
-          <a:p>
-            <a:r>
-              <a:rPr lang="en-US" dirty="0" smtClean="0"/>
-              <a:t>AngularJS Overview</a:t>
-            </a:r>
-            <a:endParaRPr lang="en-US" dirty="0"/>
-          </a:p>
-        </p:txBody>
-      </p:sp>
-      <p:sp>
-        <p:nvSpPr>
-          <p:cNvPr id="4" name="Text Placeholder 3"/>
-          <p:cNvSpPr>
-            <a:spLocks noGrp="1"/>
-          </p:cNvSpPr>
-          <p:nvPr>
-            <p:ph type="body" idx="1"/>
-          </p:nvPr>
-        </p:nvSpPr>
-        <p:spPr/>
-        <p:txBody>
-          <a:bodyPr/>
-          <a:lstStyle/>
-          <a:p>
-            <a:endParaRPr lang="en-US"/>
-          </a:p>
-        </p:txBody>
-      </p:sp>
-    </p:spTree>
-    <p:extLst>
-      <p:ext uri="{BB962C8B-B14F-4D97-AF65-F5344CB8AC3E}">
-        <p14:creationId xmlns:p14="http://schemas.microsoft.com/office/powerpoint/2010/main" val="1109684929"/>
-      </p:ext>
-    </p:extLst>
-  </p:cSld>
-  <p:clrMapOvr>
-    <a:masterClrMapping/>
-  </p:clrMapOvr>
-  <mc:AlternateContent xmlns:mc="http://schemas.openxmlformats.org/markup-compatibility/2006" xmlns:p14="http://schemas.microsoft.com/office/powerpoint/2010/main">
-    <mc:Choice Requires="p14">
-      <p:transition spd="med" p14:dur="700">
-        <p:fade/>
-      </p:transition>
-    </mc:Choice>
-    <mc:Fallback xmlns="">
-      <p:transition spd="med">
-        <p:fade/>
-      </p:transition>
-    </mc:Fallback>
-  </mc:AlternateContent>
-  <p:timing>
-    <p:tnLst>
-      <p:par>
-        <p:cTn id="1" dur="indefinite" restart="never" nodeType="tmRoot"/>
-      </p:par>
-    </p:tnLst>
-  </p:timing>
-</p:sld>
-</file>
-
-<file path=ppt/slides/slide12.xml><?xml version="1.0" encoding="utf-8"?>
-<p:sld xmlns:a="http://schemas.openxmlformats.org/drawingml/2006/main" xmlns:r="http://schemas.openxmlformats.org/officeDocument/2006/relationships" xmlns:p="http://schemas.openxmlformats.org/presentationml/2006/main">
-  <p:cSld>
-    <p:spTree>
-      <p:nvGrpSpPr>
-        <p:cNvPr id="1" name=""/>
-        <p:cNvGrpSpPr/>
-        <p:nvPr/>
-      </p:nvGrpSpPr>
-      <p:grpSpPr>
-        <a:xfrm>
-          <a:off x="0" y="0"/>
-          <a:ext cx="0" cy="0"/>
-          <a:chOff x="0" y="0"/>
-          <a:chExt cx="0" cy="0"/>
-        </a:xfrm>
-      </p:grpSpPr>
-      <p:sp>
-        <p:nvSpPr>
-          <p:cNvPr id="2" name="Title 1"/>
-          <p:cNvSpPr>
-            <a:spLocks noGrp="1"/>
-          </p:cNvSpPr>
-          <p:nvPr>
-            <p:ph type="title"/>
-          </p:nvPr>
-        </p:nvSpPr>
-        <p:spPr/>
-        <p:txBody>
-          <a:bodyPr/>
-          <a:lstStyle/>
-          <a:p>
-            <a:r>
-              <a:rPr lang="en-US" dirty="0" smtClean="0"/>
-              <a:t>What's AngularJS?</a:t>
-            </a:r>
-            <a:endParaRPr lang="en-US" dirty="0"/>
-          </a:p>
-        </p:txBody>
-      </p:sp>
-      <p:sp>
-        <p:nvSpPr>
-          <p:cNvPr id="3" name="Content Placeholder 2"/>
-          <p:cNvSpPr>
-            <a:spLocks noGrp="1"/>
-          </p:cNvSpPr>
-          <p:nvPr>
-            <p:ph sz="quarter" idx="13"/>
-          </p:nvPr>
-        </p:nvSpPr>
-        <p:spPr>
-          <a:xfrm>
-            <a:off x="838200" y="1825625"/>
-            <a:ext cx="9753600" cy="4351338"/>
-          </a:xfrm>
-        </p:spPr>
-        <p:txBody>
-          <a:bodyPr>
-            <a:normAutofit/>
-          </a:bodyPr>
-          <a:lstStyle/>
-          <a:p>
-            <a:r>
-              <a:rPr lang="en-US" dirty="0" smtClean="0"/>
-              <a:t>"Superheroic </a:t>
-            </a:r>
-            <a:r>
-              <a:rPr lang="en-US" dirty="0"/>
-              <a:t>JavaScript MVW </a:t>
-            </a:r>
-            <a:r>
-              <a:rPr lang="en-US" dirty="0" smtClean="0"/>
-              <a:t>Framework"</a:t>
-            </a:r>
-            <a:endParaRPr lang="en-US" dirty="0"/>
-          </a:p>
-          <a:p>
-            <a:pPr lvl="1"/>
-            <a:r>
-              <a:rPr lang="en-US" dirty="0" smtClean="0"/>
-              <a:t>Structural JavaScript client-side framework </a:t>
-            </a:r>
-            <a:r>
-              <a:rPr lang="en-US" dirty="0"/>
-              <a:t>for </a:t>
-            </a:r>
-            <a:r>
-              <a:rPr lang="en-US" dirty="0" smtClean="0"/>
-              <a:t>building dynamic </a:t>
-            </a:r>
-            <a:r>
-              <a:rPr lang="en-US" dirty="0"/>
-              <a:t>web </a:t>
-            </a:r>
-            <a:r>
-              <a:rPr lang="en-US" dirty="0" smtClean="0"/>
-              <a:t>apps (using HTML and JavaScript)</a:t>
-            </a:r>
-            <a:endParaRPr lang="en-US" dirty="0"/>
-          </a:p>
-          <a:p>
-            <a:pPr lvl="1"/>
-            <a:r>
-              <a:rPr lang="en-US" dirty="0" smtClean="0"/>
-              <a:t>Empowers traditional HTML</a:t>
-            </a:r>
-          </a:p>
-          <a:p>
-            <a:pPr lvl="1"/>
-            <a:r>
-              <a:rPr lang="en-US" dirty="0" smtClean="0"/>
-              <a:t>Extend </a:t>
-            </a:r>
-            <a:r>
-              <a:rPr lang="en-US" dirty="0"/>
-              <a:t>HTML's syntax to express your application's components clearly and succinctly</a:t>
-            </a:r>
-            <a:endParaRPr lang="en-US" dirty="0" smtClean="0"/>
-          </a:p>
-          <a:p>
-            <a:r>
-              <a:rPr lang="en-US" dirty="0" smtClean="0"/>
-              <a:t>Backed by Google and the community</a:t>
-            </a:r>
-          </a:p>
-          <a:p>
-            <a:r>
-              <a:rPr lang="en-US" dirty="0" smtClean="0"/>
-              <a:t>Open source (MIT License)</a:t>
-            </a:r>
-          </a:p>
-          <a:p>
-            <a:r>
-              <a:rPr lang="en-US" dirty="0" smtClean="0"/>
-              <a:t>Vibrant community (books, Stack Overflow, blogs, plug-ins, resources, etc.)</a:t>
-            </a:r>
-          </a:p>
-          <a:p>
-            <a:r>
-              <a:rPr lang="en-US" dirty="0" smtClean="0"/>
-              <a:t>** Great framework for building single page applications</a:t>
-            </a:r>
-            <a:endParaRPr lang="en-US" dirty="0"/>
-          </a:p>
-        </p:txBody>
-      </p:sp>
-      <p:pic>
-        <p:nvPicPr>
-          <p:cNvPr id="1028" name="Picture 4" descr="http://www.w3schools.com/angular/pic_angular.jpg"/>
-          <p:cNvPicPr>
-            <a:picLocks noChangeAspect="1" noChangeArrowheads="1"/>
-          </p:cNvPicPr>
-          <p:nvPr/>
-        </p:nvPicPr>
-        <p:blipFill>
-          <a:blip r:embed="rId2">
-            <a:extLst>
-              <a:ext uri="{28A0092B-C50C-407E-A947-70E740481C1C}">
-                <a14:useLocalDpi xmlns:a14="http://schemas.microsoft.com/office/drawing/2010/main" val="0"/>
-              </a:ext>
-            </a:extLst>
-          </a:blip>
-          <a:srcRect/>
-          <a:stretch>
-            <a:fillRect/>
-          </a:stretch>
-        </p:blipFill>
-        <p:spPr bwMode="auto">
-          <a:xfrm>
-            <a:off x="9906000" y="0"/>
-            <a:ext cx="2143125" cy="2143125"/>
-          </a:xfrm>
-          <a:prstGeom prst="rect">
-            <a:avLst/>
-          </a:prstGeom>
-          <a:noFill/>
-          <a:extLst>
-            <a:ext uri="{909E8E84-426E-40DD-AFC4-6F175D3DCCD1}">
-              <a14:hiddenFill xmlns:a14="http://schemas.microsoft.com/office/drawing/2010/main">
-                <a:solidFill>
-                  <a:srgbClr val="FFFFFF"/>
-                </a:solidFill>
-              </a14:hiddenFill>
-            </a:ext>
-          </a:extLst>
-        </p:spPr>
-      </p:pic>
-      <p:sp>
-        <p:nvSpPr>
-          <p:cNvPr id="4" name="TextBox 3"/>
-          <p:cNvSpPr txBox="1"/>
-          <p:nvPr/>
-        </p:nvSpPr>
-        <p:spPr>
-          <a:xfrm>
-            <a:off x="152400" y="6528524"/>
-            <a:ext cx="5715000" cy="307777"/>
-          </a:xfrm>
-          <a:prstGeom prst="rect">
-            <a:avLst/>
-          </a:prstGeom>
-          <a:noFill/>
-        </p:spPr>
-        <p:txBody>
-          <a:bodyPr wrap="square" rtlCol="0">
-            <a:spAutoFit/>
-          </a:bodyPr>
-          <a:lstStyle/>
-          <a:p>
-            <a:r>
-              <a:rPr lang="en-US" sz="1400" i="1" dirty="0" smtClean="0">
-                <a:latin typeface="Calibri" panose="020F0502020204030204" pitchFamily="34" charset="0"/>
-              </a:rPr>
-              <a:t>** My opinion</a:t>
-            </a:r>
-            <a:endParaRPr lang="en-US" sz="1400" i="1" dirty="0">
-              <a:latin typeface="Calibri" panose="020F0502020204030204" pitchFamily="34" charset="0"/>
-            </a:endParaRPr>
-          </a:p>
-        </p:txBody>
-      </p:sp>
-    </p:spTree>
-    <p:extLst>
-      <p:ext uri="{BB962C8B-B14F-4D97-AF65-F5344CB8AC3E}">
-        <p14:creationId xmlns:p14="http://schemas.microsoft.com/office/powerpoint/2010/main" val="724224051"/>
-      </p:ext>
-    </p:extLst>
-  </p:cSld>
-  <p:clrMapOvr>
-    <a:masterClrMapping/>
-  </p:clrMapOvr>
-  <mc:AlternateContent xmlns:mc="http://schemas.openxmlformats.org/markup-compatibility/2006" xmlns:p14="http://schemas.microsoft.com/office/powerpoint/2010/main">
-    <mc:Choice Requires="p14">
-      <p:transition spd="med" p14:dur="700">
-        <p:fade/>
-      </p:transition>
-    </mc:Choice>
-    <mc:Fallback xmlns="">
-      <p:transition spd="med">
-        <p:fade/>
-      </p:transition>
-    </mc:Fallback>
-  </mc:AlternateContent>
-  <p:timing>
-    <p:tnLst>
-      <p:par>
-        <p:cTn id="1" dur="indefinite" restart="never" nodeType="tmRoot"/>
-      </p:par>
-    </p:tnLst>
-  </p:timing>
-</p:sld>
-</file>
-
-<file path=ppt/slides/slide13.xml><?xml version="1.0" encoding="utf-8"?>
-<p:sld xmlns:a="http://schemas.openxmlformats.org/drawingml/2006/main" xmlns:r="http://schemas.openxmlformats.org/officeDocument/2006/relationships" xmlns:p="http://schemas.openxmlformats.org/presentationml/2006/main">
-  <p:cSld>
-    <p:spTree>
-      <p:nvGrpSpPr>
-        <p:cNvPr id="1" name=""/>
-        <p:cNvGrpSpPr/>
-        <p:nvPr/>
-      </p:nvGrpSpPr>
-      <p:grpSpPr>
-        <a:xfrm>
-          <a:off x="0" y="0"/>
-          <a:ext cx="0" cy="0"/>
-          <a:chOff x="0" y="0"/>
-          <a:chExt cx="0" cy="0"/>
-        </a:xfrm>
-      </p:grpSpPr>
-      <p:sp>
-        <p:nvSpPr>
-          <p:cNvPr id="2" name="Title 1"/>
-          <p:cNvSpPr>
-            <a:spLocks noGrp="1"/>
-          </p:cNvSpPr>
-          <p:nvPr>
-            <p:ph type="title"/>
-          </p:nvPr>
-        </p:nvSpPr>
-        <p:spPr/>
-        <p:txBody>
-          <a:bodyPr/>
-          <a:lstStyle/>
-          <a:p>
-            <a:r>
-              <a:rPr lang="en-US" dirty="0" smtClean="0"/>
-              <a:t>Main Features of AngularJS</a:t>
-            </a:r>
-            <a:endParaRPr lang="en-US" dirty="0"/>
-          </a:p>
-        </p:txBody>
-      </p:sp>
-      <p:graphicFrame>
-        <p:nvGraphicFramePr>
-          <p:cNvPr id="4" name="Content Placeholder 3"/>
-          <p:cNvGraphicFramePr>
-            <a:graphicFrameLocks noGrp="1"/>
-          </p:cNvGraphicFramePr>
-          <p:nvPr>
-            <p:ph sz="quarter" idx="13"/>
-            <p:extLst>
-              <p:ext uri="{D42A27DB-BD31-4B8C-83A1-F6EECF244321}">
-                <p14:modId xmlns:p14="http://schemas.microsoft.com/office/powerpoint/2010/main" val="893605727"/>
-              </p:ext>
-            </p:extLst>
-          </p:nvPr>
-        </p:nvGraphicFramePr>
-        <p:xfrm>
-          <a:off x="914400" y="1828800"/>
-          <a:ext cx="10439400" cy="4648200"/>
-        </p:xfrm>
-        <a:graphic>
-          <a:graphicData uri="http://schemas.openxmlformats.org/drawingml/2006/diagram">
-            <dgm:relIds xmlns:dgm="http://schemas.openxmlformats.org/drawingml/2006/diagram" xmlns:r="http://schemas.openxmlformats.org/officeDocument/2006/relationships" r:dm="rId2" r:lo="rId3" r:qs="rId4" r:cs="rId5"/>
-          </a:graphicData>
-        </a:graphic>
-      </p:graphicFrame>
-    </p:spTree>
-    <p:extLst>
-      <p:ext uri="{BB962C8B-B14F-4D97-AF65-F5344CB8AC3E}">
-        <p14:creationId xmlns:p14="http://schemas.microsoft.com/office/powerpoint/2010/main" val="3931254087"/>
-      </p:ext>
-    </p:extLst>
-  </p:cSld>
-  <p:clrMapOvr>
-    <a:masterClrMapping/>
-  </p:clrMapOvr>
-  <mc:AlternateContent xmlns:mc="http://schemas.openxmlformats.org/markup-compatibility/2006" xmlns:p14="http://schemas.microsoft.com/office/powerpoint/2010/main">
-    <mc:Choice Requires="p14">
-      <p:transition spd="med" p14:dur="700">
-        <p:fade/>
-      </p:transition>
-    </mc:Choice>
-    <mc:Fallback xmlns="">
-      <p:transition spd="med">
-        <p:fade/>
-      </p:transition>
-    </mc:Fallback>
-  </mc:AlternateContent>
-  <p:timing>
-    <p:tnLst>
-      <p:par>
-        <p:cTn id="1" dur="indefinite" restart="never" nodeType="tmRoot"/>
-      </p:par>
-    </p:tnLst>
-  </p:timing>
-</p:sld>
-</file>
-
-<file path=ppt/slides/slide14.xml><?xml version="1.0" encoding="utf-8"?>
 <p:sld xmlns:a="http://schemas.openxmlformats.org/drawingml/2006/main" xmlns:r="http://schemas.openxmlformats.org/officeDocument/2006/relationships" xmlns:p="http://schemas.openxmlformats.org/presentationml/2006/main">
   <p:cSld>
     <p:spTree>
@@ -21051,7 +18510,7 @@
 </p:sld>
 </file>
 
-<file path=ppt/slides/slide15.xml><?xml version="1.0" encoding="utf-8"?>
+<file path=ppt/slides/slide11.xml><?xml version="1.0" encoding="utf-8"?>
 <p:sld xmlns:a="http://schemas.openxmlformats.org/drawingml/2006/main" xmlns:r="http://schemas.openxmlformats.org/officeDocument/2006/relationships" xmlns:p="http://schemas.openxmlformats.org/presentationml/2006/main">
   <p:cSld>
     <p:spTree>
@@ -21224,7 +18683,7 @@
 </p:sld>
 </file>
 
-<file path=ppt/slides/slide16.xml><?xml version="1.0" encoding="utf-8"?>
+<file path=ppt/slides/slide12.xml><?xml version="1.0" encoding="utf-8"?>
 <p:sld xmlns:a="http://schemas.openxmlformats.org/drawingml/2006/main" xmlns:r="http://schemas.openxmlformats.org/officeDocument/2006/relationships" xmlns:p="http://schemas.openxmlformats.org/presentationml/2006/main">
   <p:cSld>
     <p:spTree>
@@ -22142,7 +19601,7 @@
 </p:sld>
 </file>
 
-<file path=ppt/slides/slide17.xml><?xml version="1.0" encoding="utf-8"?>
+<file path=ppt/slides/slide13.xml><?xml version="1.0" encoding="utf-8"?>
 <p:sld xmlns:a="http://schemas.openxmlformats.org/drawingml/2006/main" xmlns:r="http://schemas.openxmlformats.org/officeDocument/2006/relationships" xmlns:p="http://schemas.openxmlformats.org/presentationml/2006/main">
   <p:cSld>
     <p:spTree>
@@ -22279,7 +19738,7 @@
 </p:sld>
 </file>
 
-<file path=ppt/slides/slide18.xml><?xml version="1.0" encoding="utf-8"?>
+<file path=ppt/slides/slide14.xml><?xml version="1.0" encoding="utf-8"?>
 <p:sld xmlns:a="http://schemas.openxmlformats.org/drawingml/2006/main" xmlns:r="http://schemas.openxmlformats.org/officeDocument/2006/relationships" xmlns:p="http://schemas.openxmlformats.org/presentationml/2006/main">
   <p:cSld>
     <p:spTree>
@@ -22447,7 +19906,7 @@
 </p:sld>
 </file>
 
-<file path=ppt/slides/slide19.xml><?xml version="1.0" encoding="utf-8"?>
+<file path=ppt/slides/slide15.xml><?xml version="1.0" encoding="utf-8"?>
 <p:sld xmlns:a="http://schemas.openxmlformats.org/drawingml/2006/main" xmlns:r="http://schemas.openxmlformats.org/officeDocument/2006/relationships" xmlns:p="http://schemas.openxmlformats.org/presentationml/2006/main" showMasterSp="0">
   <p:cSld>
     <p:bg>
@@ -22648,414 +20107,7 @@
 </p:sld>
 </file>
 
-<file path=ppt/slides/slide2.xml><?xml version="1.0" encoding="utf-8"?>
-<p:sld xmlns:a="http://schemas.openxmlformats.org/drawingml/2006/main" xmlns:r="http://schemas.openxmlformats.org/officeDocument/2006/relationships" xmlns:p="http://schemas.openxmlformats.org/presentationml/2006/main">
-  <p:cSld>
-    <p:spTree>
-      <p:nvGrpSpPr>
-        <p:cNvPr id="1" name=""/>
-        <p:cNvGrpSpPr/>
-        <p:nvPr/>
-      </p:nvGrpSpPr>
-      <p:grpSpPr>
-        <a:xfrm>
-          <a:off x="0" y="0"/>
-          <a:ext cx="0" cy="0"/>
-          <a:chOff x="0" y="0"/>
-          <a:chExt cx="0" cy="0"/>
-        </a:xfrm>
-      </p:grpSpPr>
-      <p:sp>
-        <p:nvSpPr>
-          <p:cNvPr id="2" name="Title 1"/>
-          <p:cNvSpPr>
-            <a:spLocks noGrp="1"/>
-          </p:cNvSpPr>
-          <p:nvPr>
-            <p:ph type="title"/>
-          </p:nvPr>
-        </p:nvSpPr>
-        <p:spPr/>
-        <p:txBody>
-          <a:bodyPr/>
-          <a:lstStyle/>
-          <a:p>
-            <a:r>
-              <a:rPr lang="en-US" dirty="0" smtClean="0"/>
-              <a:t>Steve Pietrek</a:t>
-            </a:r>
-            <a:endParaRPr lang="en-US" dirty="0"/>
-          </a:p>
-        </p:txBody>
-      </p:sp>
-      <p:sp>
-        <p:nvSpPr>
-          <p:cNvPr id="4" name="TextBox 3"/>
-          <p:cNvSpPr txBox="1"/>
-          <p:nvPr/>
-        </p:nvSpPr>
-        <p:spPr>
-          <a:xfrm>
-            <a:off x="4724400" y="1600883"/>
-            <a:ext cx="3691156" cy="1661993"/>
-          </a:xfrm>
-          <a:prstGeom prst="rect">
-            <a:avLst/>
-          </a:prstGeom>
-          <a:noFill/>
-        </p:spPr>
-        <p:txBody>
-          <a:bodyPr wrap="square" rtlCol="0">
-            <a:spAutoFit/>
-          </a:bodyPr>
-          <a:lstStyle/>
-          <a:p>
-            <a:r>
-              <a:rPr lang="en-US" sz="1700" b="1" dirty="0">
-                <a:solidFill>
-                  <a:schemeClr val="accent5">
-                    <a:lumMod val="60000"/>
-                    <a:lumOff val="40000"/>
-                  </a:schemeClr>
-                </a:solidFill>
-                <a:latin typeface="Effra Light"/>
-                <a:cs typeface="Effra Light"/>
-              </a:rPr>
-              <a:t>Cardinal </a:t>
-            </a:r>
-            <a:r>
-              <a:rPr lang="en-US" sz="1700" b="1" dirty="0" smtClean="0">
-                <a:solidFill>
-                  <a:schemeClr val="accent5">
-                    <a:lumMod val="60000"/>
-                    <a:lumOff val="40000"/>
-                  </a:schemeClr>
-                </a:solidFill>
-                <a:latin typeface="Effra Light"/>
-                <a:cs typeface="Effra Light"/>
-              </a:rPr>
-              <a:t>Solutions Group</a:t>
-            </a:r>
-            <a:endParaRPr lang="en-US" sz="1700" b="1" dirty="0">
-              <a:solidFill>
-                <a:schemeClr val="accent5">
-                  <a:lumMod val="60000"/>
-                  <a:lumOff val="40000"/>
-                </a:schemeClr>
-              </a:solidFill>
-              <a:latin typeface="Effra Light"/>
-              <a:cs typeface="Effra Light"/>
-            </a:endParaRPr>
-          </a:p>
-          <a:p>
-            <a:endParaRPr lang="en-US" sz="1700" b="1" dirty="0">
-              <a:solidFill>
-                <a:schemeClr val="accent5">
-                  <a:lumMod val="60000"/>
-                  <a:lumOff val="40000"/>
-                </a:schemeClr>
-              </a:solidFill>
-              <a:latin typeface="Effra Light"/>
-              <a:cs typeface="Effra Light"/>
-            </a:endParaRPr>
-          </a:p>
-          <a:p>
-            <a:r>
-              <a:rPr lang="en-US" sz="1700" b="1" dirty="0">
-                <a:solidFill>
-                  <a:schemeClr val="accent5">
-                    <a:lumMod val="60000"/>
-                    <a:lumOff val="40000"/>
-                  </a:schemeClr>
-                </a:solidFill>
-                <a:latin typeface="Effra Light"/>
-                <a:cs typeface="Effra Light"/>
-              </a:rPr>
-              <a:t>App Dev Practice Manager</a:t>
-            </a:r>
-          </a:p>
-          <a:p>
-            <a:r>
-              <a:rPr lang="en-US" sz="1700" b="1" dirty="0" smtClean="0">
-                <a:solidFill>
-                  <a:schemeClr val="accent5">
-                    <a:lumMod val="60000"/>
-                    <a:lumOff val="40000"/>
-                  </a:schemeClr>
-                </a:solidFill>
-                <a:latin typeface="Effra Light"/>
-                <a:cs typeface="Effra Light"/>
-              </a:rPr>
-              <a:t>SharePoint </a:t>
-            </a:r>
-            <a:r>
-              <a:rPr lang="en-US" sz="1700" b="1" dirty="0">
-                <a:solidFill>
-                  <a:schemeClr val="accent5">
-                    <a:lumMod val="60000"/>
-                    <a:lumOff val="40000"/>
-                  </a:schemeClr>
-                </a:solidFill>
-                <a:latin typeface="Effra Light"/>
-                <a:cs typeface="Effra Light"/>
-              </a:rPr>
-              <a:t>Application Architect</a:t>
-            </a:r>
-          </a:p>
-          <a:p>
-            <a:r>
-              <a:rPr lang="en-US" sz="1700" b="1" dirty="0" smtClean="0">
-                <a:solidFill>
-                  <a:schemeClr val="accent5">
-                    <a:lumMod val="60000"/>
-                    <a:lumOff val="40000"/>
-                  </a:schemeClr>
-                </a:solidFill>
-                <a:latin typeface="Effra Light"/>
-                <a:cs typeface="Effra Light"/>
-              </a:rPr>
-              <a:t>Front End </a:t>
-            </a:r>
-            <a:r>
-              <a:rPr lang="en-US" sz="1700" b="1" dirty="0">
-                <a:solidFill>
-                  <a:schemeClr val="accent5">
-                    <a:lumMod val="60000"/>
-                    <a:lumOff val="40000"/>
-                  </a:schemeClr>
-                </a:solidFill>
-                <a:latin typeface="Effra Light"/>
-                <a:cs typeface="Effra Light"/>
-              </a:rPr>
-              <a:t>Developer</a:t>
-            </a:r>
-          </a:p>
-          <a:p>
-            <a:r>
-              <a:rPr lang="en-US" sz="1700" b="1" dirty="0" smtClean="0">
-                <a:solidFill>
-                  <a:schemeClr val="accent5">
-                    <a:lumMod val="60000"/>
-                    <a:lumOff val="40000"/>
-                  </a:schemeClr>
-                </a:solidFill>
-                <a:latin typeface="Effra Light"/>
-                <a:cs typeface="Effra Light"/>
-              </a:rPr>
-              <a:t>Raleigh/Durham</a:t>
-            </a:r>
-            <a:endParaRPr lang="en-US" sz="1700" b="1" dirty="0">
-              <a:solidFill>
-                <a:schemeClr val="accent5">
-                  <a:lumMod val="60000"/>
-                  <a:lumOff val="40000"/>
-                </a:schemeClr>
-              </a:solidFill>
-              <a:latin typeface="Effra Light"/>
-              <a:cs typeface="Effra Light"/>
-            </a:endParaRPr>
-          </a:p>
-        </p:txBody>
-      </p:sp>
-      <p:sp>
-        <p:nvSpPr>
-          <p:cNvPr id="6" name="TextBox 5"/>
-          <p:cNvSpPr txBox="1"/>
-          <p:nvPr/>
-        </p:nvSpPr>
-        <p:spPr>
-          <a:xfrm>
-            <a:off x="1219200" y="4204281"/>
-            <a:ext cx="3691156" cy="1200329"/>
-          </a:xfrm>
-          <a:prstGeom prst="rect">
-            <a:avLst/>
-          </a:prstGeom>
-          <a:noFill/>
-        </p:spPr>
-        <p:txBody>
-          <a:bodyPr wrap="square" rtlCol="0">
-            <a:spAutoFit/>
-          </a:bodyPr>
-          <a:lstStyle/>
-          <a:p>
-            <a:r>
-              <a:rPr lang="en-US" b="1" dirty="0" smtClean="0">
-                <a:latin typeface="Effra Light"/>
-              </a:rPr>
-              <a:t>Contact</a:t>
-            </a:r>
-          </a:p>
-          <a:p>
-            <a:endParaRPr lang="en-US" dirty="0" smtClean="0">
-              <a:latin typeface="Effra Light"/>
-            </a:endParaRPr>
-          </a:p>
-          <a:p>
-            <a:r>
-              <a:rPr lang="en-US" dirty="0" smtClean="0">
-                <a:latin typeface="Effra Light"/>
-              </a:rPr>
-              <a:t>@</a:t>
-            </a:r>
-            <a:r>
-              <a:rPr lang="en-US" dirty="0">
-                <a:latin typeface="Effra Light"/>
-              </a:rPr>
-              <a:t>spietrek</a:t>
-            </a:r>
-          </a:p>
-          <a:p>
-            <a:r>
-              <a:rPr lang="en-US" dirty="0">
-                <a:latin typeface="Effra Light"/>
-              </a:rPr>
-              <a:t>spietrek@cardinalsolutions.com</a:t>
-            </a:r>
-          </a:p>
-        </p:txBody>
-      </p:sp>
-      <p:sp>
-        <p:nvSpPr>
-          <p:cNvPr id="7" name="TextBox 6"/>
-          <p:cNvSpPr txBox="1"/>
-          <p:nvPr/>
-        </p:nvSpPr>
-        <p:spPr>
-          <a:xfrm>
-            <a:off x="5672356" y="4204281"/>
-            <a:ext cx="5681444" cy="1200329"/>
-          </a:xfrm>
-          <a:prstGeom prst="rect">
-            <a:avLst/>
-          </a:prstGeom>
-          <a:noFill/>
-        </p:spPr>
-        <p:txBody>
-          <a:bodyPr wrap="square" rtlCol="0">
-            <a:spAutoFit/>
-          </a:bodyPr>
-          <a:lstStyle/>
-          <a:p>
-            <a:r>
-              <a:rPr lang="en-US" b="1" dirty="0" smtClean="0">
-                <a:latin typeface="Effra Light"/>
-              </a:rPr>
-              <a:t>Presentation References</a:t>
-            </a:r>
-            <a:endParaRPr lang="en-US" b="1" dirty="0">
-              <a:latin typeface="Effra Light"/>
-            </a:endParaRPr>
-          </a:p>
-          <a:p>
-            <a:endParaRPr lang="en-US" dirty="0">
-              <a:latin typeface="Effra Light"/>
-            </a:endParaRPr>
-          </a:p>
-          <a:p>
-            <a:r>
-              <a:rPr lang="en-US" dirty="0">
-                <a:hlinkClick r:id="rId2"/>
-              </a:rPr>
-              <a:t>https://</a:t>
-            </a:r>
-            <a:r>
-              <a:rPr lang="en-US" dirty="0" smtClean="0">
-                <a:hlinkClick r:id="rId2"/>
-              </a:rPr>
-              <a:t>github.com/spietrek/</a:t>
-            </a:r>
-            <a:endParaRPr lang="en-US" dirty="0" smtClean="0">
-              <a:latin typeface="Effra Light"/>
-            </a:endParaRPr>
-          </a:p>
-          <a:p>
-            <a:r>
-              <a:rPr lang="en-US" dirty="0" smtClean="0">
-                <a:latin typeface="Effra Light"/>
-              </a:rPr>
-              <a:t> </a:t>
-            </a:r>
-            <a:endParaRPr lang="en-US" dirty="0">
-              <a:latin typeface="Effra Light"/>
-            </a:endParaRPr>
-          </a:p>
-        </p:txBody>
-      </p:sp>
-      <p:pic>
-        <p:nvPicPr>
-          <p:cNvPr id="1026" name="Picture 2" descr="http://www.sharepointcincy.com/images/speakers/StevePietrek.png"/>
-          <p:cNvPicPr>
-            <a:picLocks noChangeAspect="1" noChangeArrowheads="1"/>
-          </p:cNvPicPr>
-          <p:nvPr/>
-        </p:nvPicPr>
-        <p:blipFill>
-          <a:blip r:embed="rId3">
-            <a:extLst>
-              <a:ext uri="{28A0092B-C50C-407E-A947-70E740481C1C}">
-                <a14:useLocalDpi xmlns:a14="http://schemas.microsoft.com/office/drawing/2010/main" val="0"/>
-              </a:ext>
-            </a:extLst>
-          </a:blip>
-          <a:srcRect/>
-          <a:stretch>
-            <a:fillRect/>
-          </a:stretch>
-        </p:blipFill>
-        <p:spPr bwMode="auto">
-          <a:xfrm>
-            <a:off x="914400" y="1600883"/>
-            <a:ext cx="2308751" cy="2308752"/>
-          </a:xfrm>
-          <a:prstGeom prst="rect">
-            <a:avLst/>
-          </a:prstGeom>
-          <a:noFill/>
-          <a:extLst>
-            <a:ext uri="{909E8E84-426E-40DD-AFC4-6F175D3DCCD1}">
-              <a14:hiddenFill xmlns:a14="http://schemas.microsoft.com/office/drawing/2010/main">
-                <a:solidFill>
-                  <a:srgbClr val="FFFFFF"/>
-                </a:solidFill>
-              </a14:hiddenFill>
-            </a:ext>
-          </a:extLst>
-        </p:spPr>
-      </p:pic>
-    </p:spTree>
-    <p:extLst>
-      <p:ext uri="{BB962C8B-B14F-4D97-AF65-F5344CB8AC3E}">
-        <p14:creationId xmlns:p14="http://schemas.microsoft.com/office/powerpoint/2010/main" val="1345770807"/>
-      </p:ext>
-    </p:extLst>
-  </p:cSld>
-  <p:clrMapOvr>
-    <a:masterClrMapping/>
-  </p:clrMapOvr>
-  <mc:AlternateContent xmlns:mc="http://schemas.openxmlformats.org/markup-compatibility/2006" xmlns:p14="http://schemas.microsoft.com/office/powerpoint/2010/main">
-    <mc:Choice Requires="p14">
-      <p:transition spd="med" p14:dur="700">
-        <p:fade/>
-      </p:transition>
-    </mc:Choice>
-    <mc:Fallback xmlns="">
-      <p:transition spd="med">
-        <p:fade/>
-      </p:transition>
-    </mc:Fallback>
-  </mc:AlternateContent>
-  <p:timing>
-    <p:tnLst>
-      <p:par>
-        <p:cTn id="1" dur="indefinite" restart="never" nodeType="tmRoot"/>
-      </p:par>
-    </p:tnLst>
-  </p:timing>
-</p:sld>
-</file>
-
-<file path=ppt/slides/slide20.xml><?xml version="1.0" encoding="utf-8"?>
+<file path=ppt/slides/slide16.xml><?xml version="1.0" encoding="utf-8"?>
 <p:sld xmlns:a="http://schemas.openxmlformats.org/drawingml/2006/main" xmlns:r="http://schemas.openxmlformats.org/officeDocument/2006/relationships" xmlns:p="http://schemas.openxmlformats.org/presentationml/2006/main" showMasterSp="0">
   <p:cSld>
     <p:bg>
@@ -23139,7 +20191,7 @@
 </p:sld>
 </file>
 
-<file path=ppt/slides/slide21.xml><?xml version="1.0" encoding="utf-8"?>
+<file path=ppt/slides/slide17.xml><?xml version="1.0" encoding="utf-8"?>
 <p:sld xmlns:a="http://schemas.openxmlformats.org/drawingml/2006/main" xmlns:r="http://schemas.openxmlformats.org/officeDocument/2006/relationships" xmlns:p="http://schemas.openxmlformats.org/presentationml/2006/main" showMasterSp="0">
   <p:cSld>
     <p:bg>
@@ -23223,7 +20275,7 @@
 </p:sld>
 </file>
 
-<file path=ppt/slides/slide22.xml><?xml version="1.0" encoding="utf-8"?>
+<file path=ppt/slides/slide18.xml><?xml version="1.0" encoding="utf-8"?>
 <p:sld xmlns:a="http://schemas.openxmlformats.org/drawingml/2006/main" xmlns:r="http://schemas.openxmlformats.org/officeDocument/2006/relationships" xmlns:p="http://schemas.openxmlformats.org/presentationml/2006/main" showMasterSp="0">
   <p:cSld>
     <p:bg>
@@ -23498,6 +20550,957 @@
 </p:sld>
 </file>
 
+<file path=ppt/slides/slide19.xml><?xml version="1.0" encoding="utf-8"?>
+<p:sld xmlns:a="http://schemas.openxmlformats.org/drawingml/2006/main" xmlns:r="http://schemas.openxmlformats.org/officeDocument/2006/relationships" xmlns:p="http://schemas.openxmlformats.org/presentationml/2006/main">
+  <p:cSld>
+    <p:spTree>
+      <p:nvGrpSpPr>
+        <p:cNvPr id="1" name=""/>
+        <p:cNvGrpSpPr/>
+        <p:nvPr/>
+      </p:nvGrpSpPr>
+      <p:grpSpPr>
+        <a:xfrm>
+          <a:off x="0" y="0"/>
+          <a:ext cx="0" cy="0"/>
+          <a:chOff x="0" y="0"/>
+          <a:chExt cx="0" cy="0"/>
+        </a:xfrm>
+      </p:grpSpPr>
+      <p:sp>
+        <p:nvSpPr>
+          <p:cNvPr id="2" name="Title 1"/>
+          <p:cNvSpPr>
+            <a:spLocks noGrp="1"/>
+          </p:cNvSpPr>
+          <p:nvPr>
+            <p:ph type="title"/>
+          </p:nvPr>
+        </p:nvSpPr>
+        <p:spPr/>
+        <p:txBody>
+          <a:bodyPr/>
+          <a:lstStyle/>
+          <a:p>
+            <a:r>
+              <a:rPr lang="en-US" dirty="0" smtClean="0"/>
+              <a:t>Tools and Data Access</a:t>
+            </a:r>
+            <a:endParaRPr lang="en-US" dirty="0"/>
+          </a:p>
+        </p:txBody>
+      </p:sp>
+      <p:sp>
+        <p:nvSpPr>
+          <p:cNvPr id="3" name="Text Placeholder 2"/>
+          <p:cNvSpPr>
+            <a:spLocks noGrp="1"/>
+          </p:cNvSpPr>
+          <p:nvPr>
+            <p:ph type="body" idx="1"/>
+          </p:nvPr>
+        </p:nvSpPr>
+        <p:spPr/>
+        <p:txBody>
+          <a:bodyPr/>
+          <a:lstStyle/>
+          <a:p>
+            <a:endParaRPr lang="en-US"/>
+          </a:p>
+        </p:txBody>
+      </p:sp>
+    </p:spTree>
+    <p:extLst>
+      <p:ext uri="{BB962C8B-B14F-4D97-AF65-F5344CB8AC3E}">
+        <p14:creationId xmlns:p14="http://schemas.microsoft.com/office/powerpoint/2010/main" val="1893041578"/>
+      </p:ext>
+    </p:extLst>
+  </p:cSld>
+  <p:clrMapOvr>
+    <a:masterClrMapping/>
+  </p:clrMapOvr>
+  <mc:AlternateContent xmlns:mc="http://schemas.openxmlformats.org/markup-compatibility/2006" xmlns:p14="http://schemas.microsoft.com/office/powerpoint/2010/main">
+    <mc:Choice Requires="p14">
+      <p:transition spd="med" p14:dur="700">
+        <p:fade/>
+      </p:transition>
+    </mc:Choice>
+    <mc:Fallback xmlns="">
+      <p:transition spd="med">
+        <p:fade/>
+      </p:transition>
+    </mc:Fallback>
+  </mc:AlternateContent>
+  <p:timing>
+    <p:tnLst>
+      <p:par>
+        <p:cTn id="1" dur="indefinite" restart="never" nodeType="tmRoot"/>
+      </p:par>
+    </p:tnLst>
+  </p:timing>
+</p:sld>
+</file>
+
+<file path=ppt/slides/slide2.xml><?xml version="1.0" encoding="utf-8"?>
+<p:sld xmlns:a="http://schemas.openxmlformats.org/drawingml/2006/main" xmlns:r="http://schemas.openxmlformats.org/officeDocument/2006/relationships" xmlns:p="http://schemas.openxmlformats.org/presentationml/2006/main">
+  <p:cSld>
+    <p:spTree>
+      <p:nvGrpSpPr>
+        <p:cNvPr id="1" name=""/>
+        <p:cNvGrpSpPr/>
+        <p:nvPr/>
+      </p:nvGrpSpPr>
+      <p:grpSpPr>
+        <a:xfrm>
+          <a:off x="0" y="0"/>
+          <a:ext cx="0" cy="0"/>
+          <a:chOff x="0" y="0"/>
+          <a:chExt cx="0" cy="0"/>
+        </a:xfrm>
+      </p:grpSpPr>
+      <p:sp>
+        <p:nvSpPr>
+          <p:cNvPr id="2" name="Title 1"/>
+          <p:cNvSpPr>
+            <a:spLocks noGrp="1"/>
+          </p:cNvSpPr>
+          <p:nvPr>
+            <p:ph type="title"/>
+          </p:nvPr>
+        </p:nvSpPr>
+        <p:spPr/>
+        <p:txBody>
+          <a:bodyPr/>
+          <a:lstStyle/>
+          <a:p>
+            <a:r>
+              <a:rPr lang="en-US" dirty="0" smtClean="0"/>
+              <a:t>Steve Pietrek</a:t>
+            </a:r>
+            <a:endParaRPr lang="en-US" dirty="0"/>
+          </a:p>
+        </p:txBody>
+      </p:sp>
+      <p:sp>
+        <p:nvSpPr>
+          <p:cNvPr id="4" name="TextBox 3"/>
+          <p:cNvSpPr txBox="1"/>
+          <p:nvPr/>
+        </p:nvSpPr>
+        <p:spPr>
+          <a:xfrm>
+            <a:off x="4724400" y="1600883"/>
+            <a:ext cx="3691156" cy="1661993"/>
+          </a:xfrm>
+          <a:prstGeom prst="rect">
+            <a:avLst/>
+          </a:prstGeom>
+          <a:noFill/>
+        </p:spPr>
+        <p:txBody>
+          <a:bodyPr wrap="square" rtlCol="0">
+            <a:spAutoFit/>
+          </a:bodyPr>
+          <a:lstStyle/>
+          <a:p>
+            <a:r>
+              <a:rPr lang="en-US" sz="1700" b="1" dirty="0">
+                <a:solidFill>
+                  <a:schemeClr val="accent5">
+                    <a:lumMod val="60000"/>
+                    <a:lumOff val="40000"/>
+                  </a:schemeClr>
+                </a:solidFill>
+                <a:latin typeface="Effra Light"/>
+                <a:cs typeface="Effra Light"/>
+              </a:rPr>
+              <a:t>Cardinal </a:t>
+            </a:r>
+            <a:r>
+              <a:rPr lang="en-US" sz="1700" b="1" dirty="0" smtClean="0">
+                <a:solidFill>
+                  <a:schemeClr val="accent5">
+                    <a:lumMod val="60000"/>
+                    <a:lumOff val="40000"/>
+                  </a:schemeClr>
+                </a:solidFill>
+                <a:latin typeface="Effra Light"/>
+                <a:cs typeface="Effra Light"/>
+              </a:rPr>
+              <a:t>Solutions Group</a:t>
+            </a:r>
+            <a:endParaRPr lang="en-US" sz="1700" b="1" dirty="0">
+              <a:solidFill>
+                <a:schemeClr val="accent5">
+                  <a:lumMod val="60000"/>
+                  <a:lumOff val="40000"/>
+                </a:schemeClr>
+              </a:solidFill>
+              <a:latin typeface="Effra Light"/>
+              <a:cs typeface="Effra Light"/>
+            </a:endParaRPr>
+          </a:p>
+          <a:p>
+            <a:endParaRPr lang="en-US" sz="1700" b="1" dirty="0">
+              <a:solidFill>
+                <a:schemeClr val="accent5">
+                  <a:lumMod val="60000"/>
+                  <a:lumOff val="40000"/>
+                </a:schemeClr>
+              </a:solidFill>
+              <a:latin typeface="Effra Light"/>
+              <a:cs typeface="Effra Light"/>
+            </a:endParaRPr>
+          </a:p>
+          <a:p>
+            <a:r>
+              <a:rPr lang="en-US" sz="1700" b="1" dirty="0">
+                <a:solidFill>
+                  <a:schemeClr val="accent5">
+                    <a:lumMod val="60000"/>
+                    <a:lumOff val="40000"/>
+                  </a:schemeClr>
+                </a:solidFill>
+                <a:latin typeface="Effra Light"/>
+                <a:cs typeface="Effra Light"/>
+              </a:rPr>
+              <a:t>App Dev Practice Manager</a:t>
+            </a:r>
+          </a:p>
+          <a:p>
+            <a:r>
+              <a:rPr lang="en-US" sz="1700" b="1" dirty="0" smtClean="0">
+                <a:solidFill>
+                  <a:schemeClr val="accent5">
+                    <a:lumMod val="60000"/>
+                    <a:lumOff val="40000"/>
+                  </a:schemeClr>
+                </a:solidFill>
+                <a:latin typeface="Effra Light"/>
+                <a:cs typeface="Effra Light"/>
+              </a:rPr>
+              <a:t>SharePoint </a:t>
+            </a:r>
+            <a:r>
+              <a:rPr lang="en-US" sz="1700" b="1" dirty="0">
+                <a:solidFill>
+                  <a:schemeClr val="accent5">
+                    <a:lumMod val="60000"/>
+                    <a:lumOff val="40000"/>
+                  </a:schemeClr>
+                </a:solidFill>
+                <a:latin typeface="Effra Light"/>
+                <a:cs typeface="Effra Light"/>
+              </a:rPr>
+              <a:t>Application Architect</a:t>
+            </a:r>
+          </a:p>
+          <a:p>
+            <a:r>
+              <a:rPr lang="en-US" sz="1700" b="1" dirty="0" smtClean="0">
+                <a:solidFill>
+                  <a:schemeClr val="accent5">
+                    <a:lumMod val="60000"/>
+                    <a:lumOff val="40000"/>
+                  </a:schemeClr>
+                </a:solidFill>
+                <a:latin typeface="Effra Light"/>
+                <a:cs typeface="Effra Light"/>
+              </a:rPr>
+              <a:t>Front End </a:t>
+            </a:r>
+            <a:r>
+              <a:rPr lang="en-US" sz="1700" b="1" dirty="0">
+                <a:solidFill>
+                  <a:schemeClr val="accent5">
+                    <a:lumMod val="60000"/>
+                    <a:lumOff val="40000"/>
+                  </a:schemeClr>
+                </a:solidFill>
+                <a:latin typeface="Effra Light"/>
+                <a:cs typeface="Effra Light"/>
+              </a:rPr>
+              <a:t>Developer</a:t>
+            </a:r>
+          </a:p>
+          <a:p>
+            <a:r>
+              <a:rPr lang="en-US" sz="1700" b="1" dirty="0" smtClean="0">
+                <a:solidFill>
+                  <a:schemeClr val="accent5">
+                    <a:lumMod val="60000"/>
+                    <a:lumOff val="40000"/>
+                  </a:schemeClr>
+                </a:solidFill>
+                <a:latin typeface="Effra Light"/>
+                <a:cs typeface="Effra Light"/>
+              </a:rPr>
+              <a:t>Raleigh/Durham</a:t>
+            </a:r>
+            <a:endParaRPr lang="en-US" sz="1700" b="1" dirty="0">
+              <a:solidFill>
+                <a:schemeClr val="accent5">
+                  <a:lumMod val="60000"/>
+                  <a:lumOff val="40000"/>
+                </a:schemeClr>
+              </a:solidFill>
+              <a:latin typeface="Effra Light"/>
+              <a:cs typeface="Effra Light"/>
+            </a:endParaRPr>
+          </a:p>
+        </p:txBody>
+      </p:sp>
+      <p:sp>
+        <p:nvSpPr>
+          <p:cNvPr id="6" name="TextBox 5"/>
+          <p:cNvSpPr txBox="1"/>
+          <p:nvPr/>
+        </p:nvSpPr>
+        <p:spPr>
+          <a:xfrm>
+            <a:off x="1219200" y="4204281"/>
+            <a:ext cx="3691156" cy="1200329"/>
+          </a:xfrm>
+          <a:prstGeom prst="rect">
+            <a:avLst/>
+          </a:prstGeom>
+          <a:noFill/>
+        </p:spPr>
+        <p:txBody>
+          <a:bodyPr wrap="square" rtlCol="0">
+            <a:spAutoFit/>
+          </a:bodyPr>
+          <a:lstStyle/>
+          <a:p>
+            <a:r>
+              <a:rPr lang="en-US" b="1" dirty="0" smtClean="0">
+                <a:latin typeface="Effra Light"/>
+              </a:rPr>
+              <a:t>Contact</a:t>
+            </a:r>
+          </a:p>
+          <a:p>
+            <a:endParaRPr lang="en-US" dirty="0" smtClean="0">
+              <a:latin typeface="Effra Light"/>
+            </a:endParaRPr>
+          </a:p>
+          <a:p>
+            <a:r>
+              <a:rPr lang="en-US" dirty="0" smtClean="0">
+                <a:latin typeface="Effra Light"/>
+              </a:rPr>
+              <a:t>@</a:t>
+            </a:r>
+            <a:r>
+              <a:rPr lang="en-US" dirty="0">
+                <a:latin typeface="Effra Light"/>
+              </a:rPr>
+              <a:t>spietrek</a:t>
+            </a:r>
+          </a:p>
+          <a:p>
+            <a:r>
+              <a:rPr lang="en-US" dirty="0">
+                <a:latin typeface="Effra Light"/>
+              </a:rPr>
+              <a:t>spietrek@cardinalsolutions.com</a:t>
+            </a:r>
+          </a:p>
+        </p:txBody>
+      </p:sp>
+      <p:sp>
+        <p:nvSpPr>
+          <p:cNvPr id="7" name="TextBox 6"/>
+          <p:cNvSpPr txBox="1"/>
+          <p:nvPr/>
+        </p:nvSpPr>
+        <p:spPr>
+          <a:xfrm>
+            <a:off x="5672356" y="4204281"/>
+            <a:ext cx="5681444" cy="1200329"/>
+          </a:xfrm>
+          <a:prstGeom prst="rect">
+            <a:avLst/>
+          </a:prstGeom>
+          <a:noFill/>
+        </p:spPr>
+        <p:txBody>
+          <a:bodyPr wrap="square" rtlCol="0">
+            <a:spAutoFit/>
+          </a:bodyPr>
+          <a:lstStyle/>
+          <a:p>
+            <a:r>
+              <a:rPr lang="en-US" b="1" dirty="0" smtClean="0">
+                <a:latin typeface="Effra Light"/>
+              </a:rPr>
+              <a:t>Presentation References</a:t>
+            </a:r>
+            <a:endParaRPr lang="en-US" b="1" dirty="0">
+              <a:latin typeface="Effra Light"/>
+            </a:endParaRPr>
+          </a:p>
+          <a:p>
+            <a:endParaRPr lang="en-US" dirty="0">
+              <a:latin typeface="Effra Light"/>
+            </a:endParaRPr>
+          </a:p>
+          <a:p>
+            <a:r>
+              <a:rPr lang="en-US" dirty="0">
+                <a:hlinkClick r:id="rId2"/>
+              </a:rPr>
+              <a:t>https://</a:t>
+            </a:r>
+            <a:r>
+              <a:rPr lang="en-US" dirty="0" smtClean="0">
+                <a:hlinkClick r:id="rId2"/>
+              </a:rPr>
+              <a:t>github.com/spietrek/</a:t>
+            </a:r>
+            <a:endParaRPr lang="en-US" dirty="0" smtClean="0">
+              <a:latin typeface="Effra Light"/>
+            </a:endParaRPr>
+          </a:p>
+          <a:p>
+            <a:r>
+              <a:rPr lang="en-US" dirty="0" smtClean="0">
+                <a:latin typeface="Effra Light"/>
+              </a:rPr>
+              <a:t> </a:t>
+            </a:r>
+            <a:endParaRPr lang="en-US" dirty="0">
+              <a:latin typeface="Effra Light"/>
+            </a:endParaRPr>
+          </a:p>
+        </p:txBody>
+      </p:sp>
+      <p:pic>
+        <p:nvPicPr>
+          <p:cNvPr id="1026" name="Picture 2" descr="http://www.sharepointcincy.com/images/speakers/StevePietrek.png"/>
+          <p:cNvPicPr>
+            <a:picLocks noChangeAspect="1" noChangeArrowheads="1"/>
+          </p:cNvPicPr>
+          <p:nvPr/>
+        </p:nvPicPr>
+        <p:blipFill>
+          <a:blip r:embed="rId3">
+            <a:extLst>
+              <a:ext uri="{28A0092B-C50C-407E-A947-70E740481C1C}">
+                <a14:useLocalDpi xmlns:a14="http://schemas.microsoft.com/office/drawing/2010/main" val="0"/>
+              </a:ext>
+            </a:extLst>
+          </a:blip>
+          <a:srcRect/>
+          <a:stretch>
+            <a:fillRect/>
+          </a:stretch>
+        </p:blipFill>
+        <p:spPr bwMode="auto">
+          <a:xfrm>
+            <a:off x="914400" y="1600883"/>
+            <a:ext cx="2308751" cy="2308752"/>
+          </a:xfrm>
+          <a:prstGeom prst="rect">
+            <a:avLst/>
+          </a:prstGeom>
+          <a:noFill/>
+          <a:extLst>
+            <a:ext uri="{909E8E84-426E-40DD-AFC4-6F175D3DCCD1}">
+              <a14:hiddenFill xmlns:a14="http://schemas.microsoft.com/office/drawing/2010/main">
+                <a:solidFill>
+                  <a:srgbClr val="FFFFFF"/>
+                </a:solidFill>
+              </a14:hiddenFill>
+            </a:ext>
+          </a:extLst>
+        </p:spPr>
+      </p:pic>
+    </p:spTree>
+    <p:extLst>
+      <p:ext uri="{BB962C8B-B14F-4D97-AF65-F5344CB8AC3E}">
+        <p14:creationId xmlns:p14="http://schemas.microsoft.com/office/powerpoint/2010/main" val="1345770807"/>
+      </p:ext>
+    </p:extLst>
+  </p:cSld>
+  <p:clrMapOvr>
+    <a:masterClrMapping/>
+  </p:clrMapOvr>
+  <mc:AlternateContent xmlns:mc="http://schemas.openxmlformats.org/markup-compatibility/2006" xmlns:p14="http://schemas.microsoft.com/office/powerpoint/2010/main">
+    <mc:Choice Requires="p14">
+      <p:transition spd="med" p14:dur="700">
+        <p:fade/>
+      </p:transition>
+    </mc:Choice>
+    <mc:Fallback xmlns="">
+      <p:transition spd="med">
+        <p:fade/>
+      </p:transition>
+    </mc:Fallback>
+  </mc:AlternateContent>
+  <p:timing>
+    <p:tnLst>
+      <p:par>
+        <p:cTn id="1" dur="indefinite" restart="never" nodeType="tmRoot"/>
+      </p:par>
+    </p:tnLst>
+  </p:timing>
+</p:sld>
+</file>
+
+<file path=ppt/slides/slide20.xml><?xml version="1.0" encoding="utf-8"?>
+<p:sld xmlns:a="http://schemas.openxmlformats.org/drawingml/2006/main" xmlns:r="http://schemas.openxmlformats.org/officeDocument/2006/relationships" xmlns:p="http://schemas.openxmlformats.org/presentationml/2006/main">
+  <p:cSld>
+    <p:spTree>
+      <p:nvGrpSpPr>
+        <p:cNvPr id="1" name=""/>
+        <p:cNvGrpSpPr/>
+        <p:nvPr/>
+      </p:nvGrpSpPr>
+      <p:grpSpPr>
+        <a:xfrm>
+          <a:off x="0" y="0"/>
+          <a:ext cx="0" cy="0"/>
+          <a:chOff x="0" y="0"/>
+          <a:chExt cx="0" cy="0"/>
+        </a:xfrm>
+      </p:grpSpPr>
+      <p:sp>
+        <p:nvSpPr>
+          <p:cNvPr id="2" name="Title 1"/>
+          <p:cNvSpPr>
+            <a:spLocks noGrp="1"/>
+          </p:cNvSpPr>
+          <p:nvPr>
+            <p:ph type="title"/>
+          </p:nvPr>
+        </p:nvSpPr>
+        <p:spPr/>
+        <p:txBody>
+          <a:bodyPr/>
+          <a:lstStyle/>
+          <a:p>
+            <a:r>
+              <a:rPr lang="en-US" dirty="0" smtClean="0"/>
+              <a:t>Tools</a:t>
+            </a:r>
+            <a:endParaRPr lang="en-US" dirty="0"/>
+          </a:p>
+        </p:txBody>
+      </p:sp>
+      <p:sp>
+        <p:nvSpPr>
+          <p:cNvPr id="3" name="Content Placeholder 2"/>
+          <p:cNvSpPr>
+            <a:spLocks noGrp="1"/>
+          </p:cNvSpPr>
+          <p:nvPr>
+            <p:ph sz="quarter" idx="13"/>
+          </p:nvPr>
+        </p:nvSpPr>
+        <p:spPr/>
+        <p:txBody>
+          <a:bodyPr>
+            <a:normAutofit fontScale="92500" lnSpcReduction="10000"/>
+          </a:bodyPr>
+          <a:lstStyle/>
+          <a:p>
+            <a:r>
+              <a:rPr lang="en-US" dirty="0" smtClean="0"/>
+              <a:t>IDE: Visual Studio, Visual Studio Code, WebStorm, Brackets, Atom, Sublime Text</a:t>
+            </a:r>
+          </a:p>
+          <a:p>
+            <a:r>
+              <a:rPr lang="en-US" dirty="0"/>
+              <a:t>Third-party JavaScript frameworks: jQuery, Bootstrap, Moment, </a:t>
+            </a:r>
+            <a:r>
+              <a:rPr lang="en-US" dirty="0" smtClean="0"/>
+              <a:t>Globalize, DataTables</a:t>
+            </a:r>
+            <a:r>
+              <a:rPr lang="en-US" dirty="0"/>
+              <a:t>, ng-tasty, Font Awesome, SPServices, </a:t>
+            </a:r>
+            <a:r>
+              <a:rPr lang="en-US" dirty="0" smtClean="0"/>
+              <a:t>lodash/Underscore</a:t>
+            </a:r>
+            <a:endParaRPr lang="en-US" dirty="0"/>
+          </a:p>
+          <a:p>
+            <a:r>
+              <a:rPr lang="en-US" dirty="0" smtClean="0"/>
+              <a:t>Browser Plug-ins: Firebug, Batarang, Postman</a:t>
+            </a:r>
+          </a:p>
+          <a:p>
+            <a:r>
+              <a:rPr lang="en-US" dirty="0" smtClean="0"/>
+              <a:t>Task Runner: Gulp</a:t>
+            </a:r>
+          </a:p>
+          <a:p>
+            <a:r>
+              <a:rPr lang="en-US" dirty="0" smtClean="0"/>
+              <a:t>Package Manager: npm, Bower</a:t>
+            </a:r>
+          </a:p>
+          <a:p>
+            <a:r>
+              <a:rPr lang="en-US" dirty="0" smtClean="0"/>
+              <a:t>Source control: Git, GitHub, Bitbucket, Visual Studio Online</a:t>
+            </a:r>
+          </a:p>
+          <a:p>
+            <a:r>
+              <a:rPr lang="en-US" dirty="0" smtClean="0"/>
+              <a:t>Other tools: Node.js, Fiddler, Karma, Jasmine, PhantomJS</a:t>
+            </a:r>
+            <a:endParaRPr lang="en-US" dirty="0"/>
+          </a:p>
+        </p:txBody>
+      </p:sp>
+    </p:spTree>
+    <p:extLst>
+      <p:ext uri="{BB962C8B-B14F-4D97-AF65-F5344CB8AC3E}">
+        <p14:creationId xmlns:p14="http://schemas.microsoft.com/office/powerpoint/2010/main" val="3635730836"/>
+      </p:ext>
+    </p:extLst>
+  </p:cSld>
+  <p:clrMapOvr>
+    <a:masterClrMapping/>
+  </p:clrMapOvr>
+  <mc:AlternateContent xmlns:mc="http://schemas.openxmlformats.org/markup-compatibility/2006" xmlns:p14="http://schemas.microsoft.com/office/powerpoint/2010/main">
+    <mc:Choice Requires="p14">
+      <p:transition spd="med" p14:dur="700">
+        <p:fade/>
+      </p:transition>
+    </mc:Choice>
+    <mc:Fallback xmlns="">
+      <p:transition spd="med">
+        <p:fade/>
+      </p:transition>
+    </mc:Fallback>
+  </mc:AlternateContent>
+  <p:timing>
+    <p:tnLst>
+      <p:par>
+        <p:cTn id="1" dur="indefinite" restart="never" nodeType="tmRoot"/>
+      </p:par>
+    </p:tnLst>
+  </p:timing>
+</p:sld>
+</file>
+
+<file path=ppt/slides/slide21.xml><?xml version="1.0" encoding="utf-8"?>
+<p:sld xmlns:a="http://schemas.openxmlformats.org/drawingml/2006/main" xmlns:r="http://schemas.openxmlformats.org/officeDocument/2006/relationships" xmlns:p="http://schemas.openxmlformats.org/presentationml/2006/main">
+  <p:cSld>
+    <p:spTree>
+      <p:nvGrpSpPr>
+        <p:cNvPr id="1" name=""/>
+        <p:cNvGrpSpPr/>
+        <p:nvPr/>
+      </p:nvGrpSpPr>
+      <p:grpSpPr>
+        <a:xfrm>
+          <a:off x="0" y="0"/>
+          <a:ext cx="0" cy="0"/>
+          <a:chOff x="0" y="0"/>
+          <a:chExt cx="0" cy="0"/>
+        </a:xfrm>
+      </p:grpSpPr>
+      <p:sp>
+        <p:nvSpPr>
+          <p:cNvPr id="2" name="Title 1"/>
+          <p:cNvSpPr>
+            <a:spLocks noGrp="1"/>
+          </p:cNvSpPr>
+          <p:nvPr>
+            <p:ph type="title"/>
+          </p:nvPr>
+        </p:nvSpPr>
+        <p:spPr/>
+        <p:txBody>
+          <a:bodyPr/>
+          <a:lstStyle/>
+          <a:p>
+            <a:r>
+              <a:rPr lang="en-US" dirty="0" smtClean="0"/>
+              <a:t>SharePoint 2013 REST API</a:t>
+            </a:r>
+            <a:endParaRPr lang="en-US" dirty="0"/>
+          </a:p>
+        </p:txBody>
+      </p:sp>
+      <p:sp>
+        <p:nvSpPr>
+          <p:cNvPr id="3" name="Content Placeholder 2"/>
+          <p:cNvSpPr>
+            <a:spLocks noGrp="1"/>
+          </p:cNvSpPr>
+          <p:nvPr>
+            <p:ph sz="quarter" idx="13"/>
+          </p:nvPr>
+        </p:nvSpPr>
+        <p:spPr>
+          <a:xfrm>
+            <a:off x="838200" y="1825624"/>
+            <a:ext cx="10515600" cy="5032375"/>
+          </a:xfrm>
+        </p:spPr>
+        <p:txBody>
+          <a:bodyPr>
+            <a:noAutofit/>
+          </a:bodyPr>
+          <a:lstStyle/>
+          <a:p>
+            <a:r>
+              <a:rPr lang="en-US" sz="1800" dirty="0" smtClean="0"/>
+              <a:t>Use jQuery AJAX or AngularJS $http</a:t>
+            </a:r>
+          </a:p>
+          <a:p>
+            <a:r>
+              <a:rPr lang="en-US" sz="1800" dirty="0" smtClean="0"/>
+              <a:t>Options</a:t>
+            </a:r>
+          </a:p>
+          <a:p>
+            <a:pPr lvl="1"/>
+            <a:r>
+              <a:rPr lang="en-US" sz="1600" dirty="0" smtClean="0"/>
+              <a:t>$select</a:t>
+            </a:r>
+          </a:p>
+          <a:p>
+            <a:pPr lvl="1"/>
+            <a:r>
+              <a:rPr lang="en-US" sz="1600" dirty="0" smtClean="0"/>
+              <a:t>$filter</a:t>
+            </a:r>
+          </a:p>
+          <a:p>
+            <a:pPr lvl="1"/>
+            <a:r>
+              <a:rPr lang="en-US" sz="1600" dirty="0" smtClean="0"/>
+              <a:t>$top</a:t>
+            </a:r>
+          </a:p>
+          <a:p>
+            <a:pPr lvl="1"/>
+            <a:r>
+              <a:rPr lang="en-US" sz="1600" dirty="0" smtClean="0"/>
+              <a:t>$skip</a:t>
+            </a:r>
+          </a:p>
+          <a:p>
+            <a:pPr lvl="1"/>
+            <a:r>
+              <a:rPr lang="en-US" sz="1600" dirty="0" smtClean="0"/>
+              <a:t>$orderBy</a:t>
+            </a:r>
+          </a:p>
+          <a:p>
+            <a:pPr lvl="1"/>
+            <a:r>
+              <a:rPr lang="en-US" sz="1600" dirty="0" smtClean="0"/>
+              <a:t>$expand</a:t>
+            </a:r>
+          </a:p>
+          <a:p>
+            <a:r>
+              <a:rPr lang="en-US" sz="1800" dirty="0" smtClean="0"/>
+              <a:t>Best practices</a:t>
+            </a:r>
+          </a:p>
+          <a:p>
+            <a:pPr lvl="1"/>
+            <a:r>
+              <a:rPr lang="en-US" sz="1600" dirty="0" smtClean="0"/>
+              <a:t>Use Postman or Fiddler to execute and test queries</a:t>
+            </a:r>
+          </a:p>
+          <a:p>
+            <a:pPr lvl="1"/>
+            <a:r>
+              <a:rPr lang="en-US" sz="1600" dirty="0" smtClean="0"/>
+              <a:t>Set the Accept header</a:t>
+            </a:r>
+          </a:p>
+          <a:p>
+            <a:pPr lvl="1"/>
+            <a:r>
+              <a:rPr lang="en-US" sz="1600" dirty="0" smtClean="0"/>
+              <a:t>Only retrieve what you need by usin</a:t>
+            </a:r>
+            <a:r>
+              <a:rPr lang="en-US" sz="1600" dirty="0"/>
+              <a:t>g</a:t>
+            </a:r>
+            <a:r>
+              <a:rPr lang="en-US" sz="1600" dirty="0" smtClean="0"/>
+              <a:t> $select and $filter.</a:t>
+            </a:r>
+          </a:p>
+          <a:p>
+            <a:pPr lvl="1"/>
+            <a:r>
+              <a:rPr lang="en-US" sz="1600" dirty="0" smtClean="0"/>
+              <a:t>“Chunky, not chatty”</a:t>
+            </a:r>
+            <a:endParaRPr lang="en-US" sz="1600" dirty="0"/>
+          </a:p>
+        </p:txBody>
+      </p:sp>
+      <p:pic>
+        <p:nvPicPr>
+          <p:cNvPr id="6" name="Picture 5"/>
+          <p:cNvPicPr>
+            <a:picLocks noChangeAspect="1"/>
+          </p:cNvPicPr>
+          <p:nvPr/>
+        </p:nvPicPr>
+        <p:blipFill>
+          <a:blip r:embed="rId2"/>
+          <a:stretch>
+            <a:fillRect/>
+          </a:stretch>
+        </p:blipFill>
+        <p:spPr>
+          <a:xfrm>
+            <a:off x="6795462" y="1825624"/>
+            <a:ext cx="4633913" cy="3278774"/>
+          </a:xfrm>
+          <a:prstGeom prst="rect">
+            <a:avLst/>
+          </a:prstGeom>
+        </p:spPr>
+      </p:pic>
+    </p:spTree>
+    <p:extLst>
+      <p:ext uri="{BB962C8B-B14F-4D97-AF65-F5344CB8AC3E}">
+        <p14:creationId xmlns:p14="http://schemas.microsoft.com/office/powerpoint/2010/main" val="971806321"/>
+      </p:ext>
+    </p:extLst>
+  </p:cSld>
+  <p:clrMapOvr>
+    <a:masterClrMapping/>
+  </p:clrMapOvr>
+  <mc:AlternateContent xmlns:mc="http://schemas.openxmlformats.org/markup-compatibility/2006" xmlns:p14="http://schemas.microsoft.com/office/powerpoint/2010/main">
+    <mc:Choice Requires="p14">
+      <p:transition spd="med" p14:dur="700">
+        <p:fade/>
+      </p:transition>
+    </mc:Choice>
+    <mc:Fallback xmlns="">
+      <p:transition spd="med">
+        <p:fade/>
+      </p:transition>
+    </mc:Fallback>
+  </mc:AlternateContent>
+  <p:timing>
+    <p:tnLst>
+      <p:par>
+        <p:cTn id="1" dur="indefinite" restart="never" nodeType="tmRoot"/>
+      </p:par>
+    </p:tnLst>
+  </p:timing>
+</p:sld>
+</file>
+
+<file path=ppt/slides/slide22.xml><?xml version="1.0" encoding="utf-8"?>
+<p:sld xmlns:a="http://schemas.openxmlformats.org/drawingml/2006/main" xmlns:r="http://schemas.openxmlformats.org/officeDocument/2006/relationships" xmlns:p="http://schemas.openxmlformats.org/presentationml/2006/main">
+  <p:cSld>
+    <p:spTree>
+      <p:nvGrpSpPr>
+        <p:cNvPr id="1" name=""/>
+        <p:cNvGrpSpPr/>
+        <p:nvPr/>
+      </p:nvGrpSpPr>
+      <p:grpSpPr>
+        <a:xfrm>
+          <a:off x="0" y="0"/>
+          <a:ext cx="0" cy="0"/>
+          <a:chOff x="0" y="0"/>
+          <a:chExt cx="0" cy="0"/>
+        </a:xfrm>
+      </p:grpSpPr>
+      <p:sp>
+        <p:nvSpPr>
+          <p:cNvPr id="2" name="Title 1"/>
+          <p:cNvSpPr>
+            <a:spLocks noGrp="1"/>
+          </p:cNvSpPr>
+          <p:nvPr>
+            <p:ph type="title"/>
+          </p:nvPr>
+        </p:nvSpPr>
+        <p:spPr/>
+        <p:txBody>
+          <a:bodyPr/>
+          <a:lstStyle/>
+          <a:p>
+            <a:r>
+              <a:rPr lang="en-US" dirty="0" smtClean="0"/>
+              <a:t>Projects Demo</a:t>
+            </a:r>
+            <a:endParaRPr lang="en-US" dirty="0"/>
+          </a:p>
+        </p:txBody>
+      </p:sp>
+      <p:sp>
+        <p:nvSpPr>
+          <p:cNvPr id="3" name="Text Placeholder 2"/>
+          <p:cNvSpPr>
+            <a:spLocks noGrp="1"/>
+          </p:cNvSpPr>
+          <p:nvPr>
+            <p:ph type="body" idx="1"/>
+          </p:nvPr>
+        </p:nvSpPr>
+        <p:spPr/>
+        <p:txBody>
+          <a:bodyPr/>
+          <a:lstStyle/>
+          <a:p>
+            <a:endParaRPr lang="en-US"/>
+          </a:p>
+        </p:txBody>
+      </p:sp>
+    </p:spTree>
+    <p:extLst>
+      <p:ext uri="{BB962C8B-B14F-4D97-AF65-F5344CB8AC3E}">
+        <p14:creationId xmlns:p14="http://schemas.microsoft.com/office/powerpoint/2010/main" val="3811698405"/>
+      </p:ext>
+    </p:extLst>
+  </p:cSld>
+  <p:clrMapOvr>
+    <a:masterClrMapping/>
+  </p:clrMapOvr>
+  <mc:AlternateContent xmlns:mc="http://schemas.openxmlformats.org/markup-compatibility/2006" xmlns:p14="http://schemas.microsoft.com/office/powerpoint/2010/main">
+    <mc:Choice Requires="p14">
+      <p:transition spd="med" p14:dur="700">
+        <p:fade/>
+      </p:transition>
+    </mc:Choice>
+    <mc:Fallback xmlns="">
+      <p:transition spd="med">
+        <p:fade/>
+      </p:transition>
+    </mc:Fallback>
+  </mc:AlternateContent>
+  <p:timing>
+    <p:tnLst>
+      <p:par>
+        <p:cTn id="1" dur="indefinite" restart="never" nodeType="tmRoot"/>
+      </p:par>
+    </p:tnLst>
+  </p:timing>
+</p:sld>
+</file>
+
 <file path=ppt/slides/slide23.xml><?xml version="1.0" encoding="utf-8"?>
 <p:sld xmlns:a="http://schemas.openxmlformats.org/drawingml/2006/main" xmlns:r="http://schemas.openxmlformats.org/officeDocument/2006/relationships" xmlns:p="http://schemas.openxmlformats.org/presentationml/2006/main">
   <p:cSld>
@@ -23532,7 +21535,7 @@
           <a:p>
             <a:r>
               <a:rPr lang="en-US" dirty="0" smtClean="0"/>
-              <a:t>Tools and Data Access</a:t>
+              <a:t>Deployment</a:t>
             </a:r>
             <a:endParaRPr lang="en-US" dirty="0"/>
           </a:p>
@@ -23560,7 +21563,7 @@
     </p:spTree>
     <p:extLst>
       <p:ext uri="{BB962C8B-B14F-4D97-AF65-F5344CB8AC3E}">
-        <p14:creationId xmlns:p14="http://schemas.microsoft.com/office/powerpoint/2010/main" val="1893041578"/>
+        <p14:creationId xmlns:p14="http://schemas.microsoft.com/office/powerpoint/2010/main" val="3664389473"/>
       </p:ext>
     </p:extLst>
   </p:cSld>
@@ -23623,90 +21626,41 @@
           <a:p>
             <a:r>
               <a:rPr lang="en-US" dirty="0" smtClean="0"/>
-              <a:t>Tools</a:t>
+              <a:t>Deployment Workflow</a:t>
             </a:r>
             <a:endParaRPr lang="en-US" dirty="0"/>
           </a:p>
         </p:txBody>
       </p:sp>
-      <p:sp>
-        <p:nvSpPr>
-          <p:cNvPr id="3" name="Content Placeholder 2"/>
-          <p:cNvSpPr>
-            <a:spLocks noGrp="1"/>
-          </p:cNvSpPr>
+      <p:graphicFrame>
+        <p:nvGraphicFramePr>
+          <p:cNvPr id="4" name="Content Placeholder 3"/>
+          <p:cNvGraphicFramePr>
+            <a:graphicFrameLocks noGrp="1"/>
+          </p:cNvGraphicFramePr>
           <p:nvPr>
             <p:ph sz="quarter" idx="13"/>
+            <p:extLst>
+              <p:ext uri="{D42A27DB-BD31-4B8C-83A1-F6EECF244321}">
+                <p14:modId xmlns:p14="http://schemas.microsoft.com/office/powerpoint/2010/main" val="2367700780"/>
+              </p:ext>
+            </p:extLst>
           </p:nvPr>
-        </p:nvSpPr>
-        <p:spPr/>
-        <p:txBody>
-          <a:bodyPr>
-            <a:normAutofit fontScale="92500" lnSpcReduction="10000"/>
-          </a:bodyPr>
-          <a:lstStyle/>
-          <a:p>
-            <a:r>
-              <a:rPr lang="en-US" dirty="0" smtClean="0"/>
-              <a:t>IDE: Visual Studio, Visual Studio Code, WebStorm, Brackets, Atom, Sublime Text</a:t>
-            </a:r>
-          </a:p>
-          <a:p>
-            <a:r>
-              <a:rPr lang="en-US" dirty="0"/>
-              <a:t>Third-party JavaScript frameworks: jQuery, Bootstrap, Moment, </a:t>
-            </a:r>
-            <a:r>
-              <a:rPr lang="en-US" dirty="0" smtClean="0"/>
-              <a:t>Globalize, DataTables</a:t>
-            </a:r>
-            <a:r>
-              <a:rPr lang="en-US" dirty="0"/>
-              <a:t>, ng-tasty, Font Awesome, SPServices, </a:t>
-            </a:r>
-            <a:r>
-              <a:rPr lang="en-US" dirty="0" smtClean="0"/>
-              <a:t>lodash/Underscore</a:t>
-            </a:r>
-            <a:endParaRPr lang="en-US" dirty="0"/>
-          </a:p>
-          <a:p>
-            <a:r>
-              <a:rPr lang="en-US" dirty="0" smtClean="0"/>
-              <a:t>Browser Plug-ins: Firebug, Batarang, Postman</a:t>
-            </a:r>
-          </a:p>
-          <a:p>
-            <a:r>
-              <a:rPr lang="en-US" dirty="0" smtClean="0"/>
-              <a:t>Task Runner: Gulp</a:t>
-            </a:r>
-          </a:p>
-          <a:p>
-            <a:r>
-              <a:rPr lang="en-US" dirty="0" smtClean="0"/>
-              <a:t>Package Manager: npm, Bower</a:t>
-            </a:r>
-          </a:p>
-          <a:p>
-            <a:r>
-              <a:rPr lang="en-US" dirty="0" smtClean="0"/>
-              <a:t>Source control: Git, GitHub, Bitbucket, Visual Studio Online</a:t>
-            </a:r>
-          </a:p>
-          <a:p>
-            <a:r>
-              <a:rPr lang="en-US" dirty="0" smtClean="0"/>
-              <a:t>Other tools: Node.js, Fiddler, Karma, Jasmine, PhantomJS</a:t>
-            </a:r>
-            <a:endParaRPr lang="en-US" dirty="0"/>
-          </a:p>
-        </p:txBody>
-      </p:sp>
+        </p:nvGraphicFramePr>
+        <p:xfrm>
+          <a:off x="457200" y="1828800"/>
+          <a:ext cx="11353800" cy="4351338"/>
+        </p:xfrm>
+        <a:graphic>
+          <a:graphicData uri="http://schemas.openxmlformats.org/drawingml/2006/diagram">
+            <dgm:relIds xmlns:dgm="http://schemas.openxmlformats.org/drawingml/2006/diagram" xmlns:r="http://schemas.openxmlformats.org/officeDocument/2006/relationships" r:dm="rId2" r:lo="rId3" r:qs="rId4" r:cs="rId5"/>
+          </a:graphicData>
+        </a:graphic>
+      </p:graphicFrame>
     </p:spTree>
     <p:extLst>
       <p:ext uri="{BB962C8B-B14F-4D97-AF65-F5344CB8AC3E}">
-        <p14:creationId xmlns:p14="http://schemas.microsoft.com/office/powerpoint/2010/main" val="3635730836"/>
+        <p14:creationId xmlns:p14="http://schemas.microsoft.com/office/powerpoint/2010/main" val="3713504668"/>
       </p:ext>
     </p:extLst>
   </p:cSld>
@@ -23769,11 +21723,7 @@
           <a:p>
             <a:r>
               <a:rPr lang="en-US" dirty="0" smtClean="0"/>
-              <a:t>SharePoint 2013 </a:t>
-            </a:r>
-            <a:r>
-              <a:rPr lang="en-US" dirty="0" smtClean="0"/>
-              <a:t>REST API</a:t>
+              <a:t>Best Practices &amp; Gotchas</a:t>
             </a:r>
             <a:endParaRPr lang="en-US" dirty="0"/>
           </a:p>
@@ -23781,152 +21731,27 @@
       </p:sp>
       <p:sp>
         <p:nvSpPr>
-          <p:cNvPr id="3" name="Content Placeholder 2"/>
+          <p:cNvPr id="4" name="Text Placeholder 3"/>
           <p:cNvSpPr>
             <a:spLocks noGrp="1"/>
           </p:cNvSpPr>
           <p:nvPr>
-            <p:ph sz="quarter" idx="13"/>
+            <p:ph type="body" idx="1"/>
           </p:nvPr>
         </p:nvSpPr>
-        <p:spPr>
-          <a:xfrm>
-            <a:off x="838200" y="1825624"/>
-            <a:ext cx="10515600" cy="5032375"/>
-          </a:xfrm>
-        </p:spPr>
+        <p:spPr/>
         <p:txBody>
-          <a:bodyPr>
-            <a:noAutofit/>
-          </a:bodyPr>
+          <a:bodyPr/>
           <a:lstStyle/>
           <a:p>
-            <a:r>
-              <a:rPr lang="en-US" sz="1800" dirty="0" smtClean="0"/>
-              <a:t>Use jQuery AJAX or AngularJS $http</a:t>
-            </a:r>
-          </a:p>
-          <a:p>
-            <a:r>
-              <a:rPr lang="en-US" sz="1800" dirty="0" smtClean="0"/>
-              <a:t>Options</a:t>
-            </a:r>
-          </a:p>
-          <a:p>
-            <a:pPr lvl="1"/>
-            <a:r>
-              <a:rPr lang="en-US" sz="1600" dirty="0" smtClean="0"/>
-              <a:t>$select</a:t>
-            </a:r>
-          </a:p>
-          <a:p>
-            <a:pPr lvl="1"/>
-            <a:r>
-              <a:rPr lang="en-US" sz="1600" dirty="0" smtClean="0"/>
-              <a:t>$filter</a:t>
-            </a:r>
-          </a:p>
-          <a:p>
-            <a:pPr lvl="1"/>
-            <a:r>
-              <a:rPr lang="en-US" sz="1600" dirty="0" smtClean="0"/>
-              <a:t>$top</a:t>
-            </a:r>
-          </a:p>
-          <a:p>
-            <a:pPr lvl="1"/>
-            <a:r>
-              <a:rPr lang="en-US" sz="1600" dirty="0" smtClean="0"/>
-              <a:t>$skip</a:t>
-            </a:r>
-          </a:p>
-          <a:p>
-            <a:pPr lvl="1"/>
-            <a:r>
-              <a:rPr lang="en-US" sz="1600" dirty="0" smtClean="0"/>
-              <a:t>$orderBy</a:t>
-            </a:r>
-          </a:p>
-          <a:p>
-            <a:pPr lvl="1"/>
-            <a:r>
-              <a:rPr lang="en-US" sz="1600" dirty="0" smtClean="0"/>
-              <a:t>$expand</a:t>
-            </a:r>
-          </a:p>
-          <a:p>
-            <a:r>
-              <a:rPr lang="en-US" sz="1800" dirty="0" smtClean="0"/>
-              <a:t>Best practices</a:t>
-            </a:r>
-          </a:p>
-          <a:p>
-            <a:pPr lvl="1"/>
-            <a:r>
-              <a:rPr lang="en-US" sz="1600" dirty="0" smtClean="0"/>
-              <a:t>Use Postman or Fiddler to execute and test queries</a:t>
-            </a:r>
-          </a:p>
-          <a:p>
-            <a:pPr lvl="1"/>
-            <a:r>
-              <a:rPr lang="en-US" sz="1600" dirty="0" smtClean="0"/>
-              <a:t>Set the Accept header</a:t>
-            </a:r>
-          </a:p>
-          <a:p>
-            <a:pPr lvl="1"/>
-            <a:r>
-              <a:rPr lang="en-US" sz="1600" dirty="0" smtClean="0"/>
-              <a:t>Only retrieve what you need by usin</a:t>
-            </a:r>
-            <a:r>
-              <a:rPr lang="en-US" sz="1600" dirty="0"/>
-              <a:t>g</a:t>
-            </a:r>
-            <a:r>
-              <a:rPr lang="en-US" sz="1600" dirty="0" smtClean="0"/>
-              <a:t> $select and $filter.</a:t>
-            </a:r>
-          </a:p>
-          <a:p>
-            <a:pPr lvl="1"/>
-            <a:r>
-              <a:rPr lang="en-US" sz="1600" dirty="0" smtClean="0"/>
-              <a:t>“Chunky, not chatty”</a:t>
-            </a:r>
-            <a:endParaRPr lang="en-US" sz="1600" dirty="0"/>
+            <a:endParaRPr lang="en-US"/>
           </a:p>
         </p:txBody>
       </p:sp>
-      <p:pic>
-        <p:nvPicPr>
-          <p:cNvPr id="6" name="Picture 5"/>
-          <p:cNvPicPr>
-            <a:picLocks noChangeAspect="1"/>
-          </p:cNvPicPr>
-          <p:nvPr/>
-        </p:nvPicPr>
-        <p:blipFill>
-          <a:blip r:embed="rId2"/>
-          <a:stretch>
-            <a:fillRect/>
-          </a:stretch>
-        </p:blipFill>
-        <p:spPr>
-          <a:xfrm>
-            <a:off x="6795462" y="1825624"/>
-            <a:ext cx="4633913" cy="3278774"/>
-          </a:xfrm>
-          <a:prstGeom prst="rect">
-            <a:avLst/>
-          </a:prstGeom>
-        </p:spPr>
-      </p:pic>
     </p:spTree>
     <p:extLst>
       <p:ext uri="{BB962C8B-B14F-4D97-AF65-F5344CB8AC3E}">
-        <p14:creationId xmlns:p14="http://schemas.microsoft.com/office/powerpoint/2010/main" val="971806321"/>
+        <p14:creationId xmlns:p14="http://schemas.microsoft.com/office/powerpoint/2010/main" val="550004080"/>
       </p:ext>
     </p:extLst>
   </p:cSld>
@@ -23989,971 +21814,6 @@
           <a:p>
             <a:r>
               <a:rPr lang="en-US" dirty="0" smtClean="0"/>
-              <a:t>Projects Demo</a:t>
-            </a:r>
-            <a:endParaRPr lang="en-US" dirty="0"/>
-          </a:p>
-        </p:txBody>
-      </p:sp>
-      <p:sp>
-        <p:nvSpPr>
-          <p:cNvPr id="3" name="Text Placeholder 2"/>
-          <p:cNvSpPr>
-            <a:spLocks noGrp="1"/>
-          </p:cNvSpPr>
-          <p:nvPr>
-            <p:ph type="body" idx="1"/>
-          </p:nvPr>
-        </p:nvSpPr>
-        <p:spPr/>
-        <p:txBody>
-          <a:bodyPr/>
-          <a:lstStyle/>
-          <a:p>
-            <a:endParaRPr lang="en-US"/>
-          </a:p>
-        </p:txBody>
-      </p:sp>
-    </p:spTree>
-    <p:extLst>
-      <p:ext uri="{BB962C8B-B14F-4D97-AF65-F5344CB8AC3E}">
-        <p14:creationId xmlns:p14="http://schemas.microsoft.com/office/powerpoint/2010/main" val="3811698405"/>
-      </p:ext>
-    </p:extLst>
-  </p:cSld>
-  <p:clrMapOvr>
-    <a:masterClrMapping/>
-  </p:clrMapOvr>
-  <mc:AlternateContent xmlns:mc="http://schemas.openxmlformats.org/markup-compatibility/2006" xmlns:p14="http://schemas.microsoft.com/office/powerpoint/2010/main">
-    <mc:Choice Requires="p14">
-      <p:transition spd="med" p14:dur="700">
-        <p:fade/>
-      </p:transition>
-    </mc:Choice>
-    <mc:Fallback xmlns="">
-      <p:transition spd="med">
-        <p:fade/>
-      </p:transition>
-    </mc:Fallback>
-  </mc:AlternateContent>
-  <p:timing>
-    <p:tnLst>
-      <p:par>
-        <p:cTn id="1" dur="indefinite" restart="never" nodeType="tmRoot"/>
-      </p:par>
-    </p:tnLst>
-  </p:timing>
-</p:sld>
-</file>
-
-<file path=ppt/slides/slide27.xml><?xml version="1.0" encoding="utf-8"?>
-<p:sld xmlns:a="http://schemas.openxmlformats.org/drawingml/2006/main" xmlns:r="http://schemas.openxmlformats.org/officeDocument/2006/relationships" xmlns:p="http://schemas.openxmlformats.org/presentationml/2006/main">
-  <p:cSld>
-    <p:spTree>
-      <p:nvGrpSpPr>
-        <p:cNvPr id="1" name=""/>
-        <p:cNvGrpSpPr/>
-        <p:nvPr/>
-      </p:nvGrpSpPr>
-      <p:grpSpPr>
-        <a:xfrm>
-          <a:off x="0" y="0"/>
-          <a:ext cx="0" cy="0"/>
-          <a:chOff x="0" y="0"/>
-          <a:chExt cx="0" cy="0"/>
-        </a:xfrm>
-      </p:grpSpPr>
-      <p:sp>
-        <p:nvSpPr>
-          <p:cNvPr id="2" name="Title 1"/>
-          <p:cNvSpPr>
-            <a:spLocks noGrp="1"/>
-          </p:cNvSpPr>
-          <p:nvPr>
-            <p:ph type="title"/>
-          </p:nvPr>
-        </p:nvSpPr>
-        <p:spPr/>
-        <p:txBody>
-          <a:bodyPr/>
-          <a:lstStyle/>
-          <a:p>
-            <a:r>
-              <a:rPr lang="en-US" dirty="0" smtClean="0"/>
-              <a:t>Deployment</a:t>
-            </a:r>
-            <a:endParaRPr lang="en-US" dirty="0"/>
-          </a:p>
-        </p:txBody>
-      </p:sp>
-      <p:sp>
-        <p:nvSpPr>
-          <p:cNvPr id="3" name="Text Placeholder 2"/>
-          <p:cNvSpPr>
-            <a:spLocks noGrp="1"/>
-          </p:cNvSpPr>
-          <p:nvPr>
-            <p:ph type="body" idx="1"/>
-          </p:nvPr>
-        </p:nvSpPr>
-        <p:spPr/>
-        <p:txBody>
-          <a:bodyPr/>
-          <a:lstStyle/>
-          <a:p>
-            <a:endParaRPr lang="en-US"/>
-          </a:p>
-        </p:txBody>
-      </p:sp>
-    </p:spTree>
-    <p:extLst>
-      <p:ext uri="{BB962C8B-B14F-4D97-AF65-F5344CB8AC3E}">
-        <p14:creationId xmlns:p14="http://schemas.microsoft.com/office/powerpoint/2010/main" val="3664389473"/>
-      </p:ext>
-    </p:extLst>
-  </p:cSld>
-  <p:clrMapOvr>
-    <a:masterClrMapping/>
-  </p:clrMapOvr>
-  <mc:AlternateContent xmlns:mc="http://schemas.openxmlformats.org/markup-compatibility/2006" xmlns:p14="http://schemas.microsoft.com/office/powerpoint/2010/main">
-    <mc:Choice Requires="p14">
-      <p:transition spd="med" p14:dur="700">
-        <p:fade/>
-      </p:transition>
-    </mc:Choice>
-    <mc:Fallback xmlns="">
-      <p:transition spd="med">
-        <p:fade/>
-      </p:transition>
-    </mc:Fallback>
-  </mc:AlternateContent>
-  <p:timing>
-    <p:tnLst>
-      <p:par>
-        <p:cTn id="1" dur="indefinite" restart="never" nodeType="tmRoot"/>
-      </p:par>
-    </p:tnLst>
-  </p:timing>
-</p:sld>
-</file>
-
-<file path=ppt/slides/slide28.xml><?xml version="1.0" encoding="utf-8"?>
-<p:sld xmlns:a="http://schemas.openxmlformats.org/drawingml/2006/main" xmlns:r="http://schemas.openxmlformats.org/officeDocument/2006/relationships" xmlns:p="http://schemas.openxmlformats.org/presentationml/2006/main">
-  <p:cSld>
-    <p:spTree>
-      <p:nvGrpSpPr>
-        <p:cNvPr id="1" name=""/>
-        <p:cNvGrpSpPr/>
-        <p:nvPr/>
-      </p:nvGrpSpPr>
-      <p:grpSpPr>
-        <a:xfrm>
-          <a:off x="0" y="0"/>
-          <a:ext cx="0" cy="0"/>
-          <a:chOff x="0" y="0"/>
-          <a:chExt cx="0" cy="0"/>
-        </a:xfrm>
-      </p:grpSpPr>
-      <p:sp>
-        <p:nvSpPr>
-          <p:cNvPr id="2" name="Title 1"/>
-          <p:cNvSpPr>
-            <a:spLocks noGrp="1"/>
-          </p:cNvSpPr>
-          <p:nvPr>
-            <p:ph type="title"/>
-          </p:nvPr>
-        </p:nvSpPr>
-        <p:spPr/>
-        <p:txBody>
-          <a:bodyPr/>
-          <a:lstStyle/>
-          <a:p>
-            <a:r>
-              <a:rPr lang="en-US" dirty="0" smtClean="0"/>
-              <a:t>Deployment Workflow</a:t>
-            </a:r>
-            <a:endParaRPr lang="en-US" dirty="0"/>
-          </a:p>
-        </p:txBody>
-      </p:sp>
-      <p:graphicFrame>
-        <p:nvGraphicFramePr>
-          <p:cNvPr id="4" name="Content Placeholder 3"/>
-          <p:cNvGraphicFramePr>
-            <a:graphicFrameLocks noGrp="1"/>
-          </p:cNvGraphicFramePr>
-          <p:nvPr>
-            <p:ph sz="quarter" idx="13"/>
-            <p:extLst>
-              <p:ext uri="{D42A27DB-BD31-4B8C-83A1-F6EECF244321}">
-                <p14:modId xmlns:p14="http://schemas.microsoft.com/office/powerpoint/2010/main" val="2367700780"/>
-              </p:ext>
-            </p:extLst>
-          </p:nvPr>
-        </p:nvGraphicFramePr>
-        <p:xfrm>
-          <a:off x="457200" y="1828800"/>
-          <a:ext cx="11353800" cy="4351338"/>
-        </p:xfrm>
-        <a:graphic>
-          <a:graphicData uri="http://schemas.openxmlformats.org/drawingml/2006/diagram">
-            <dgm:relIds xmlns:dgm="http://schemas.openxmlformats.org/drawingml/2006/diagram" xmlns:r="http://schemas.openxmlformats.org/officeDocument/2006/relationships" r:dm="rId2" r:lo="rId3" r:qs="rId4" r:cs="rId5"/>
-          </a:graphicData>
-        </a:graphic>
-      </p:graphicFrame>
-    </p:spTree>
-    <p:extLst>
-      <p:ext uri="{BB962C8B-B14F-4D97-AF65-F5344CB8AC3E}">
-        <p14:creationId xmlns:p14="http://schemas.microsoft.com/office/powerpoint/2010/main" val="3713504668"/>
-      </p:ext>
-    </p:extLst>
-  </p:cSld>
-  <p:clrMapOvr>
-    <a:masterClrMapping/>
-  </p:clrMapOvr>
-  <mc:AlternateContent xmlns:mc="http://schemas.openxmlformats.org/markup-compatibility/2006" xmlns:p14="http://schemas.microsoft.com/office/powerpoint/2010/main">
-    <mc:Choice Requires="p14">
-      <p:transition spd="med" p14:dur="700">
-        <p:fade/>
-      </p:transition>
-    </mc:Choice>
-    <mc:Fallback xmlns="">
-      <p:transition spd="med">
-        <p:fade/>
-      </p:transition>
-    </mc:Fallback>
-  </mc:AlternateContent>
-  <p:timing>
-    <p:tnLst>
-      <p:par>
-        <p:cTn id="1" dur="indefinite" restart="never" nodeType="tmRoot"/>
-      </p:par>
-    </p:tnLst>
-  </p:timing>
-</p:sld>
-</file>
-
-<file path=ppt/slides/slide29.xml><?xml version="1.0" encoding="utf-8"?>
-<p:sld xmlns:a="http://schemas.openxmlformats.org/drawingml/2006/main" xmlns:r="http://schemas.openxmlformats.org/officeDocument/2006/relationships" xmlns:p="http://schemas.openxmlformats.org/presentationml/2006/main">
-  <p:cSld>
-    <p:spTree>
-      <p:nvGrpSpPr>
-        <p:cNvPr id="1" name=""/>
-        <p:cNvGrpSpPr/>
-        <p:nvPr/>
-      </p:nvGrpSpPr>
-      <p:grpSpPr>
-        <a:xfrm>
-          <a:off x="0" y="0"/>
-          <a:ext cx="0" cy="0"/>
-          <a:chOff x="0" y="0"/>
-          <a:chExt cx="0" cy="0"/>
-        </a:xfrm>
-      </p:grpSpPr>
-      <p:sp>
-        <p:nvSpPr>
-          <p:cNvPr id="2" name="Title 1"/>
-          <p:cNvSpPr>
-            <a:spLocks noGrp="1"/>
-          </p:cNvSpPr>
-          <p:nvPr>
-            <p:ph type="title"/>
-          </p:nvPr>
-        </p:nvSpPr>
-        <p:spPr/>
-        <p:txBody>
-          <a:bodyPr/>
-          <a:lstStyle/>
-          <a:p>
-            <a:r>
-              <a:rPr lang="en-US" dirty="0" smtClean="0"/>
-              <a:t>Best Practices &amp; Gotchas</a:t>
-            </a:r>
-            <a:endParaRPr lang="en-US" dirty="0"/>
-          </a:p>
-        </p:txBody>
-      </p:sp>
-      <p:sp>
-        <p:nvSpPr>
-          <p:cNvPr id="4" name="Text Placeholder 3"/>
-          <p:cNvSpPr>
-            <a:spLocks noGrp="1"/>
-          </p:cNvSpPr>
-          <p:nvPr>
-            <p:ph type="body" idx="1"/>
-          </p:nvPr>
-        </p:nvSpPr>
-        <p:spPr/>
-        <p:txBody>
-          <a:bodyPr/>
-          <a:lstStyle/>
-          <a:p>
-            <a:endParaRPr lang="en-US"/>
-          </a:p>
-        </p:txBody>
-      </p:sp>
-    </p:spTree>
-    <p:extLst>
-      <p:ext uri="{BB962C8B-B14F-4D97-AF65-F5344CB8AC3E}">
-        <p14:creationId xmlns:p14="http://schemas.microsoft.com/office/powerpoint/2010/main" val="550004080"/>
-      </p:ext>
-    </p:extLst>
-  </p:cSld>
-  <p:clrMapOvr>
-    <a:masterClrMapping/>
-  </p:clrMapOvr>
-  <mc:AlternateContent xmlns:mc="http://schemas.openxmlformats.org/markup-compatibility/2006" xmlns:p14="http://schemas.microsoft.com/office/powerpoint/2010/main">
-    <mc:Choice Requires="p14">
-      <p:transition spd="med" p14:dur="700">
-        <p:fade/>
-      </p:transition>
-    </mc:Choice>
-    <mc:Fallback xmlns="">
-      <p:transition spd="med">
-        <p:fade/>
-      </p:transition>
-    </mc:Fallback>
-  </mc:AlternateContent>
-  <p:timing>
-    <p:tnLst>
-      <p:par>
-        <p:cTn id="1" dur="indefinite" restart="never" nodeType="tmRoot"/>
-      </p:par>
-    </p:tnLst>
-  </p:timing>
-</p:sld>
-</file>
-
-<file path=ppt/slides/slide3.xml><?xml version="1.0" encoding="utf-8"?>
-<p:sld xmlns:a="http://schemas.openxmlformats.org/drawingml/2006/main" xmlns:r="http://schemas.openxmlformats.org/officeDocument/2006/relationships" xmlns:p="http://schemas.openxmlformats.org/presentationml/2006/main">
-  <p:cSld>
-    <p:spTree>
-      <p:nvGrpSpPr>
-        <p:cNvPr id="1" name=""/>
-        <p:cNvGrpSpPr/>
-        <p:nvPr/>
-      </p:nvGrpSpPr>
-      <p:grpSpPr>
-        <a:xfrm>
-          <a:off x="0" y="0"/>
-          <a:ext cx="0" cy="0"/>
-          <a:chOff x="0" y="0"/>
-          <a:chExt cx="0" cy="0"/>
-        </a:xfrm>
-      </p:grpSpPr>
-      <p:sp>
-        <p:nvSpPr>
-          <p:cNvPr id="5" name="Title 4"/>
-          <p:cNvSpPr>
-            <a:spLocks noGrp="1"/>
-          </p:cNvSpPr>
-          <p:nvPr>
-            <p:ph type="title"/>
-          </p:nvPr>
-        </p:nvSpPr>
-        <p:spPr/>
-        <p:txBody>
-          <a:bodyPr anchor="t">
-            <a:normAutofit/>
-          </a:bodyPr>
-          <a:lstStyle/>
-          <a:p>
-            <a:pPr algn="ctr"/>
-            <a:r>
-              <a:rPr lang="en-US" sz="3200" dirty="0"/>
-              <a:t>Thanks to our Sponsors!!!</a:t>
-            </a:r>
-          </a:p>
-        </p:txBody>
-      </p:sp>
-      <p:pic>
-        <p:nvPicPr>
-          <p:cNvPr id="10" name="Picture 9"/>
-          <p:cNvPicPr>
-            <a:picLocks noChangeAspect="1"/>
-          </p:cNvPicPr>
-          <p:nvPr/>
-        </p:nvPicPr>
-        <p:blipFill>
-          <a:blip r:embed="rId3">
-            <a:extLst>
-              <a:ext uri="{28A0092B-C50C-407E-A947-70E740481C1C}">
-                <a14:useLocalDpi xmlns:a14="http://schemas.microsoft.com/office/drawing/2010/main" val="0"/>
-              </a:ext>
-            </a:extLst>
-          </a:blip>
-          <a:srcRect/>
-          <a:stretch>
-            <a:fillRect/>
-          </a:stretch>
-        </p:blipFill>
-        <p:spPr bwMode="auto">
-          <a:xfrm>
-            <a:off x="2671080" y="3199713"/>
-            <a:ext cx="2203430" cy="914270"/>
-          </a:xfrm>
-          <a:prstGeom prst="rect">
-            <a:avLst/>
-          </a:prstGeom>
-          <a:noFill/>
-          <a:ln>
-            <a:noFill/>
-          </a:ln>
-        </p:spPr>
-      </p:pic>
-      <p:pic>
-        <p:nvPicPr>
-          <p:cNvPr id="14" name="Picture 13" descr="C:\Users\alevithan\Downloads\AIS-logo_RGB (1).jpg"/>
-          <p:cNvPicPr>
-            <a:picLocks noChangeAspect="1"/>
-          </p:cNvPicPr>
-          <p:nvPr/>
-        </p:nvPicPr>
-        <p:blipFill>
-          <a:blip r:embed="rId4" cstate="print">
-            <a:extLst>
-              <a:ext uri="{28A0092B-C50C-407E-A947-70E740481C1C}">
-                <a14:useLocalDpi xmlns:a14="http://schemas.microsoft.com/office/drawing/2010/main" val="0"/>
-              </a:ext>
-            </a:extLst>
-          </a:blip>
-          <a:srcRect/>
-          <a:stretch>
-            <a:fillRect/>
-          </a:stretch>
-        </p:blipFill>
-        <p:spPr bwMode="auto">
-          <a:xfrm>
-            <a:off x="283841" y="3199713"/>
-            <a:ext cx="2078215" cy="914270"/>
-          </a:xfrm>
-          <a:prstGeom prst="rect">
-            <a:avLst/>
-          </a:prstGeom>
-          <a:noFill/>
-          <a:ln>
-            <a:noFill/>
-          </a:ln>
-        </p:spPr>
-      </p:pic>
-      <p:pic>
-        <p:nvPicPr>
-          <p:cNvPr id="15" name="Picture 14"/>
-          <p:cNvPicPr>
-            <a:picLocks noChangeAspect="1"/>
-          </p:cNvPicPr>
-          <p:nvPr/>
-        </p:nvPicPr>
-        <p:blipFill>
-          <a:blip r:embed="rId5">
-            <a:extLst>
-              <a:ext uri="{28A0092B-C50C-407E-A947-70E740481C1C}">
-                <a14:useLocalDpi xmlns:a14="http://schemas.microsoft.com/office/drawing/2010/main" val="0"/>
-              </a:ext>
-            </a:extLst>
-          </a:blip>
-          <a:srcRect/>
-          <a:stretch>
-            <a:fillRect/>
-          </a:stretch>
-        </p:blipFill>
-        <p:spPr bwMode="auto">
-          <a:xfrm>
-            <a:off x="7842486" y="3199713"/>
-            <a:ext cx="1608862" cy="914270"/>
-          </a:xfrm>
-          <a:prstGeom prst="rect">
-            <a:avLst/>
-          </a:prstGeom>
-          <a:noFill/>
-          <a:ln>
-            <a:noFill/>
-          </a:ln>
-        </p:spPr>
-      </p:pic>
-      <p:pic>
-        <p:nvPicPr>
-          <p:cNvPr id="18" name="Picture 17"/>
-          <p:cNvPicPr>
-            <a:picLocks noChangeAspect="1"/>
-          </p:cNvPicPr>
-          <p:nvPr/>
-        </p:nvPicPr>
-        <p:blipFill>
-          <a:blip r:embed="rId6">
-            <a:extLst>
-              <a:ext uri="{28A0092B-C50C-407E-A947-70E740481C1C}">
-                <a14:useLocalDpi xmlns:a14="http://schemas.microsoft.com/office/drawing/2010/main" val="0"/>
-              </a:ext>
-            </a:extLst>
-          </a:blip>
-          <a:srcRect/>
-          <a:stretch>
-            <a:fillRect/>
-          </a:stretch>
-        </p:blipFill>
-        <p:spPr bwMode="auto">
-          <a:xfrm>
-            <a:off x="7922337" y="1412885"/>
-            <a:ext cx="2072346" cy="777130"/>
-          </a:xfrm>
-          <a:prstGeom prst="rect">
-            <a:avLst/>
-          </a:prstGeom>
-          <a:noFill/>
-          <a:ln>
-            <a:noFill/>
-          </a:ln>
-        </p:spPr>
-      </p:pic>
-      <p:pic>
-        <p:nvPicPr>
-          <p:cNvPr id="19" name="Picture 18"/>
-          <p:cNvPicPr>
-            <a:picLocks noChangeAspect="1"/>
-          </p:cNvPicPr>
-          <p:nvPr/>
-        </p:nvPicPr>
-        <p:blipFill>
-          <a:blip r:embed="rId7">
-            <a:extLst>
-              <a:ext uri="{28A0092B-C50C-407E-A947-70E740481C1C}">
-                <a14:useLocalDpi xmlns:a14="http://schemas.microsoft.com/office/drawing/2010/main" val="0"/>
-              </a:ext>
-            </a:extLst>
-          </a:blip>
-          <a:srcRect/>
-          <a:stretch>
-            <a:fillRect/>
-          </a:stretch>
-        </p:blipFill>
-        <p:spPr bwMode="auto">
-          <a:xfrm>
-            <a:off x="9760371" y="3103821"/>
-            <a:ext cx="2431630" cy="1106053"/>
-          </a:xfrm>
-          <a:prstGeom prst="rect">
-            <a:avLst/>
-          </a:prstGeom>
-          <a:noFill/>
-          <a:ln>
-            <a:noFill/>
-          </a:ln>
-        </p:spPr>
-      </p:pic>
-      <p:pic>
-        <p:nvPicPr>
-          <p:cNvPr id="20" name="Picture 19"/>
-          <p:cNvPicPr>
-            <a:picLocks noChangeAspect="1"/>
-          </p:cNvPicPr>
-          <p:nvPr/>
-        </p:nvPicPr>
-        <p:blipFill>
-          <a:blip r:embed="rId8">
-            <a:extLst>
-              <a:ext uri="{28A0092B-C50C-407E-A947-70E740481C1C}">
-                <a14:useLocalDpi xmlns:a14="http://schemas.microsoft.com/office/drawing/2010/main" val="0"/>
-              </a:ext>
-            </a:extLst>
-          </a:blip>
-          <a:srcRect/>
-          <a:stretch>
-            <a:fillRect/>
-          </a:stretch>
-        </p:blipFill>
-        <p:spPr bwMode="auto">
-          <a:xfrm>
-            <a:off x="1981597" y="1458598"/>
-            <a:ext cx="2690495" cy="685703"/>
-          </a:xfrm>
-          <a:prstGeom prst="rect">
-            <a:avLst/>
-          </a:prstGeom>
-          <a:noFill/>
-          <a:ln>
-            <a:noFill/>
-          </a:ln>
-        </p:spPr>
-      </p:pic>
-      <p:pic>
-        <p:nvPicPr>
-          <p:cNvPr id="24" name="Picture 23"/>
-          <p:cNvPicPr>
-            <a:picLocks noChangeAspect="1"/>
-          </p:cNvPicPr>
-          <p:nvPr/>
-        </p:nvPicPr>
-        <p:blipFill>
-          <a:blip r:embed="rId9">
-            <a:extLst>
-              <a:ext uri="{28A0092B-C50C-407E-A947-70E740481C1C}">
-                <a14:useLocalDpi xmlns:a14="http://schemas.microsoft.com/office/drawing/2010/main" val="0"/>
-              </a:ext>
-            </a:extLst>
-          </a:blip>
-          <a:stretch>
-            <a:fillRect/>
-          </a:stretch>
-        </p:blipFill>
-        <p:spPr>
-          <a:xfrm>
-            <a:off x="8627356" y="4571089"/>
-            <a:ext cx="2914485" cy="685703"/>
-          </a:xfrm>
-          <a:prstGeom prst="rect">
-            <a:avLst/>
-          </a:prstGeom>
-        </p:spPr>
-      </p:pic>
-      <p:pic>
-        <p:nvPicPr>
-          <p:cNvPr id="1028" name="Picture 4" descr="http://www.microsoft.com/global/en-us/news/publishingimages/logos/MSFT_logo_Web.jpg"/>
-          <p:cNvPicPr>
-            <a:picLocks noChangeAspect="1" noChangeArrowheads="1"/>
-          </p:cNvPicPr>
-          <p:nvPr/>
-        </p:nvPicPr>
-        <p:blipFill>
-          <a:blip r:embed="rId10" cstate="print">
-            <a:extLst>
-              <a:ext uri="{28A0092B-C50C-407E-A947-70E740481C1C}">
-                <a14:useLocalDpi xmlns:a14="http://schemas.microsoft.com/office/drawing/2010/main" val="0"/>
-              </a:ext>
-            </a:extLst>
-          </a:blip>
-          <a:srcRect/>
-          <a:stretch>
-            <a:fillRect/>
-          </a:stretch>
-        </p:blipFill>
-        <p:spPr bwMode="auto">
-          <a:xfrm>
-            <a:off x="4700272" y="6080610"/>
-            <a:ext cx="3204219" cy="685703"/>
-          </a:xfrm>
-          <a:prstGeom prst="rect">
-            <a:avLst/>
-          </a:prstGeom>
-          <a:noFill/>
-          <a:extLst>
-            <a:ext uri="{909E8E84-426E-40DD-AFC4-6F175D3DCCD1}">
-              <a14:hiddenFill xmlns:a14="http://schemas.microsoft.com/office/drawing/2010/main">
-                <a:solidFill>
-                  <a:srgbClr val="FFFFFF"/>
-                </a:solidFill>
-              </a14:hiddenFill>
-            </a:ext>
-          </a:extLst>
-        </p:spPr>
-      </p:pic>
-      <p:pic>
-        <p:nvPicPr>
-          <p:cNvPr id="2" name="Picture 1"/>
-          <p:cNvPicPr>
-            <a:picLocks noChangeAspect="1"/>
-          </p:cNvPicPr>
-          <p:nvPr/>
-        </p:nvPicPr>
-        <p:blipFill>
-          <a:blip r:embed="rId11"/>
-          <a:stretch>
-            <a:fillRect/>
-          </a:stretch>
-        </p:blipFill>
-        <p:spPr>
-          <a:xfrm>
-            <a:off x="5229799" y="2031974"/>
-            <a:ext cx="2156574" cy="889775"/>
-          </a:xfrm>
-          <a:prstGeom prst="rect">
-            <a:avLst/>
-          </a:prstGeom>
-        </p:spPr>
-      </p:pic>
-      <p:pic>
-        <p:nvPicPr>
-          <p:cNvPr id="3" name="Picture 2"/>
-          <p:cNvPicPr>
-            <a:picLocks noChangeAspect="1"/>
-          </p:cNvPicPr>
-          <p:nvPr/>
-        </p:nvPicPr>
-        <p:blipFill>
-          <a:blip r:embed="rId12"/>
-          <a:stretch>
-            <a:fillRect/>
-          </a:stretch>
-        </p:blipFill>
-        <p:spPr>
-          <a:xfrm>
-            <a:off x="5183533" y="3138481"/>
-            <a:ext cx="2349929" cy="1036733"/>
-          </a:xfrm>
-          <a:prstGeom prst="rect">
-            <a:avLst/>
-          </a:prstGeom>
-        </p:spPr>
-      </p:pic>
-      <p:pic>
-        <p:nvPicPr>
-          <p:cNvPr id="4" name="Picture 3"/>
-          <p:cNvPicPr>
-            <a:picLocks noChangeAspect="1"/>
-          </p:cNvPicPr>
-          <p:nvPr/>
-        </p:nvPicPr>
-        <p:blipFill>
-          <a:blip r:embed="rId13"/>
-          <a:stretch>
-            <a:fillRect/>
-          </a:stretch>
-        </p:blipFill>
-        <p:spPr>
-          <a:xfrm>
-            <a:off x="528703" y="3812991"/>
-            <a:ext cx="2201900" cy="2201900"/>
-          </a:xfrm>
-          <a:prstGeom prst="rect">
-            <a:avLst/>
-          </a:prstGeom>
-        </p:spPr>
-      </p:pic>
-      <p:pic>
-        <p:nvPicPr>
-          <p:cNvPr id="6" name="Picture 5"/>
-          <p:cNvPicPr>
-            <a:picLocks noChangeAspect="1"/>
-          </p:cNvPicPr>
-          <p:nvPr/>
-        </p:nvPicPr>
-        <p:blipFill>
-          <a:blip r:embed="rId14"/>
-          <a:stretch>
-            <a:fillRect/>
-          </a:stretch>
-        </p:blipFill>
-        <p:spPr>
-          <a:xfrm>
-            <a:off x="3385481" y="4484403"/>
-            <a:ext cx="1556293" cy="859074"/>
-          </a:xfrm>
-          <a:prstGeom prst="rect">
-            <a:avLst/>
-          </a:prstGeom>
-        </p:spPr>
-      </p:pic>
-      <p:pic>
-        <p:nvPicPr>
-          <p:cNvPr id="13" name="Picture 12"/>
-          <p:cNvPicPr>
-            <a:picLocks noChangeAspect="1"/>
-          </p:cNvPicPr>
-          <p:nvPr/>
-        </p:nvPicPr>
-        <p:blipFill>
-          <a:blip r:embed="rId15"/>
-          <a:stretch>
-            <a:fillRect/>
-          </a:stretch>
-        </p:blipFill>
-        <p:spPr>
-          <a:xfrm>
-            <a:off x="5596652" y="4802573"/>
-            <a:ext cx="2375827" cy="222734"/>
-          </a:xfrm>
-          <a:prstGeom prst="rect">
-            <a:avLst/>
-          </a:prstGeom>
-        </p:spPr>
-      </p:pic>
-      <p:pic>
-        <p:nvPicPr>
-          <p:cNvPr id="7" name="Picture 6"/>
-          <p:cNvPicPr>
-            <a:picLocks noChangeAspect="1"/>
-          </p:cNvPicPr>
-          <p:nvPr/>
-        </p:nvPicPr>
-        <p:blipFill>
-          <a:blip r:embed="rId16">
-            <a:extLst>
-              <a:ext uri="{28A0092B-C50C-407E-A947-70E740481C1C}">
-                <a14:useLocalDpi xmlns:a14="http://schemas.microsoft.com/office/drawing/2010/main" val="0"/>
-              </a:ext>
-            </a:extLst>
-          </a:blip>
-          <a:stretch>
-            <a:fillRect/>
-          </a:stretch>
-        </p:blipFill>
-        <p:spPr>
-          <a:xfrm>
-            <a:off x="967733" y="5418644"/>
-            <a:ext cx="1954414" cy="586324"/>
-          </a:xfrm>
-          <a:prstGeom prst="rect">
-            <a:avLst/>
-          </a:prstGeom>
-        </p:spPr>
-      </p:pic>
-      <p:pic>
-        <p:nvPicPr>
-          <p:cNvPr id="8" name="Picture 7"/>
-          <p:cNvPicPr>
-            <a:picLocks noChangeAspect="1"/>
-          </p:cNvPicPr>
-          <p:nvPr/>
-        </p:nvPicPr>
-        <p:blipFill>
-          <a:blip r:embed="rId17">
-            <a:extLst>
-              <a:ext uri="{28A0092B-C50C-407E-A947-70E740481C1C}">
-                <a14:useLocalDpi xmlns:a14="http://schemas.microsoft.com/office/drawing/2010/main" val="0"/>
-              </a:ext>
-            </a:extLst>
-          </a:blip>
-          <a:stretch>
-            <a:fillRect/>
-          </a:stretch>
-        </p:blipFill>
-        <p:spPr>
-          <a:xfrm>
-            <a:off x="3088328" y="5313793"/>
-            <a:ext cx="2911622" cy="727906"/>
-          </a:xfrm>
-          <a:prstGeom prst="rect">
-            <a:avLst/>
-          </a:prstGeom>
-        </p:spPr>
-      </p:pic>
-      <p:pic>
-        <p:nvPicPr>
-          <p:cNvPr id="9" name="Picture 8"/>
-          <p:cNvPicPr>
-            <a:picLocks noChangeAspect="1"/>
-          </p:cNvPicPr>
-          <p:nvPr/>
-        </p:nvPicPr>
-        <p:blipFill>
-          <a:blip r:embed="rId18" cstate="print">
-            <a:extLst>
-              <a:ext uri="{28A0092B-C50C-407E-A947-70E740481C1C}">
-                <a14:useLocalDpi xmlns:a14="http://schemas.microsoft.com/office/drawing/2010/main" val="0"/>
-              </a:ext>
-            </a:extLst>
-          </a:blip>
-          <a:stretch>
-            <a:fillRect/>
-          </a:stretch>
-        </p:blipFill>
-        <p:spPr>
-          <a:xfrm>
-            <a:off x="6571120" y="5458552"/>
-            <a:ext cx="1975127" cy="522915"/>
-          </a:xfrm>
-          <a:prstGeom prst="rect">
-            <a:avLst/>
-          </a:prstGeom>
-        </p:spPr>
-      </p:pic>
-      <p:pic>
-        <p:nvPicPr>
-          <p:cNvPr id="11" name="Picture 10"/>
-          <p:cNvPicPr>
-            <a:picLocks noChangeAspect="1"/>
-          </p:cNvPicPr>
-          <p:nvPr/>
-        </p:nvPicPr>
-        <p:blipFill>
-          <a:blip r:embed="rId19">
-            <a:extLst>
-              <a:ext uri="{28A0092B-C50C-407E-A947-70E740481C1C}">
-                <a14:useLocalDpi xmlns:a14="http://schemas.microsoft.com/office/drawing/2010/main" val="0"/>
-              </a:ext>
-            </a:extLst>
-          </a:blip>
-          <a:stretch>
-            <a:fillRect/>
-          </a:stretch>
-        </p:blipFill>
-        <p:spPr>
-          <a:xfrm>
-            <a:off x="9117418" y="5365303"/>
-            <a:ext cx="2051496" cy="854790"/>
-          </a:xfrm>
-          <a:prstGeom prst="rect">
-            <a:avLst/>
-          </a:prstGeom>
-        </p:spPr>
-      </p:pic>
-    </p:spTree>
-    <p:extLst>
-      <p:ext uri="{BB962C8B-B14F-4D97-AF65-F5344CB8AC3E}">
-        <p14:creationId xmlns:p14="http://schemas.microsoft.com/office/powerpoint/2010/main" val="3594833470"/>
-      </p:ext>
-    </p:extLst>
-  </p:cSld>
-  <p:clrMapOvr>
-    <a:masterClrMapping/>
-  </p:clrMapOvr>
-  <mc:AlternateContent xmlns:mc="http://schemas.openxmlformats.org/markup-compatibility/2006" xmlns:p14="http://schemas.microsoft.com/office/powerpoint/2010/main">
-    <mc:Choice Requires="p14">
-      <p:transition spd="med" p14:dur="700">
-        <p:fade/>
-      </p:transition>
-    </mc:Choice>
-    <mc:Fallback xmlns="">
-      <p:transition spd="med">
-        <p:fade/>
-      </p:transition>
-    </mc:Fallback>
-  </mc:AlternateContent>
-  <p:timing>
-    <p:tnLst>
-      <p:par>
-        <p:cTn id="1" dur="indefinite" restart="never" nodeType="tmRoot"/>
-      </p:par>
-    </p:tnLst>
-  </p:timing>
-</p:sld>
-</file>
-
-<file path=ppt/slides/slide30.xml><?xml version="1.0" encoding="utf-8"?>
-<p:sld xmlns:a="http://schemas.openxmlformats.org/drawingml/2006/main" xmlns:r="http://schemas.openxmlformats.org/officeDocument/2006/relationships" xmlns:p="http://schemas.openxmlformats.org/presentationml/2006/main">
-  <p:cSld>
-    <p:spTree>
-      <p:nvGrpSpPr>
-        <p:cNvPr id="1" name=""/>
-        <p:cNvGrpSpPr/>
-        <p:nvPr/>
-      </p:nvGrpSpPr>
-      <p:grpSpPr>
-        <a:xfrm>
-          <a:off x="0" y="0"/>
-          <a:ext cx="0" cy="0"/>
-          <a:chOff x="0" y="0"/>
-          <a:chExt cx="0" cy="0"/>
-        </a:xfrm>
-      </p:grpSpPr>
-      <p:sp>
-        <p:nvSpPr>
-          <p:cNvPr id="2" name="Title 1"/>
-          <p:cNvSpPr>
-            <a:spLocks noGrp="1"/>
-          </p:cNvSpPr>
-          <p:nvPr>
-            <p:ph type="title"/>
-          </p:nvPr>
-        </p:nvSpPr>
-        <p:spPr/>
-        <p:txBody>
-          <a:bodyPr/>
-          <a:lstStyle/>
-          <a:p>
-            <a:r>
-              <a:rPr lang="en-US" dirty="0" smtClean="0"/>
               <a:t>Best Practices</a:t>
             </a:r>
             <a:endParaRPr lang="en-US" dirty="0"/>
@@ -25050,11 +21910,7 @@
           <a:p>
             <a:r>
               <a:rPr lang="en-US" dirty="0" smtClean="0"/>
-              <a:t>Build and deploy often</a:t>
-            </a:r>
-            <a:r>
-              <a:rPr lang="en-US" dirty="0" smtClean="0"/>
-              <a:t>!!!</a:t>
+              <a:t>Build and deploy often!!!</a:t>
             </a:r>
           </a:p>
           <a:p>
@@ -25062,7 +21918,6 @@
               <a:rPr lang="en-US" dirty="0" smtClean="0"/>
               <a:t>Learn Git</a:t>
             </a:r>
-            <a:endParaRPr lang="en-US" dirty="0" smtClean="0"/>
           </a:p>
           <a:p>
             <a:r>
@@ -25111,7 +21966,7 @@
 </p:sld>
 </file>
 
-<file path=ppt/slides/slide31.xml><?xml version="1.0" encoding="utf-8"?>
+<file path=ppt/slides/slide27.xml><?xml version="1.0" encoding="utf-8"?>
 <p:sld xmlns:a="http://schemas.openxmlformats.org/drawingml/2006/main" xmlns:r="http://schemas.openxmlformats.org/officeDocument/2006/relationships" xmlns:p="http://schemas.openxmlformats.org/presentationml/2006/main" showMasterSp="0">
   <p:cSld>
     <p:bg>
@@ -25620,11 +22475,7 @@
                       </a:r>
                       <a:r>
                         <a:rPr lang="en-US" sz="1600" baseline="0" dirty="0" smtClean="0"/>
-                        <a:t> upgrading </a:t>
-                      </a:r>
-                      <a:r>
-                        <a:rPr lang="en-US" sz="1600" baseline="0" dirty="0" smtClean="0"/>
-                        <a:t>tools (npm &amp; bower).</a:t>
+                        <a:t> upgrading tools (npm &amp; bower).</a:t>
                       </a:r>
                       <a:endParaRPr lang="en-US" sz="1600" dirty="0"/>
                     </a:p>
@@ -25722,8 +22573,8 @@
 </p:sld>
 </file>
 
-<file path=ppt/slides/slide32.xml><?xml version="1.0" encoding="utf-8"?>
-<p:sld xmlns:a="http://schemas.openxmlformats.org/drawingml/2006/main" xmlns:r="http://schemas.openxmlformats.org/officeDocument/2006/relationships" xmlns:p="http://schemas.openxmlformats.org/presentationml/2006/main" showMasterSp="0">
+<file path=ppt/slides/slide3.xml><?xml version="1.0" encoding="utf-8"?>
+<p:sld xmlns:a="http://schemas.openxmlformats.org/drawingml/2006/main" xmlns:r="http://schemas.openxmlformats.org/officeDocument/2006/relationships" xmlns:p="http://schemas.openxmlformats.org/presentationml/2006/main">
   <p:cSld>
     <p:spTree>
       <p:nvGrpSpPr>
@@ -25739,375 +22590,87 @@
           <a:chExt cx="0" cy="0"/>
         </a:xfrm>
       </p:grpSpPr>
-      <p:pic>
-        <p:nvPicPr>
-          <p:cNvPr id="8" name="Picture 7"/>
-          <p:cNvPicPr>
-            <a:picLocks noChangeAspect="1"/>
-          </p:cNvPicPr>
-          <p:nvPr/>
-        </p:nvPicPr>
-        <p:blipFill>
-          <a:blip r:embed="rId3"/>
-          <a:stretch>
-            <a:fillRect/>
-          </a:stretch>
-        </p:blipFill>
-        <p:spPr>
-          <a:xfrm>
-            <a:off x="7557590" y="177744"/>
-            <a:ext cx="4385476" cy="4880022"/>
-          </a:xfrm>
-          <a:prstGeom prst="rect">
-            <a:avLst/>
-          </a:prstGeom>
-        </p:spPr>
-      </p:pic>
       <p:sp>
         <p:nvSpPr>
-          <p:cNvPr id="5" name="Rectangle 4"/>
-          <p:cNvSpPr/>
-          <p:nvPr/>
+          <p:cNvPr id="2" name="Title 1"/>
+          <p:cNvSpPr>
+            <a:spLocks noGrp="1"/>
+          </p:cNvSpPr>
+          <p:nvPr>
+            <p:ph type="title"/>
+          </p:nvPr>
         </p:nvSpPr>
-        <p:spPr>
-          <a:xfrm>
-            <a:off x="196781" y="177744"/>
-            <a:ext cx="6637358" cy="6511843"/>
-          </a:xfrm>
-          <a:prstGeom prst="rect">
-            <a:avLst/>
-          </a:prstGeom>
-        </p:spPr>
-        <p:style>
-          <a:lnRef idx="2">
-            <a:schemeClr val="accent1">
-              <a:shade val="50000"/>
-            </a:schemeClr>
-          </a:lnRef>
-          <a:fillRef idx="1">
-            <a:schemeClr val="accent1"/>
-          </a:fillRef>
-          <a:effectRef idx="0">
-            <a:schemeClr val="accent1"/>
-          </a:effectRef>
-          <a:fontRef idx="minor">
-            <a:schemeClr val="lt1"/>
-          </a:fontRef>
-        </p:style>
+        <p:spPr/>
         <p:txBody>
-          <a:bodyPr rtlCol="0" anchor="ctr"/>
+          <a:bodyPr/>
           <a:lstStyle/>
           <a:p>
-            <a:pPr algn="ctr"/>
-            <a:endParaRPr lang="en-US"/>
+            <a:r>
+              <a:rPr lang="en-US" dirty="0" smtClean="0"/>
+              <a:t>Agenda</a:t>
+            </a:r>
+            <a:endParaRPr lang="en-US" dirty="0"/>
           </a:p>
         </p:txBody>
       </p:sp>
-      <p:pic>
-        <p:nvPicPr>
-          <p:cNvPr id="4" name="Content Placeholder 3"/>
-          <p:cNvPicPr>
-            <a:picLocks noGrp="1" noChangeAspect="1"/>
-          </p:cNvPicPr>
-          <p:nvPr>
-            <p:ph idx="4294967295"/>
-          </p:nvPr>
-        </p:nvPicPr>
-        <p:blipFill>
-          <a:blip r:embed="rId4">
-            <a:extLst>
-              <a:ext uri="{28A0092B-C50C-407E-A947-70E740481C1C}">
-                <a14:useLocalDpi xmlns:a14="http://schemas.microsoft.com/office/drawing/2010/main" val="0"/>
-              </a:ext>
-            </a:extLst>
-          </a:blip>
-          <a:stretch>
-            <a:fillRect/>
-          </a:stretch>
-        </p:blipFill>
-        <p:spPr>
-          <a:xfrm>
-            <a:off x="1" y="177905"/>
-            <a:ext cx="6111563" cy="1753943"/>
-          </a:xfrm>
-          <a:prstGeom prst="rect">
-            <a:avLst/>
-          </a:prstGeom>
-        </p:spPr>
-      </p:pic>
       <p:sp>
         <p:nvSpPr>
-          <p:cNvPr id="7" name="TextBox 6"/>
-          <p:cNvSpPr txBox="1"/>
-          <p:nvPr/>
+          <p:cNvPr id="3" name="Content Placeholder 2"/>
+          <p:cNvSpPr>
+            <a:spLocks noGrp="1"/>
+          </p:cNvSpPr>
+          <p:nvPr>
+            <p:ph sz="quarter" idx="13"/>
+          </p:nvPr>
         </p:nvSpPr>
-        <p:spPr>
-          <a:xfrm>
-            <a:off x="459769" y="2258173"/>
-            <a:ext cx="6111382" cy="4012960"/>
-          </a:xfrm>
-          <a:prstGeom prst="rect">
-            <a:avLst/>
-          </a:prstGeom>
-          <a:noFill/>
-        </p:spPr>
+        <p:spPr/>
         <p:txBody>
-          <a:bodyPr wrap="square" rtlCol="0">
-            <a:spAutoFit/>
-          </a:bodyPr>
+          <a:bodyPr/>
           <a:lstStyle/>
           <a:p>
             <a:r>
-              <a:rPr lang="en-US" sz="1961" dirty="0">
-                <a:solidFill>
-                  <a:schemeClr val="bg1"/>
-                </a:solidFill>
-              </a:rPr>
-              <a:t>Join us at #</a:t>
-            </a:r>
-            <a:r>
-              <a:rPr lang="en-US" sz="1961" dirty="0" err="1">
-                <a:solidFill>
-                  <a:schemeClr val="bg1"/>
-                </a:solidFill>
-              </a:rPr>
-              <a:t>SharePint</a:t>
-            </a:r>
-            <a:r>
-              <a:rPr lang="en-US" sz="1961" dirty="0">
-                <a:solidFill>
-                  <a:schemeClr val="bg1"/>
-                </a:solidFill>
-              </a:rPr>
-              <a:t> sponsored by K2 at Clyde’s of Chevy Chase in the </a:t>
-            </a:r>
-            <a:r>
-              <a:rPr lang="en-US" sz="1961" dirty="0" err="1">
-                <a:solidFill>
-                  <a:schemeClr val="bg1"/>
-                </a:solidFill>
-              </a:rPr>
-              <a:t>RaceCar</a:t>
-            </a:r>
-            <a:r>
-              <a:rPr lang="en-US" sz="1961" dirty="0">
-                <a:solidFill>
-                  <a:schemeClr val="bg1"/>
-                </a:solidFill>
-              </a:rPr>
-              <a:t> Bar Downstairs</a:t>
-            </a:r>
-          </a:p>
-          <a:p>
-            <a:endParaRPr lang="en-US" sz="1961" dirty="0">
-              <a:solidFill>
-                <a:schemeClr val="bg1"/>
-              </a:solidFill>
-            </a:endParaRPr>
-          </a:p>
-          <a:p>
-            <a:r>
-              <a:rPr lang="en-US" sz="1961" dirty="0">
-                <a:solidFill>
-                  <a:schemeClr val="bg1"/>
-                </a:solidFill>
-              </a:rPr>
-              <a:t>Why? To network with fellow SharePoint professionals</a:t>
-            </a:r>
-          </a:p>
-          <a:p>
-            <a:r>
-              <a:rPr lang="en-US" sz="1961" dirty="0">
-                <a:solidFill>
-                  <a:schemeClr val="bg1"/>
-                </a:solidFill>
-              </a:rPr>
-              <a:t>What? </a:t>
-            </a:r>
-            <a:r>
-              <a:rPr lang="en-US" sz="1961" dirty="0" err="1">
-                <a:solidFill>
-                  <a:schemeClr val="bg1"/>
-                </a:solidFill>
-              </a:rPr>
-              <a:t>SharePint</a:t>
-            </a:r>
-            <a:r>
-              <a:rPr lang="en-US" sz="1961" dirty="0">
-                <a:solidFill>
-                  <a:schemeClr val="bg1"/>
-                </a:solidFill>
-              </a:rPr>
-              <a:t>!!!</a:t>
-            </a:r>
-          </a:p>
-          <a:p>
-            <a:r>
-              <a:rPr lang="en-US" sz="1961" dirty="0">
-                <a:solidFill>
-                  <a:schemeClr val="bg1"/>
-                </a:solidFill>
-              </a:rPr>
-              <a:t>When? 6:00 PM</a:t>
-            </a:r>
-          </a:p>
-          <a:p>
-            <a:r>
-              <a:rPr lang="en-US" sz="1961" dirty="0">
-                <a:solidFill>
-                  <a:schemeClr val="bg1"/>
-                </a:solidFill>
-              </a:rPr>
-              <a:t>Where? </a:t>
-            </a:r>
-          </a:p>
-          <a:p>
-            <a:r>
-              <a:rPr lang="en-US" sz="1961" dirty="0" err="1">
-                <a:solidFill>
-                  <a:schemeClr val="bg1"/>
-                </a:solidFill>
-              </a:rPr>
-              <a:t>RaceCar</a:t>
-            </a:r>
-            <a:r>
-              <a:rPr lang="en-US" sz="1961" dirty="0">
-                <a:solidFill>
-                  <a:schemeClr val="bg1"/>
-                </a:solidFill>
-              </a:rPr>
-              <a:t> Bar Downstairs</a:t>
-            </a:r>
-          </a:p>
-          <a:p>
-            <a:r>
-              <a:rPr lang="en-US" sz="1961" dirty="0">
-                <a:solidFill>
-                  <a:schemeClr val="bg1"/>
-                </a:solidFill>
-              </a:rPr>
-              <a:t>5441 Wisconsin Ave</a:t>
-            </a:r>
-          </a:p>
-          <a:p>
-            <a:r>
-              <a:rPr lang="en-US" sz="1961" dirty="0">
-                <a:solidFill>
-                  <a:schemeClr val="bg1"/>
-                </a:solidFill>
-              </a:rPr>
-              <a:t>Chevy Chase, MD 20815</a:t>
-            </a:r>
-          </a:p>
-          <a:p>
-            <a:endParaRPr lang="en-US" sz="1961" dirty="0">
-              <a:solidFill>
-                <a:schemeClr val="bg1"/>
-              </a:solidFill>
-            </a:endParaRPr>
-          </a:p>
-          <a:p>
-            <a:r>
-              <a:rPr lang="en-US" sz="1961" dirty="0">
-                <a:solidFill>
-                  <a:schemeClr val="bg1"/>
-                </a:solidFill>
-              </a:rPr>
-              <a:t>Thanks to?</a:t>
-            </a:r>
-          </a:p>
-          <a:p>
-            <a:r>
-              <a:rPr lang="en-US" sz="1961" dirty="0">
-                <a:solidFill>
-                  <a:schemeClr val="bg1"/>
-                </a:solidFill>
-              </a:rPr>
-              <a:t>K2!</a:t>
+              <a:rPr lang="en-US" dirty="0" smtClean="0"/>
+              <a:t>SPA Overview</a:t>
+            </a:r>
+          </a:p>
+          <a:p>
+            <a:r>
+              <a:rPr lang="en-US" dirty="0" smtClean="0"/>
+              <a:t>AngularJS Overview</a:t>
+            </a:r>
+          </a:p>
+          <a:p>
+            <a:r>
+              <a:rPr lang="en-US" dirty="0" smtClean="0"/>
+              <a:t>Tools &amp; Data Access</a:t>
+            </a:r>
+            <a:endParaRPr lang="en-US" dirty="0"/>
+          </a:p>
+          <a:p>
+            <a:r>
+              <a:rPr lang="en-US" dirty="0" smtClean="0"/>
+              <a:t>Projects Demo</a:t>
+            </a:r>
+            <a:endParaRPr lang="en-US" dirty="0"/>
+          </a:p>
+          <a:p>
+            <a:r>
+              <a:rPr lang="en-US" dirty="0" smtClean="0"/>
+              <a:t>Deployment</a:t>
+            </a:r>
+          </a:p>
+          <a:p>
+            <a:r>
+              <a:rPr lang="en-US" dirty="0" smtClean="0"/>
+              <a:t>Best Practices &amp; Gotchas</a:t>
             </a:r>
           </a:p>
         </p:txBody>
       </p:sp>
-      <p:pic>
-        <p:nvPicPr>
-          <p:cNvPr id="2050" name="Picture 2" descr="http://www.clydes.com/sites/default/files/banners/chevyChase-carousel-image5.jpg"/>
-          <p:cNvPicPr>
-            <a:picLocks noChangeAspect="1" noChangeArrowheads="1"/>
-          </p:cNvPicPr>
-          <p:nvPr/>
-        </p:nvPicPr>
-        <p:blipFill>
-          <a:blip r:embed="rId5">
-            <a:extLst>
-              <a:ext uri="{28A0092B-C50C-407E-A947-70E740481C1C}">
-                <a14:useLocalDpi xmlns:a14="http://schemas.microsoft.com/office/drawing/2010/main" val="0"/>
-              </a:ext>
-            </a:extLst>
-          </a:blip>
-          <a:srcRect/>
-          <a:stretch>
-            <a:fillRect/>
-          </a:stretch>
-        </p:blipFill>
-        <p:spPr bwMode="auto">
-          <a:xfrm>
-            <a:off x="3664233" y="4138804"/>
-            <a:ext cx="5231773" cy="2285675"/>
-          </a:xfrm>
-          <a:prstGeom prst="rect">
-            <a:avLst/>
-          </a:prstGeom>
-          <a:noFill/>
-          <a:extLst>
-            <a:ext uri="{909E8E84-426E-40DD-AFC4-6F175D3DCCD1}">
-              <a14:hiddenFill xmlns:a14="http://schemas.microsoft.com/office/drawing/2010/main">
-                <a:solidFill>
-                  <a:srgbClr val="FFFFFF"/>
-                </a:solidFill>
-              </a14:hiddenFill>
-            </a:ext>
-          </a:extLst>
-        </p:spPr>
-      </p:pic>
-      <p:pic>
-        <p:nvPicPr>
-          <p:cNvPr id="9" name="Picture 8"/>
-          <p:cNvPicPr>
-            <a:picLocks noChangeAspect="1"/>
-          </p:cNvPicPr>
-          <p:nvPr/>
-        </p:nvPicPr>
-        <p:blipFill>
-          <a:blip r:embed="rId6">
-            <a:extLst>
-              <a:ext uri="{28A0092B-C50C-407E-A947-70E740481C1C}">
-                <a14:useLocalDpi xmlns:a14="http://schemas.microsoft.com/office/drawing/2010/main" val="0"/>
-              </a:ext>
-            </a:extLst>
-          </a:blip>
-          <a:srcRect/>
-          <a:stretch>
-            <a:fillRect/>
-          </a:stretch>
-        </p:blipFill>
-        <p:spPr bwMode="auto">
-          <a:xfrm>
-            <a:off x="9497159" y="5281642"/>
-            <a:ext cx="1608862" cy="914270"/>
-          </a:xfrm>
-          <a:prstGeom prst="rect">
-            <a:avLst/>
-          </a:prstGeom>
-          <a:noFill/>
-          <a:ln>
-            <a:noFill/>
-          </a:ln>
-        </p:spPr>
-      </p:pic>
     </p:spTree>
     <p:extLst>
       <p:ext uri="{BB962C8B-B14F-4D97-AF65-F5344CB8AC3E}">
-        <p14:creationId xmlns:p14="http://schemas.microsoft.com/office/powerpoint/2010/main" val="2469815966"/>
+        <p14:creationId xmlns:p14="http://schemas.microsoft.com/office/powerpoint/2010/main" val="1387718350"/>
       </p:ext>
     </p:extLst>
   </p:cSld>
@@ -26155,7 +22718,7 @@
       </p:grpSpPr>
       <p:sp>
         <p:nvSpPr>
-          <p:cNvPr id="3" name="Title 2"/>
+          <p:cNvPr id="2" name="Title 1"/>
           <p:cNvSpPr>
             <a:spLocks noGrp="1"/>
           </p:cNvSpPr>
@@ -26165,24 +22728,27 @@
         </p:nvSpPr>
         <p:spPr/>
         <p:txBody>
-          <a:bodyPr/>
+          <a:bodyPr>
+            <a:normAutofit/>
+          </a:bodyPr>
           <a:lstStyle/>
           <a:p>
             <a:r>
-              <a:rPr lang="en-US" dirty="0"/>
-              <a:t>Session Info</a:t>
-            </a:r>
+              <a:rPr lang="en-US" dirty="0" smtClean="0"/>
+              <a:t>Single Page Applications</a:t>
+            </a:r>
+            <a:endParaRPr lang="en-US" dirty="0"/>
           </a:p>
         </p:txBody>
       </p:sp>
       <p:sp>
         <p:nvSpPr>
-          <p:cNvPr id="2" name="Text Placeholder 1"/>
+          <p:cNvPr id="3" name="Text Placeholder 2"/>
           <p:cNvSpPr>
             <a:spLocks noGrp="1"/>
           </p:cNvSpPr>
           <p:nvPr>
-            <p:ph sz="quarter" idx="13"/>
+            <p:ph type="body" idx="1"/>
           </p:nvPr>
         </p:nvSpPr>
         <p:spPr/>
@@ -26190,51 +22756,14 @@
           <a:bodyPr/>
           <a:lstStyle/>
           <a:p>
-            <a:r>
-              <a:rPr lang="en-US" dirty="0" smtClean="0"/>
-              <a:t>The details can be found through the EventBoard Mobile app – </a:t>
-            </a:r>
-            <a:r>
-              <a:rPr lang="en-US" dirty="0" smtClean="0">
-                <a:hlinkClick r:id="rId3"/>
-              </a:rPr>
-              <a:t>http://app.spsdc.org</a:t>
-            </a:r>
-            <a:r>
-              <a:rPr lang="en-US" dirty="0" smtClean="0"/>
-              <a:t> -&gt; SPSDC</a:t>
-            </a:r>
+            <a:endParaRPr lang="en-US" dirty="0"/>
           </a:p>
         </p:txBody>
       </p:sp>
-      <p:pic>
-        <p:nvPicPr>
-          <p:cNvPr id="4" name="Picture 3"/>
-          <p:cNvPicPr>
-            <a:picLocks noChangeAspect="1"/>
-          </p:cNvPicPr>
-          <p:nvPr/>
-        </p:nvPicPr>
-        <p:blipFill>
-          <a:blip r:embed="rId4"/>
-          <a:stretch>
-            <a:fillRect/>
-          </a:stretch>
-        </p:blipFill>
-        <p:spPr>
-          <a:xfrm>
-            <a:off x="4304987" y="2895600"/>
-            <a:ext cx="3581400" cy="3581400"/>
-          </a:xfrm>
-          <a:prstGeom prst="rect">
-            <a:avLst/>
-          </a:prstGeom>
-        </p:spPr>
-      </p:pic>
     </p:spTree>
     <p:extLst>
       <p:ext uri="{BB962C8B-B14F-4D97-AF65-F5344CB8AC3E}">
-        <p14:creationId xmlns:p14="http://schemas.microsoft.com/office/powerpoint/2010/main" val="3620300366"/>
+        <p14:creationId xmlns:p14="http://schemas.microsoft.com/office/powerpoint/2010/main" val="962126525"/>
       </p:ext>
     </p:extLst>
   </p:cSld>
@@ -26282,787 +22811,6 @@
       </p:grpSpPr>
       <p:sp>
         <p:nvSpPr>
-          <p:cNvPr id="3" name="Title 2"/>
-          <p:cNvSpPr>
-            <a:spLocks noGrp="1"/>
-          </p:cNvSpPr>
-          <p:nvPr>
-            <p:ph type="title"/>
-          </p:nvPr>
-        </p:nvSpPr>
-        <p:spPr/>
-        <p:txBody>
-          <a:bodyPr/>
-          <a:lstStyle/>
-          <a:p>
-            <a:r>
-              <a:rPr lang="en-US" dirty="0" smtClean="0"/>
-              <a:t>Lanyrd</a:t>
-            </a:r>
-            <a:endParaRPr lang="en-US" dirty="0"/>
-          </a:p>
-        </p:txBody>
-      </p:sp>
-      <p:sp>
-        <p:nvSpPr>
-          <p:cNvPr id="2" name="Text Placeholder 1"/>
-          <p:cNvSpPr>
-            <a:spLocks noGrp="1"/>
-          </p:cNvSpPr>
-          <p:nvPr>
-            <p:ph sz="quarter" idx="13"/>
-          </p:nvPr>
-        </p:nvSpPr>
-        <p:spPr/>
-        <p:txBody>
-          <a:bodyPr/>
-          <a:lstStyle/>
-          <a:p>
-            <a:pPr marL="0" indent="0">
-              <a:buNone/>
-            </a:pPr>
-            <a:r>
-              <a:rPr lang="en-US" dirty="0" smtClean="0"/>
-              <a:t>Only have a web browser?</a:t>
-            </a:r>
-            <a:endParaRPr lang="en-US" dirty="0" smtClean="0">
-              <a:hlinkClick r:id=""/>
-            </a:endParaRPr>
-          </a:p>
-          <a:p>
-            <a:pPr marL="0" indent="0">
-              <a:buNone/>
-            </a:pPr>
-            <a:r>
-              <a:rPr lang="en-US" dirty="0" smtClean="0">
-                <a:hlinkClick r:id=""/>
-              </a:rPr>
-              <a:t>http</a:t>
-            </a:r>
-            <a:r>
-              <a:rPr lang="en-US" dirty="0">
-                <a:hlinkClick r:id="rId3"/>
-              </a:rPr>
-              <a:t>://lanyrd.com/2015/spsdc</a:t>
-            </a:r>
-            <a:r>
-              <a:rPr lang="en-US" dirty="0" smtClean="0">
-                <a:hlinkClick r:id="rId3"/>
-              </a:rPr>
-              <a:t>/</a:t>
-            </a:r>
-            <a:endParaRPr lang="en-US" dirty="0"/>
-          </a:p>
-        </p:txBody>
-      </p:sp>
-      <p:pic>
-        <p:nvPicPr>
-          <p:cNvPr id="5" name="Picture 4"/>
-          <p:cNvPicPr>
-            <a:picLocks noChangeAspect="1"/>
-          </p:cNvPicPr>
-          <p:nvPr/>
-        </p:nvPicPr>
-        <p:blipFill>
-          <a:blip r:embed="rId4"/>
-          <a:stretch>
-            <a:fillRect/>
-          </a:stretch>
-        </p:blipFill>
-        <p:spPr>
-          <a:xfrm>
-            <a:off x="4465429" y="3200400"/>
-            <a:ext cx="3260516" cy="3260516"/>
-          </a:xfrm>
-          <a:prstGeom prst="rect">
-            <a:avLst/>
-          </a:prstGeom>
-        </p:spPr>
-      </p:pic>
-    </p:spTree>
-    <p:extLst>
-      <p:ext uri="{BB962C8B-B14F-4D97-AF65-F5344CB8AC3E}">
-        <p14:creationId xmlns:p14="http://schemas.microsoft.com/office/powerpoint/2010/main" val="559233079"/>
-      </p:ext>
-    </p:extLst>
-  </p:cSld>
-  <p:clrMapOvr>
-    <a:masterClrMapping/>
-  </p:clrMapOvr>
-  <mc:AlternateContent xmlns:mc="http://schemas.openxmlformats.org/markup-compatibility/2006" xmlns:p14="http://schemas.microsoft.com/office/powerpoint/2010/main">
-    <mc:Choice Requires="p14">
-      <p:transition spd="med" p14:dur="700">
-        <p:fade/>
-      </p:transition>
-    </mc:Choice>
-    <mc:Fallback xmlns="">
-      <p:transition spd="med">
-        <p:fade/>
-      </p:transition>
-    </mc:Fallback>
-  </mc:AlternateContent>
-  <p:timing>
-    <p:tnLst>
-      <p:par>
-        <p:cTn id="1" dur="indefinite" restart="never" nodeType="tmRoot"/>
-      </p:par>
-    </p:tnLst>
-  </p:timing>
-</p:sld>
-</file>
-
-<file path=ppt/slides/slide6.xml><?xml version="1.0" encoding="utf-8"?>
-<p:sld xmlns:a="http://schemas.openxmlformats.org/drawingml/2006/main" xmlns:r="http://schemas.openxmlformats.org/officeDocument/2006/relationships" xmlns:p="http://schemas.openxmlformats.org/presentationml/2006/main" showMasterSp="0">
-  <p:cSld>
-    <p:spTree>
-      <p:nvGrpSpPr>
-        <p:cNvPr id="1" name=""/>
-        <p:cNvGrpSpPr/>
-        <p:nvPr/>
-      </p:nvGrpSpPr>
-      <p:grpSpPr>
-        <a:xfrm>
-          <a:off x="0" y="0"/>
-          <a:ext cx="0" cy="0"/>
-          <a:chOff x="0" y="0"/>
-          <a:chExt cx="0" cy="0"/>
-        </a:xfrm>
-      </p:grpSpPr>
-      <p:pic>
-        <p:nvPicPr>
-          <p:cNvPr id="8" name="Picture 7"/>
-          <p:cNvPicPr>
-            <a:picLocks noChangeAspect="1"/>
-          </p:cNvPicPr>
-          <p:nvPr/>
-        </p:nvPicPr>
-        <p:blipFill>
-          <a:blip r:embed="rId3"/>
-          <a:stretch>
-            <a:fillRect/>
-          </a:stretch>
-        </p:blipFill>
-        <p:spPr>
-          <a:xfrm>
-            <a:off x="7557590" y="177744"/>
-            <a:ext cx="4385476" cy="4880022"/>
-          </a:xfrm>
-          <a:prstGeom prst="rect">
-            <a:avLst/>
-          </a:prstGeom>
-        </p:spPr>
-      </p:pic>
-      <p:sp>
-        <p:nvSpPr>
-          <p:cNvPr id="5" name="Rectangle 4"/>
-          <p:cNvSpPr/>
-          <p:nvPr/>
-        </p:nvSpPr>
-        <p:spPr>
-          <a:xfrm>
-            <a:off x="196781" y="177744"/>
-            <a:ext cx="6637358" cy="6511843"/>
-          </a:xfrm>
-          <a:prstGeom prst="rect">
-            <a:avLst/>
-          </a:prstGeom>
-        </p:spPr>
-        <p:style>
-          <a:lnRef idx="2">
-            <a:schemeClr val="accent1">
-              <a:shade val="50000"/>
-            </a:schemeClr>
-          </a:lnRef>
-          <a:fillRef idx="1">
-            <a:schemeClr val="accent1"/>
-          </a:fillRef>
-          <a:effectRef idx="0">
-            <a:schemeClr val="accent1"/>
-          </a:effectRef>
-          <a:fontRef idx="minor">
-            <a:schemeClr val="lt1"/>
-          </a:fontRef>
-        </p:style>
-        <p:txBody>
-          <a:bodyPr rtlCol="0" anchor="ctr"/>
-          <a:lstStyle/>
-          <a:p>
-            <a:pPr algn="ctr"/>
-            <a:endParaRPr lang="en-US"/>
-          </a:p>
-        </p:txBody>
-      </p:sp>
-      <p:pic>
-        <p:nvPicPr>
-          <p:cNvPr id="4" name="Content Placeholder 3"/>
-          <p:cNvPicPr>
-            <a:picLocks noGrp="1" noChangeAspect="1"/>
-          </p:cNvPicPr>
-          <p:nvPr>
-            <p:ph idx="4294967295"/>
-          </p:nvPr>
-        </p:nvPicPr>
-        <p:blipFill>
-          <a:blip r:embed="rId4">
-            <a:extLst>
-              <a:ext uri="{28A0092B-C50C-407E-A947-70E740481C1C}">
-                <a14:useLocalDpi xmlns:a14="http://schemas.microsoft.com/office/drawing/2010/main" val="0"/>
-              </a:ext>
-            </a:extLst>
-          </a:blip>
-          <a:stretch>
-            <a:fillRect/>
-          </a:stretch>
-        </p:blipFill>
-        <p:spPr>
-          <a:xfrm>
-            <a:off x="1" y="177905"/>
-            <a:ext cx="6111563" cy="1753943"/>
-          </a:xfrm>
-          <a:prstGeom prst="rect">
-            <a:avLst/>
-          </a:prstGeom>
-        </p:spPr>
-      </p:pic>
-      <p:sp>
-        <p:nvSpPr>
-          <p:cNvPr id="7" name="TextBox 6"/>
-          <p:cNvSpPr txBox="1"/>
-          <p:nvPr/>
-        </p:nvSpPr>
-        <p:spPr>
-          <a:xfrm>
-            <a:off x="459769" y="2258173"/>
-            <a:ext cx="6111382" cy="4012960"/>
-          </a:xfrm>
-          <a:prstGeom prst="rect">
-            <a:avLst/>
-          </a:prstGeom>
-          <a:noFill/>
-        </p:spPr>
-        <p:txBody>
-          <a:bodyPr wrap="square" rtlCol="0">
-            <a:spAutoFit/>
-          </a:bodyPr>
-          <a:lstStyle/>
-          <a:p>
-            <a:r>
-              <a:rPr lang="en-US" sz="1961" dirty="0">
-                <a:solidFill>
-                  <a:schemeClr val="bg1"/>
-                </a:solidFill>
-              </a:rPr>
-              <a:t>Join us at #</a:t>
-            </a:r>
-            <a:r>
-              <a:rPr lang="en-US" sz="1961" dirty="0" err="1">
-                <a:solidFill>
-                  <a:schemeClr val="bg1"/>
-                </a:solidFill>
-              </a:rPr>
-              <a:t>SharePint</a:t>
-            </a:r>
-            <a:r>
-              <a:rPr lang="en-US" sz="1961" dirty="0">
-                <a:solidFill>
-                  <a:schemeClr val="bg1"/>
-                </a:solidFill>
-              </a:rPr>
-              <a:t> sponsored by K2 at Clyde’s of Chevy Chase in the </a:t>
-            </a:r>
-            <a:r>
-              <a:rPr lang="en-US" sz="1961" dirty="0" err="1">
-                <a:solidFill>
-                  <a:schemeClr val="bg1"/>
-                </a:solidFill>
-              </a:rPr>
-              <a:t>RaceCar</a:t>
-            </a:r>
-            <a:r>
-              <a:rPr lang="en-US" sz="1961" dirty="0">
-                <a:solidFill>
-                  <a:schemeClr val="bg1"/>
-                </a:solidFill>
-              </a:rPr>
-              <a:t> Bar Downstairs</a:t>
-            </a:r>
-          </a:p>
-          <a:p>
-            <a:endParaRPr lang="en-US" sz="1961" dirty="0">
-              <a:solidFill>
-                <a:schemeClr val="bg1"/>
-              </a:solidFill>
-            </a:endParaRPr>
-          </a:p>
-          <a:p>
-            <a:r>
-              <a:rPr lang="en-US" sz="1961" dirty="0">
-                <a:solidFill>
-                  <a:schemeClr val="bg1"/>
-                </a:solidFill>
-              </a:rPr>
-              <a:t>Why? To network with fellow SharePoint professionals</a:t>
-            </a:r>
-          </a:p>
-          <a:p>
-            <a:r>
-              <a:rPr lang="en-US" sz="1961" dirty="0">
-                <a:solidFill>
-                  <a:schemeClr val="bg1"/>
-                </a:solidFill>
-              </a:rPr>
-              <a:t>What? </a:t>
-            </a:r>
-            <a:r>
-              <a:rPr lang="en-US" sz="1961" dirty="0" err="1">
-                <a:solidFill>
-                  <a:schemeClr val="bg1"/>
-                </a:solidFill>
-              </a:rPr>
-              <a:t>SharePint</a:t>
-            </a:r>
-            <a:r>
-              <a:rPr lang="en-US" sz="1961" dirty="0">
-                <a:solidFill>
-                  <a:schemeClr val="bg1"/>
-                </a:solidFill>
-              </a:rPr>
-              <a:t>!!!</a:t>
-            </a:r>
-          </a:p>
-          <a:p>
-            <a:r>
-              <a:rPr lang="en-US" sz="1961" dirty="0">
-                <a:solidFill>
-                  <a:schemeClr val="bg1"/>
-                </a:solidFill>
-              </a:rPr>
-              <a:t>When? 6:00 PM</a:t>
-            </a:r>
-          </a:p>
-          <a:p>
-            <a:r>
-              <a:rPr lang="en-US" sz="1961" dirty="0">
-                <a:solidFill>
-                  <a:schemeClr val="bg1"/>
-                </a:solidFill>
-              </a:rPr>
-              <a:t>Where? </a:t>
-            </a:r>
-          </a:p>
-          <a:p>
-            <a:r>
-              <a:rPr lang="en-US" sz="1961" dirty="0" err="1">
-                <a:solidFill>
-                  <a:schemeClr val="bg1"/>
-                </a:solidFill>
-              </a:rPr>
-              <a:t>RaceCar</a:t>
-            </a:r>
-            <a:r>
-              <a:rPr lang="en-US" sz="1961" dirty="0">
-                <a:solidFill>
-                  <a:schemeClr val="bg1"/>
-                </a:solidFill>
-              </a:rPr>
-              <a:t> Bar Downstairs</a:t>
-            </a:r>
-          </a:p>
-          <a:p>
-            <a:r>
-              <a:rPr lang="en-US" sz="1961" dirty="0">
-                <a:solidFill>
-                  <a:schemeClr val="bg1"/>
-                </a:solidFill>
-              </a:rPr>
-              <a:t>5441 Wisconsin Ave</a:t>
-            </a:r>
-          </a:p>
-          <a:p>
-            <a:r>
-              <a:rPr lang="en-US" sz="1961" dirty="0">
-                <a:solidFill>
-                  <a:schemeClr val="bg1"/>
-                </a:solidFill>
-              </a:rPr>
-              <a:t>Chevy Chase, MD 20815</a:t>
-            </a:r>
-          </a:p>
-          <a:p>
-            <a:endParaRPr lang="en-US" sz="1961" dirty="0">
-              <a:solidFill>
-                <a:schemeClr val="bg1"/>
-              </a:solidFill>
-            </a:endParaRPr>
-          </a:p>
-          <a:p>
-            <a:r>
-              <a:rPr lang="en-US" sz="1961" dirty="0">
-                <a:solidFill>
-                  <a:schemeClr val="bg1"/>
-                </a:solidFill>
-              </a:rPr>
-              <a:t>Thanks to?</a:t>
-            </a:r>
-          </a:p>
-          <a:p>
-            <a:r>
-              <a:rPr lang="en-US" sz="1961" dirty="0">
-                <a:solidFill>
-                  <a:schemeClr val="bg1"/>
-                </a:solidFill>
-              </a:rPr>
-              <a:t>K2!</a:t>
-            </a:r>
-          </a:p>
-        </p:txBody>
-      </p:sp>
-      <p:pic>
-        <p:nvPicPr>
-          <p:cNvPr id="2050" name="Picture 2" descr="http://www.clydes.com/sites/default/files/banners/chevyChase-carousel-image5.jpg"/>
-          <p:cNvPicPr>
-            <a:picLocks noChangeAspect="1" noChangeArrowheads="1"/>
-          </p:cNvPicPr>
-          <p:nvPr/>
-        </p:nvPicPr>
-        <p:blipFill>
-          <a:blip r:embed="rId5">
-            <a:extLst>
-              <a:ext uri="{28A0092B-C50C-407E-A947-70E740481C1C}">
-                <a14:useLocalDpi xmlns:a14="http://schemas.microsoft.com/office/drawing/2010/main" val="0"/>
-              </a:ext>
-            </a:extLst>
-          </a:blip>
-          <a:srcRect/>
-          <a:stretch>
-            <a:fillRect/>
-          </a:stretch>
-        </p:blipFill>
-        <p:spPr bwMode="auto">
-          <a:xfrm>
-            <a:off x="3664233" y="4138804"/>
-            <a:ext cx="5231773" cy="2285675"/>
-          </a:xfrm>
-          <a:prstGeom prst="rect">
-            <a:avLst/>
-          </a:prstGeom>
-          <a:noFill/>
-          <a:extLst>
-            <a:ext uri="{909E8E84-426E-40DD-AFC4-6F175D3DCCD1}">
-              <a14:hiddenFill xmlns:a14="http://schemas.microsoft.com/office/drawing/2010/main">
-                <a:solidFill>
-                  <a:srgbClr val="FFFFFF"/>
-                </a:solidFill>
-              </a14:hiddenFill>
-            </a:ext>
-          </a:extLst>
-        </p:spPr>
-      </p:pic>
-      <p:pic>
-        <p:nvPicPr>
-          <p:cNvPr id="9" name="Picture 8"/>
-          <p:cNvPicPr>
-            <a:picLocks noChangeAspect="1"/>
-          </p:cNvPicPr>
-          <p:nvPr/>
-        </p:nvPicPr>
-        <p:blipFill>
-          <a:blip r:embed="rId6">
-            <a:extLst>
-              <a:ext uri="{28A0092B-C50C-407E-A947-70E740481C1C}">
-                <a14:useLocalDpi xmlns:a14="http://schemas.microsoft.com/office/drawing/2010/main" val="0"/>
-              </a:ext>
-            </a:extLst>
-          </a:blip>
-          <a:srcRect/>
-          <a:stretch>
-            <a:fillRect/>
-          </a:stretch>
-        </p:blipFill>
-        <p:spPr bwMode="auto">
-          <a:xfrm>
-            <a:off x="9497159" y="5281642"/>
-            <a:ext cx="1608862" cy="914270"/>
-          </a:xfrm>
-          <a:prstGeom prst="rect">
-            <a:avLst/>
-          </a:prstGeom>
-          <a:noFill/>
-          <a:ln>
-            <a:noFill/>
-          </a:ln>
-        </p:spPr>
-      </p:pic>
-    </p:spTree>
-    <p:extLst>
-      <p:ext uri="{BB962C8B-B14F-4D97-AF65-F5344CB8AC3E}">
-        <p14:creationId xmlns:p14="http://schemas.microsoft.com/office/powerpoint/2010/main" val="4254539952"/>
-      </p:ext>
-    </p:extLst>
-  </p:cSld>
-  <p:clrMapOvr>
-    <a:masterClrMapping/>
-  </p:clrMapOvr>
-  <mc:AlternateContent xmlns:mc="http://schemas.openxmlformats.org/markup-compatibility/2006" xmlns:p14="http://schemas.microsoft.com/office/powerpoint/2010/main">
-    <mc:Choice Requires="p14">
-      <p:transition spd="med" p14:dur="700">
-        <p:fade/>
-      </p:transition>
-    </mc:Choice>
-    <mc:Fallback xmlns="">
-      <p:transition spd="med">
-        <p:fade/>
-      </p:transition>
-    </mc:Fallback>
-  </mc:AlternateContent>
-  <p:timing>
-    <p:tnLst>
-      <p:par>
-        <p:cTn id="1" dur="indefinite" restart="never" nodeType="tmRoot"/>
-      </p:par>
-    </p:tnLst>
-  </p:timing>
-</p:sld>
-</file>
-
-<file path=ppt/slides/slide7.xml><?xml version="1.0" encoding="utf-8"?>
-<p:sld xmlns:a="http://schemas.openxmlformats.org/drawingml/2006/main" xmlns:r="http://schemas.openxmlformats.org/officeDocument/2006/relationships" xmlns:p="http://schemas.openxmlformats.org/presentationml/2006/main">
-  <p:cSld>
-    <p:spTree>
-      <p:nvGrpSpPr>
-        <p:cNvPr id="1" name=""/>
-        <p:cNvGrpSpPr/>
-        <p:nvPr/>
-      </p:nvGrpSpPr>
-      <p:grpSpPr>
-        <a:xfrm>
-          <a:off x="0" y="0"/>
-          <a:ext cx="0" cy="0"/>
-          <a:chOff x="0" y="0"/>
-          <a:chExt cx="0" cy="0"/>
-        </a:xfrm>
-      </p:grpSpPr>
-      <p:sp>
-        <p:nvSpPr>
-          <p:cNvPr id="2" name="Title 1"/>
-          <p:cNvSpPr>
-            <a:spLocks noGrp="1"/>
-          </p:cNvSpPr>
-          <p:nvPr>
-            <p:ph type="title"/>
-          </p:nvPr>
-        </p:nvSpPr>
-        <p:spPr/>
-        <p:txBody>
-          <a:bodyPr/>
-          <a:lstStyle/>
-          <a:p>
-            <a:r>
-              <a:rPr lang="en-US" dirty="0" smtClean="0"/>
-              <a:t>Agenda</a:t>
-            </a:r>
-            <a:endParaRPr lang="en-US" dirty="0"/>
-          </a:p>
-        </p:txBody>
-      </p:sp>
-      <p:sp>
-        <p:nvSpPr>
-          <p:cNvPr id="3" name="Content Placeholder 2"/>
-          <p:cNvSpPr>
-            <a:spLocks noGrp="1"/>
-          </p:cNvSpPr>
-          <p:nvPr>
-            <p:ph sz="quarter" idx="13"/>
-          </p:nvPr>
-        </p:nvSpPr>
-        <p:spPr/>
-        <p:txBody>
-          <a:bodyPr/>
-          <a:lstStyle/>
-          <a:p>
-            <a:r>
-              <a:rPr lang="en-US" dirty="0" smtClean="0"/>
-              <a:t>SPA Overview</a:t>
-            </a:r>
-          </a:p>
-          <a:p>
-            <a:r>
-              <a:rPr lang="en-US" dirty="0" smtClean="0"/>
-              <a:t>AngularJS Overview</a:t>
-            </a:r>
-          </a:p>
-          <a:p>
-            <a:r>
-              <a:rPr lang="en-US" dirty="0" smtClean="0"/>
-              <a:t>Tools &amp; Data Access</a:t>
-            </a:r>
-            <a:endParaRPr lang="en-US" dirty="0"/>
-          </a:p>
-          <a:p>
-            <a:r>
-              <a:rPr lang="en-US" dirty="0" smtClean="0"/>
-              <a:t>Projects Demo</a:t>
-            </a:r>
-            <a:endParaRPr lang="en-US" dirty="0"/>
-          </a:p>
-          <a:p>
-            <a:r>
-              <a:rPr lang="en-US" dirty="0" smtClean="0"/>
-              <a:t>Deployment</a:t>
-            </a:r>
-          </a:p>
-          <a:p>
-            <a:r>
-              <a:rPr lang="en-US" dirty="0" smtClean="0"/>
-              <a:t>Best Practices &amp; Gotchas</a:t>
-            </a:r>
-          </a:p>
-        </p:txBody>
-      </p:sp>
-    </p:spTree>
-    <p:extLst>
-      <p:ext uri="{BB962C8B-B14F-4D97-AF65-F5344CB8AC3E}">
-        <p14:creationId xmlns:p14="http://schemas.microsoft.com/office/powerpoint/2010/main" val="1387718350"/>
-      </p:ext>
-    </p:extLst>
-  </p:cSld>
-  <p:clrMapOvr>
-    <a:masterClrMapping/>
-  </p:clrMapOvr>
-  <mc:AlternateContent xmlns:mc="http://schemas.openxmlformats.org/markup-compatibility/2006" xmlns:p14="http://schemas.microsoft.com/office/powerpoint/2010/main">
-    <mc:Choice Requires="p14">
-      <p:transition spd="med" p14:dur="700">
-        <p:fade/>
-      </p:transition>
-    </mc:Choice>
-    <mc:Fallback xmlns="">
-      <p:transition spd="med">
-        <p:fade/>
-      </p:transition>
-    </mc:Fallback>
-  </mc:AlternateContent>
-  <p:timing>
-    <p:tnLst>
-      <p:par>
-        <p:cTn id="1" dur="indefinite" restart="never" nodeType="tmRoot"/>
-      </p:par>
-    </p:tnLst>
-  </p:timing>
-</p:sld>
-</file>
-
-<file path=ppt/slides/slide8.xml><?xml version="1.0" encoding="utf-8"?>
-<p:sld xmlns:a="http://schemas.openxmlformats.org/drawingml/2006/main" xmlns:r="http://schemas.openxmlformats.org/officeDocument/2006/relationships" xmlns:p="http://schemas.openxmlformats.org/presentationml/2006/main">
-  <p:cSld>
-    <p:spTree>
-      <p:nvGrpSpPr>
-        <p:cNvPr id="1" name=""/>
-        <p:cNvGrpSpPr/>
-        <p:nvPr/>
-      </p:nvGrpSpPr>
-      <p:grpSpPr>
-        <a:xfrm>
-          <a:off x="0" y="0"/>
-          <a:ext cx="0" cy="0"/>
-          <a:chOff x="0" y="0"/>
-          <a:chExt cx="0" cy="0"/>
-        </a:xfrm>
-      </p:grpSpPr>
-      <p:sp>
-        <p:nvSpPr>
-          <p:cNvPr id="2" name="Title 1"/>
-          <p:cNvSpPr>
-            <a:spLocks noGrp="1"/>
-          </p:cNvSpPr>
-          <p:nvPr>
-            <p:ph type="title"/>
-          </p:nvPr>
-        </p:nvSpPr>
-        <p:spPr/>
-        <p:txBody>
-          <a:bodyPr>
-            <a:normAutofit/>
-          </a:bodyPr>
-          <a:lstStyle/>
-          <a:p>
-            <a:r>
-              <a:rPr lang="en-US" dirty="0" smtClean="0"/>
-              <a:t>Single Page Applications</a:t>
-            </a:r>
-            <a:endParaRPr lang="en-US" dirty="0"/>
-          </a:p>
-        </p:txBody>
-      </p:sp>
-      <p:sp>
-        <p:nvSpPr>
-          <p:cNvPr id="3" name="Text Placeholder 2"/>
-          <p:cNvSpPr>
-            <a:spLocks noGrp="1"/>
-          </p:cNvSpPr>
-          <p:nvPr>
-            <p:ph type="body" idx="1"/>
-          </p:nvPr>
-        </p:nvSpPr>
-        <p:spPr/>
-        <p:txBody>
-          <a:bodyPr/>
-          <a:lstStyle/>
-          <a:p>
-            <a:endParaRPr lang="en-US" dirty="0"/>
-          </a:p>
-        </p:txBody>
-      </p:sp>
-    </p:spTree>
-    <p:extLst>
-      <p:ext uri="{BB962C8B-B14F-4D97-AF65-F5344CB8AC3E}">
-        <p14:creationId xmlns:p14="http://schemas.microsoft.com/office/powerpoint/2010/main" val="962126525"/>
-      </p:ext>
-    </p:extLst>
-  </p:cSld>
-  <p:clrMapOvr>
-    <a:masterClrMapping/>
-  </p:clrMapOvr>
-  <mc:AlternateContent xmlns:mc="http://schemas.openxmlformats.org/markup-compatibility/2006" xmlns:p14="http://schemas.microsoft.com/office/powerpoint/2010/main">
-    <mc:Choice Requires="p14">
-      <p:transition spd="med" p14:dur="700">
-        <p:fade/>
-      </p:transition>
-    </mc:Choice>
-    <mc:Fallback xmlns="">
-      <p:transition spd="med">
-        <p:fade/>
-      </p:transition>
-    </mc:Fallback>
-  </mc:AlternateContent>
-  <p:timing>
-    <p:tnLst>
-      <p:par>
-        <p:cTn id="1" dur="indefinite" restart="never" nodeType="tmRoot"/>
-      </p:par>
-    </p:tnLst>
-  </p:timing>
-</p:sld>
-</file>
-
-<file path=ppt/slides/slide9.xml><?xml version="1.0" encoding="utf-8"?>
-<p:sld xmlns:a="http://schemas.openxmlformats.org/drawingml/2006/main" xmlns:r="http://schemas.openxmlformats.org/officeDocument/2006/relationships" xmlns:p="http://schemas.openxmlformats.org/presentationml/2006/main">
-  <p:cSld>
-    <p:spTree>
-      <p:nvGrpSpPr>
-        <p:cNvPr id="1" name=""/>
-        <p:cNvGrpSpPr/>
-        <p:nvPr/>
-      </p:nvGrpSpPr>
-      <p:grpSpPr>
-        <a:xfrm>
-          <a:off x="0" y="0"/>
-          <a:ext cx="0" cy="0"/>
-          <a:chOff x="0" y="0"/>
-          <a:chExt cx="0" cy="0"/>
-        </a:xfrm>
-      </p:grpSpPr>
-      <p:sp>
-        <p:nvSpPr>
           <p:cNvPr id="2" name="Title 1"/>
           <p:cNvSpPr>
             <a:spLocks noGrp="1"/>
@@ -27188,11 +22936,7 @@
             <a:pPr lvl="1"/>
             <a:r>
               <a:rPr lang="en-US" dirty="0" smtClean="0"/>
-              <a:t>Maintainability (if you leverage a framework or you are a JavaScript </a:t>
-            </a:r>
-            <a:r>
-              <a:rPr lang="en-US" dirty="0" smtClean="0"/>
-              <a:t>ninja </a:t>
+              <a:t>Maintainability (if you leverage a framework or you are a JavaScript ninja </a:t>
             </a:r>
             <a:r>
               <a:rPr lang="en-US" dirty="0"/>
@@ -27200,11 +22944,7 @@
             </a:r>
             <a:r>
               <a:rPr lang="en-US" dirty="0" smtClean="0"/>
-              <a:t>eveloper</a:t>
-            </a:r>
-            <a:r>
-              <a:rPr lang="en-US" dirty="0" smtClean="0"/>
-              <a:t>)</a:t>
+              <a:t>eveloper)</a:t>
             </a:r>
           </a:p>
           <a:p>
@@ -27735,6 +23475,1352 @@
     <p:bldLst>
       <p:bldP spid="3" grpId="0" build="p"/>
     </p:bldLst>
+  </p:timing>
+</p:sld>
+</file>
+
+<file path=ppt/slides/slide6.xml><?xml version="1.0" encoding="utf-8"?>
+<p:sld xmlns:a="http://schemas.openxmlformats.org/drawingml/2006/main" xmlns:r="http://schemas.openxmlformats.org/officeDocument/2006/relationships" xmlns:p="http://schemas.openxmlformats.org/presentationml/2006/main">
+  <p:cSld>
+    <p:spTree>
+      <p:nvGrpSpPr>
+        <p:cNvPr id="1" name=""/>
+        <p:cNvGrpSpPr/>
+        <p:nvPr/>
+      </p:nvGrpSpPr>
+      <p:grpSpPr>
+        <a:xfrm>
+          <a:off x="0" y="0"/>
+          <a:ext cx="0" cy="0"/>
+          <a:chOff x="0" y="0"/>
+          <a:chExt cx="0" cy="0"/>
+        </a:xfrm>
+      </p:grpSpPr>
+      <p:sp>
+        <p:nvSpPr>
+          <p:cNvPr id="10" name="Rectangle 9"/>
+          <p:cNvSpPr/>
+          <p:nvPr/>
+        </p:nvSpPr>
+        <p:spPr bwMode="auto">
+          <a:xfrm>
+            <a:off x="6215747" y="2919839"/>
+            <a:ext cx="1937657" cy="2453127"/>
+          </a:xfrm>
+          <a:prstGeom prst="rect">
+            <a:avLst/>
+          </a:prstGeom>
+          <a:solidFill>
+            <a:schemeClr val="tx1">
+              <a:lumMod val="65000"/>
+              <a:lumOff val="35000"/>
+            </a:schemeClr>
+          </a:solidFill>
+          <a:ln>
+            <a:solidFill>
+              <a:schemeClr val="bg1"/>
+            </a:solidFill>
+            <a:headEnd type="none" w="med" len="med"/>
+            <a:tailEnd type="none" w="med" len="med"/>
+          </a:ln>
+          <a:effectLst/>
+        </p:spPr>
+        <p:style>
+          <a:lnRef idx="1">
+            <a:schemeClr val="accent2"/>
+          </a:lnRef>
+          <a:fillRef idx="3">
+            <a:schemeClr val="accent2"/>
+          </a:fillRef>
+          <a:effectRef idx="2">
+            <a:schemeClr val="accent2"/>
+          </a:effectRef>
+          <a:fontRef idx="minor">
+            <a:schemeClr val="lt1"/>
+          </a:fontRef>
+        </p:style>
+        <p:txBody>
+          <a:bodyPr rot="0" spcFirstLastPara="0" vertOverflow="overflow" horzOverflow="overflow" vert="horz" wrap="square" lIns="45720" tIns="45720" rIns="45720" bIns="45720" numCol="1" spcCol="0" rtlCol="0" fromWordArt="0" anchor="b" anchorCtr="0" forceAA="0" compatLnSpc="1">
+            <a:prstTxWarp prst="textNoShape">
+              <a:avLst/>
+            </a:prstTxWarp>
+            <a:noAutofit/>
+          </a:bodyPr>
+          <a:lstStyle/>
+          <a:p>
+            <a:pPr marL="120650" defTabSz="914099" fontAlgn="base">
+              <a:spcBef>
+                <a:spcPct val="0"/>
+              </a:spcBef>
+              <a:spcAft>
+                <a:spcPct val="0"/>
+              </a:spcAft>
+            </a:pPr>
+            <a:r>
+              <a:rPr lang="en-US" sz="2000" dirty="0">
+                <a:solidFill>
+                  <a:schemeClr val="bg1"/>
+                </a:solidFill>
+                <a:latin typeface="Effra" panose="020B0506080202020204" pitchFamily="34" charset="0"/>
+                <a:ea typeface="Segoe UI" pitchFamily="34" charset="0"/>
+                <a:cs typeface="Segoe Pro Light"/>
+              </a:rPr>
+              <a:t>Not Cloud Ready</a:t>
+            </a:r>
+          </a:p>
+        </p:txBody>
+      </p:sp>
+      <p:sp>
+        <p:nvSpPr>
+          <p:cNvPr id="8" name="Rectangle 7"/>
+          <p:cNvSpPr/>
+          <p:nvPr/>
+        </p:nvSpPr>
+        <p:spPr bwMode="auto">
+          <a:xfrm>
+            <a:off x="1781633" y="2919841"/>
+            <a:ext cx="1937657" cy="2453127"/>
+          </a:xfrm>
+          <a:prstGeom prst="rect">
+            <a:avLst/>
+          </a:prstGeom>
+          <a:solidFill>
+            <a:schemeClr val="tx1">
+              <a:lumMod val="65000"/>
+              <a:lumOff val="35000"/>
+            </a:schemeClr>
+          </a:solidFill>
+          <a:ln>
+            <a:solidFill>
+              <a:srgbClr val="172952"/>
+            </a:solidFill>
+            <a:headEnd type="none" w="med" len="med"/>
+            <a:tailEnd type="none" w="med" len="med"/>
+          </a:ln>
+          <a:effectLst/>
+        </p:spPr>
+        <p:style>
+          <a:lnRef idx="1">
+            <a:schemeClr val="accent2"/>
+          </a:lnRef>
+          <a:fillRef idx="3">
+            <a:schemeClr val="accent2"/>
+          </a:fillRef>
+          <a:effectRef idx="2">
+            <a:schemeClr val="accent2"/>
+          </a:effectRef>
+          <a:fontRef idx="minor">
+            <a:schemeClr val="lt1"/>
+          </a:fontRef>
+        </p:style>
+        <p:txBody>
+          <a:bodyPr rot="0" spcFirstLastPara="0" vertOverflow="overflow" horzOverflow="overflow" vert="horz" wrap="square" lIns="45720" tIns="45720" rIns="45720" bIns="45720" numCol="1" spcCol="0" rtlCol="0" fromWordArt="0" anchor="b" anchorCtr="0" forceAA="0" compatLnSpc="1">
+            <a:prstTxWarp prst="textNoShape">
+              <a:avLst/>
+            </a:prstTxWarp>
+            <a:noAutofit/>
+          </a:bodyPr>
+          <a:lstStyle/>
+          <a:p>
+            <a:pPr marL="120650" defTabSz="914099" fontAlgn="base">
+              <a:spcBef>
+                <a:spcPct val="0"/>
+              </a:spcBef>
+              <a:spcAft>
+                <a:spcPct val="0"/>
+              </a:spcAft>
+            </a:pPr>
+            <a:r>
+              <a:rPr lang="en-US" sz="2000" dirty="0">
+                <a:solidFill>
+                  <a:schemeClr val="bg1"/>
+                </a:solidFill>
+                <a:latin typeface="Effra" panose="020B0506080202020204" pitchFamily="34" charset="0"/>
+                <a:ea typeface="Segoe UI" pitchFamily="34" charset="0"/>
+                <a:cs typeface="Segoe Pro Light"/>
+              </a:rPr>
+              <a:t>Performance and Stability</a:t>
+            </a:r>
+          </a:p>
+        </p:txBody>
+      </p:sp>
+      <p:sp>
+        <p:nvSpPr>
+          <p:cNvPr id="9" name="Rectangle 8"/>
+          <p:cNvSpPr/>
+          <p:nvPr/>
+        </p:nvSpPr>
+        <p:spPr bwMode="auto">
+          <a:xfrm>
+            <a:off x="3998690" y="2919840"/>
+            <a:ext cx="1937657" cy="2453127"/>
+          </a:xfrm>
+          <a:prstGeom prst="rect">
+            <a:avLst/>
+          </a:prstGeom>
+          <a:solidFill>
+            <a:schemeClr val="tx1">
+              <a:lumMod val="65000"/>
+              <a:lumOff val="35000"/>
+            </a:schemeClr>
+          </a:solidFill>
+          <a:ln>
+            <a:solidFill>
+              <a:srgbClr val="172952"/>
+            </a:solidFill>
+            <a:headEnd type="none" w="med" len="med"/>
+            <a:tailEnd type="none" w="med" len="med"/>
+          </a:ln>
+          <a:effectLst/>
+        </p:spPr>
+        <p:style>
+          <a:lnRef idx="1">
+            <a:schemeClr val="accent2"/>
+          </a:lnRef>
+          <a:fillRef idx="3">
+            <a:schemeClr val="accent2"/>
+          </a:fillRef>
+          <a:effectRef idx="2">
+            <a:schemeClr val="accent2"/>
+          </a:effectRef>
+          <a:fontRef idx="minor">
+            <a:schemeClr val="lt1"/>
+          </a:fontRef>
+        </p:style>
+        <p:txBody>
+          <a:bodyPr rot="0" spcFirstLastPara="0" vertOverflow="overflow" horzOverflow="overflow" vert="horz" wrap="square" lIns="45720" tIns="45720" rIns="45720" bIns="45720" numCol="1" spcCol="0" rtlCol="0" fromWordArt="0" anchor="b" anchorCtr="0" forceAA="0" compatLnSpc="1">
+            <a:prstTxWarp prst="textNoShape">
+              <a:avLst/>
+            </a:prstTxWarp>
+            <a:noAutofit/>
+          </a:bodyPr>
+          <a:lstStyle/>
+          <a:p>
+            <a:pPr marL="120650" defTabSz="914099" fontAlgn="base">
+              <a:spcBef>
+                <a:spcPct val="0"/>
+              </a:spcBef>
+              <a:spcAft>
+                <a:spcPct val="0"/>
+              </a:spcAft>
+            </a:pPr>
+            <a:r>
+              <a:rPr lang="en-US" sz="2000" dirty="0">
+                <a:solidFill>
+                  <a:schemeClr val="bg1"/>
+                </a:solidFill>
+                <a:latin typeface="Effra" panose="020B0506080202020204" pitchFamily="34" charset="0"/>
+                <a:ea typeface="Segoe UI" pitchFamily="34" charset="0"/>
+                <a:cs typeface="Segoe Pro Light"/>
+              </a:rPr>
+              <a:t>Lifecycle Management</a:t>
+            </a:r>
+          </a:p>
+        </p:txBody>
+      </p:sp>
+      <p:sp>
+        <p:nvSpPr>
+          <p:cNvPr id="11" name="Rectangle 10"/>
+          <p:cNvSpPr/>
+          <p:nvPr/>
+        </p:nvSpPr>
+        <p:spPr bwMode="auto">
+          <a:xfrm>
+            <a:off x="8432804" y="2919838"/>
+            <a:ext cx="1937657" cy="2453127"/>
+          </a:xfrm>
+          <a:prstGeom prst="rect">
+            <a:avLst/>
+          </a:prstGeom>
+          <a:solidFill>
+            <a:schemeClr val="tx1">
+              <a:lumMod val="65000"/>
+              <a:lumOff val="35000"/>
+            </a:schemeClr>
+          </a:solidFill>
+          <a:ln>
+            <a:solidFill>
+              <a:srgbClr val="172952"/>
+            </a:solidFill>
+            <a:headEnd type="none" w="med" len="med"/>
+            <a:tailEnd type="none" w="med" len="med"/>
+          </a:ln>
+          <a:effectLst/>
+        </p:spPr>
+        <p:style>
+          <a:lnRef idx="1">
+            <a:schemeClr val="accent2"/>
+          </a:lnRef>
+          <a:fillRef idx="3">
+            <a:schemeClr val="accent2"/>
+          </a:fillRef>
+          <a:effectRef idx="2">
+            <a:schemeClr val="accent2"/>
+          </a:effectRef>
+          <a:fontRef idx="minor">
+            <a:schemeClr val="lt1"/>
+          </a:fontRef>
+        </p:style>
+        <p:txBody>
+          <a:bodyPr rot="0" spcFirstLastPara="0" vertOverflow="overflow" horzOverflow="overflow" vert="horz" wrap="square" lIns="45720" tIns="45720" rIns="45720" bIns="45720" numCol="1" spcCol="0" rtlCol="0" fromWordArt="0" anchor="b" anchorCtr="0" forceAA="0" compatLnSpc="1">
+            <a:prstTxWarp prst="textNoShape">
+              <a:avLst/>
+            </a:prstTxWarp>
+            <a:noAutofit/>
+          </a:bodyPr>
+          <a:lstStyle/>
+          <a:p>
+            <a:pPr marL="120650" defTabSz="914099" fontAlgn="base">
+              <a:spcBef>
+                <a:spcPct val="0"/>
+              </a:spcBef>
+              <a:spcAft>
+                <a:spcPct val="0"/>
+              </a:spcAft>
+            </a:pPr>
+            <a:r>
+              <a:rPr lang="en-US" sz="2000" dirty="0">
+                <a:solidFill>
+                  <a:schemeClr val="bg1"/>
+                </a:solidFill>
+                <a:latin typeface="Effra" panose="020B0506080202020204" pitchFamily="34" charset="0"/>
+                <a:ea typeface="Segoe UI" pitchFamily="34" charset="0"/>
+                <a:cs typeface="Segoe Pro Light"/>
+              </a:rPr>
+              <a:t>Resources</a:t>
+            </a:r>
+          </a:p>
+        </p:txBody>
+      </p:sp>
+      <p:pic>
+        <p:nvPicPr>
+          <p:cNvPr id="12" name="Picture 4" descr="\\MAGNUM\Projects\Microsoft\Cloud Power FY12\Design\ICONS_PNG\IIS-MULTI-TENANCY.png"/>
+          <p:cNvPicPr>
+            <a:picLocks noChangeAspect="1" noChangeArrowheads="1"/>
+          </p:cNvPicPr>
+          <p:nvPr/>
+        </p:nvPicPr>
+        <p:blipFill>
+          <a:blip r:embed="rId3" cstate="print">
+            <a:biLevel thresh="25000"/>
+          </a:blip>
+          <a:stretch>
+            <a:fillRect/>
+          </a:stretch>
+        </p:blipFill>
+        <p:spPr bwMode="auto">
+          <a:xfrm>
+            <a:off x="4122455" y="2917015"/>
+            <a:ext cx="1673223" cy="1673223"/>
+          </a:xfrm>
+          <a:prstGeom prst="rect">
+            <a:avLst/>
+          </a:prstGeom>
+          <a:noFill/>
+          <a:ln>
+            <a:noFill/>
+          </a:ln>
+        </p:spPr>
+      </p:pic>
+      <p:sp>
+        <p:nvSpPr>
+          <p:cNvPr id="13" name="Cloud 12"/>
+          <p:cNvSpPr/>
+          <p:nvPr/>
+        </p:nvSpPr>
+        <p:spPr>
+          <a:xfrm>
+            <a:off x="6482277" y="3269082"/>
+            <a:ext cx="1404594" cy="1140643"/>
+          </a:xfrm>
+          <a:prstGeom prst="cloud">
+            <a:avLst/>
+          </a:prstGeom>
+          <a:solidFill>
+            <a:schemeClr val="bg1"/>
+          </a:solidFill>
+          <a:ln w="38100">
+            <a:solidFill>
+              <a:schemeClr val="bg1"/>
+            </a:solidFill>
+          </a:ln>
+        </p:spPr>
+        <p:style>
+          <a:lnRef idx="1">
+            <a:schemeClr val="accent1"/>
+          </a:lnRef>
+          <a:fillRef idx="3">
+            <a:schemeClr val="accent1"/>
+          </a:fillRef>
+          <a:effectRef idx="2">
+            <a:schemeClr val="accent1"/>
+          </a:effectRef>
+          <a:fontRef idx="minor">
+            <a:schemeClr val="lt1"/>
+          </a:fontRef>
+        </p:style>
+        <p:txBody>
+          <a:bodyPr rtlCol="0" anchor="ctr"/>
+          <a:lstStyle/>
+          <a:p>
+            <a:pPr algn="ctr"/>
+            <a:endParaRPr lang="en-US" dirty="0"/>
+          </a:p>
+        </p:txBody>
+      </p:sp>
+      <p:sp>
+        <p:nvSpPr>
+          <p:cNvPr id="14" name="Lightning Bolt 13"/>
+          <p:cNvSpPr/>
+          <p:nvPr/>
+        </p:nvSpPr>
+        <p:spPr>
+          <a:xfrm>
+            <a:off x="2105970" y="3269081"/>
+            <a:ext cx="1121790" cy="989814"/>
+          </a:xfrm>
+          <a:prstGeom prst="lightningBolt">
+            <a:avLst/>
+          </a:prstGeom>
+          <a:solidFill>
+            <a:schemeClr val="bg1"/>
+          </a:solidFill>
+          <a:ln w="38100">
+            <a:solidFill>
+              <a:schemeClr val="bg1"/>
+            </a:solidFill>
+          </a:ln>
+        </p:spPr>
+        <p:style>
+          <a:lnRef idx="1">
+            <a:schemeClr val="accent1"/>
+          </a:lnRef>
+          <a:fillRef idx="3">
+            <a:schemeClr val="accent1"/>
+          </a:fillRef>
+          <a:effectRef idx="2">
+            <a:schemeClr val="accent1"/>
+          </a:effectRef>
+          <a:fontRef idx="minor">
+            <a:schemeClr val="lt1"/>
+          </a:fontRef>
+        </p:style>
+        <p:txBody>
+          <a:bodyPr rtlCol="0" anchor="ctr"/>
+          <a:lstStyle/>
+          <a:p>
+            <a:pPr algn="ctr"/>
+            <a:endParaRPr lang="en-US" dirty="0"/>
+          </a:p>
+        </p:txBody>
+      </p:sp>
+      <p:sp>
+        <p:nvSpPr>
+          <p:cNvPr id="15" name="Freeform 741"/>
+          <p:cNvSpPr>
+            <a:spLocks/>
+          </p:cNvSpPr>
+          <p:nvPr/>
+        </p:nvSpPr>
+        <p:spPr bwMode="auto">
+          <a:xfrm>
+            <a:off x="8906457" y="3638174"/>
+            <a:ext cx="371046" cy="806232"/>
+          </a:xfrm>
+          <a:custGeom>
+            <a:avLst/>
+            <a:gdLst>
+              <a:gd name="T0" fmla="*/ 73 w 90"/>
+              <a:gd name="T1" fmla="*/ 0 h 181"/>
+              <a:gd name="T2" fmla="*/ 17 w 90"/>
+              <a:gd name="T3" fmla="*/ 0 h 181"/>
+              <a:gd name="T4" fmla="*/ 0 w 90"/>
+              <a:gd name="T5" fmla="*/ 17 h 181"/>
+              <a:gd name="T6" fmla="*/ 0 w 90"/>
+              <a:gd name="T7" fmla="*/ 93 h 181"/>
+              <a:gd name="T8" fmla="*/ 17 w 90"/>
+              <a:gd name="T9" fmla="*/ 110 h 181"/>
+              <a:gd name="T10" fmla="*/ 17 w 90"/>
+              <a:gd name="T11" fmla="*/ 110 h 181"/>
+              <a:gd name="T12" fmla="*/ 17 w 90"/>
+              <a:gd name="T13" fmla="*/ 164 h 181"/>
+              <a:gd name="T14" fmla="*/ 33 w 90"/>
+              <a:gd name="T15" fmla="*/ 181 h 181"/>
+              <a:gd name="T16" fmla="*/ 57 w 90"/>
+              <a:gd name="T17" fmla="*/ 181 h 181"/>
+              <a:gd name="T18" fmla="*/ 73 w 90"/>
+              <a:gd name="T19" fmla="*/ 164 h 181"/>
+              <a:gd name="T20" fmla="*/ 73 w 90"/>
+              <a:gd name="T21" fmla="*/ 110 h 181"/>
+              <a:gd name="T22" fmla="*/ 73 w 90"/>
+              <a:gd name="T23" fmla="*/ 110 h 181"/>
+              <a:gd name="T24" fmla="*/ 90 w 90"/>
+              <a:gd name="T25" fmla="*/ 93 h 181"/>
+              <a:gd name="T26" fmla="*/ 90 w 90"/>
+              <a:gd name="T27" fmla="*/ 17 h 181"/>
+              <a:gd name="T28" fmla="*/ 73 w 90"/>
+              <a:gd name="T29" fmla="*/ 0 h 181"/>
+              <a:gd name="connsiteX0" fmla="*/ 8111 w 10000"/>
+              <a:gd name="connsiteY0" fmla="*/ 0 h 10000"/>
+              <a:gd name="connsiteX1" fmla="*/ 1889 w 10000"/>
+              <a:gd name="connsiteY1" fmla="*/ 0 h 10000"/>
+              <a:gd name="connsiteX2" fmla="*/ 0 w 10000"/>
+              <a:gd name="connsiteY2" fmla="*/ 939 h 10000"/>
+              <a:gd name="connsiteX3" fmla="*/ 0 w 10000"/>
+              <a:gd name="connsiteY3" fmla="*/ 5138 h 10000"/>
+              <a:gd name="connsiteX4" fmla="*/ 1889 w 10000"/>
+              <a:gd name="connsiteY4" fmla="*/ 6077 h 10000"/>
+              <a:gd name="connsiteX5" fmla="*/ 1889 w 10000"/>
+              <a:gd name="connsiteY5" fmla="*/ 6077 h 10000"/>
+              <a:gd name="connsiteX6" fmla="*/ 1889 w 10000"/>
+              <a:gd name="connsiteY6" fmla="*/ 9061 h 10000"/>
+              <a:gd name="connsiteX7" fmla="*/ 3667 w 10000"/>
+              <a:gd name="connsiteY7" fmla="*/ 10000 h 10000"/>
+              <a:gd name="connsiteX8" fmla="*/ 6333 w 10000"/>
+              <a:gd name="connsiteY8" fmla="*/ 10000 h 10000"/>
+              <a:gd name="connsiteX9" fmla="*/ 8111 w 10000"/>
+              <a:gd name="connsiteY9" fmla="*/ 9061 h 10000"/>
+              <a:gd name="connsiteX10" fmla="*/ 8111 w 10000"/>
+              <a:gd name="connsiteY10" fmla="*/ 6077 h 10000"/>
+              <a:gd name="connsiteX11" fmla="*/ 8111 w 10000"/>
+              <a:gd name="connsiteY11" fmla="*/ 6077 h 10000"/>
+              <a:gd name="connsiteX12" fmla="*/ 10000 w 10000"/>
+              <a:gd name="connsiteY12" fmla="*/ 5138 h 10000"/>
+              <a:gd name="connsiteX13" fmla="*/ 8253 w 10000"/>
+              <a:gd name="connsiteY13" fmla="*/ 1991 h 10000"/>
+              <a:gd name="connsiteX14" fmla="*/ 8111 w 10000"/>
+              <a:gd name="connsiteY14" fmla="*/ 0 h 10000"/>
+              <a:gd name="connsiteX0" fmla="*/ 8111 w 8595"/>
+              <a:gd name="connsiteY0" fmla="*/ 0 h 10000"/>
+              <a:gd name="connsiteX1" fmla="*/ 1889 w 8595"/>
+              <a:gd name="connsiteY1" fmla="*/ 0 h 10000"/>
+              <a:gd name="connsiteX2" fmla="*/ 0 w 8595"/>
+              <a:gd name="connsiteY2" fmla="*/ 939 h 10000"/>
+              <a:gd name="connsiteX3" fmla="*/ 0 w 8595"/>
+              <a:gd name="connsiteY3" fmla="*/ 5138 h 10000"/>
+              <a:gd name="connsiteX4" fmla="*/ 1889 w 8595"/>
+              <a:gd name="connsiteY4" fmla="*/ 6077 h 10000"/>
+              <a:gd name="connsiteX5" fmla="*/ 1889 w 8595"/>
+              <a:gd name="connsiteY5" fmla="*/ 6077 h 10000"/>
+              <a:gd name="connsiteX6" fmla="*/ 1889 w 8595"/>
+              <a:gd name="connsiteY6" fmla="*/ 9061 h 10000"/>
+              <a:gd name="connsiteX7" fmla="*/ 3667 w 8595"/>
+              <a:gd name="connsiteY7" fmla="*/ 10000 h 10000"/>
+              <a:gd name="connsiteX8" fmla="*/ 6333 w 8595"/>
+              <a:gd name="connsiteY8" fmla="*/ 10000 h 10000"/>
+              <a:gd name="connsiteX9" fmla="*/ 8111 w 8595"/>
+              <a:gd name="connsiteY9" fmla="*/ 9061 h 10000"/>
+              <a:gd name="connsiteX10" fmla="*/ 8111 w 8595"/>
+              <a:gd name="connsiteY10" fmla="*/ 6077 h 10000"/>
+              <a:gd name="connsiteX11" fmla="*/ 8111 w 8595"/>
+              <a:gd name="connsiteY11" fmla="*/ 6077 h 10000"/>
+              <a:gd name="connsiteX12" fmla="*/ 8253 w 8595"/>
+              <a:gd name="connsiteY12" fmla="*/ 5138 h 10000"/>
+              <a:gd name="connsiteX13" fmla="*/ 8253 w 8595"/>
+              <a:gd name="connsiteY13" fmla="*/ 1991 h 10000"/>
+              <a:gd name="connsiteX14" fmla="*/ 8111 w 8595"/>
+              <a:gd name="connsiteY14" fmla="*/ 0 h 10000"/>
+            </a:gdLst>
+            <a:ahLst/>
+            <a:cxnLst>
+              <a:cxn ang="0">
+                <a:pos x="connsiteX0" y="connsiteY0"/>
+              </a:cxn>
+              <a:cxn ang="0">
+                <a:pos x="connsiteX1" y="connsiteY1"/>
+              </a:cxn>
+              <a:cxn ang="0">
+                <a:pos x="connsiteX2" y="connsiteY2"/>
+              </a:cxn>
+              <a:cxn ang="0">
+                <a:pos x="connsiteX3" y="connsiteY3"/>
+              </a:cxn>
+              <a:cxn ang="0">
+                <a:pos x="connsiteX4" y="connsiteY4"/>
+              </a:cxn>
+              <a:cxn ang="0">
+                <a:pos x="connsiteX5" y="connsiteY5"/>
+              </a:cxn>
+              <a:cxn ang="0">
+                <a:pos x="connsiteX6" y="connsiteY6"/>
+              </a:cxn>
+              <a:cxn ang="0">
+                <a:pos x="connsiteX7" y="connsiteY7"/>
+              </a:cxn>
+              <a:cxn ang="0">
+                <a:pos x="connsiteX8" y="connsiteY8"/>
+              </a:cxn>
+              <a:cxn ang="0">
+                <a:pos x="connsiteX9" y="connsiteY9"/>
+              </a:cxn>
+              <a:cxn ang="0">
+                <a:pos x="connsiteX10" y="connsiteY10"/>
+              </a:cxn>
+              <a:cxn ang="0">
+                <a:pos x="connsiteX11" y="connsiteY11"/>
+              </a:cxn>
+              <a:cxn ang="0">
+                <a:pos x="connsiteX12" y="connsiteY12"/>
+              </a:cxn>
+              <a:cxn ang="0">
+                <a:pos x="connsiteX13" y="connsiteY13"/>
+              </a:cxn>
+              <a:cxn ang="0">
+                <a:pos x="connsiteX14" y="connsiteY14"/>
+              </a:cxn>
+            </a:cxnLst>
+            <a:rect l="l" t="t" r="r" b="b"/>
+            <a:pathLst>
+              <a:path w="8595" h="10000">
+                <a:moveTo>
+                  <a:pt x="8111" y="0"/>
+                </a:moveTo>
+                <a:lnTo>
+                  <a:pt x="1889" y="0"/>
+                </a:lnTo>
+                <a:cubicBezTo>
+                  <a:pt x="889" y="0"/>
+                  <a:pt x="0" y="442"/>
+                  <a:pt x="0" y="939"/>
+                </a:cubicBezTo>
+                <a:lnTo>
+                  <a:pt x="0" y="5138"/>
+                </a:lnTo>
+                <a:cubicBezTo>
+                  <a:pt x="0" y="5635"/>
+                  <a:pt x="889" y="6077"/>
+                  <a:pt x="1889" y="6077"/>
+                </a:cubicBezTo>
+                <a:lnTo>
+                  <a:pt x="1889" y="6077"/>
+                </a:lnTo>
+                <a:lnTo>
+                  <a:pt x="1889" y="9061"/>
+                </a:lnTo>
+                <a:cubicBezTo>
+                  <a:pt x="1889" y="9558"/>
+                  <a:pt x="2667" y="10000"/>
+                  <a:pt x="3667" y="10000"/>
+                </a:cubicBezTo>
+                <a:lnTo>
+                  <a:pt x="6333" y="10000"/>
+                </a:lnTo>
+                <a:cubicBezTo>
+                  <a:pt x="7333" y="10000"/>
+                  <a:pt x="8111" y="9558"/>
+                  <a:pt x="8111" y="9061"/>
+                </a:cubicBezTo>
+                <a:lnTo>
+                  <a:pt x="8111" y="6077"/>
+                </a:lnTo>
+                <a:lnTo>
+                  <a:pt x="8111" y="6077"/>
+                </a:lnTo>
+                <a:cubicBezTo>
+                  <a:pt x="8135" y="5921"/>
+                  <a:pt x="8253" y="5635"/>
+                  <a:pt x="8253" y="5138"/>
+                </a:cubicBezTo>
+                <a:lnTo>
+                  <a:pt x="8253" y="1991"/>
+                </a:lnTo>
+                <a:cubicBezTo>
+                  <a:pt x="8253" y="1494"/>
+                  <a:pt x="9111" y="0"/>
+                  <a:pt x="8111" y="0"/>
+                </a:cubicBezTo>
+                <a:close/>
+              </a:path>
+            </a:pathLst>
+          </a:custGeom>
+          <a:solidFill>
+            <a:srgbClr val="FFFFFF"/>
+          </a:solidFill>
+          <a:ln>
+            <a:noFill/>
+          </a:ln>
+          <a:extLst>
+            <a:ext uri="{91240B29-F687-4f45-9708-019B960494DF}">
+              <a14:hiddenLine xmlns:a14="http://schemas.microsoft.com/office/drawing/2010/main" xmlns="" w="9525">
+                <a:solidFill>
+                  <a:srgbClr val="000000"/>
+                </a:solidFill>
+                <a:round/>
+                <a:headEnd/>
+                <a:tailEnd/>
+              </a14:hiddenLine>
+            </a:ext>
+          </a:extLst>
+        </p:spPr>
+        <p:txBody>
+          <a:bodyPr vert="horz" wrap="square" lIns="91440" tIns="45720" rIns="91440" bIns="45720" numCol="1" anchor="t" anchorCtr="0" compatLnSpc="1">
+            <a:prstTxWarp prst="textNoShape">
+              <a:avLst/>
+            </a:prstTxWarp>
+          </a:bodyPr>
+          <a:lstStyle/>
+          <a:p>
+            <a:pPr defTabSz="1218159">
+              <a:defRPr/>
+            </a:pPr>
+            <a:endParaRPr lang="en-US" sz="2400" kern="0" dirty="0">
+              <a:solidFill>
+                <a:srgbClr val="000000"/>
+              </a:solidFill>
+            </a:endParaRPr>
+          </a:p>
+        </p:txBody>
+      </p:sp>
+      <p:sp>
+        <p:nvSpPr>
+          <p:cNvPr id="16" name="Oval 742"/>
+          <p:cNvSpPr>
+            <a:spLocks noChangeArrowheads="1"/>
+          </p:cNvSpPr>
+          <p:nvPr/>
+        </p:nvSpPr>
+        <p:spPr bwMode="auto">
+          <a:xfrm>
+            <a:off x="8990518" y="3373836"/>
+            <a:ext cx="239358" cy="241681"/>
+          </a:xfrm>
+          <a:prstGeom prst="ellipse">
+            <a:avLst/>
+          </a:prstGeom>
+          <a:solidFill>
+            <a:srgbClr val="FFFFFF"/>
+          </a:solidFill>
+          <a:ln>
+            <a:noFill/>
+          </a:ln>
+          <a:extLst>
+            <a:ext uri="{91240B29-F687-4f45-9708-019B960494DF}">
+              <a14:hiddenLine xmlns:a14="http://schemas.microsoft.com/office/drawing/2010/main" xmlns="" w="9525">
+                <a:solidFill>
+                  <a:srgbClr val="000000"/>
+                </a:solidFill>
+                <a:round/>
+                <a:headEnd/>
+                <a:tailEnd/>
+              </a14:hiddenLine>
+            </a:ext>
+          </a:extLst>
+        </p:spPr>
+        <p:txBody>
+          <a:bodyPr vert="horz" wrap="square" lIns="91440" tIns="45720" rIns="91440" bIns="45720" numCol="1" anchor="t" anchorCtr="0" compatLnSpc="1">
+            <a:prstTxWarp prst="textNoShape">
+              <a:avLst/>
+            </a:prstTxWarp>
+          </a:bodyPr>
+          <a:lstStyle/>
+          <a:p>
+            <a:pPr defTabSz="1218159">
+              <a:defRPr/>
+            </a:pPr>
+            <a:endParaRPr lang="en-US" sz="2400" kern="0" dirty="0">
+              <a:solidFill>
+                <a:srgbClr val="000000"/>
+              </a:solidFill>
+            </a:endParaRPr>
+          </a:p>
+        </p:txBody>
+      </p:sp>
+      <p:sp>
+        <p:nvSpPr>
+          <p:cNvPr id="17" name="Diagonal Stripe 16"/>
+          <p:cNvSpPr/>
+          <p:nvPr/>
+        </p:nvSpPr>
+        <p:spPr>
+          <a:xfrm rot="5400000" flipV="1">
+            <a:off x="9256405" y="3515293"/>
+            <a:ext cx="245219" cy="267350"/>
+          </a:xfrm>
+          <a:prstGeom prst="diagStripe">
+            <a:avLst/>
+          </a:prstGeom>
+          <a:solidFill>
+            <a:schemeClr val="bg1"/>
+          </a:solidFill>
+          <a:ln>
+            <a:solidFill>
+              <a:schemeClr val="bg1"/>
+            </a:solidFill>
+          </a:ln>
+          <a:effectLst/>
+        </p:spPr>
+        <p:style>
+          <a:lnRef idx="1">
+            <a:schemeClr val="accent1"/>
+          </a:lnRef>
+          <a:fillRef idx="3">
+            <a:schemeClr val="accent1"/>
+          </a:fillRef>
+          <a:effectRef idx="2">
+            <a:schemeClr val="accent1"/>
+          </a:effectRef>
+          <a:fontRef idx="minor">
+            <a:schemeClr val="lt1"/>
+          </a:fontRef>
+        </p:style>
+        <p:txBody>
+          <a:bodyPr rtlCol="0" anchor="ctr"/>
+          <a:lstStyle/>
+          <a:p>
+            <a:pPr algn="ctr"/>
+            <a:endParaRPr lang="en-US" dirty="0">
+              <a:solidFill>
+                <a:schemeClr val="tx1"/>
+              </a:solidFill>
+            </a:endParaRPr>
+          </a:p>
+        </p:txBody>
+      </p:sp>
+      <p:sp>
+        <p:nvSpPr>
+          <p:cNvPr id="18" name="Flowchart: Predefined Process 17"/>
+          <p:cNvSpPr/>
+          <p:nvPr/>
+        </p:nvSpPr>
+        <p:spPr>
+          <a:xfrm>
+            <a:off x="9568863" y="3180750"/>
+            <a:ext cx="546173" cy="382589"/>
+          </a:xfrm>
+          <a:prstGeom prst="flowChartPredefinedProcess">
+            <a:avLst/>
+          </a:prstGeom>
+          <a:solidFill>
+            <a:schemeClr val="bg1"/>
+          </a:solidFill>
+          <a:ln>
+            <a:solidFill>
+              <a:schemeClr val="bg1"/>
+            </a:solidFill>
+          </a:ln>
+        </p:spPr>
+        <p:style>
+          <a:lnRef idx="1">
+            <a:schemeClr val="accent1"/>
+          </a:lnRef>
+          <a:fillRef idx="3">
+            <a:schemeClr val="accent1"/>
+          </a:fillRef>
+          <a:effectRef idx="2">
+            <a:schemeClr val="accent1"/>
+          </a:effectRef>
+          <a:fontRef idx="minor">
+            <a:schemeClr val="lt1"/>
+          </a:fontRef>
+        </p:style>
+        <p:txBody>
+          <a:bodyPr rtlCol="0" anchor="ctr"/>
+          <a:lstStyle/>
+          <a:p>
+            <a:pPr algn="ctr"/>
+            <a:endParaRPr lang="en-US" dirty="0">
+              <a:noFill/>
+            </a:endParaRPr>
+          </a:p>
+        </p:txBody>
+      </p:sp>
+      <p:sp>
+        <p:nvSpPr>
+          <p:cNvPr id="3" name="Title 2"/>
+          <p:cNvSpPr>
+            <a:spLocks noGrp="1"/>
+          </p:cNvSpPr>
+          <p:nvPr>
+            <p:ph type="title"/>
+          </p:nvPr>
+        </p:nvSpPr>
+        <p:spPr/>
+        <p:txBody>
+          <a:bodyPr/>
+          <a:lstStyle/>
+          <a:p>
+            <a:r>
+              <a:rPr lang="en-US" dirty="0" smtClean="0"/>
+              <a:t>"Traditional" SharePoint </a:t>
+            </a:r>
+            <a:r>
+              <a:rPr lang="en-US" dirty="0"/>
+              <a:t>Development Challenges</a:t>
+            </a:r>
+          </a:p>
+        </p:txBody>
+      </p:sp>
+    </p:spTree>
+    <p:extLst>
+      <p:ext uri="{BB962C8B-B14F-4D97-AF65-F5344CB8AC3E}">
+        <p14:creationId xmlns:p14="http://schemas.microsoft.com/office/powerpoint/2010/main" val="2431136240"/>
+      </p:ext>
+    </p:extLst>
+  </p:cSld>
+  <p:clrMapOvr>
+    <a:masterClrMapping/>
+  </p:clrMapOvr>
+  <mc:AlternateContent xmlns:mc="http://schemas.openxmlformats.org/markup-compatibility/2006" xmlns:p14="http://schemas.microsoft.com/office/powerpoint/2010/main">
+    <mc:Choice Requires="p14">
+      <p:transition spd="med" p14:dur="700">
+        <p:fade/>
+      </p:transition>
+    </mc:Choice>
+    <mc:Fallback xmlns="">
+      <p:transition spd="med">
+        <p:fade/>
+      </p:transition>
+    </mc:Fallback>
+  </mc:AlternateContent>
+  <p:timing>
+    <p:tnLst>
+      <p:par>
+        <p:cTn id="1" dur="indefinite" restart="never" nodeType="tmRoot"/>
+      </p:par>
+    </p:tnLst>
+  </p:timing>
+</p:sld>
+</file>
+
+<file path=ppt/slides/slide7.xml><?xml version="1.0" encoding="utf-8"?>
+<p:sld xmlns:a="http://schemas.openxmlformats.org/drawingml/2006/main" xmlns:r="http://schemas.openxmlformats.org/officeDocument/2006/relationships" xmlns:p="http://schemas.openxmlformats.org/presentationml/2006/main">
+  <p:cSld>
+    <p:spTree>
+      <p:nvGrpSpPr>
+        <p:cNvPr id="1" name=""/>
+        <p:cNvGrpSpPr/>
+        <p:nvPr/>
+      </p:nvGrpSpPr>
+      <p:grpSpPr>
+        <a:xfrm>
+          <a:off x="0" y="0"/>
+          <a:ext cx="0" cy="0"/>
+          <a:chOff x="0" y="0"/>
+          <a:chExt cx="0" cy="0"/>
+        </a:xfrm>
+      </p:grpSpPr>
+      <p:sp>
+        <p:nvSpPr>
+          <p:cNvPr id="2" name="Title 1"/>
+          <p:cNvSpPr>
+            <a:spLocks noGrp="1"/>
+          </p:cNvSpPr>
+          <p:nvPr>
+            <p:ph type="title"/>
+          </p:nvPr>
+        </p:nvSpPr>
+        <p:spPr/>
+        <p:txBody>
+          <a:bodyPr>
+            <a:normAutofit/>
+          </a:bodyPr>
+          <a:lstStyle/>
+          <a:p>
+            <a:r>
+              <a:rPr lang="en-US" dirty="0" smtClean="0"/>
+              <a:t>AngularJS Overview</a:t>
+            </a:r>
+            <a:endParaRPr lang="en-US" dirty="0"/>
+          </a:p>
+        </p:txBody>
+      </p:sp>
+      <p:sp>
+        <p:nvSpPr>
+          <p:cNvPr id="4" name="Text Placeholder 3"/>
+          <p:cNvSpPr>
+            <a:spLocks noGrp="1"/>
+          </p:cNvSpPr>
+          <p:nvPr>
+            <p:ph type="body" idx="1"/>
+          </p:nvPr>
+        </p:nvSpPr>
+        <p:spPr/>
+        <p:txBody>
+          <a:bodyPr/>
+          <a:lstStyle/>
+          <a:p>
+            <a:endParaRPr lang="en-US"/>
+          </a:p>
+        </p:txBody>
+      </p:sp>
+    </p:spTree>
+    <p:extLst>
+      <p:ext uri="{BB962C8B-B14F-4D97-AF65-F5344CB8AC3E}">
+        <p14:creationId xmlns:p14="http://schemas.microsoft.com/office/powerpoint/2010/main" val="1109684929"/>
+      </p:ext>
+    </p:extLst>
+  </p:cSld>
+  <p:clrMapOvr>
+    <a:masterClrMapping/>
+  </p:clrMapOvr>
+  <mc:AlternateContent xmlns:mc="http://schemas.openxmlformats.org/markup-compatibility/2006" xmlns:p14="http://schemas.microsoft.com/office/powerpoint/2010/main">
+    <mc:Choice Requires="p14">
+      <p:transition spd="med" p14:dur="700">
+        <p:fade/>
+      </p:transition>
+    </mc:Choice>
+    <mc:Fallback xmlns="">
+      <p:transition spd="med">
+        <p:fade/>
+      </p:transition>
+    </mc:Fallback>
+  </mc:AlternateContent>
+  <p:timing>
+    <p:tnLst>
+      <p:par>
+        <p:cTn id="1" dur="indefinite" restart="never" nodeType="tmRoot"/>
+      </p:par>
+    </p:tnLst>
+  </p:timing>
+</p:sld>
+</file>
+
+<file path=ppt/slides/slide8.xml><?xml version="1.0" encoding="utf-8"?>
+<p:sld xmlns:a="http://schemas.openxmlformats.org/drawingml/2006/main" xmlns:r="http://schemas.openxmlformats.org/officeDocument/2006/relationships" xmlns:p="http://schemas.openxmlformats.org/presentationml/2006/main">
+  <p:cSld>
+    <p:spTree>
+      <p:nvGrpSpPr>
+        <p:cNvPr id="1" name=""/>
+        <p:cNvGrpSpPr/>
+        <p:nvPr/>
+      </p:nvGrpSpPr>
+      <p:grpSpPr>
+        <a:xfrm>
+          <a:off x="0" y="0"/>
+          <a:ext cx="0" cy="0"/>
+          <a:chOff x="0" y="0"/>
+          <a:chExt cx="0" cy="0"/>
+        </a:xfrm>
+      </p:grpSpPr>
+      <p:sp>
+        <p:nvSpPr>
+          <p:cNvPr id="2" name="Title 1"/>
+          <p:cNvSpPr>
+            <a:spLocks noGrp="1"/>
+          </p:cNvSpPr>
+          <p:nvPr>
+            <p:ph type="title"/>
+          </p:nvPr>
+        </p:nvSpPr>
+        <p:spPr/>
+        <p:txBody>
+          <a:bodyPr/>
+          <a:lstStyle/>
+          <a:p>
+            <a:r>
+              <a:rPr lang="en-US" dirty="0" smtClean="0"/>
+              <a:t>What's AngularJS?</a:t>
+            </a:r>
+            <a:endParaRPr lang="en-US" dirty="0"/>
+          </a:p>
+        </p:txBody>
+      </p:sp>
+      <p:sp>
+        <p:nvSpPr>
+          <p:cNvPr id="3" name="Content Placeholder 2"/>
+          <p:cNvSpPr>
+            <a:spLocks noGrp="1"/>
+          </p:cNvSpPr>
+          <p:nvPr>
+            <p:ph sz="quarter" idx="13"/>
+          </p:nvPr>
+        </p:nvSpPr>
+        <p:spPr>
+          <a:xfrm>
+            <a:off x="838200" y="1825625"/>
+            <a:ext cx="9753600" cy="4351338"/>
+          </a:xfrm>
+        </p:spPr>
+        <p:txBody>
+          <a:bodyPr>
+            <a:normAutofit/>
+          </a:bodyPr>
+          <a:lstStyle/>
+          <a:p>
+            <a:r>
+              <a:rPr lang="en-US" dirty="0" smtClean="0"/>
+              <a:t>"Superheroic </a:t>
+            </a:r>
+            <a:r>
+              <a:rPr lang="en-US" dirty="0"/>
+              <a:t>JavaScript MVW </a:t>
+            </a:r>
+            <a:r>
+              <a:rPr lang="en-US" dirty="0" smtClean="0"/>
+              <a:t>Framework"</a:t>
+            </a:r>
+            <a:endParaRPr lang="en-US" dirty="0"/>
+          </a:p>
+          <a:p>
+            <a:pPr lvl="1"/>
+            <a:r>
+              <a:rPr lang="en-US" dirty="0" smtClean="0"/>
+              <a:t>Structural JavaScript client-side framework </a:t>
+            </a:r>
+            <a:r>
+              <a:rPr lang="en-US" dirty="0"/>
+              <a:t>for </a:t>
+            </a:r>
+            <a:r>
+              <a:rPr lang="en-US" dirty="0" smtClean="0"/>
+              <a:t>building dynamic </a:t>
+            </a:r>
+            <a:r>
+              <a:rPr lang="en-US" dirty="0"/>
+              <a:t>web </a:t>
+            </a:r>
+            <a:r>
+              <a:rPr lang="en-US" dirty="0" smtClean="0"/>
+              <a:t>apps (using HTML and JavaScript)</a:t>
+            </a:r>
+            <a:endParaRPr lang="en-US" dirty="0"/>
+          </a:p>
+          <a:p>
+            <a:pPr lvl="1"/>
+            <a:r>
+              <a:rPr lang="en-US" dirty="0" smtClean="0"/>
+              <a:t>Empowers traditional HTML</a:t>
+            </a:r>
+          </a:p>
+          <a:p>
+            <a:pPr lvl="1"/>
+            <a:r>
+              <a:rPr lang="en-US" dirty="0" smtClean="0"/>
+              <a:t>Extend </a:t>
+            </a:r>
+            <a:r>
+              <a:rPr lang="en-US" dirty="0"/>
+              <a:t>HTML's syntax to express your application's components clearly and succinctly</a:t>
+            </a:r>
+            <a:endParaRPr lang="en-US" dirty="0" smtClean="0"/>
+          </a:p>
+          <a:p>
+            <a:r>
+              <a:rPr lang="en-US" dirty="0" smtClean="0"/>
+              <a:t>Backed by Google and the community</a:t>
+            </a:r>
+          </a:p>
+          <a:p>
+            <a:r>
+              <a:rPr lang="en-US" dirty="0" smtClean="0"/>
+              <a:t>Open source (MIT License)</a:t>
+            </a:r>
+          </a:p>
+          <a:p>
+            <a:r>
+              <a:rPr lang="en-US" dirty="0" smtClean="0"/>
+              <a:t>Vibrant community (books, Stack Overflow, blogs, plug-ins, resources, etc.)</a:t>
+            </a:r>
+          </a:p>
+          <a:p>
+            <a:r>
+              <a:rPr lang="en-US" dirty="0" smtClean="0"/>
+              <a:t>** Great framework for building single page applications</a:t>
+            </a:r>
+            <a:endParaRPr lang="en-US" dirty="0"/>
+          </a:p>
+        </p:txBody>
+      </p:sp>
+      <p:pic>
+        <p:nvPicPr>
+          <p:cNvPr id="1028" name="Picture 4" descr="http://www.w3schools.com/angular/pic_angular.jpg"/>
+          <p:cNvPicPr>
+            <a:picLocks noChangeAspect="1" noChangeArrowheads="1"/>
+          </p:cNvPicPr>
+          <p:nvPr/>
+        </p:nvPicPr>
+        <p:blipFill>
+          <a:blip r:embed="rId2">
+            <a:extLst>
+              <a:ext uri="{28A0092B-C50C-407E-A947-70E740481C1C}">
+                <a14:useLocalDpi xmlns:a14="http://schemas.microsoft.com/office/drawing/2010/main" val="0"/>
+              </a:ext>
+            </a:extLst>
+          </a:blip>
+          <a:srcRect/>
+          <a:stretch>
+            <a:fillRect/>
+          </a:stretch>
+        </p:blipFill>
+        <p:spPr bwMode="auto">
+          <a:xfrm>
+            <a:off x="9906000" y="0"/>
+            <a:ext cx="2143125" cy="2143125"/>
+          </a:xfrm>
+          <a:prstGeom prst="rect">
+            <a:avLst/>
+          </a:prstGeom>
+          <a:noFill/>
+          <a:extLst>
+            <a:ext uri="{909E8E84-426E-40DD-AFC4-6F175D3DCCD1}">
+              <a14:hiddenFill xmlns:a14="http://schemas.microsoft.com/office/drawing/2010/main">
+                <a:solidFill>
+                  <a:srgbClr val="FFFFFF"/>
+                </a:solidFill>
+              </a14:hiddenFill>
+            </a:ext>
+          </a:extLst>
+        </p:spPr>
+      </p:pic>
+      <p:sp>
+        <p:nvSpPr>
+          <p:cNvPr id="4" name="TextBox 3"/>
+          <p:cNvSpPr txBox="1"/>
+          <p:nvPr/>
+        </p:nvSpPr>
+        <p:spPr>
+          <a:xfrm>
+            <a:off x="152400" y="6528524"/>
+            <a:ext cx="5715000" cy="307777"/>
+          </a:xfrm>
+          <a:prstGeom prst="rect">
+            <a:avLst/>
+          </a:prstGeom>
+          <a:noFill/>
+        </p:spPr>
+        <p:txBody>
+          <a:bodyPr wrap="square" rtlCol="0">
+            <a:spAutoFit/>
+          </a:bodyPr>
+          <a:lstStyle/>
+          <a:p>
+            <a:r>
+              <a:rPr lang="en-US" sz="1400" i="1" dirty="0" smtClean="0">
+                <a:latin typeface="Calibri" panose="020F0502020204030204" pitchFamily="34" charset="0"/>
+              </a:rPr>
+              <a:t>** My opinion</a:t>
+            </a:r>
+            <a:endParaRPr lang="en-US" sz="1400" i="1" dirty="0">
+              <a:latin typeface="Calibri" panose="020F0502020204030204" pitchFamily="34" charset="0"/>
+            </a:endParaRPr>
+          </a:p>
+        </p:txBody>
+      </p:sp>
+    </p:spTree>
+    <p:extLst>
+      <p:ext uri="{BB962C8B-B14F-4D97-AF65-F5344CB8AC3E}">
+        <p14:creationId xmlns:p14="http://schemas.microsoft.com/office/powerpoint/2010/main" val="724224051"/>
+      </p:ext>
+    </p:extLst>
+  </p:cSld>
+  <p:clrMapOvr>
+    <a:masterClrMapping/>
+  </p:clrMapOvr>
+  <mc:AlternateContent xmlns:mc="http://schemas.openxmlformats.org/markup-compatibility/2006" xmlns:p14="http://schemas.microsoft.com/office/powerpoint/2010/main">
+    <mc:Choice Requires="p14">
+      <p:transition spd="med" p14:dur="700">
+        <p:fade/>
+      </p:transition>
+    </mc:Choice>
+    <mc:Fallback xmlns="">
+      <p:transition spd="med">
+        <p:fade/>
+      </p:transition>
+    </mc:Fallback>
+  </mc:AlternateContent>
+  <p:timing>
+    <p:tnLst>
+      <p:par>
+        <p:cTn id="1" dur="indefinite" restart="never" nodeType="tmRoot"/>
+      </p:par>
+    </p:tnLst>
+  </p:timing>
+</p:sld>
+</file>
+
+<file path=ppt/slides/slide9.xml><?xml version="1.0" encoding="utf-8"?>
+<p:sld xmlns:a="http://schemas.openxmlformats.org/drawingml/2006/main" xmlns:r="http://schemas.openxmlformats.org/officeDocument/2006/relationships" xmlns:p="http://schemas.openxmlformats.org/presentationml/2006/main">
+  <p:cSld>
+    <p:spTree>
+      <p:nvGrpSpPr>
+        <p:cNvPr id="1" name=""/>
+        <p:cNvGrpSpPr/>
+        <p:nvPr/>
+      </p:nvGrpSpPr>
+      <p:grpSpPr>
+        <a:xfrm>
+          <a:off x="0" y="0"/>
+          <a:ext cx="0" cy="0"/>
+          <a:chOff x="0" y="0"/>
+          <a:chExt cx="0" cy="0"/>
+        </a:xfrm>
+      </p:grpSpPr>
+      <p:sp>
+        <p:nvSpPr>
+          <p:cNvPr id="2" name="Title 1"/>
+          <p:cNvSpPr>
+            <a:spLocks noGrp="1"/>
+          </p:cNvSpPr>
+          <p:nvPr>
+            <p:ph type="title"/>
+          </p:nvPr>
+        </p:nvSpPr>
+        <p:spPr/>
+        <p:txBody>
+          <a:bodyPr/>
+          <a:lstStyle/>
+          <a:p>
+            <a:r>
+              <a:rPr lang="en-US" dirty="0" smtClean="0"/>
+              <a:t>Main Features of AngularJS</a:t>
+            </a:r>
+            <a:endParaRPr lang="en-US" dirty="0"/>
+          </a:p>
+        </p:txBody>
+      </p:sp>
+      <p:graphicFrame>
+        <p:nvGraphicFramePr>
+          <p:cNvPr id="4" name="Content Placeholder 3"/>
+          <p:cNvGraphicFramePr>
+            <a:graphicFrameLocks noGrp="1"/>
+          </p:cNvGraphicFramePr>
+          <p:nvPr>
+            <p:ph sz="quarter" idx="13"/>
+            <p:extLst>
+              <p:ext uri="{D42A27DB-BD31-4B8C-83A1-F6EECF244321}">
+                <p14:modId xmlns:p14="http://schemas.microsoft.com/office/powerpoint/2010/main" val="893605727"/>
+              </p:ext>
+            </p:extLst>
+          </p:nvPr>
+        </p:nvGraphicFramePr>
+        <p:xfrm>
+          <a:off x="914400" y="1828800"/>
+          <a:ext cx="10439400" cy="4648200"/>
+        </p:xfrm>
+        <a:graphic>
+          <a:graphicData uri="http://schemas.openxmlformats.org/drawingml/2006/diagram">
+            <dgm:relIds xmlns:dgm="http://schemas.openxmlformats.org/drawingml/2006/diagram" xmlns:r="http://schemas.openxmlformats.org/officeDocument/2006/relationships" r:dm="rId2" r:lo="rId3" r:qs="rId4" r:cs="rId5"/>
+          </a:graphicData>
+        </a:graphic>
+      </p:graphicFrame>
+    </p:spTree>
+    <p:extLst>
+      <p:ext uri="{BB962C8B-B14F-4D97-AF65-F5344CB8AC3E}">
+        <p14:creationId xmlns:p14="http://schemas.microsoft.com/office/powerpoint/2010/main" val="3931254087"/>
+      </p:ext>
+    </p:extLst>
+  </p:cSld>
+  <p:clrMapOvr>
+    <a:masterClrMapping/>
+  </p:clrMapOvr>
+  <mc:AlternateContent xmlns:mc="http://schemas.openxmlformats.org/markup-compatibility/2006" xmlns:p14="http://schemas.microsoft.com/office/powerpoint/2010/main">
+    <mc:Choice Requires="p14">
+      <p:transition spd="med" p14:dur="700">
+        <p:fade/>
+      </p:transition>
+    </mc:Choice>
+    <mc:Fallback xmlns="">
+      <p:transition spd="med">
+        <p:fade/>
+      </p:transition>
+    </mc:Fallback>
+  </mc:AlternateContent>
+  <p:timing>
+    <p:tnLst>
+      <p:par>
+        <p:cTn id="1" dur="indefinite" restart="never" nodeType="tmRoot"/>
+      </p:par>
+    </p:tnLst>
   </p:timing>
 </p:sld>
 </file>

--- a/Building SPAs in SharePoint Using AngularJS.pptx
+++ b/Building SPAs in SharePoint Using AngularJS.pptx
@@ -2,7 +2,7 @@
 <file path=ppt/presentation.xml><?xml version="1.0" encoding="utf-8"?>
 <p:presentation xmlns:a="http://schemas.openxmlformats.org/drawingml/2006/main" xmlns:r="http://schemas.openxmlformats.org/officeDocument/2006/relationships" xmlns:p="http://schemas.openxmlformats.org/presentationml/2006/main" removePersonalInfoOnSave="1" saveSubsetFonts="1">
   <p:sldMasterIdLst>
-    <p:sldMasterId id="2147483662" r:id="rId1"/>
+    <p:sldMasterId id="2147483735" r:id="rId1"/>
   </p:sldMasterIdLst>
   <p:notesMasterIdLst>
     <p:notesMasterId r:id="rId29"/>
@@ -4501,8 +4501,8 @@
     <dgm:cxn modelId="{BAD6D932-295D-4B11-AB4F-C6A51681FEBF}" type="presOf" srcId="{CF2E496F-FE56-4416-B846-DC12E4577A57}" destId="{17A1F249-6BEF-4F56-A4D8-8470A1E98F15}" srcOrd="0" destOrd="4" presId="urn:microsoft.com/office/officeart/2005/8/layout/hProcess9"/>
     <dgm:cxn modelId="{EA0EE867-287C-4759-B04B-1A44DD272934}" srcId="{EB74A234-8CAB-45D0-A223-6A45EB9687CD}" destId="{73AD9478-DFBD-45AE-8C86-9F4CB3BB1065}" srcOrd="2" destOrd="0" parTransId="{9746DDD7-C15A-4CDE-A7A9-ECC7812B47E4}" sibTransId="{B69AF354-070B-44D2-9041-ADEA0B558672}"/>
     <dgm:cxn modelId="{04F02849-7425-4E1F-898E-FA7DF4ED9666}" srcId="{95A2F766-9D02-45F9-8F0E-E4477259B64E}" destId="{7BAE7899-E3C2-4B98-B54B-7CF98FABE6C9}" srcOrd="1" destOrd="0" parTransId="{6A4813D0-9A5E-4C8A-8814-6B3627CFB165}" sibTransId="{F555F416-CF8C-46B6-A6CB-31C043865330}"/>
+    <dgm:cxn modelId="{06CBBF6D-5C60-4E24-85FE-3D72B5DF292D}" type="presOf" srcId="{D025C9CA-C276-4620-8793-4C01C8D3C8C5}" destId="{17A1F249-6BEF-4F56-A4D8-8470A1E98F15}" srcOrd="0" destOrd="5" presId="urn:microsoft.com/office/officeart/2005/8/layout/hProcess9"/>
     <dgm:cxn modelId="{4B256FB0-F8A6-4FC7-9768-1B5644FB9597}" srcId="{95A2F766-9D02-45F9-8F0E-E4477259B64E}" destId="{06ABEAEB-0AB1-4B03-9DB2-1747D846F76E}" srcOrd="2" destOrd="0" parTransId="{39D41540-6B5A-4F2C-B728-B10955AEA6F0}" sibTransId="{31BEE491-4EB9-4240-BAFF-E839945F6CC2}"/>
-    <dgm:cxn modelId="{06CBBF6D-5C60-4E24-85FE-3D72B5DF292D}" type="presOf" srcId="{D025C9CA-C276-4620-8793-4C01C8D3C8C5}" destId="{17A1F249-6BEF-4F56-A4D8-8470A1E98F15}" srcOrd="0" destOrd="5" presId="urn:microsoft.com/office/officeart/2005/8/layout/hProcess9"/>
     <dgm:cxn modelId="{56E07505-5528-42D2-BF65-AC0B13049BD5}" srcId="{06ABEAEB-0AB1-4B03-9DB2-1747D846F76E}" destId="{DAD5068A-7091-420C-87F0-598961455E7C}" srcOrd="0" destOrd="0" parTransId="{E2E48095-73D9-45CE-B1F4-5CC208A04174}" sibTransId="{6BA6DC11-1A25-4A5E-A262-45E03AB8968F}"/>
     <dgm:cxn modelId="{597B6F7A-1AB8-7A40-A88C-F20BDA8446CA}" type="presOf" srcId="{3D2CA84F-7F83-488E-9CE9-2466A7E58E8C}" destId="{C5C479F1-027C-425C-A0B3-5734FC2D9DF4}" srcOrd="0" destOrd="3" presId="urn:microsoft.com/office/officeart/2005/8/layout/hProcess9"/>
     <dgm:cxn modelId="{0E8AE683-6858-4ECC-8F94-9CB028DF1605}" srcId="{7BAE7899-E3C2-4B98-B54B-7CF98FABE6C9}" destId="{9D1C7FDD-1C7E-4F92-A303-4A4F612A191B}" srcOrd="0" destOrd="0" parTransId="{CE3951D3-C82F-4197-BB44-E4023C884400}" sibTransId="{78BC0FB8-1233-449C-947F-C73B9E9738DF}"/>
@@ -10183,7 +10183,7 @@
           <a:p>
             <a:fld id="{061C5132-FFA3-4B02-9F09-22FCF40EFA74}" type="datetimeFigureOut">
               <a:rPr lang="en-US" smtClean="0"/>
-              <a:t>7/4/15</a:t>
+              <a:t>7/11/15</a:t>
             </a:fld>
             <a:endParaRPr lang="en-US"/>
           </a:p>
@@ -10348,7 +10348,7 @@
           <a:p>
             <a:fld id="{0B6E42C9-243F-4DC5-AFF6-9D56B5FA9D63}" type="datetimeFigureOut">
               <a:rPr lang="en-US" smtClean="0"/>
-              <a:t>7/4/15</a:t>
+              <a:t>7/11/15</a:t>
             </a:fld>
             <a:endParaRPr lang="en-US"/>
           </a:p>
@@ -11186,8 +11186,8 @@
           <a:lstStyle/>
           <a:p>
             <a:fld id="{48A87A34-81AB-432B-8DAE-1953F412C126}" type="datetimeFigureOut">
-              <a:rPr lang="en-US" dirty="0"/>
-              <a:t>7/4/15</a:t>
+              <a:rPr lang="en-US" smtClean="0"/>
+              <a:t>7/11/15</a:t>
             </a:fld>
             <a:endParaRPr lang="en-US" dirty="0"/>
           </a:p>
@@ -11228,7 +11228,7 @@
           <a:lstStyle/>
           <a:p>
             <a:fld id="{6D22F896-40B5-4ADD-8801-0D06FADFA095}" type="slidenum">
-              <a:rPr lang="en-US" dirty="0"/>
+              <a:rPr lang="en-US" smtClean="0"/>
               <a:t>‹#›</a:t>
             </a:fld>
             <a:endParaRPr lang="en-US" dirty="0"/>
@@ -11238,7 +11238,7 @@
     </p:spTree>
     <p:extLst>
       <p:ext uri="{BB962C8B-B14F-4D97-AF65-F5344CB8AC3E}">
-        <p14:creationId xmlns:p14="http://schemas.microsoft.com/office/powerpoint/2010/main" val="875647811"/>
+        <p14:creationId xmlns:p14="http://schemas.microsoft.com/office/powerpoint/2010/main" val="1603591171"/>
       </p:ext>
     </p:extLst>
   </p:cSld>
@@ -11430,7 +11430,7 @@
           <a:p>
             <a:r>
               <a:rPr lang="en-US" smtClean="0"/>
-              <a:t>Click icon to add picture</a:t>
+              <a:t>Drag picture to placeholder or click icon to add</a:t>
             </a:r>
             <a:endParaRPr lang="en-US" dirty="0"/>
           </a:p>
@@ -11517,8 +11517,8 @@
           <a:lstStyle/>
           <a:p>
             <a:fld id="{48A87A34-81AB-432B-8DAE-1953F412C126}" type="datetimeFigureOut">
-              <a:rPr lang="en-US" dirty="0"/>
-              <a:t>7/4/15</a:t>
+              <a:rPr lang="en-US" smtClean="0"/>
+              <a:t>7/11/15</a:t>
             </a:fld>
             <a:endParaRPr lang="en-US" dirty="0"/>
           </a:p>
@@ -11563,7 +11563,7 @@
           <a:lstStyle/>
           <a:p>
             <a:fld id="{6D22F896-40B5-4ADD-8801-0D06FADFA095}" type="slidenum">
-              <a:rPr lang="en-US" dirty="0"/>
+              <a:rPr lang="en-US" smtClean="0"/>
               <a:t>‹#›</a:t>
             </a:fld>
             <a:endParaRPr lang="en-US" dirty="0"/>
@@ -11573,13 +11573,20 @@
     </p:spTree>
     <p:extLst>
       <p:ext uri="{BB962C8B-B14F-4D97-AF65-F5344CB8AC3E}">
-        <p14:creationId xmlns:p14="http://schemas.microsoft.com/office/powerpoint/2010/main" val="1626308730"/>
+        <p14:creationId xmlns:p14="http://schemas.microsoft.com/office/powerpoint/2010/main" val="1487053959"/>
       </p:ext>
     </p:extLst>
   </p:cSld>
   <p:clrMapOvr>
     <a:masterClrMapping/>
   </p:clrMapOvr>
+  <p:timing>
+    <p:tnLst>
+      <p:par>
+        <p:cTn id="1" dur="indefinite" restart="never" nodeType="tmRoot"/>
+      </p:par>
+    </p:tnLst>
+  </p:timing>
 </p:sldLayout>
 </file>
 
@@ -11743,8 +11750,8 @@
           <a:lstStyle/>
           <a:p>
             <a:fld id="{48A87A34-81AB-432B-8DAE-1953F412C126}" type="datetimeFigureOut">
-              <a:rPr lang="en-US" dirty="0"/>
-              <a:t>7/4/15</a:t>
+              <a:rPr lang="en-US" smtClean="0"/>
+              <a:t>7/11/15</a:t>
             </a:fld>
             <a:endParaRPr lang="en-US" dirty="0"/>
           </a:p>
@@ -11789,7 +11796,7 @@
           <a:lstStyle/>
           <a:p>
             <a:fld id="{6D22F896-40B5-4ADD-8801-0D06FADFA095}" type="slidenum">
-              <a:rPr lang="en-US" dirty="0"/>
+              <a:rPr lang="en-US" smtClean="0"/>
               <a:t>‹#›</a:t>
             </a:fld>
             <a:endParaRPr lang="en-US" dirty="0"/>
@@ -11799,13 +11806,20 @@
     </p:spTree>
     <p:extLst>
       <p:ext uri="{BB962C8B-B14F-4D97-AF65-F5344CB8AC3E}">
-        <p14:creationId xmlns:p14="http://schemas.microsoft.com/office/powerpoint/2010/main" val="2385302444"/>
+        <p14:creationId xmlns:p14="http://schemas.microsoft.com/office/powerpoint/2010/main" val="980356728"/>
       </p:ext>
     </p:extLst>
   </p:cSld>
   <p:clrMapOvr>
     <a:masterClrMapping/>
   </p:clrMapOvr>
+  <p:timing>
+    <p:tnLst>
+      <p:par>
+        <p:cTn id="1" dur="indefinite" restart="never" nodeType="tmRoot"/>
+      </p:par>
+    </p:tnLst>
+  </p:timing>
 </p:sldLayout>
 </file>
 
@@ -12038,8 +12052,8 @@
           <a:lstStyle/>
           <a:p>
             <a:fld id="{48A87A34-81AB-432B-8DAE-1953F412C126}" type="datetimeFigureOut">
-              <a:rPr lang="en-US" dirty="0"/>
-              <a:t>7/4/15</a:t>
+              <a:rPr lang="en-US" smtClean="0"/>
+              <a:t>7/11/15</a:t>
             </a:fld>
             <a:endParaRPr lang="en-US" dirty="0"/>
           </a:p>
@@ -12084,7 +12098,7 @@
           <a:lstStyle/>
           <a:p>
             <a:fld id="{6D22F896-40B5-4ADD-8801-0D06FADFA095}" type="slidenum">
-              <a:rPr lang="en-US" dirty="0"/>
+              <a:rPr lang="en-US" smtClean="0"/>
               <a:t>‹#›</a:t>
             </a:fld>
             <a:endParaRPr lang="en-US" dirty="0"/>
@@ -12326,13 +12340,20 @@
     </p:spTree>
     <p:extLst>
       <p:ext uri="{BB962C8B-B14F-4D97-AF65-F5344CB8AC3E}">
-        <p14:creationId xmlns:p14="http://schemas.microsoft.com/office/powerpoint/2010/main" val="1699049271"/>
+        <p14:creationId xmlns:p14="http://schemas.microsoft.com/office/powerpoint/2010/main" val="932862806"/>
       </p:ext>
     </p:extLst>
   </p:cSld>
   <p:clrMapOvr>
     <a:masterClrMapping/>
   </p:clrMapOvr>
+  <p:timing>
+    <p:tnLst>
+      <p:par>
+        <p:cTn id="1" dur="indefinite" restart="never" nodeType="tmRoot"/>
+      </p:par>
+    </p:tnLst>
+  </p:timing>
 </p:sldLayout>
 </file>
 
@@ -12496,8 +12517,8 @@
           <a:lstStyle/>
           <a:p>
             <a:fld id="{48A87A34-81AB-432B-8DAE-1953F412C126}" type="datetimeFigureOut">
-              <a:rPr lang="en-US" dirty="0"/>
-              <a:t>7/4/15</a:t>
+              <a:rPr lang="en-US" smtClean="0"/>
+              <a:t>7/11/15</a:t>
             </a:fld>
             <a:endParaRPr lang="en-US" dirty="0"/>
           </a:p>
@@ -12542,7 +12563,7 @@
           <a:lstStyle/>
           <a:p>
             <a:fld id="{6D22F896-40B5-4ADD-8801-0D06FADFA095}" type="slidenum">
-              <a:rPr lang="en-US" dirty="0"/>
+              <a:rPr lang="en-US" smtClean="0"/>
               <a:t>‹#›</a:t>
             </a:fld>
             <a:endParaRPr lang="en-US" dirty="0"/>
@@ -12552,13 +12573,20 @@
     </p:spTree>
     <p:extLst>
       <p:ext uri="{BB962C8B-B14F-4D97-AF65-F5344CB8AC3E}">
-        <p14:creationId xmlns:p14="http://schemas.microsoft.com/office/powerpoint/2010/main" val="1374773246"/>
+        <p14:creationId xmlns:p14="http://schemas.microsoft.com/office/powerpoint/2010/main" val="1404515797"/>
       </p:ext>
     </p:extLst>
   </p:cSld>
   <p:clrMapOvr>
     <a:masterClrMapping/>
   </p:clrMapOvr>
+  <p:timing>
+    <p:tnLst>
+      <p:par>
+        <p:cTn id="1" dur="indefinite" restart="never" nodeType="tmRoot"/>
+      </p:par>
+    </p:tnLst>
+  </p:timing>
 </p:sldLayout>
 </file>
 
@@ -13076,8 +13104,8 @@
           <a:lstStyle/>
           <a:p>
             <a:fld id="{48A87A34-81AB-432B-8DAE-1953F412C126}" type="datetimeFigureOut">
-              <a:rPr lang="en-US" dirty="0"/>
-              <a:t>7/4/15</a:t>
+              <a:rPr lang="en-US" smtClean="0"/>
+              <a:t>7/11/15</a:t>
             </a:fld>
             <a:endParaRPr lang="en-US" dirty="0"/>
           </a:p>
@@ -13122,7 +13150,7 @@
           <a:lstStyle/>
           <a:p>
             <a:fld id="{6D22F896-40B5-4ADD-8801-0D06FADFA095}" type="slidenum">
-              <a:rPr lang="en-US" dirty="0"/>
+              <a:rPr lang="en-US" smtClean="0"/>
               <a:t>‹#›</a:t>
             </a:fld>
             <a:endParaRPr lang="en-US" dirty="0"/>
@@ -13132,13 +13160,20 @@
     </p:spTree>
     <p:extLst>
       <p:ext uri="{BB962C8B-B14F-4D97-AF65-F5344CB8AC3E}">
-        <p14:creationId xmlns:p14="http://schemas.microsoft.com/office/powerpoint/2010/main" val="176164944"/>
+        <p14:creationId xmlns:p14="http://schemas.microsoft.com/office/powerpoint/2010/main" val="695748720"/>
       </p:ext>
     </p:extLst>
   </p:cSld>
   <p:clrMapOvr>
     <a:masterClrMapping/>
   </p:clrMapOvr>
+  <p:timing>
+    <p:tnLst>
+      <p:par>
+        <p:cTn id="1" dur="indefinite" restart="never" nodeType="tmRoot"/>
+      </p:par>
+    </p:tnLst>
+  </p:timing>
 </p:sldLayout>
 </file>
 
@@ -13377,7 +13412,7 @@
           <a:p>
             <a:r>
               <a:rPr lang="en-US" smtClean="0"/>
-              <a:t>Click icon to add picture</a:t>
+              <a:t>Drag picture to placeholder or click icon to add</a:t>
             </a:r>
             <a:endParaRPr lang="en-US" dirty="0"/>
           </a:p>
@@ -13610,7 +13645,7 @@
           <a:p>
             <a:r>
               <a:rPr lang="en-US" smtClean="0"/>
-              <a:t>Click icon to add picture</a:t>
+              <a:t>Drag picture to placeholder or click icon to add</a:t>
             </a:r>
             <a:endParaRPr lang="en-US" dirty="0"/>
           </a:p>
@@ -13843,7 +13878,7 @@
           <a:p>
             <a:r>
               <a:rPr lang="en-US" smtClean="0"/>
-              <a:t>Click icon to add picture</a:t>
+              <a:t>Drag picture to placeholder or click icon to add</a:t>
             </a:r>
             <a:endParaRPr lang="en-US" dirty="0"/>
           </a:p>
@@ -13932,8 +13967,8 @@
           <a:lstStyle/>
           <a:p>
             <a:fld id="{48A87A34-81AB-432B-8DAE-1953F412C126}" type="datetimeFigureOut">
-              <a:rPr lang="en-US" dirty="0"/>
-              <a:t>7/4/15</a:t>
+              <a:rPr lang="en-US" smtClean="0"/>
+              <a:t>7/11/15</a:t>
             </a:fld>
             <a:endParaRPr lang="en-US" dirty="0"/>
           </a:p>
@@ -13978,7 +14013,7 @@
           <a:lstStyle/>
           <a:p>
             <a:fld id="{6D22F896-40B5-4ADD-8801-0D06FADFA095}" type="slidenum">
-              <a:rPr lang="en-US" dirty="0"/>
+              <a:rPr lang="en-US" smtClean="0"/>
               <a:t>‹#›</a:t>
             </a:fld>
             <a:endParaRPr lang="en-US" dirty="0"/>
@@ -13988,13 +14023,20 @@
     </p:spTree>
     <p:extLst>
       <p:ext uri="{BB962C8B-B14F-4D97-AF65-F5344CB8AC3E}">
-        <p14:creationId xmlns:p14="http://schemas.microsoft.com/office/powerpoint/2010/main" val="2178936467"/>
+        <p14:creationId xmlns:p14="http://schemas.microsoft.com/office/powerpoint/2010/main" val="1289547084"/>
       </p:ext>
     </p:extLst>
   </p:cSld>
   <p:clrMapOvr>
     <a:masterClrMapping/>
   </p:clrMapOvr>
+  <p:timing>
+    <p:tnLst>
+      <p:par>
+        <p:cTn id="1" dur="indefinite" restart="never" nodeType="tmRoot"/>
+      </p:par>
+    </p:tnLst>
+  </p:timing>
 </p:sldLayout>
 </file>
 
@@ -14142,7 +14184,7 @@
           <a:p>
             <a:fld id="{B0FE2824-C2A0-4931-BB32-60B24BDBB3CC}" type="datetimeFigureOut">
               <a:rPr lang="en-US" smtClean="0"/>
-              <a:t>7/4/15</a:t>
+              <a:t>7/11/15</a:t>
             </a:fld>
             <a:endParaRPr lang="en-US"/>
           </a:p>
@@ -14193,7 +14235,7 @@
     </p:spTree>
     <p:extLst>
       <p:ext uri="{BB962C8B-B14F-4D97-AF65-F5344CB8AC3E}">
-        <p14:creationId xmlns:p14="http://schemas.microsoft.com/office/powerpoint/2010/main" val="1725943759"/>
+        <p14:creationId xmlns:p14="http://schemas.microsoft.com/office/powerpoint/2010/main" val="279121308"/>
       </p:ext>
     </p:extLst>
   </p:cSld>
@@ -14375,7 +14417,7 @@
           <a:p>
             <a:fld id="{B0FE2824-C2A0-4931-BB32-60B24BDBB3CC}" type="datetimeFigureOut">
               <a:rPr lang="en-US" smtClean="0"/>
-              <a:t>7/4/15</a:t>
+              <a:t>7/11/15</a:t>
             </a:fld>
             <a:endParaRPr lang="en-US"/>
           </a:p>
@@ -14426,7 +14468,7 @@
     </p:spTree>
     <p:extLst>
       <p:ext uri="{BB962C8B-B14F-4D97-AF65-F5344CB8AC3E}">
-        <p14:creationId xmlns:p14="http://schemas.microsoft.com/office/powerpoint/2010/main" val="1002663577"/>
+        <p14:creationId xmlns:p14="http://schemas.microsoft.com/office/powerpoint/2010/main" val="174515334"/>
       </p:ext>
     </p:extLst>
   </p:cSld>
@@ -14679,7 +14721,7 @@
           <a:p>
             <a:fld id="{B0FE2824-C2A0-4931-BB32-60B24BDBB3CC}" type="datetimeFigureOut">
               <a:rPr lang="en-US" smtClean="0"/>
-              <a:t>7/4/15</a:t>
+              <a:t>7/11/15</a:t>
             </a:fld>
             <a:endParaRPr lang="en-US"/>
           </a:p>
@@ -14730,7 +14772,7 @@
     </p:spTree>
     <p:extLst>
       <p:ext uri="{BB962C8B-B14F-4D97-AF65-F5344CB8AC3E}">
-        <p14:creationId xmlns:p14="http://schemas.microsoft.com/office/powerpoint/2010/main" val="3083114540"/>
+        <p14:creationId xmlns:p14="http://schemas.microsoft.com/office/powerpoint/2010/main" val="595311776"/>
       </p:ext>
     </p:extLst>
   </p:cSld>
@@ -14977,8 +15019,8 @@
           <a:lstStyle/>
           <a:p>
             <a:fld id="{48A87A34-81AB-432B-8DAE-1953F412C126}" type="datetimeFigureOut">
-              <a:rPr lang="en-US" dirty="0"/>
-              <a:t>7/4/15</a:t>
+              <a:rPr lang="en-US" smtClean="0"/>
+              <a:t>7/11/15</a:t>
             </a:fld>
             <a:endParaRPr lang="en-US" dirty="0"/>
           </a:p>
@@ -15019,7 +15061,7 @@
           <a:lstStyle/>
           <a:p>
             <a:fld id="{6D22F896-40B5-4ADD-8801-0D06FADFA095}" type="slidenum">
-              <a:rPr lang="en-US" dirty="0"/>
+              <a:rPr lang="en-US" smtClean="0"/>
               <a:t>‹#›</a:t>
             </a:fld>
             <a:endParaRPr lang="en-US" dirty="0"/>
@@ -15029,7 +15071,7 @@
     </p:spTree>
     <p:extLst>
       <p:ext uri="{BB962C8B-B14F-4D97-AF65-F5344CB8AC3E}">
-        <p14:creationId xmlns:p14="http://schemas.microsoft.com/office/powerpoint/2010/main" val="2807654847"/>
+        <p14:creationId xmlns:p14="http://schemas.microsoft.com/office/powerpoint/2010/main" val="372160269"/>
       </p:ext>
     </p:extLst>
   </p:cSld>
@@ -15264,7 +15306,7 @@
           <a:p>
             <a:fld id="{B0FE2824-C2A0-4931-BB32-60B24BDBB3CC}" type="datetimeFigureOut">
               <a:rPr lang="en-US" smtClean="0"/>
-              <a:t>7/4/15</a:t>
+              <a:t>7/11/15</a:t>
             </a:fld>
             <a:endParaRPr lang="en-US"/>
           </a:p>
@@ -15315,7 +15357,7 @@
     </p:spTree>
     <p:extLst>
       <p:ext uri="{BB962C8B-B14F-4D97-AF65-F5344CB8AC3E}">
-        <p14:creationId xmlns:p14="http://schemas.microsoft.com/office/powerpoint/2010/main" val="707013099"/>
+        <p14:creationId xmlns:p14="http://schemas.microsoft.com/office/powerpoint/2010/main" val="2013725218"/>
       </p:ext>
     </p:extLst>
   </p:cSld>
@@ -15698,7 +15740,7 @@
           <a:p>
             <a:fld id="{B0FE2824-C2A0-4931-BB32-60B24BDBB3CC}" type="datetimeFigureOut">
               <a:rPr lang="en-US" smtClean="0"/>
-              <a:t>7/4/15</a:t>
+              <a:t>7/11/15</a:t>
             </a:fld>
             <a:endParaRPr lang="en-US"/>
           </a:p>
@@ -15749,7 +15791,7 @@
     </p:spTree>
     <p:extLst>
       <p:ext uri="{BB962C8B-B14F-4D97-AF65-F5344CB8AC3E}">
-        <p14:creationId xmlns:p14="http://schemas.microsoft.com/office/powerpoint/2010/main" val="1250327289"/>
+        <p14:creationId xmlns:p14="http://schemas.microsoft.com/office/powerpoint/2010/main" val="1633938701"/>
       </p:ext>
     </p:extLst>
   </p:cSld>
@@ -15865,7 +15907,7 @@
           <a:p>
             <a:fld id="{B0FE2824-C2A0-4931-BB32-60B24BDBB3CC}" type="datetimeFigureOut">
               <a:rPr lang="en-US" smtClean="0"/>
-              <a:t>7/4/15</a:t>
+              <a:t>7/11/15</a:t>
             </a:fld>
             <a:endParaRPr lang="en-US"/>
           </a:p>
@@ -15916,7 +15958,7 @@
     </p:spTree>
     <p:extLst>
       <p:ext uri="{BB962C8B-B14F-4D97-AF65-F5344CB8AC3E}">
-        <p14:creationId xmlns:p14="http://schemas.microsoft.com/office/powerpoint/2010/main" val="2577955528"/>
+        <p14:creationId xmlns:p14="http://schemas.microsoft.com/office/powerpoint/2010/main" val="207621703"/>
       </p:ext>
     </p:extLst>
   </p:cSld>
@@ -16009,7 +16051,7 @@
           <a:p>
             <a:fld id="{B0FE2824-C2A0-4931-BB32-60B24BDBB3CC}" type="datetimeFigureOut">
               <a:rPr lang="en-US" smtClean="0"/>
-              <a:t>7/4/15</a:t>
+              <a:t>7/11/15</a:t>
             </a:fld>
             <a:endParaRPr lang="en-US"/>
           </a:p>
@@ -16060,7 +16102,7 @@
     </p:spTree>
     <p:extLst>
       <p:ext uri="{BB962C8B-B14F-4D97-AF65-F5344CB8AC3E}">
-        <p14:creationId xmlns:p14="http://schemas.microsoft.com/office/powerpoint/2010/main" val="952787532"/>
+        <p14:creationId xmlns:p14="http://schemas.microsoft.com/office/powerpoint/2010/main" val="2106914653"/>
       </p:ext>
     </p:extLst>
   </p:cSld>
@@ -16307,7 +16349,7 @@
           <a:p>
             <a:fld id="{B0FE2824-C2A0-4931-BB32-60B24BDBB3CC}" type="datetimeFigureOut">
               <a:rPr lang="en-US" smtClean="0"/>
-              <a:t>7/4/15</a:t>
+              <a:t>7/11/15</a:t>
             </a:fld>
             <a:endParaRPr lang="en-US"/>
           </a:p>
@@ -16358,7 +16400,7 @@
     </p:spTree>
     <p:extLst>
       <p:ext uri="{BB962C8B-B14F-4D97-AF65-F5344CB8AC3E}">
-        <p14:creationId xmlns:p14="http://schemas.microsoft.com/office/powerpoint/2010/main" val="2933228677"/>
+        <p14:creationId xmlns:p14="http://schemas.microsoft.com/office/powerpoint/2010/main" val="1815209933"/>
       </p:ext>
     </p:extLst>
   </p:cSld>
@@ -16550,7 +16592,7 @@
           <a:p>
             <a:r>
               <a:rPr lang="en-US" smtClean="0"/>
-              <a:t>Click icon to add picture</a:t>
+              <a:t>Drag picture to placeholder or click icon to add</a:t>
             </a:r>
             <a:endParaRPr lang="en-US" dirty="0"/>
           </a:p>
@@ -16638,7 +16680,7 @@
           <a:p>
             <a:fld id="{B0FE2824-C2A0-4931-BB32-60B24BDBB3CC}" type="datetimeFigureOut">
               <a:rPr lang="en-US" smtClean="0"/>
-              <a:t>7/4/15</a:t>
+              <a:t>7/11/15</a:t>
             </a:fld>
             <a:endParaRPr lang="en-US"/>
           </a:p>
@@ -16689,7 +16731,7 @@
     </p:spTree>
     <p:extLst>
       <p:ext uri="{BB962C8B-B14F-4D97-AF65-F5344CB8AC3E}">
-        <p14:creationId xmlns:p14="http://schemas.microsoft.com/office/powerpoint/2010/main" val="3238157932"/>
+        <p14:creationId xmlns:p14="http://schemas.microsoft.com/office/powerpoint/2010/main" val="733450907"/>
       </p:ext>
     </p:extLst>
   </p:cSld>
@@ -16842,35 +16884,35 @@
           <a:p>
             <a:pPr lvl="0"/>
             <a:r>
-              <a:rPr lang="en-US" dirty="0" smtClean="0"/>
+              <a:rPr lang="en-US" smtClean="0"/>
               <a:t>Click to edit Master text styles</a:t>
             </a:r>
           </a:p>
           <a:p>
             <a:pPr lvl="1"/>
             <a:r>
-              <a:rPr lang="en-US" dirty="0" smtClean="0"/>
+              <a:rPr lang="en-US" smtClean="0"/>
               <a:t>Second level</a:t>
             </a:r>
           </a:p>
           <a:p>
             <a:pPr lvl="2"/>
             <a:r>
-              <a:rPr lang="en-US" dirty="0" smtClean="0"/>
+              <a:rPr lang="en-US" smtClean="0"/>
               <a:t>Third level</a:t>
             </a:r>
           </a:p>
           <a:p>
             <a:pPr lvl="3"/>
             <a:r>
-              <a:rPr lang="en-US" dirty="0" smtClean="0"/>
+              <a:rPr lang="en-US" smtClean="0"/>
               <a:t>Fourth level</a:t>
             </a:r>
           </a:p>
           <a:p>
             <a:pPr lvl="4"/>
             <a:r>
-              <a:rPr lang="en-US" dirty="0" smtClean="0"/>
+              <a:rPr lang="en-US" smtClean="0"/>
               <a:t>Fifth level</a:t>
             </a:r>
             <a:endParaRPr lang="en-US" dirty="0"/>
@@ -16909,9 +16951,9 @@
           </a:lstStyle>
           <a:p>
             <a:fld id="{48A87A34-81AB-432B-8DAE-1953F412C126}" type="datetimeFigureOut">
-              <a:rPr lang="en-US" dirty="0"/>
+              <a:rPr lang="en-US" smtClean="0"/>
               <a:pPr/>
-              <a:t>7/4/15</a:t>
+              <a:t>7/11/15</a:t>
             </a:fld>
             <a:endParaRPr lang="en-US" dirty="0"/>
           </a:p>
@@ -16988,7 +17030,7 @@
           </a:lstStyle>
           <a:p>
             <a:fld id="{6D22F896-40B5-4ADD-8801-0D06FADFA095}" type="slidenum">
-              <a:rPr lang="en-US" dirty="0"/>
+              <a:rPr lang="en-US" smtClean="0"/>
               <a:pPr/>
               <a:t>‹#›</a:t>
             </a:fld>
@@ -17088,29 +17130,29 @@
     </p:spTree>
     <p:extLst>
       <p:ext uri="{BB962C8B-B14F-4D97-AF65-F5344CB8AC3E}">
-        <p14:creationId xmlns:p14="http://schemas.microsoft.com/office/powerpoint/2010/main" val="3230686930"/>
+        <p14:creationId xmlns:p14="http://schemas.microsoft.com/office/powerpoint/2010/main" val="204102747"/>
       </p:ext>
     </p:extLst>
   </p:cSld>
   <p:clrMap bg1="lt1" tx1="dk1" bg2="lt2" tx2="dk2" accent1="accent1" accent2="accent2" accent3="accent3" accent4="accent4" accent5="accent5" accent6="accent6" hlink="hlink" folHlink="folHlink"/>
   <p:sldLayoutIdLst>
-    <p:sldLayoutId id="2147483663" r:id="rId1"/>
-    <p:sldLayoutId id="2147483664" r:id="rId2"/>
-    <p:sldLayoutId id="2147483665" r:id="rId3"/>
-    <p:sldLayoutId id="2147483666" r:id="rId4"/>
-    <p:sldLayoutId id="2147483667" r:id="rId5"/>
-    <p:sldLayoutId id="2147483668" r:id="rId6"/>
-    <p:sldLayoutId id="2147483669" r:id="rId7"/>
-    <p:sldLayoutId id="2147483670" r:id="rId8"/>
-    <p:sldLayoutId id="2147483671" r:id="rId9"/>
-    <p:sldLayoutId id="2147483672" r:id="rId10"/>
-    <p:sldLayoutId id="2147483673" r:id="rId11"/>
-    <p:sldLayoutId id="2147483674" r:id="rId12"/>
-    <p:sldLayoutId id="2147483675" r:id="rId13"/>
-    <p:sldLayoutId id="2147483676" r:id="rId14"/>
-    <p:sldLayoutId id="2147483677" r:id="rId15"/>
-    <p:sldLayoutId id="2147483678" r:id="rId16"/>
-    <p:sldLayoutId id="2147483679" r:id="rId17"/>
+    <p:sldLayoutId id="2147483736" r:id="rId1"/>
+    <p:sldLayoutId id="2147483737" r:id="rId2"/>
+    <p:sldLayoutId id="2147483738" r:id="rId3"/>
+    <p:sldLayoutId id="2147483739" r:id="rId4"/>
+    <p:sldLayoutId id="2147483740" r:id="rId5"/>
+    <p:sldLayoutId id="2147483741" r:id="rId6"/>
+    <p:sldLayoutId id="2147483742" r:id="rId7"/>
+    <p:sldLayoutId id="2147483743" r:id="rId8"/>
+    <p:sldLayoutId id="2147483744" r:id="rId9"/>
+    <p:sldLayoutId id="2147483745" r:id="rId10"/>
+    <p:sldLayoutId id="2147483746" r:id="rId11"/>
+    <p:sldLayoutId id="2147483747" r:id="rId12"/>
+    <p:sldLayoutId id="2147483748" r:id="rId13"/>
+    <p:sldLayoutId id="2147483749" r:id="rId14"/>
+    <p:sldLayoutId id="2147483750" r:id="rId15"/>
+    <p:sldLayoutId id="2147483751" r:id="rId16"/>
+    <p:sldLayoutId id="2147483752" r:id="rId17"/>
     <p:sldLayoutId id="2147483680" r:id="rId18"/>
   </p:sldLayoutIdLst>
   <mc:AlternateContent xmlns:mc="http://schemas.openxmlformats.org/markup-compatibility/2006" xmlns:p14="http://schemas.microsoft.com/office/powerpoint/2010/main">
@@ -17166,7 +17208,7 @@
         </a:buClr>
         <a:buFont typeface="Arial" panose="020B0604020202020204" pitchFamily="34" charset="0"/>
         <a:buChar char="•"/>
-        <a:defRPr sz="2000" kern="1200" cap="none" baseline="0">
+        <a:defRPr sz="2000" kern="1200" cap="all" baseline="0">
           <a:solidFill>
             <a:schemeClr val="tx1"/>
           </a:solidFill>
@@ -17188,7 +17230,7 @@
         </a:buClr>
         <a:buFont typeface="Arial" panose="020B0604020202020204" pitchFamily="34" charset="0"/>
         <a:buChar char="•"/>
-        <a:defRPr sz="1800" kern="1200" cap="none" baseline="0">
+        <a:defRPr sz="1800" kern="1200" cap="all" baseline="0">
           <a:solidFill>
             <a:schemeClr val="tx1"/>
           </a:solidFill>
@@ -17210,7 +17252,7 @@
         </a:buClr>
         <a:buFont typeface="Arial" panose="020B0604020202020204" pitchFamily="34" charset="0"/>
         <a:buChar char="•"/>
-        <a:defRPr sz="1600" kern="1200" cap="none" baseline="0">
+        <a:defRPr sz="1600" kern="1200" cap="all" baseline="0">
           <a:solidFill>
             <a:schemeClr val="tx1"/>
           </a:solidFill>
@@ -17232,7 +17274,7 @@
         </a:buClr>
         <a:buFont typeface="Arial" panose="020B0604020202020204" pitchFamily="34" charset="0"/>
         <a:buChar char="•"/>
-        <a:defRPr sz="1400" kern="1200" cap="none" baseline="0">
+        <a:defRPr sz="1400" kern="1200" cap="all" baseline="0">
           <a:solidFill>
             <a:schemeClr val="tx1"/>
           </a:solidFill>
@@ -17254,7 +17296,7 @@
         </a:buClr>
         <a:buFont typeface="Arial" panose="020B0604020202020204" pitchFamily="34" charset="0"/>
         <a:buChar char="•"/>
-        <a:defRPr sz="1400" kern="1200" cap="none" baseline="0">
+        <a:defRPr sz="1400" kern="1200" cap="all" baseline="0">
           <a:solidFill>
             <a:schemeClr val="tx1"/>
           </a:solidFill>
@@ -17449,7 +17491,7 @@
       </a:lvl9pPr>
     </p:otherStyle>
   </p:txStyles>
-  <p:extLst mod="1">
+  <p:extLst>
     <p:ext uri="{27BBF7A9-308A-43DC-89C8-2F10F3537804}">
       <p15:sldGuideLst xmlns:p15="http://schemas.microsoft.com/office/powerpoint/2012/main"/>
     </p:ext>
@@ -19791,7 +19833,7 @@
         <p:spPr/>
         <p:txBody>
           <a:bodyPr>
-            <a:normAutofit lnSpcReduction="10000"/>
+            <a:normAutofit fontScale="92500"/>
           </a:bodyPr>
           <a:lstStyle/>
           <a:p>
@@ -21838,7 +21880,7 @@
         </p:spPr>
         <p:txBody>
           <a:bodyPr>
-            <a:normAutofit/>
+            <a:normAutofit lnSpcReduction="10000"/>
           </a:bodyPr>
           <a:lstStyle/>
           <a:p>
@@ -24141,7 +24183,7 @@
           </a:ln>
           <a:extLst>
             <a:ext uri="{91240B29-F687-4f45-9708-019B960494DF}">
-              <a14:hiddenLine xmlns:a14="http://schemas.microsoft.com/office/drawing/2010/main" xmlns="" w="9525">
+              <a14:hiddenLine xmlns="" xmlns:a14="http://schemas.microsoft.com/office/drawing/2010/main" w="9525">
                 <a:solidFill>
                   <a:srgbClr val="000000"/>
                 </a:solidFill>
@@ -24195,7 +24237,7 @@
           </a:ln>
           <a:extLst>
             <a:ext uri="{91240B29-F687-4f45-9708-019B960494DF}">
-              <a14:hiddenLine xmlns:a14="http://schemas.microsoft.com/office/drawing/2010/main" xmlns="" w="9525">
+              <a14:hiddenLine xmlns="" xmlns:a14="http://schemas.microsoft.com/office/drawing/2010/main" w="9525">
                 <a:solidFill>
                   <a:srgbClr val="000000"/>
                 </a:solidFill>
@@ -24828,7 +24870,7 @@
 <file path=ppt/theme/theme1.xml><?xml version="1.0" encoding="utf-8"?>
 <a:theme xmlns:a="http://schemas.openxmlformats.org/drawingml/2006/main" name="Droplet">
   <a:themeElements>
-    <a:clrScheme name="Droplet">
+    <a:clrScheme name="Office">
       <a:dk1>
         <a:sysClr val="windowText" lastClr="000000"/>
       </a:dk1>
@@ -24836,34 +24878,34 @@
         <a:sysClr val="window" lastClr="FFFFFF"/>
       </a:lt1>
       <a:dk2>
-        <a:srgbClr val="355071"/>
+        <a:srgbClr val="44546A"/>
       </a:dk2>
       <a:lt2>
-        <a:srgbClr val="AABED7"/>
+        <a:srgbClr val="E7E6E6"/>
       </a:lt2>
       <a:accent1>
-        <a:srgbClr val="2FA3EE"/>
+        <a:srgbClr val="5B9BD5"/>
       </a:accent1>
       <a:accent2>
-        <a:srgbClr val="4BCAAD"/>
+        <a:srgbClr val="ED7D31"/>
       </a:accent2>
       <a:accent3>
-        <a:srgbClr val="86C157"/>
+        <a:srgbClr val="A5A5A5"/>
       </a:accent3>
       <a:accent4>
-        <a:srgbClr val="D99C3F"/>
+        <a:srgbClr val="FFC000"/>
       </a:accent4>
       <a:accent5>
-        <a:srgbClr val="CE6633"/>
+        <a:srgbClr val="4472C4"/>
       </a:accent5>
       <a:accent6>
-        <a:srgbClr val="A35DD1"/>
+        <a:srgbClr val="70AD47"/>
       </a:accent6>
       <a:hlink>
-        <a:srgbClr val="56BCFE"/>
+        <a:srgbClr val="0563C1"/>
       </a:hlink>
       <a:folHlink>
-        <a:srgbClr val="97C5E3"/>
+        <a:srgbClr val="954F72"/>
       </a:folHlink>
     </a:clrScheme>
     <a:fontScheme name="Droplet">

--- a/Building SPAs in SharePoint Using AngularJS.pptx
+++ b/Building SPAs in SharePoint Using AngularJS.pptx
@@ -4501,8 +4501,8 @@
     <dgm:cxn modelId="{BAD6D932-295D-4B11-AB4F-C6A51681FEBF}" type="presOf" srcId="{CF2E496F-FE56-4416-B846-DC12E4577A57}" destId="{17A1F249-6BEF-4F56-A4D8-8470A1E98F15}" srcOrd="0" destOrd="4" presId="urn:microsoft.com/office/officeart/2005/8/layout/hProcess9"/>
     <dgm:cxn modelId="{EA0EE867-287C-4759-B04B-1A44DD272934}" srcId="{EB74A234-8CAB-45D0-A223-6A45EB9687CD}" destId="{73AD9478-DFBD-45AE-8C86-9F4CB3BB1065}" srcOrd="2" destOrd="0" parTransId="{9746DDD7-C15A-4CDE-A7A9-ECC7812B47E4}" sibTransId="{B69AF354-070B-44D2-9041-ADEA0B558672}"/>
     <dgm:cxn modelId="{04F02849-7425-4E1F-898E-FA7DF4ED9666}" srcId="{95A2F766-9D02-45F9-8F0E-E4477259B64E}" destId="{7BAE7899-E3C2-4B98-B54B-7CF98FABE6C9}" srcOrd="1" destOrd="0" parTransId="{6A4813D0-9A5E-4C8A-8814-6B3627CFB165}" sibTransId="{F555F416-CF8C-46B6-A6CB-31C043865330}"/>
+    <dgm:cxn modelId="{4B256FB0-F8A6-4FC7-9768-1B5644FB9597}" srcId="{95A2F766-9D02-45F9-8F0E-E4477259B64E}" destId="{06ABEAEB-0AB1-4B03-9DB2-1747D846F76E}" srcOrd="2" destOrd="0" parTransId="{39D41540-6B5A-4F2C-B728-B10955AEA6F0}" sibTransId="{31BEE491-4EB9-4240-BAFF-E839945F6CC2}"/>
     <dgm:cxn modelId="{06CBBF6D-5C60-4E24-85FE-3D72B5DF292D}" type="presOf" srcId="{D025C9CA-C276-4620-8793-4C01C8D3C8C5}" destId="{17A1F249-6BEF-4F56-A4D8-8470A1E98F15}" srcOrd="0" destOrd="5" presId="urn:microsoft.com/office/officeart/2005/8/layout/hProcess9"/>
-    <dgm:cxn modelId="{4B256FB0-F8A6-4FC7-9768-1B5644FB9597}" srcId="{95A2F766-9D02-45F9-8F0E-E4477259B64E}" destId="{06ABEAEB-0AB1-4B03-9DB2-1747D846F76E}" srcOrd="2" destOrd="0" parTransId="{39D41540-6B5A-4F2C-B728-B10955AEA6F0}" sibTransId="{31BEE491-4EB9-4240-BAFF-E839945F6CC2}"/>
     <dgm:cxn modelId="{56E07505-5528-42D2-BF65-AC0B13049BD5}" srcId="{06ABEAEB-0AB1-4B03-9DB2-1747D846F76E}" destId="{DAD5068A-7091-420C-87F0-598961455E7C}" srcOrd="0" destOrd="0" parTransId="{E2E48095-73D9-45CE-B1F4-5CC208A04174}" sibTransId="{6BA6DC11-1A25-4A5E-A262-45E03AB8968F}"/>
     <dgm:cxn modelId="{597B6F7A-1AB8-7A40-A88C-F20BDA8446CA}" type="presOf" srcId="{3D2CA84F-7F83-488E-9CE9-2466A7E58E8C}" destId="{C5C479F1-027C-425C-A0B3-5734FC2D9DF4}" srcOrd="0" destOrd="3" presId="urn:microsoft.com/office/officeart/2005/8/layout/hProcess9"/>
     <dgm:cxn modelId="{0E8AE683-6858-4ECC-8F94-9CB028DF1605}" srcId="{7BAE7899-E3C2-4B98-B54B-7CF98FABE6C9}" destId="{9D1C7FDD-1C7E-4F92-A303-4A4F612A191B}" srcOrd="0" destOrd="0" parTransId="{CE3951D3-C82F-4197-BB44-E4023C884400}" sibTransId="{78BC0FB8-1233-449C-947F-C73B9E9738DF}"/>
@@ -10183,7 +10183,7 @@
           <a:p>
             <a:fld id="{061C5132-FFA3-4B02-9F09-22FCF40EFA74}" type="datetimeFigureOut">
               <a:rPr lang="en-US" smtClean="0"/>
-              <a:t>7/11/15</a:t>
+              <a:t>7/13/15</a:t>
             </a:fld>
             <a:endParaRPr lang="en-US"/>
           </a:p>
@@ -10348,7 +10348,7 @@
           <a:p>
             <a:fld id="{0B6E42C9-243F-4DC5-AFF6-9D56B5FA9D63}" type="datetimeFigureOut">
               <a:rPr lang="en-US" smtClean="0"/>
-              <a:t>7/11/15</a:t>
+              <a:t>7/13/15</a:t>
             </a:fld>
             <a:endParaRPr lang="en-US"/>
           </a:p>
@@ -11187,7 +11187,7 @@
           <a:p>
             <a:fld id="{48A87A34-81AB-432B-8DAE-1953F412C126}" type="datetimeFigureOut">
               <a:rPr lang="en-US" smtClean="0"/>
-              <a:t>7/11/15</a:t>
+              <a:t>7/13/15</a:t>
             </a:fld>
             <a:endParaRPr lang="en-US" dirty="0"/>
           </a:p>
@@ -11518,7 +11518,7 @@
           <a:p>
             <a:fld id="{48A87A34-81AB-432B-8DAE-1953F412C126}" type="datetimeFigureOut">
               <a:rPr lang="en-US" smtClean="0"/>
-              <a:t>7/11/15</a:t>
+              <a:t>7/13/15</a:t>
             </a:fld>
             <a:endParaRPr lang="en-US" dirty="0"/>
           </a:p>
@@ -11751,7 +11751,7 @@
           <a:p>
             <a:fld id="{48A87A34-81AB-432B-8DAE-1953F412C126}" type="datetimeFigureOut">
               <a:rPr lang="en-US" smtClean="0"/>
-              <a:t>7/11/15</a:t>
+              <a:t>7/13/15</a:t>
             </a:fld>
             <a:endParaRPr lang="en-US" dirty="0"/>
           </a:p>
@@ -12053,7 +12053,7 @@
           <a:p>
             <a:fld id="{48A87A34-81AB-432B-8DAE-1953F412C126}" type="datetimeFigureOut">
               <a:rPr lang="en-US" smtClean="0"/>
-              <a:t>7/11/15</a:t>
+              <a:t>7/13/15</a:t>
             </a:fld>
             <a:endParaRPr lang="en-US" dirty="0"/>
           </a:p>
@@ -12518,7 +12518,7 @@
           <a:p>
             <a:fld id="{48A87A34-81AB-432B-8DAE-1953F412C126}" type="datetimeFigureOut">
               <a:rPr lang="en-US" smtClean="0"/>
-              <a:t>7/11/15</a:t>
+              <a:t>7/13/15</a:t>
             </a:fld>
             <a:endParaRPr lang="en-US" dirty="0"/>
           </a:p>
@@ -13105,7 +13105,7 @@
           <a:p>
             <a:fld id="{48A87A34-81AB-432B-8DAE-1953F412C126}" type="datetimeFigureOut">
               <a:rPr lang="en-US" smtClean="0"/>
-              <a:t>7/11/15</a:t>
+              <a:t>7/13/15</a:t>
             </a:fld>
             <a:endParaRPr lang="en-US" dirty="0"/>
           </a:p>
@@ -13968,7 +13968,7 @@
           <a:p>
             <a:fld id="{48A87A34-81AB-432B-8DAE-1953F412C126}" type="datetimeFigureOut">
               <a:rPr lang="en-US" smtClean="0"/>
-              <a:t>7/11/15</a:t>
+              <a:t>7/13/15</a:t>
             </a:fld>
             <a:endParaRPr lang="en-US" dirty="0"/>
           </a:p>
@@ -14184,7 +14184,7 @@
           <a:p>
             <a:fld id="{B0FE2824-C2A0-4931-BB32-60B24BDBB3CC}" type="datetimeFigureOut">
               <a:rPr lang="en-US" smtClean="0"/>
-              <a:t>7/11/15</a:t>
+              <a:t>7/13/15</a:t>
             </a:fld>
             <a:endParaRPr lang="en-US"/>
           </a:p>
@@ -14417,7 +14417,7 @@
           <a:p>
             <a:fld id="{B0FE2824-C2A0-4931-BB32-60B24BDBB3CC}" type="datetimeFigureOut">
               <a:rPr lang="en-US" smtClean="0"/>
-              <a:t>7/11/15</a:t>
+              <a:t>7/13/15</a:t>
             </a:fld>
             <a:endParaRPr lang="en-US"/>
           </a:p>
@@ -14721,7 +14721,7 @@
           <a:p>
             <a:fld id="{B0FE2824-C2A0-4931-BB32-60B24BDBB3CC}" type="datetimeFigureOut">
               <a:rPr lang="en-US" smtClean="0"/>
-              <a:t>7/11/15</a:t>
+              <a:t>7/13/15</a:t>
             </a:fld>
             <a:endParaRPr lang="en-US"/>
           </a:p>
@@ -15020,7 +15020,7 @@
           <a:p>
             <a:fld id="{48A87A34-81AB-432B-8DAE-1953F412C126}" type="datetimeFigureOut">
               <a:rPr lang="en-US" smtClean="0"/>
-              <a:t>7/11/15</a:t>
+              <a:t>7/13/15</a:t>
             </a:fld>
             <a:endParaRPr lang="en-US" dirty="0"/>
           </a:p>
@@ -15306,7 +15306,7 @@
           <a:p>
             <a:fld id="{B0FE2824-C2A0-4931-BB32-60B24BDBB3CC}" type="datetimeFigureOut">
               <a:rPr lang="en-US" smtClean="0"/>
-              <a:t>7/11/15</a:t>
+              <a:t>7/13/15</a:t>
             </a:fld>
             <a:endParaRPr lang="en-US"/>
           </a:p>
@@ -15740,7 +15740,7 @@
           <a:p>
             <a:fld id="{B0FE2824-C2A0-4931-BB32-60B24BDBB3CC}" type="datetimeFigureOut">
               <a:rPr lang="en-US" smtClean="0"/>
-              <a:t>7/11/15</a:t>
+              <a:t>7/13/15</a:t>
             </a:fld>
             <a:endParaRPr lang="en-US"/>
           </a:p>
@@ -15907,7 +15907,7 @@
           <a:p>
             <a:fld id="{B0FE2824-C2A0-4931-BB32-60B24BDBB3CC}" type="datetimeFigureOut">
               <a:rPr lang="en-US" smtClean="0"/>
-              <a:t>7/11/15</a:t>
+              <a:t>7/13/15</a:t>
             </a:fld>
             <a:endParaRPr lang="en-US"/>
           </a:p>
@@ -16051,7 +16051,7 @@
           <a:p>
             <a:fld id="{B0FE2824-C2A0-4931-BB32-60B24BDBB3CC}" type="datetimeFigureOut">
               <a:rPr lang="en-US" smtClean="0"/>
-              <a:t>7/11/15</a:t>
+              <a:t>7/13/15</a:t>
             </a:fld>
             <a:endParaRPr lang="en-US"/>
           </a:p>
@@ -16349,7 +16349,7 @@
           <a:p>
             <a:fld id="{B0FE2824-C2A0-4931-BB32-60B24BDBB3CC}" type="datetimeFigureOut">
               <a:rPr lang="en-US" smtClean="0"/>
-              <a:t>7/11/15</a:t>
+              <a:t>7/13/15</a:t>
             </a:fld>
             <a:endParaRPr lang="en-US"/>
           </a:p>
@@ -16680,7 +16680,7 @@
           <a:p>
             <a:fld id="{B0FE2824-C2A0-4931-BB32-60B24BDBB3CC}" type="datetimeFigureOut">
               <a:rPr lang="en-US" smtClean="0"/>
-              <a:t>7/11/15</a:t>
+              <a:t>7/13/15</a:t>
             </a:fld>
             <a:endParaRPr lang="en-US"/>
           </a:p>
@@ -16953,7 +16953,7 @@
             <a:fld id="{48A87A34-81AB-432B-8DAE-1953F412C126}" type="datetimeFigureOut">
               <a:rPr lang="en-US" smtClean="0"/>
               <a:pPr/>
-              <a:t>7/11/15</a:t>
+              <a:t>7/13/15</a:t>
             </a:fld>
             <a:endParaRPr lang="en-US" dirty="0"/>
           </a:p>
@@ -17616,14 +17616,14 @@
   <p:clrMapOvr>
     <a:masterClrMapping/>
   </p:clrMapOvr>
-  <mc:AlternateContent xmlns:mc="http://schemas.openxmlformats.org/markup-compatibility/2006" xmlns:p14="http://schemas.microsoft.com/office/powerpoint/2010/main">
-    <mc:Choice Requires="p14">
-      <p:transition spd="med" p14:dur="700">
-        <p:fade/>
+  <mc:AlternateContent xmlns:mc="http://schemas.openxmlformats.org/markup-compatibility/2006">
+    <mc:Choice xmlns:p14="http://schemas.microsoft.com/office/powerpoint/2010/main" Requires="p14">
+      <p:transition spd="slow" p14:dur="1500">
+        <p14:window dir="vert"/>
       </p:transition>
     </mc:Choice>
-    <mc:Fallback xmlns="">
-      <p:transition spd="med">
+    <mc:Fallback>
+      <p:transition spd="slow">
         <p:fade/>
       </p:transition>
     </mc:Fallback>
@@ -18094,14 +18094,14 @@
   <p:clrMapOvr>
     <a:masterClrMapping/>
   </p:clrMapOvr>
-  <mc:AlternateContent xmlns:mc="http://schemas.openxmlformats.org/markup-compatibility/2006" xmlns:p14="http://schemas.microsoft.com/office/powerpoint/2010/main">
-    <mc:Choice Requires="p14">
-      <p:transition spd="med" p14:dur="700">
-        <p:fade/>
+  <mc:AlternateContent xmlns:mc="http://schemas.openxmlformats.org/markup-compatibility/2006">
+    <mc:Choice xmlns:p14="http://schemas.microsoft.com/office/powerpoint/2010/main" Requires="p14">
+      <p:transition spd="slow" p14:dur="1500">
+        <p14:window dir="vert"/>
       </p:transition>
     </mc:Choice>
-    <mc:Fallback xmlns="">
-      <p:transition spd="med">
+    <mc:Fallback>
+      <p:transition spd="slow">
         <p:fade/>
       </p:transition>
     </mc:Fallback>
@@ -18703,14 +18703,14 @@
   <p:clrMapOvr>
     <a:masterClrMapping/>
   </p:clrMapOvr>
-  <mc:AlternateContent xmlns:mc="http://schemas.openxmlformats.org/markup-compatibility/2006" xmlns:p14="http://schemas.microsoft.com/office/powerpoint/2010/main">
-    <mc:Choice Requires="p14">
-      <p:transition spd="med" p14:dur="700">
-        <p:fade/>
+  <mc:AlternateContent xmlns:mc="http://schemas.openxmlformats.org/markup-compatibility/2006">
+    <mc:Choice xmlns:p14="http://schemas.microsoft.com/office/powerpoint/2010/main" Requires="p14">
+      <p:transition spd="slow" p14:dur="1500">
+        <p14:window dir="vert"/>
       </p:transition>
     </mc:Choice>
-    <mc:Fallback xmlns="">
-      <p:transition spd="med">
+    <mc:Fallback>
+      <p:transition spd="slow">
         <p:fade/>
       </p:transition>
     </mc:Fallback>
@@ -19621,14 +19621,14 @@
   <p:clrMapOvr>
     <a:masterClrMapping/>
   </p:clrMapOvr>
-  <mc:AlternateContent xmlns:mc="http://schemas.openxmlformats.org/markup-compatibility/2006" xmlns:p14="http://schemas.microsoft.com/office/powerpoint/2010/main">
-    <mc:Choice Requires="p14">
-      <p:transition spd="med" p14:dur="700">
-        <p:fade/>
+  <mc:AlternateContent xmlns:mc="http://schemas.openxmlformats.org/markup-compatibility/2006">
+    <mc:Choice xmlns:p14="http://schemas.microsoft.com/office/powerpoint/2010/main" Requires="p14">
+      <p:transition spd="slow" p14:dur="1500">
+        <p14:window dir="vert"/>
       </p:transition>
     </mc:Choice>
-    <mc:Fallback xmlns="">
-      <p:transition spd="med">
+    <mc:Fallback>
+      <p:transition spd="slow">
         <p:fade/>
       </p:transition>
     </mc:Fallback>
@@ -19758,14 +19758,14 @@
   <p:clrMapOvr>
     <a:masterClrMapping/>
   </p:clrMapOvr>
-  <mc:AlternateContent xmlns:mc="http://schemas.openxmlformats.org/markup-compatibility/2006" xmlns:p14="http://schemas.microsoft.com/office/powerpoint/2010/main">
-    <mc:Choice Requires="p14">
-      <p:transition spd="med" p14:dur="700">
-        <p:fade/>
+  <mc:AlternateContent xmlns:mc="http://schemas.openxmlformats.org/markup-compatibility/2006">
+    <mc:Choice xmlns:p14="http://schemas.microsoft.com/office/powerpoint/2010/main" Requires="p14">
+      <p:transition spd="slow" p14:dur="1500">
+        <p14:window dir="vert"/>
       </p:transition>
     </mc:Choice>
-    <mc:Fallback xmlns="">
-      <p:transition spd="med">
+    <mc:Fallback>
+      <p:transition spd="slow">
         <p:fade/>
       </p:transition>
     </mc:Fallback>
@@ -19926,14 +19926,14 @@
   <p:clrMapOvr>
     <a:masterClrMapping/>
   </p:clrMapOvr>
-  <mc:AlternateContent xmlns:mc="http://schemas.openxmlformats.org/markup-compatibility/2006" xmlns:p14="http://schemas.microsoft.com/office/powerpoint/2010/main">
-    <mc:Choice Requires="p14">
-      <p:transition spd="med" p14:dur="700">
-        <p:fade/>
+  <mc:AlternateContent xmlns:mc="http://schemas.openxmlformats.org/markup-compatibility/2006">
+    <mc:Choice xmlns:p14="http://schemas.microsoft.com/office/powerpoint/2010/main" Requires="p14">
+      <p:transition spd="slow" p14:dur="1500">
+        <p14:window dir="vert"/>
       </p:transition>
     </mc:Choice>
-    <mc:Fallback xmlns="">
-      <p:transition spd="med">
+    <mc:Fallback>
+      <p:transition spd="slow">
         <p:fade/>
       </p:transition>
     </mc:Fallback>
@@ -20056,14 +20056,14 @@
   <p:clrMapOvr>
     <a:masterClrMapping/>
   </p:clrMapOvr>
-  <mc:AlternateContent xmlns:mc="http://schemas.openxmlformats.org/markup-compatibility/2006" xmlns:p14="http://schemas.microsoft.com/office/powerpoint/2010/main">
-    <mc:Choice Requires="p14">
-      <p:transition spd="med" p14:dur="700">
-        <p:fade/>
+  <mc:AlternateContent xmlns:mc="http://schemas.openxmlformats.org/markup-compatibility/2006">
+    <mc:Choice xmlns:p14="http://schemas.microsoft.com/office/powerpoint/2010/main" Requires="p14">
+      <p:transition spd="slow" p14:dur="1500">
+        <p14:window dir="vert"/>
       </p:transition>
     </mc:Choice>
-    <mc:Fallback xmlns="">
-      <p:transition spd="med">
+    <mc:Fallback>
+      <p:transition spd="slow">
         <p:fade/>
       </p:transition>
     </mc:Fallback>
@@ -20211,14 +20211,14 @@
   <p:clrMapOvr>
     <a:masterClrMapping/>
   </p:clrMapOvr>
-  <mc:AlternateContent xmlns:mc="http://schemas.openxmlformats.org/markup-compatibility/2006" xmlns:p14="http://schemas.microsoft.com/office/powerpoint/2010/main">
-    <mc:Choice Requires="p14">
-      <p:transition spd="med" p14:dur="700">
-        <p:fade/>
+  <mc:AlternateContent xmlns:mc="http://schemas.openxmlformats.org/markup-compatibility/2006">
+    <mc:Choice xmlns:p14="http://schemas.microsoft.com/office/powerpoint/2010/main" Requires="p14">
+      <p:transition spd="slow" p14:dur="1500">
+        <p14:window dir="vert"/>
       </p:transition>
     </mc:Choice>
-    <mc:Fallback xmlns="">
-      <p:transition spd="med">
+    <mc:Fallback>
+      <p:transition spd="slow">
         <p:fade/>
       </p:transition>
     </mc:Fallback>
@@ -20295,14 +20295,14 @@
   <p:clrMapOvr>
     <a:masterClrMapping/>
   </p:clrMapOvr>
-  <mc:AlternateContent xmlns:mc="http://schemas.openxmlformats.org/markup-compatibility/2006" xmlns:p14="http://schemas.microsoft.com/office/powerpoint/2010/main">
-    <mc:Choice Requires="p14">
-      <p:transition spd="med" p14:dur="700">
-        <p:fade/>
+  <mc:AlternateContent xmlns:mc="http://schemas.openxmlformats.org/markup-compatibility/2006">
+    <mc:Choice xmlns:p14="http://schemas.microsoft.com/office/powerpoint/2010/main" Requires="p14">
+      <p:transition spd="slow" p14:dur="1500">
+        <p14:window dir="vert"/>
       </p:transition>
     </mc:Choice>
-    <mc:Fallback xmlns="">
-      <p:transition spd="med">
+    <mc:Fallback>
+      <p:transition spd="slow">
         <p:fade/>
       </p:transition>
     </mc:Fallback>
@@ -20471,14 +20471,14 @@
   <p:clrMapOvr>
     <a:masterClrMapping/>
   </p:clrMapOvr>
-  <mc:AlternateContent xmlns:mc="http://schemas.openxmlformats.org/markup-compatibility/2006" xmlns:p14="http://schemas.microsoft.com/office/powerpoint/2010/main">
-    <mc:Choice Requires="p14">
-      <p:transition spd="med" p14:dur="700">
-        <p:fade/>
+  <mc:AlternateContent xmlns:mc="http://schemas.openxmlformats.org/markup-compatibility/2006">
+    <mc:Choice xmlns:p14="http://schemas.microsoft.com/office/powerpoint/2010/main" Requires="p14">
+      <p:transition spd="slow" p14:dur="1500">
+        <p14:window dir="vert"/>
       </p:transition>
     </mc:Choice>
-    <mc:Fallback xmlns="">
-      <p:transition spd="med">
+    <mc:Fallback>
+      <p:transition spd="slow">
         <p:fade/>
       </p:transition>
     </mc:Fallback>
@@ -20661,14 +20661,14 @@
   <p:clrMapOvr>
     <a:masterClrMapping/>
   </p:clrMapOvr>
-  <mc:AlternateContent xmlns:mc="http://schemas.openxmlformats.org/markup-compatibility/2006" xmlns:p14="http://schemas.microsoft.com/office/powerpoint/2010/main">
-    <mc:Choice Requires="p14">
-      <p:transition spd="med" p14:dur="700">
-        <p:fade/>
+  <mc:AlternateContent xmlns:mc="http://schemas.openxmlformats.org/markup-compatibility/2006">
+    <mc:Choice xmlns:p14="http://schemas.microsoft.com/office/powerpoint/2010/main" Requires="p14">
+      <p:transition spd="slow" p14:dur="1500">
+        <p14:window dir="vert"/>
       </p:transition>
     </mc:Choice>
-    <mc:Fallback xmlns="">
-      <p:transition spd="med">
+    <mc:Fallback>
+      <p:transition spd="slow">
         <p:fade/>
       </p:transition>
     </mc:Fallback>
@@ -21068,14 +21068,14 @@
   <p:clrMapOvr>
     <a:masterClrMapping/>
   </p:clrMapOvr>
-  <mc:AlternateContent xmlns:mc="http://schemas.openxmlformats.org/markup-compatibility/2006" xmlns:p14="http://schemas.microsoft.com/office/powerpoint/2010/main">
-    <mc:Choice Requires="p14">
-      <p:transition spd="med" p14:dur="700">
-        <p:fade/>
+  <mc:AlternateContent xmlns:mc="http://schemas.openxmlformats.org/markup-compatibility/2006">
+    <mc:Choice xmlns:p14="http://schemas.microsoft.com/office/powerpoint/2010/main" Requires="p14">
+      <p:transition spd="slow" p14:dur="1500">
+        <p14:window dir="vert"/>
       </p:transition>
     </mc:Choice>
-    <mc:Fallback xmlns="">
-      <p:transition spd="med">
+    <mc:Fallback>
+      <p:transition spd="slow">
         <p:fade/>
       </p:transition>
     </mc:Fallback>
@@ -21214,14 +21214,14 @@
   <p:clrMapOvr>
     <a:masterClrMapping/>
   </p:clrMapOvr>
-  <mc:AlternateContent xmlns:mc="http://schemas.openxmlformats.org/markup-compatibility/2006" xmlns:p14="http://schemas.microsoft.com/office/powerpoint/2010/main">
-    <mc:Choice Requires="p14">
-      <p:transition spd="med" p14:dur="700">
-        <p:fade/>
+  <mc:AlternateContent xmlns:mc="http://schemas.openxmlformats.org/markup-compatibility/2006">
+    <mc:Choice xmlns:p14="http://schemas.microsoft.com/office/powerpoint/2010/main" Requires="p14">
+      <p:transition spd="slow" p14:dur="1500">
+        <p14:window dir="vert"/>
       </p:transition>
     </mc:Choice>
-    <mc:Fallback xmlns="">
-      <p:transition spd="med">
+    <mc:Fallback>
+      <p:transition spd="slow">
         <p:fade/>
       </p:transition>
     </mc:Fallback>
@@ -21430,14 +21430,14 @@
   <p:clrMapOvr>
     <a:masterClrMapping/>
   </p:clrMapOvr>
-  <mc:AlternateContent xmlns:mc="http://schemas.openxmlformats.org/markup-compatibility/2006" xmlns:p14="http://schemas.microsoft.com/office/powerpoint/2010/main">
-    <mc:Choice Requires="p14">
-      <p:transition spd="med" p14:dur="700">
-        <p:fade/>
+  <mc:AlternateContent xmlns:mc="http://schemas.openxmlformats.org/markup-compatibility/2006">
+    <mc:Choice xmlns:p14="http://schemas.microsoft.com/office/powerpoint/2010/main" Requires="p14">
+      <p:transition spd="slow" p14:dur="1500">
+        <p14:window dir="vert"/>
       </p:transition>
     </mc:Choice>
-    <mc:Fallback xmlns="">
-      <p:transition spd="med">
+    <mc:Fallback>
+      <p:transition spd="slow">
         <p:fade/>
       </p:transition>
     </mc:Fallback>
@@ -21521,14 +21521,14 @@
   <p:clrMapOvr>
     <a:masterClrMapping/>
   </p:clrMapOvr>
-  <mc:AlternateContent xmlns:mc="http://schemas.openxmlformats.org/markup-compatibility/2006" xmlns:p14="http://schemas.microsoft.com/office/powerpoint/2010/main">
-    <mc:Choice Requires="p14">
-      <p:transition spd="med" p14:dur="700">
-        <p:fade/>
+  <mc:AlternateContent xmlns:mc="http://schemas.openxmlformats.org/markup-compatibility/2006">
+    <mc:Choice xmlns:p14="http://schemas.microsoft.com/office/powerpoint/2010/main" Requires="p14">
+      <p:transition spd="slow" p14:dur="1500">
+        <p14:window dir="vert"/>
       </p:transition>
     </mc:Choice>
-    <mc:Fallback xmlns="">
-      <p:transition spd="med">
+    <mc:Fallback>
+      <p:transition spd="slow">
         <p:fade/>
       </p:transition>
     </mc:Fallback>
@@ -21612,14 +21612,14 @@
   <p:clrMapOvr>
     <a:masterClrMapping/>
   </p:clrMapOvr>
-  <mc:AlternateContent xmlns:mc="http://schemas.openxmlformats.org/markup-compatibility/2006" xmlns:p14="http://schemas.microsoft.com/office/powerpoint/2010/main">
-    <mc:Choice Requires="p14">
-      <p:transition spd="med" p14:dur="700">
-        <p:fade/>
+  <mc:AlternateContent xmlns:mc="http://schemas.openxmlformats.org/markup-compatibility/2006">
+    <mc:Choice xmlns:p14="http://schemas.microsoft.com/office/powerpoint/2010/main" Requires="p14">
+      <p:transition spd="slow" p14:dur="1500">
+        <p14:window dir="vert"/>
       </p:transition>
     </mc:Choice>
-    <mc:Fallback xmlns="">
-      <p:transition spd="med">
+    <mc:Fallback>
+      <p:transition spd="slow">
         <p:fade/>
       </p:transition>
     </mc:Fallback>
@@ -21709,14 +21709,14 @@
   <p:clrMapOvr>
     <a:masterClrMapping/>
   </p:clrMapOvr>
-  <mc:AlternateContent xmlns:mc="http://schemas.openxmlformats.org/markup-compatibility/2006" xmlns:p14="http://schemas.microsoft.com/office/powerpoint/2010/main">
-    <mc:Choice Requires="p14">
-      <p:transition spd="med" p14:dur="700">
-        <p:fade/>
+  <mc:AlternateContent xmlns:mc="http://schemas.openxmlformats.org/markup-compatibility/2006">
+    <mc:Choice xmlns:p14="http://schemas.microsoft.com/office/powerpoint/2010/main" Requires="p14">
+      <p:transition spd="slow" p14:dur="1500">
+        <p14:window dir="vert"/>
       </p:transition>
     </mc:Choice>
-    <mc:Fallback xmlns="">
-      <p:transition spd="med">
+    <mc:Fallback>
+      <p:transition spd="slow">
         <p:fade/>
       </p:transition>
     </mc:Fallback>
@@ -21800,14 +21800,14 @@
   <p:clrMapOvr>
     <a:masterClrMapping/>
   </p:clrMapOvr>
-  <mc:AlternateContent xmlns:mc="http://schemas.openxmlformats.org/markup-compatibility/2006" xmlns:p14="http://schemas.microsoft.com/office/powerpoint/2010/main">
-    <mc:Choice Requires="p14">
-      <p:transition spd="med" p14:dur="700">
-        <p:fade/>
+  <mc:AlternateContent xmlns:mc="http://schemas.openxmlformats.org/markup-compatibility/2006">
+    <mc:Choice xmlns:p14="http://schemas.microsoft.com/office/powerpoint/2010/main" Requires="p14">
+      <p:transition spd="slow" p14:dur="1500">
+        <p14:window dir="vert"/>
       </p:transition>
     </mc:Choice>
-    <mc:Fallback xmlns="">
-      <p:transition spd="med">
+    <mc:Fallback>
+      <p:transition spd="slow">
         <p:fade/>
       </p:transition>
     </mc:Fallback>
@@ -21986,14 +21986,14 @@
   <p:clrMapOvr>
     <a:masterClrMapping/>
   </p:clrMapOvr>
-  <mc:AlternateContent xmlns:mc="http://schemas.openxmlformats.org/markup-compatibility/2006" xmlns:p14="http://schemas.microsoft.com/office/powerpoint/2010/main">
-    <mc:Choice Requires="p14">
-      <p:transition spd="med" p14:dur="700">
-        <p:fade/>
+  <mc:AlternateContent xmlns:mc="http://schemas.openxmlformats.org/markup-compatibility/2006">
+    <mc:Choice xmlns:p14="http://schemas.microsoft.com/office/powerpoint/2010/main" Requires="p14">
+      <p:transition spd="slow" p14:dur="1500">
+        <p14:window dir="vert"/>
       </p:transition>
     </mc:Choice>
-    <mc:Fallback xmlns="">
-      <p:transition spd="med">
+    <mc:Fallback>
+      <p:transition spd="slow">
         <p:fade/>
       </p:transition>
     </mc:Fallback>
@@ -22593,14 +22593,14 @@
   <p:clrMapOvr>
     <a:masterClrMapping/>
   </p:clrMapOvr>
-  <mc:AlternateContent xmlns:mc="http://schemas.openxmlformats.org/markup-compatibility/2006" xmlns:p14="http://schemas.microsoft.com/office/powerpoint/2010/main">
-    <mc:Choice Requires="p14">
-      <p:transition spd="med" p14:dur="700">
-        <p:fade/>
+  <mc:AlternateContent xmlns:mc="http://schemas.openxmlformats.org/markup-compatibility/2006">
+    <mc:Choice xmlns:p14="http://schemas.microsoft.com/office/powerpoint/2010/main" Requires="p14">
+      <p:transition spd="slow" p14:dur="1500">
+        <p14:window dir="vert"/>
       </p:transition>
     </mc:Choice>
-    <mc:Fallback xmlns="">
-      <p:transition spd="med">
+    <mc:Fallback>
+      <p:transition spd="slow">
         <p:fade/>
       </p:transition>
     </mc:Fallback>
@@ -22719,14 +22719,14 @@
   <p:clrMapOvr>
     <a:masterClrMapping/>
   </p:clrMapOvr>
-  <mc:AlternateContent xmlns:mc="http://schemas.openxmlformats.org/markup-compatibility/2006" xmlns:p14="http://schemas.microsoft.com/office/powerpoint/2010/main">
-    <mc:Choice Requires="p14">
-      <p:transition spd="med" p14:dur="700">
-        <p:fade/>
+  <mc:AlternateContent xmlns:mc="http://schemas.openxmlformats.org/markup-compatibility/2006">
+    <mc:Choice xmlns:p14="http://schemas.microsoft.com/office/powerpoint/2010/main" Requires="p14">
+      <p:transition spd="slow" p14:dur="1500">
+        <p14:window dir="vert"/>
       </p:transition>
     </mc:Choice>
-    <mc:Fallback xmlns="">
-      <p:transition spd="med">
+    <mc:Fallback>
+      <p:transition spd="slow">
         <p:fade/>
       </p:transition>
     </mc:Fallback>
@@ -22812,14 +22812,14 @@
   <p:clrMapOvr>
     <a:masterClrMapping/>
   </p:clrMapOvr>
-  <mc:AlternateContent xmlns:mc="http://schemas.openxmlformats.org/markup-compatibility/2006" xmlns:p14="http://schemas.microsoft.com/office/powerpoint/2010/main">
-    <mc:Choice Requires="p14">
-      <p:transition spd="med" p14:dur="700">
-        <p:fade/>
+  <mc:AlternateContent xmlns:mc="http://schemas.openxmlformats.org/markup-compatibility/2006">
+    <mc:Choice xmlns:p14="http://schemas.microsoft.com/office/powerpoint/2010/main" Requires="p14">
+      <p:transition spd="slow" p14:dur="1500">
+        <p14:window dir="vert"/>
       </p:transition>
     </mc:Choice>
-    <mc:Fallback xmlns="">
-      <p:transition spd="med">
+    <mc:Fallback>
+      <p:transition spd="slow">
         <p:fade/>
       </p:transition>
     </mc:Fallback>
@@ -23016,14 +23016,14 @@
   <p:clrMapOvr>
     <a:masterClrMapping/>
   </p:clrMapOvr>
-  <mc:AlternateContent xmlns:mc="http://schemas.openxmlformats.org/markup-compatibility/2006" xmlns:p14="http://schemas.microsoft.com/office/powerpoint/2010/main">
-    <mc:Choice Requires="p14">
-      <p:transition spd="med" p14:dur="700">
-        <p:fade/>
+  <mc:AlternateContent xmlns:mc="http://schemas.openxmlformats.org/markup-compatibility/2006">
+    <mc:Choice xmlns:p14="http://schemas.microsoft.com/office/powerpoint/2010/main" Requires="p14">
+      <p:transition spd="slow" p14:dur="1500">
+        <p14:window dir="vert"/>
       </p:transition>
     </mc:Choice>
-    <mc:Fallback xmlns="">
-      <p:transition spd="med">
+    <mc:Fallback>
+      <p:transition spd="slow">
         <p:fade/>
       </p:transition>
     </mc:Fallback>
@@ -24183,7 +24183,7 @@
           </a:ln>
           <a:extLst>
             <a:ext uri="{91240B29-F687-4f45-9708-019B960494DF}">
-              <a14:hiddenLine xmlns="" xmlns:a14="http://schemas.microsoft.com/office/drawing/2010/main" w="9525">
+              <a14:hiddenLine xmlns:a14="http://schemas.microsoft.com/office/drawing/2010/main" xmlns="" w="9525">
                 <a:solidFill>
                   <a:srgbClr val="000000"/>
                 </a:solidFill>
@@ -24237,7 +24237,7 @@
           </a:ln>
           <a:extLst>
             <a:ext uri="{91240B29-F687-4f45-9708-019B960494DF}">
-              <a14:hiddenLine xmlns="" xmlns:a14="http://schemas.microsoft.com/office/drawing/2010/main" w="9525">
+              <a14:hiddenLine xmlns:a14="http://schemas.microsoft.com/office/drawing/2010/main" xmlns="" w="9525">
                 <a:solidFill>
                   <a:srgbClr val="000000"/>
                 </a:solidFill>
@@ -24402,14 +24402,14 @@
   <p:clrMapOvr>
     <a:masterClrMapping/>
   </p:clrMapOvr>
-  <mc:AlternateContent xmlns:mc="http://schemas.openxmlformats.org/markup-compatibility/2006" xmlns:p14="http://schemas.microsoft.com/office/powerpoint/2010/main">
-    <mc:Choice Requires="p14">
-      <p:transition spd="med" p14:dur="700">
-        <p:fade/>
+  <mc:AlternateContent xmlns:mc="http://schemas.openxmlformats.org/markup-compatibility/2006">
+    <mc:Choice xmlns:p14="http://schemas.microsoft.com/office/powerpoint/2010/main" Requires="p14">
+      <p:transition spd="slow" p14:dur="1500">
+        <p14:window dir="vert"/>
       </p:transition>
     </mc:Choice>
-    <mc:Fallback xmlns="">
-      <p:transition spd="med">
+    <mc:Fallback>
+      <p:transition spd="slow">
         <p:fade/>
       </p:transition>
     </mc:Fallback>
@@ -24495,14 +24495,14 @@
   <p:clrMapOvr>
     <a:masterClrMapping/>
   </p:clrMapOvr>
-  <mc:AlternateContent xmlns:mc="http://schemas.openxmlformats.org/markup-compatibility/2006" xmlns:p14="http://schemas.microsoft.com/office/powerpoint/2010/main">
-    <mc:Choice Requires="p14">
-      <p:transition spd="med" p14:dur="700">
-        <p:fade/>
+  <mc:AlternateContent xmlns:mc="http://schemas.openxmlformats.org/markup-compatibility/2006">
+    <mc:Choice xmlns:p14="http://schemas.microsoft.com/office/powerpoint/2010/main" Requires="p14">
+      <p:transition spd="slow" p14:dur="1500">
+        <p14:window dir="vert"/>
       </p:transition>
     </mc:Choice>
-    <mc:Fallback xmlns="">
-      <p:transition spd="med">
+    <mc:Fallback>
+      <p:transition spd="slow">
         <p:fade/>
       </p:transition>
     </mc:Fallback>
@@ -24748,14 +24748,14 @@
   <p:clrMapOvr>
     <a:masterClrMapping/>
   </p:clrMapOvr>
-  <mc:AlternateContent xmlns:mc="http://schemas.openxmlformats.org/markup-compatibility/2006" xmlns:p14="http://schemas.microsoft.com/office/powerpoint/2010/main">
-    <mc:Choice Requires="p14">
-      <p:transition spd="med" p14:dur="700">
-        <p:fade/>
+  <mc:AlternateContent xmlns:mc="http://schemas.openxmlformats.org/markup-compatibility/2006">
+    <mc:Choice xmlns:p14="http://schemas.microsoft.com/office/powerpoint/2010/main" Requires="p14">
+      <p:transition spd="slow" p14:dur="1500">
+        <p14:window dir="vert"/>
       </p:transition>
     </mc:Choice>
-    <mc:Fallback xmlns="">
-      <p:transition spd="med">
+    <mc:Fallback>
+      <p:transition spd="slow">
         <p:fade/>
       </p:transition>
     </mc:Fallback>
@@ -24845,14 +24845,14 @@
   <p:clrMapOvr>
     <a:masterClrMapping/>
   </p:clrMapOvr>
-  <mc:AlternateContent xmlns:mc="http://schemas.openxmlformats.org/markup-compatibility/2006" xmlns:p14="http://schemas.microsoft.com/office/powerpoint/2010/main">
-    <mc:Choice Requires="p14">
-      <p:transition spd="med" p14:dur="700">
-        <p:fade/>
+  <mc:AlternateContent xmlns:mc="http://schemas.openxmlformats.org/markup-compatibility/2006">
+    <mc:Choice xmlns:p14="http://schemas.microsoft.com/office/powerpoint/2010/main" Requires="p14">
+      <p:transition spd="slow" p14:dur="1500">
+        <p14:window dir="vert"/>
       </p:transition>
     </mc:Choice>
-    <mc:Fallback xmlns="">
-      <p:transition spd="med">
+    <mc:Fallback>
+      <p:transition spd="slow">
         <p:fade/>
       </p:transition>
     </mc:Fallback>

--- a/Building SPAs in SharePoint Using AngularJS.pptx
+++ b/Building SPAs in SharePoint Using AngularJS.pptx
@@ -4503,8 +4503,8 @@
     <dgm:cxn modelId="{BAD6D932-295D-4B11-AB4F-C6A51681FEBF}" type="presOf" srcId="{CF2E496F-FE56-4416-B846-DC12E4577A57}" destId="{17A1F249-6BEF-4F56-A4D8-8470A1E98F15}" srcOrd="0" destOrd="4" presId="urn:microsoft.com/office/officeart/2005/8/layout/hProcess9"/>
     <dgm:cxn modelId="{EA0EE867-287C-4759-B04B-1A44DD272934}" srcId="{EB74A234-8CAB-45D0-A223-6A45EB9687CD}" destId="{73AD9478-DFBD-45AE-8C86-9F4CB3BB1065}" srcOrd="2" destOrd="0" parTransId="{9746DDD7-C15A-4CDE-A7A9-ECC7812B47E4}" sibTransId="{B69AF354-070B-44D2-9041-ADEA0B558672}"/>
     <dgm:cxn modelId="{04F02849-7425-4E1F-898E-FA7DF4ED9666}" srcId="{95A2F766-9D02-45F9-8F0E-E4477259B64E}" destId="{7BAE7899-E3C2-4B98-B54B-7CF98FABE6C9}" srcOrd="1" destOrd="0" parTransId="{6A4813D0-9A5E-4C8A-8814-6B3627CFB165}" sibTransId="{F555F416-CF8C-46B6-A6CB-31C043865330}"/>
+    <dgm:cxn modelId="{4B256FB0-F8A6-4FC7-9768-1B5644FB9597}" srcId="{95A2F766-9D02-45F9-8F0E-E4477259B64E}" destId="{06ABEAEB-0AB1-4B03-9DB2-1747D846F76E}" srcOrd="2" destOrd="0" parTransId="{39D41540-6B5A-4F2C-B728-B10955AEA6F0}" sibTransId="{31BEE491-4EB9-4240-BAFF-E839945F6CC2}"/>
     <dgm:cxn modelId="{06CBBF6D-5C60-4E24-85FE-3D72B5DF292D}" type="presOf" srcId="{D025C9CA-C276-4620-8793-4C01C8D3C8C5}" destId="{17A1F249-6BEF-4F56-A4D8-8470A1E98F15}" srcOrd="0" destOrd="5" presId="urn:microsoft.com/office/officeart/2005/8/layout/hProcess9"/>
-    <dgm:cxn modelId="{4B256FB0-F8A6-4FC7-9768-1B5644FB9597}" srcId="{95A2F766-9D02-45F9-8F0E-E4477259B64E}" destId="{06ABEAEB-0AB1-4B03-9DB2-1747D846F76E}" srcOrd="2" destOrd="0" parTransId="{39D41540-6B5A-4F2C-B728-B10955AEA6F0}" sibTransId="{31BEE491-4EB9-4240-BAFF-E839945F6CC2}"/>
     <dgm:cxn modelId="{56E07505-5528-42D2-BF65-AC0B13049BD5}" srcId="{06ABEAEB-0AB1-4B03-9DB2-1747D846F76E}" destId="{DAD5068A-7091-420C-87F0-598961455E7C}" srcOrd="0" destOrd="0" parTransId="{E2E48095-73D9-45CE-B1F4-5CC208A04174}" sibTransId="{6BA6DC11-1A25-4A5E-A262-45E03AB8968F}"/>
     <dgm:cxn modelId="{597B6F7A-1AB8-7A40-A88C-F20BDA8446CA}" type="presOf" srcId="{3D2CA84F-7F83-488E-9CE9-2466A7E58E8C}" destId="{C5C479F1-027C-425C-A0B3-5734FC2D9DF4}" srcOrd="0" destOrd="3" presId="urn:microsoft.com/office/officeart/2005/8/layout/hProcess9"/>
     <dgm:cxn modelId="{0E8AE683-6858-4ECC-8F94-9CB028DF1605}" srcId="{7BAE7899-E3C2-4B98-B54B-7CF98FABE6C9}" destId="{9D1C7FDD-1C7E-4F92-A303-4A4F612A191B}" srcOrd="0" destOrd="0" parTransId="{CE3951D3-C82F-4197-BB44-E4023C884400}" sibTransId="{78BC0FB8-1233-449C-947F-C73B9E9738DF}"/>
@@ -24015,7 +24015,7 @@
         </p:spPr>
         <p:txBody>
           <a:bodyPr>
-            <a:normAutofit fontScale="92500" lnSpcReduction="10000"/>
+            <a:normAutofit/>
           </a:bodyPr>
           <a:lstStyle/>
           <a:p>
@@ -24072,21 +24072,7 @@
             </a:r>
             <a:r>
               <a:rPr lang="en-US" dirty="0" smtClean="0"/>
-              <a:t>ones</a:t>
-            </a:r>
-          </a:p>
-          <a:p>
-            <a:r>
-              <a:rPr lang="en-US" dirty="0" smtClean="0"/>
-              <a:t>Yes, there is a "Filter" </a:t>
-            </a:r>
-            <a:r>
-              <a:rPr lang="en-US" dirty="0"/>
-              <a:t>F</a:t>
-            </a:r>
-            <a:r>
-              <a:rPr lang="en-US" dirty="0" smtClean="0"/>
-              <a:t>ilter</a:t>
+              <a:t>Filters</a:t>
             </a:r>
           </a:p>
           <a:p>
@@ -24107,7 +24093,7 @@
               <a:t>	</a:t>
             </a:r>
             <a:r>
-              <a:rPr lang="en-US" sz="1700" dirty="0" smtClean="0">
+              <a:rPr lang="en-US" sz="1600" dirty="0" smtClean="0">
                 <a:solidFill>
                   <a:srgbClr val="FF0000"/>
                 </a:solidFill>
@@ -24117,7 +24103,7 @@
               <a:t>ng-repeat</a:t>
             </a:r>
             <a:r>
-              <a:rPr lang="en-US" sz="1700" dirty="0">
+              <a:rPr lang="en-US" sz="1600" dirty="0">
                 <a:solidFill>
                   <a:srgbClr val="FF0000"/>
                 </a:solidFill>
@@ -24127,7 +24113,7 @@
               <a:t>="president in </a:t>
             </a:r>
             <a:r>
-              <a:rPr lang="en-US" sz="1700" dirty="0" err="1">
+              <a:rPr lang="en-US" sz="1600" dirty="0" err="1">
                 <a:solidFill>
                   <a:srgbClr val="FF0000"/>
                 </a:solidFill>
@@ -24137,7 +24123,7 @@
               <a:t>demo.presidents</a:t>
             </a:r>
             <a:r>
-              <a:rPr lang="en-US" sz="1700" dirty="0">
+              <a:rPr lang="en-US" sz="1600" dirty="0">
                 <a:solidFill>
                   <a:srgbClr val="FF0000"/>
                 </a:solidFill>
@@ -24147,7 +24133,7 @@
               <a:t> | </a:t>
             </a:r>
             <a:r>
-              <a:rPr lang="en-US" sz="1700" dirty="0" err="1">
+              <a:rPr lang="en-US" sz="1600" dirty="0" err="1">
                 <a:solidFill>
                   <a:srgbClr val="FF0000"/>
                 </a:solidFill>
@@ -24157,7 +24143,7 @@
               <a:t>orderBy:'name</a:t>
             </a:r>
             <a:r>
-              <a:rPr lang="en-US" sz="1700" dirty="0">
+              <a:rPr lang="en-US" sz="1600" dirty="0">
                 <a:solidFill>
                   <a:srgbClr val="FF0000"/>
                 </a:solidFill>
@@ -24172,7 +24158,7 @@
               <a:buNone/>
             </a:pPr>
             <a:r>
-              <a:rPr lang="en-US" sz="1700" dirty="0">
+              <a:rPr lang="en-US" sz="1600" dirty="0">
                 <a:solidFill>
                   <a:srgbClr val="FF0000"/>
                 </a:solidFill>
@@ -24182,7 +24168,7 @@
               <a:t>	ng-repeat="president in </a:t>
             </a:r>
             <a:r>
-              <a:rPr lang="en-US" sz="1700" dirty="0" err="1">
+              <a:rPr lang="en-US" sz="1600" dirty="0" err="1">
                 <a:solidFill>
                   <a:srgbClr val="FF0000"/>
                 </a:solidFill>
@@ -24192,7 +24178,7 @@
               <a:t>demo.presidents</a:t>
             </a:r>
             <a:r>
-              <a:rPr lang="en-US" sz="1700" dirty="0">
+              <a:rPr lang="en-US" sz="1600" dirty="0">
                 <a:solidFill>
                   <a:srgbClr val="FF0000"/>
                 </a:solidFill>
@@ -24202,7 +24188,7 @@
               <a:t> | </a:t>
             </a:r>
             <a:r>
-              <a:rPr lang="en-US" sz="1700" dirty="0" err="1">
+              <a:rPr lang="en-US" sz="1600" dirty="0" err="1">
                 <a:solidFill>
                   <a:srgbClr val="FF0000"/>
                 </a:solidFill>
@@ -24212,7 +24198,7 @@
               <a:t>filter:demo.name</a:t>
             </a:r>
             <a:r>
-              <a:rPr lang="en-US" sz="1700" dirty="0" smtClean="0">
+              <a:rPr lang="en-US" sz="1600" dirty="0" smtClean="0">
                 <a:solidFill>
                   <a:srgbClr val="FF0000"/>
                 </a:solidFill>
@@ -24227,7 +24213,7 @@
               <a:buNone/>
             </a:pPr>
             <a:r>
-              <a:rPr lang="en-US" sz="1700" dirty="0">
+              <a:rPr lang="en-US" sz="1600" dirty="0">
                 <a:solidFill>
                   <a:srgbClr val="FF0000"/>
                 </a:solidFill>
@@ -24237,7 +24223,7 @@
               <a:t>	&lt;li ng-repeat="president in </a:t>
             </a:r>
             <a:r>
-              <a:rPr lang="en-US" sz="1700" dirty="0" err="1">
+              <a:rPr lang="en-US" sz="1600" dirty="0" err="1">
                 <a:solidFill>
                   <a:srgbClr val="FF0000"/>
                 </a:solidFill>
@@ -24247,7 +24233,7 @@
               <a:t>demo.presidents</a:t>
             </a:r>
             <a:r>
-              <a:rPr lang="en-US" sz="1700" dirty="0">
+              <a:rPr lang="en-US" sz="1600" dirty="0">
                 <a:solidFill>
                   <a:srgbClr val="FF0000"/>
                 </a:solidFill>
@@ -24257,7 +24243,7 @@
               <a:t> | </a:t>
             </a:r>
             <a:r>
-              <a:rPr lang="en-US" sz="1700" dirty="0" err="1" smtClean="0">
+              <a:rPr lang="en-US" sz="1600" dirty="0" err="1" smtClean="0">
                 <a:solidFill>
                   <a:srgbClr val="FF0000"/>
                 </a:solidFill>
@@ -24267,7 +24253,7 @@
               <a:t>orderBy</a:t>
             </a:r>
             <a:r>
-              <a:rPr lang="en-US" sz="1700" dirty="0" err="1">
+              <a:rPr lang="en-US" sz="1600" dirty="0" err="1">
                 <a:solidFill>
                   <a:srgbClr val="FF0000"/>
                 </a:solidFill>
@@ -24277,7 +24263,7 @@
               <a:t>:'name</a:t>
             </a:r>
             <a:r>
-              <a:rPr lang="en-US" sz="1700" dirty="0" smtClean="0">
+              <a:rPr lang="en-US" sz="1600" dirty="0" smtClean="0">
                 <a:solidFill>
                   <a:srgbClr val="FF0000"/>
                 </a:solidFill>
@@ -24287,7 +24273,7 @@
               <a:t>' | </a:t>
             </a:r>
             <a:r>
-              <a:rPr lang="en-US" sz="1700" dirty="0" err="1" smtClean="0">
+              <a:rPr lang="en-US" sz="1600" dirty="0" err="1" smtClean="0">
                 <a:solidFill>
                   <a:srgbClr val="FF0000"/>
                 </a:solidFill>
@@ -24297,7 +24283,7 @@
               <a:t>filter:demo.name</a:t>
             </a:r>
             <a:r>
-              <a:rPr lang="en-US" sz="1700" dirty="0">
+              <a:rPr lang="en-US" sz="1600" dirty="0">
                 <a:solidFill>
                   <a:srgbClr val="FF0000"/>
                 </a:solidFill>
@@ -24312,7 +24298,7 @@
               <a:buNone/>
             </a:pPr>
             <a:r>
-              <a:rPr lang="en-US" sz="1700" dirty="0">
+              <a:rPr lang="en-US" sz="1600" dirty="0">
                 <a:solidFill>
                   <a:srgbClr val="FF0000"/>
                 </a:solidFill>
@@ -24322,7 +24308,7 @@
               <a:t>            </a:t>
             </a:r>
             <a:r>
-              <a:rPr lang="en-US" sz="1700" dirty="0" smtClean="0">
+              <a:rPr lang="en-US" sz="1600" dirty="0" smtClean="0">
                 <a:solidFill>
                   <a:srgbClr val="FF0000"/>
                 </a:solidFill>
@@ -24332,7 +24318,7 @@
               <a:t>		{{</a:t>
             </a:r>
             <a:r>
-              <a:rPr lang="en-US" sz="1700" dirty="0">
+              <a:rPr lang="en-US" sz="1600" dirty="0">
                 <a:solidFill>
                   <a:srgbClr val="FF0000"/>
                 </a:solidFill>
@@ -24347,7 +24333,7 @@
               <a:buNone/>
             </a:pPr>
             <a:r>
-              <a:rPr lang="en-US" sz="1700" dirty="0">
+              <a:rPr lang="en-US" sz="1600" dirty="0">
                 <a:solidFill>
                   <a:srgbClr val="FF0000"/>
                 </a:solidFill>
@@ -24357,7 +24343,7 @@
               <a:t>        </a:t>
             </a:r>
             <a:r>
-              <a:rPr lang="en-US" sz="1700" dirty="0" smtClean="0">
+              <a:rPr lang="en-US" sz="1600" dirty="0" smtClean="0">
                 <a:solidFill>
                   <a:srgbClr val="FF0000"/>
                 </a:solidFill>
@@ -24367,7 +24353,7 @@
               <a:t>	&lt;/</a:t>
             </a:r>
             <a:r>
-              <a:rPr lang="en-US" sz="1700" dirty="0">
+              <a:rPr lang="en-US" sz="1600" dirty="0">
                 <a:solidFill>
                   <a:srgbClr val="FF0000"/>
                 </a:solidFill>
@@ -24437,6 +24423,9 @@
                     <p:cTn id="3" fill="hold">
                       <p:stCondLst>
                         <p:cond delay="indefinite"/>
+                        <p:cond evt="onBegin" delay="0">
+                          <p:tn val="2"/>
+                        </p:cond>
                       </p:stCondLst>
                       <p:childTnLst>
                         <p:par>
@@ -24446,7 +24435,7 @@
                             </p:stCondLst>
                             <p:childTnLst>
                               <p:par>
-                                <p:cTn id="5" presetID="1" presetClass="entr" presetSubtype="0" fill="hold" nodeType="clickEffect">
+                                <p:cTn id="5" presetID="1" presetClass="entr" presetSubtype="0" fill="hold" nodeType="withEffect">
                                   <p:stCondLst>
                                     <p:cond delay="0"/>
                                   </p:stCondLst>
@@ -24600,15 +24589,33 @@
                                   </p:childTnLst>
                                 </p:cTn>
                               </p:par>
+                            </p:childTnLst>
+                          </p:cTn>
+                        </p:par>
+                      </p:childTnLst>
+                    </p:cTn>
+                  </p:par>
+                  <p:par>
+                    <p:cTn id="15" fill="hold">
+                      <p:stCondLst>
+                        <p:cond delay="indefinite"/>
+                      </p:stCondLst>
+                      <p:childTnLst>
+                        <p:par>
+                          <p:cTn id="16" fill="hold">
+                            <p:stCondLst>
+                              <p:cond delay="0"/>
+                            </p:stCondLst>
+                            <p:childTnLst>
                               <p:par>
-                                <p:cTn id="15" presetID="1" presetClass="entr" presetSubtype="0" fill="hold" nodeType="withEffect">
+                                <p:cTn id="17" presetID="1" presetClass="entr" presetSubtype="0" fill="hold" nodeType="clickEffect">
                                   <p:stCondLst>
                                     <p:cond delay="0"/>
                                   </p:stCondLst>
                                   <p:childTnLst>
                                     <p:set>
                                       <p:cBhvr>
-                                        <p:cTn id="16" dur="1" fill="hold">
+                                        <p:cTn id="18" dur="1" fill="hold">
                                           <p:stCondLst>
                                             <p:cond delay="0"/>
                                           </p:stCondLst>
@@ -24638,26 +24645,26 @@
                     </p:cTn>
                   </p:par>
                   <p:par>
-                    <p:cTn id="17" fill="hold">
+                    <p:cTn id="19" fill="hold">
                       <p:stCondLst>
                         <p:cond delay="indefinite"/>
                       </p:stCondLst>
                       <p:childTnLst>
                         <p:par>
-                          <p:cTn id="18" fill="hold">
+                          <p:cTn id="20" fill="hold">
                             <p:stCondLst>
                               <p:cond delay="0"/>
                             </p:stCondLst>
                             <p:childTnLst>
                               <p:par>
-                                <p:cTn id="19" presetID="1" presetClass="entr" presetSubtype="0" fill="hold" nodeType="clickEffect">
+                                <p:cTn id="21" presetID="1" presetClass="entr" presetSubtype="0" fill="hold" nodeType="clickEffect">
                                   <p:stCondLst>
                                     <p:cond delay="0"/>
                                   </p:stCondLst>
                                   <p:childTnLst>
                                     <p:set>
                                       <p:cBhvr>
-                                        <p:cTn id="20" dur="1" fill="hold">
+                                        <p:cTn id="22" dur="1" fill="hold">
                                           <p:stCondLst>
                                             <p:cond delay="0"/>
                                           </p:stCondLst>
@@ -24687,26 +24694,26 @@
                     </p:cTn>
                   </p:par>
                   <p:par>
-                    <p:cTn id="21" fill="hold">
+                    <p:cTn id="23" fill="hold">
                       <p:stCondLst>
                         <p:cond delay="indefinite"/>
                       </p:stCondLst>
                       <p:childTnLst>
                         <p:par>
-                          <p:cTn id="22" fill="hold">
+                          <p:cTn id="24" fill="hold">
                             <p:stCondLst>
                               <p:cond delay="0"/>
                             </p:stCondLst>
                             <p:childTnLst>
                               <p:par>
-                                <p:cTn id="23" presetID="1" presetClass="entr" presetSubtype="0" fill="hold" nodeType="clickEffect">
+                                <p:cTn id="25" presetID="1" presetClass="entr" presetSubtype="0" fill="hold" nodeType="clickEffect">
                                   <p:stCondLst>
                                     <p:cond delay="0"/>
                                   </p:stCondLst>
                                   <p:childTnLst>
                                     <p:set>
                                       <p:cBhvr>
-                                        <p:cTn id="24" dur="1" fill="hold">
+                                        <p:cTn id="26" dur="1" fill="hold">
                                           <p:stCondLst>
                                             <p:cond delay="0"/>
                                           </p:stCondLst>
@@ -24729,26 +24736,8 @@
                                   </p:childTnLst>
                                 </p:cTn>
                               </p:par>
-                            </p:childTnLst>
-                          </p:cTn>
-                        </p:par>
-                      </p:childTnLst>
-                    </p:cTn>
-                  </p:par>
-                  <p:par>
-                    <p:cTn id="25" fill="hold">
-                      <p:stCondLst>
-                        <p:cond delay="indefinite"/>
-                      </p:stCondLst>
-                      <p:childTnLst>
-                        <p:par>
-                          <p:cTn id="26" fill="hold">
-                            <p:stCondLst>
-                              <p:cond delay="0"/>
-                            </p:stCondLst>
-                            <p:childTnLst>
                               <p:par>
-                                <p:cTn id="27" presetID="1" presetClass="entr" presetSubtype="0" fill="hold" nodeType="clickEffect">
+                                <p:cTn id="27" presetID="1" presetClass="entr" presetSubtype="0" fill="hold" nodeType="withEffect">
                                   <p:stCondLst>
                                     <p:cond delay="0"/>
                                   </p:stCondLst>
@@ -24795,37 +24784,6 @@
                                           <p:spTgt spid="3">
                                             <p:txEl>
                                               <p:pRg st="9" end="9"/>
-                                            </p:txEl>
-                                          </p:spTgt>
-                                        </p:tgtEl>
-                                        <p:attrNameLst>
-                                          <p:attrName>style.visibility</p:attrName>
-                                        </p:attrNameLst>
-                                      </p:cBhvr>
-                                      <p:to>
-                                        <p:strVal val="visible"/>
-                                      </p:to>
-                                    </p:set>
-                                  </p:childTnLst>
-                                </p:cTn>
-                              </p:par>
-                              <p:par>
-                                <p:cTn id="31" presetID="1" presetClass="entr" presetSubtype="0" fill="hold" nodeType="withEffect">
-                                  <p:stCondLst>
-                                    <p:cond delay="0"/>
-                                  </p:stCondLst>
-                                  <p:childTnLst>
-                                    <p:set>
-                                      <p:cBhvr>
-                                        <p:cTn id="32" dur="1" fill="hold">
-                                          <p:stCondLst>
-                                            <p:cond delay="0"/>
-                                          </p:stCondLst>
-                                        </p:cTn>
-                                        <p:tgtEl>
-                                          <p:spTgt spid="3">
-                                            <p:txEl>
-                                              <p:pRg st="10" end="10"/>
                                             </p:txEl>
                                           </p:spTgt>
                                         </p:tgtEl>
@@ -24972,21 +24930,13 @@
           <a:p>
             <a:r>
               <a:rPr lang="en-US" dirty="0" smtClean="0"/>
-              <a:t>Preferred method to communicate between controllers</a:t>
-            </a:r>
-          </a:p>
-          <a:p>
+              <a:t>Preferred method to communicate between </a:t>
+            </a:r>
             <a:r>
               <a:rPr lang="en-US" dirty="0" smtClean="0"/>
-              <a:t>Yes, there is a "Provider" Provider</a:t>
-            </a:r>
-            <a:endParaRPr lang="en-US" dirty="0"/>
-          </a:p>
-          <a:p>
-            <a:pPr marL="0" indent="0">
-              <a:buNone/>
-            </a:pPr>
-            <a:endParaRPr lang="en-US" dirty="0"/>
+              <a:t>controllers</a:t>
+            </a:r>
+            <a:endParaRPr lang="en-US" dirty="0" smtClean="0"/>
           </a:p>
         </p:txBody>
       </p:sp>
@@ -25930,6 +25880,438 @@
           </a:fontRef>
         </p:style>
       </p:cxnSp>
+      <p:sp>
+        <p:nvSpPr>
+          <p:cNvPr id="12" name="Right Arrow 11"/>
+          <p:cNvSpPr/>
+          <p:nvPr/>
+        </p:nvSpPr>
+        <p:spPr>
+          <a:xfrm>
+            <a:off x="1268540" y="2704852"/>
+            <a:ext cx="6681851" cy="291936"/>
+          </a:xfrm>
+          <a:prstGeom prst="rightArrow">
+            <a:avLst/>
+          </a:prstGeom>
+          <a:solidFill>
+            <a:srgbClr val="FF0000"/>
+          </a:solidFill>
+          <a:ln>
+            <a:solidFill>
+              <a:srgbClr val="FF0000"/>
+            </a:solidFill>
+          </a:ln>
+        </p:spPr>
+        <p:style>
+          <a:lnRef idx="2">
+            <a:schemeClr val="accent1">
+              <a:shade val="50000"/>
+            </a:schemeClr>
+          </a:lnRef>
+          <a:fillRef idx="1">
+            <a:schemeClr val="accent1"/>
+          </a:fillRef>
+          <a:effectRef idx="0">
+            <a:schemeClr val="accent1"/>
+          </a:effectRef>
+          <a:fontRef idx="minor">
+            <a:schemeClr val="lt1"/>
+          </a:fontRef>
+        </p:style>
+        <p:txBody>
+          <a:bodyPr rtlCol="0" anchor="ctr"/>
+          <a:lstStyle/>
+          <a:p>
+            <a:pPr algn="ctr"/>
+            <a:endParaRPr lang="en-US"/>
+          </a:p>
+        </p:txBody>
+      </p:sp>
+      <p:sp>
+        <p:nvSpPr>
+          <p:cNvPr id="23" name="Right Arrow 22"/>
+          <p:cNvSpPr/>
+          <p:nvPr/>
+        </p:nvSpPr>
+        <p:spPr>
+          <a:xfrm>
+            <a:off x="8867219" y="2667000"/>
+            <a:ext cx="736325" cy="304800"/>
+          </a:xfrm>
+          <a:prstGeom prst="rightArrow">
+            <a:avLst/>
+          </a:prstGeom>
+          <a:solidFill>
+            <a:srgbClr val="FF0000"/>
+          </a:solidFill>
+          <a:ln>
+            <a:solidFill>
+              <a:srgbClr val="FF0000"/>
+            </a:solidFill>
+          </a:ln>
+        </p:spPr>
+        <p:style>
+          <a:lnRef idx="2">
+            <a:schemeClr val="accent1">
+              <a:shade val="50000"/>
+            </a:schemeClr>
+          </a:lnRef>
+          <a:fillRef idx="1">
+            <a:schemeClr val="accent1"/>
+          </a:fillRef>
+          <a:effectRef idx="0">
+            <a:schemeClr val="accent1"/>
+          </a:effectRef>
+          <a:fontRef idx="minor">
+            <a:schemeClr val="lt1"/>
+          </a:fontRef>
+        </p:style>
+        <p:txBody>
+          <a:bodyPr rtlCol="0" anchor="ctr"/>
+          <a:lstStyle/>
+          <a:p>
+            <a:pPr algn="ctr"/>
+            <a:endParaRPr lang="en-US"/>
+          </a:p>
+        </p:txBody>
+      </p:sp>
+      <p:sp>
+        <p:nvSpPr>
+          <p:cNvPr id="25" name="Right Arrow 24"/>
+          <p:cNvSpPr/>
+          <p:nvPr/>
+        </p:nvSpPr>
+        <p:spPr>
+          <a:xfrm>
+            <a:off x="10753589" y="2743200"/>
+            <a:ext cx="553212" cy="304800"/>
+          </a:xfrm>
+          <a:prstGeom prst="rightArrow">
+            <a:avLst/>
+          </a:prstGeom>
+          <a:solidFill>
+            <a:srgbClr val="FF0000"/>
+          </a:solidFill>
+          <a:ln>
+            <a:solidFill>
+              <a:srgbClr val="FF0000"/>
+            </a:solidFill>
+          </a:ln>
+        </p:spPr>
+        <p:style>
+          <a:lnRef idx="2">
+            <a:schemeClr val="accent1">
+              <a:shade val="50000"/>
+            </a:schemeClr>
+          </a:lnRef>
+          <a:fillRef idx="1">
+            <a:schemeClr val="accent1"/>
+          </a:fillRef>
+          <a:effectRef idx="0">
+            <a:schemeClr val="accent1"/>
+          </a:effectRef>
+          <a:fontRef idx="minor">
+            <a:schemeClr val="lt1"/>
+          </a:fontRef>
+        </p:style>
+        <p:txBody>
+          <a:bodyPr rtlCol="0" anchor="ctr"/>
+          <a:lstStyle/>
+          <a:p>
+            <a:pPr algn="ctr"/>
+            <a:endParaRPr lang="en-US"/>
+          </a:p>
+        </p:txBody>
+      </p:sp>
+      <p:sp>
+        <p:nvSpPr>
+          <p:cNvPr id="26" name="Right Arrow 25"/>
+          <p:cNvSpPr/>
+          <p:nvPr/>
+        </p:nvSpPr>
+        <p:spPr>
+          <a:xfrm rot="10800000">
+            <a:off x="10712070" y="3738560"/>
+            <a:ext cx="553212" cy="304800"/>
+          </a:xfrm>
+          <a:prstGeom prst="rightArrow">
+            <a:avLst/>
+          </a:prstGeom>
+          <a:solidFill>
+            <a:srgbClr val="FF0000"/>
+          </a:solidFill>
+          <a:ln>
+            <a:solidFill>
+              <a:srgbClr val="FF0000"/>
+            </a:solidFill>
+          </a:ln>
+        </p:spPr>
+        <p:style>
+          <a:lnRef idx="2">
+            <a:schemeClr val="accent1">
+              <a:shade val="50000"/>
+            </a:schemeClr>
+          </a:lnRef>
+          <a:fillRef idx="1">
+            <a:schemeClr val="accent1"/>
+          </a:fillRef>
+          <a:effectRef idx="0">
+            <a:schemeClr val="accent1"/>
+          </a:effectRef>
+          <a:fontRef idx="minor">
+            <a:schemeClr val="lt1"/>
+          </a:fontRef>
+        </p:style>
+        <p:txBody>
+          <a:bodyPr rtlCol="0" anchor="ctr"/>
+          <a:lstStyle/>
+          <a:p>
+            <a:pPr algn="ctr"/>
+            <a:endParaRPr lang="en-US"/>
+          </a:p>
+        </p:txBody>
+      </p:sp>
+      <p:sp>
+        <p:nvSpPr>
+          <p:cNvPr id="27" name="Right Arrow 26"/>
+          <p:cNvSpPr/>
+          <p:nvPr/>
+        </p:nvSpPr>
+        <p:spPr>
+          <a:xfrm rot="10800000">
+            <a:off x="8888682" y="3783950"/>
+            <a:ext cx="669386" cy="304800"/>
+          </a:xfrm>
+          <a:prstGeom prst="rightArrow">
+            <a:avLst/>
+          </a:prstGeom>
+          <a:solidFill>
+            <a:srgbClr val="FF0000"/>
+          </a:solidFill>
+          <a:ln>
+            <a:solidFill>
+              <a:srgbClr val="FF0000"/>
+            </a:solidFill>
+          </a:ln>
+        </p:spPr>
+        <p:style>
+          <a:lnRef idx="2">
+            <a:schemeClr val="accent1">
+              <a:shade val="50000"/>
+            </a:schemeClr>
+          </a:lnRef>
+          <a:fillRef idx="1">
+            <a:schemeClr val="accent1"/>
+          </a:fillRef>
+          <a:effectRef idx="0">
+            <a:schemeClr val="accent1"/>
+          </a:effectRef>
+          <a:fontRef idx="minor">
+            <a:schemeClr val="lt1"/>
+          </a:fontRef>
+        </p:style>
+        <p:txBody>
+          <a:bodyPr rtlCol="0" anchor="ctr"/>
+          <a:lstStyle/>
+          <a:p>
+            <a:pPr algn="ctr"/>
+            <a:endParaRPr lang="en-US"/>
+          </a:p>
+        </p:txBody>
+      </p:sp>
+      <p:sp>
+        <p:nvSpPr>
+          <p:cNvPr id="28" name="Right Arrow 27"/>
+          <p:cNvSpPr/>
+          <p:nvPr/>
+        </p:nvSpPr>
+        <p:spPr>
+          <a:xfrm rot="10800000">
+            <a:off x="7018497" y="3766820"/>
+            <a:ext cx="669386" cy="304800"/>
+          </a:xfrm>
+          <a:prstGeom prst="rightArrow">
+            <a:avLst/>
+          </a:prstGeom>
+          <a:solidFill>
+            <a:srgbClr val="FF0000"/>
+          </a:solidFill>
+          <a:ln>
+            <a:solidFill>
+              <a:srgbClr val="FF0000"/>
+            </a:solidFill>
+          </a:ln>
+        </p:spPr>
+        <p:style>
+          <a:lnRef idx="2">
+            <a:schemeClr val="accent1">
+              <a:shade val="50000"/>
+            </a:schemeClr>
+          </a:lnRef>
+          <a:fillRef idx="1">
+            <a:schemeClr val="accent1"/>
+          </a:fillRef>
+          <a:effectRef idx="0">
+            <a:schemeClr val="accent1"/>
+          </a:effectRef>
+          <a:fontRef idx="minor">
+            <a:schemeClr val="lt1"/>
+          </a:fontRef>
+        </p:style>
+        <p:txBody>
+          <a:bodyPr rtlCol="0" anchor="ctr"/>
+          <a:lstStyle/>
+          <a:p>
+            <a:pPr algn="ctr"/>
+            <a:endParaRPr lang="en-US"/>
+          </a:p>
+        </p:txBody>
+      </p:sp>
+      <p:sp>
+        <p:nvSpPr>
+          <p:cNvPr id="29" name="Right Arrow 28"/>
+          <p:cNvSpPr/>
+          <p:nvPr/>
+        </p:nvSpPr>
+        <p:spPr>
+          <a:xfrm rot="10800000">
+            <a:off x="5163979" y="3794760"/>
+            <a:ext cx="669386" cy="304800"/>
+          </a:xfrm>
+          <a:prstGeom prst="rightArrow">
+            <a:avLst/>
+          </a:prstGeom>
+          <a:solidFill>
+            <a:srgbClr val="FF0000"/>
+          </a:solidFill>
+          <a:ln>
+            <a:solidFill>
+              <a:srgbClr val="FF0000"/>
+            </a:solidFill>
+          </a:ln>
+        </p:spPr>
+        <p:style>
+          <a:lnRef idx="2">
+            <a:schemeClr val="accent1">
+              <a:shade val="50000"/>
+            </a:schemeClr>
+          </a:lnRef>
+          <a:fillRef idx="1">
+            <a:schemeClr val="accent1"/>
+          </a:fillRef>
+          <a:effectRef idx="0">
+            <a:schemeClr val="accent1"/>
+          </a:effectRef>
+          <a:fontRef idx="minor">
+            <a:schemeClr val="lt1"/>
+          </a:fontRef>
+        </p:style>
+        <p:txBody>
+          <a:bodyPr rtlCol="0" anchor="ctr"/>
+          <a:lstStyle/>
+          <a:p>
+            <a:pPr algn="ctr"/>
+            <a:endParaRPr lang="en-US"/>
+          </a:p>
+        </p:txBody>
+      </p:sp>
+      <p:sp>
+        <p:nvSpPr>
+          <p:cNvPr id="30" name="Right Arrow 29"/>
+          <p:cNvSpPr/>
+          <p:nvPr/>
+        </p:nvSpPr>
+        <p:spPr>
+          <a:xfrm rot="10800000">
+            <a:off x="3331814" y="3794442"/>
+            <a:ext cx="669386" cy="304800"/>
+          </a:xfrm>
+          <a:prstGeom prst="rightArrow">
+            <a:avLst/>
+          </a:prstGeom>
+          <a:solidFill>
+            <a:srgbClr val="FF0000"/>
+          </a:solidFill>
+          <a:ln>
+            <a:solidFill>
+              <a:srgbClr val="FF0000"/>
+            </a:solidFill>
+          </a:ln>
+        </p:spPr>
+        <p:style>
+          <a:lnRef idx="2">
+            <a:schemeClr val="accent1">
+              <a:shade val="50000"/>
+            </a:schemeClr>
+          </a:lnRef>
+          <a:fillRef idx="1">
+            <a:schemeClr val="accent1"/>
+          </a:fillRef>
+          <a:effectRef idx="0">
+            <a:schemeClr val="accent1"/>
+          </a:effectRef>
+          <a:fontRef idx="minor">
+            <a:schemeClr val="lt1"/>
+          </a:fontRef>
+        </p:style>
+        <p:txBody>
+          <a:bodyPr rtlCol="0" anchor="ctr"/>
+          <a:lstStyle/>
+          <a:p>
+            <a:pPr algn="ctr"/>
+            <a:endParaRPr lang="en-US"/>
+          </a:p>
+        </p:txBody>
+      </p:sp>
+      <p:sp>
+        <p:nvSpPr>
+          <p:cNvPr id="31" name="Right Arrow 30"/>
+          <p:cNvSpPr/>
+          <p:nvPr/>
+        </p:nvSpPr>
+        <p:spPr>
+          <a:xfrm rot="10800000">
+            <a:off x="1476962" y="3794442"/>
+            <a:ext cx="669386" cy="304800"/>
+          </a:xfrm>
+          <a:prstGeom prst="rightArrow">
+            <a:avLst/>
+          </a:prstGeom>
+          <a:solidFill>
+            <a:srgbClr val="FF0000"/>
+          </a:solidFill>
+          <a:ln>
+            <a:solidFill>
+              <a:srgbClr val="FF0000"/>
+            </a:solidFill>
+          </a:ln>
+        </p:spPr>
+        <p:style>
+          <a:lnRef idx="2">
+            <a:schemeClr val="accent1">
+              <a:shade val="50000"/>
+            </a:schemeClr>
+          </a:lnRef>
+          <a:fillRef idx="1">
+            <a:schemeClr val="accent1"/>
+          </a:fillRef>
+          <a:effectRef idx="0">
+            <a:schemeClr val="accent1"/>
+          </a:effectRef>
+          <a:fontRef idx="minor">
+            <a:schemeClr val="lt1"/>
+          </a:fontRef>
+        </p:style>
+        <p:txBody>
+          <a:bodyPr rtlCol="0" anchor="ctr"/>
+          <a:lstStyle/>
+          <a:p>
+            <a:pPr algn="ctr"/>
+            <a:endParaRPr lang="en-US"/>
+          </a:p>
+        </p:txBody>
+      </p:sp>
     </p:spTree>
     <p:extLst>
       <p:ext uri="{BB962C8B-B14F-4D97-AF65-F5344CB8AC3E}">
@@ -25955,9 +26337,772 @@
   <p:timing>
     <p:tnLst>
       <p:par>
-        <p:cTn id="1" dur="indefinite" restart="never" nodeType="tmRoot"/>
+        <p:cTn id="1" dur="indefinite" restart="never" nodeType="tmRoot">
+          <p:childTnLst>
+            <p:seq concurrent="1" nextAc="seek">
+              <p:cTn id="2" dur="indefinite" nodeType="mainSeq">
+                <p:childTnLst>
+                  <p:par>
+                    <p:cTn id="3" fill="hold">
+                      <p:stCondLst>
+                        <p:cond delay="indefinite"/>
+                      </p:stCondLst>
+                      <p:childTnLst>
+                        <p:par>
+                          <p:cTn id="4" fill="hold">
+                            <p:stCondLst>
+                              <p:cond delay="0"/>
+                            </p:stCondLst>
+                            <p:childTnLst>
+                              <p:par>
+                                <p:cTn id="5" presetID="1" presetClass="entr" presetSubtype="0" fill="hold" grpId="0" nodeType="clickEffect">
+                                  <p:stCondLst>
+                                    <p:cond delay="0"/>
+                                  </p:stCondLst>
+                                  <p:childTnLst>
+                                    <p:set>
+                                      <p:cBhvr>
+                                        <p:cTn id="6" dur="1" fill="hold">
+                                          <p:stCondLst>
+                                            <p:cond delay="0"/>
+                                          </p:stCondLst>
+                                        </p:cTn>
+                                        <p:tgtEl>
+                                          <p:spTgt spid="12"/>
+                                        </p:tgtEl>
+                                        <p:attrNameLst>
+                                          <p:attrName>style.visibility</p:attrName>
+                                        </p:attrNameLst>
+                                      </p:cBhvr>
+                                      <p:to>
+                                        <p:strVal val="visible"/>
+                                      </p:to>
+                                    </p:set>
+                                  </p:childTnLst>
+                                </p:cTn>
+                              </p:par>
+                            </p:childTnLst>
+                          </p:cTn>
+                        </p:par>
+                      </p:childTnLst>
+                    </p:cTn>
+                  </p:par>
+                  <p:par>
+                    <p:cTn id="7" fill="hold">
+                      <p:stCondLst>
+                        <p:cond delay="indefinite"/>
+                      </p:stCondLst>
+                      <p:childTnLst>
+                        <p:par>
+                          <p:cTn id="8" fill="hold">
+                            <p:stCondLst>
+                              <p:cond delay="0"/>
+                            </p:stCondLst>
+                            <p:childTnLst>
+                              <p:par>
+                                <p:cTn id="9" presetID="1" presetClass="entr" presetSubtype="0" fill="hold" grpId="0" nodeType="clickEffect">
+                                  <p:stCondLst>
+                                    <p:cond delay="0"/>
+                                  </p:stCondLst>
+                                  <p:childTnLst>
+                                    <p:set>
+                                      <p:cBhvr>
+                                        <p:cTn id="10" dur="1" fill="hold">
+                                          <p:stCondLst>
+                                            <p:cond delay="0"/>
+                                          </p:stCondLst>
+                                        </p:cTn>
+                                        <p:tgtEl>
+                                          <p:spTgt spid="23"/>
+                                        </p:tgtEl>
+                                        <p:attrNameLst>
+                                          <p:attrName>style.visibility</p:attrName>
+                                        </p:attrNameLst>
+                                      </p:cBhvr>
+                                      <p:to>
+                                        <p:strVal val="visible"/>
+                                      </p:to>
+                                    </p:set>
+                                  </p:childTnLst>
+                                </p:cTn>
+                              </p:par>
+                              <p:par>
+                                <p:cTn id="11" presetID="10" presetClass="exit" presetSubtype="0" fill="hold" grpId="1" nodeType="withEffect">
+                                  <p:stCondLst>
+                                    <p:cond delay="0"/>
+                                  </p:stCondLst>
+                                  <p:childTnLst>
+                                    <p:animEffect transition="out" filter="fade">
+                                      <p:cBhvr>
+                                        <p:cTn id="12" dur="500"/>
+                                        <p:tgtEl>
+                                          <p:spTgt spid="12"/>
+                                        </p:tgtEl>
+                                      </p:cBhvr>
+                                    </p:animEffect>
+                                    <p:set>
+                                      <p:cBhvr>
+                                        <p:cTn id="13" dur="1" fill="hold">
+                                          <p:stCondLst>
+                                            <p:cond delay="499"/>
+                                          </p:stCondLst>
+                                        </p:cTn>
+                                        <p:tgtEl>
+                                          <p:spTgt spid="12"/>
+                                        </p:tgtEl>
+                                        <p:attrNameLst>
+                                          <p:attrName>style.visibility</p:attrName>
+                                        </p:attrNameLst>
+                                      </p:cBhvr>
+                                      <p:to>
+                                        <p:strVal val="hidden"/>
+                                      </p:to>
+                                    </p:set>
+                                  </p:childTnLst>
+                                </p:cTn>
+                              </p:par>
+                            </p:childTnLst>
+                          </p:cTn>
+                        </p:par>
+                      </p:childTnLst>
+                    </p:cTn>
+                  </p:par>
+                  <p:par>
+                    <p:cTn id="14" fill="hold">
+                      <p:stCondLst>
+                        <p:cond delay="indefinite"/>
+                      </p:stCondLst>
+                      <p:childTnLst>
+                        <p:par>
+                          <p:cTn id="15" fill="hold">
+                            <p:stCondLst>
+                              <p:cond delay="0"/>
+                            </p:stCondLst>
+                            <p:childTnLst>
+                              <p:par>
+                                <p:cTn id="16" presetID="1" presetClass="entr" presetSubtype="0" fill="hold" grpId="0" nodeType="clickEffect">
+                                  <p:stCondLst>
+                                    <p:cond delay="0"/>
+                                  </p:stCondLst>
+                                  <p:childTnLst>
+                                    <p:set>
+                                      <p:cBhvr>
+                                        <p:cTn id="17" dur="1" fill="hold">
+                                          <p:stCondLst>
+                                            <p:cond delay="0"/>
+                                          </p:stCondLst>
+                                        </p:cTn>
+                                        <p:tgtEl>
+                                          <p:spTgt spid="25"/>
+                                        </p:tgtEl>
+                                        <p:attrNameLst>
+                                          <p:attrName>style.visibility</p:attrName>
+                                        </p:attrNameLst>
+                                      </p:cBhvr>
+                                      <p:to>
+                                        <p:strVal val="visible"/>
+                                      </p:to>
+                                    </p:set>
+                                  </p:childTnLst>
+                                </p:cTn>
+                              </p:par>
+                              <p:par>
+                                <p:cTn id="18" presetID="10" presetClass="exit" presetSubtype="0" fill="hold" grpId="1" nodeType="withEffect">
+                                  <p:stCondLst>
+                                    <p:cond delay="0"/>
+                                  </p:stCondLst>
+                                  <p:childTnLst>
+                                    <p:animEffect transition="out" filter="fade">
+                                      <p:cBhvr>
+                                        <p:cTn id="19" dur="500"/>
+                                        <p:tgtEl>
+                                          <p:spTgt spid="23"/>
+                                        </p:tgtEl>
+                                      </p:cBhvr>
+                                    </p:animEffect>
+                                    <p:set>
+                                      <p:cBhvr>
+                                        <p:cTn id="20" dur="1" fill="hold">
+                                          <p:stCondLst>
+                                            <p:cond delay="499"/>
+                                          </p:stCondLst>
+                                        </p:cTn>
+                                        <p:tgtEl>
+                                          <p:spTgt spid="23"/>
+                                        </p:tgtEl>
+                                        <p:attrNameLst>
+                                          <p:attrName>style.visibility</p:attrName>
+                                        </p:attrNameLst>
+                                      </p:cBhvr>
+                                      <p:to>
+                                        <p:strVal val="hidden"/>
+                                      </p:to>
+                                    </p:set>
+                                  </p:childTnLst>
+                                </p:cTn>
+                              </p:par>
+                            </p:childTnLst>
+                          </p:cTn>
+                        </p:par>
+                      </p:childTnLst>
+                    </p:cTn>
+                  </p:par>
+                  <p:par>
+                    <p:cTn id="21" fill="hold">
+                      <p:stCondLst>
+                        <p:cond delay="indefinite"/>
+                      </p:stCondLst>
+                      <p:childTnLst>
+                        <p:par>
+                          <p:cTn id="22" fill="hold">
+                            <p:stCondLst>
+                              <p:cond delay="0"/>
+                            </p:stCondLst>
+                            <p:childTnLst>
+                              <p:par>
+                                <p:cTn id="23" presetID="1" presetClass="entr" presetSubtype="0" fill="hold" grpId="0" nodeType="clickEffect">
+                                  <p:stCondLst>
+                                    <p:cond delay="0"/>
+                                  </p:stCondLst>
+                                  <p:childTnLst>
+                                    <p:set>
+                                      <p:cBhvr>
+                                        <p:cTn id="24" dur="1" fill="hold">
+                                          <p:stCondLst>
+                                            <p:cond delay="0"/>
+                                          </p:stCondLst>
+                                        </p:cTn>
+                                        <p:tgtEl>
+                                          <p:spTgt spid="26"/>
+                                        </p:tgtEl>
+                                        <p:attrNameLst>
+                                          <p:attrName>style.visibility</p:attrName>
+                                        </p:attrNameLst>
+                                      </p:cBhvr>
+                                      <p:to>
+                                        <p:strVal val="visible"/>
+                                      </p:to>
+                                    </p:set>
+                                  </p:childTnLst>
+                                </p:cTn>
+                              </p:par>
+                              <p:par>
+                                <p:cTn id="25" presetID="10" presetClass="exit" presetSubtype="0" fill="hold" grpId="1" nodeType="withEffect">
+                                  <p:stCondLst>
+                                    <p:cond delay="0"/>
+                                  </p:stCondLst>
+                                  <p:childTnLst>
+                                    <p:animEffect transition="out" filter="fade">
+                                      <p:cBhvr>
+                                        <p:cTn id="26" dur="500"/>
+                                        <p:tgtEl>
+                                          <p:spTgt spid="25"/>
+                                        </p:tgtEl>
+                                      </p:cBhvr>
+                                    </p:animEffect>
+                                    <p:set>
+                                      <p:cBhvr>
+                                        <p:cTn id="27" dur="1" fill="hold">
+                                          <p:stCondLst>
+                                            <p:cond delay="499"/>
+                                          </p:stCondLst>
+                                        </p:cTn>
+                                        <p:tgtEl>
+                                          <p:spTgt spid="25"/>
+                                        </p:tgtEl>
+                                        <p:attrNameLst>
+                                          <p:attrName>style.visibility</p:attrName>
+                                        </p:attrNameLst>
+                                      </p:cBhvr>
+                                      <p:to>
+                                        <p:strVal val="hidden"/>
+                                      </p:to>
+                                    </p:set>
+                                  </p:childTnLst>
+                                </p:cTn>
+                              </p:par>
+                            </p:childTnLst>
+                          </p:cTn>
+                        </p:par>
+                      </p:childTnLst>
+                    </p:cTn>
+                  </p:par>
+                  <p:par>
+                    <p:cTn id="28" fill="hold">
+                      <p:stCondLst>
+                        <p:cond delay="indefinite"/>
+                      </p:stCondLst>
+                      <p:childTnLst>
+                        <p:par>
+                          <p:cTn id="29" fill="hold">
+                            <p:stCondLst>
+                              <p:cond delay="0"/>
+                            </p:stCondLst>
+                            <p:childTnLst>
+                              <p:par>
+                                <p:cTn id="30" presetID="1" presetClass="entr" presetSubtype="0" fill="hold" grpId="0" nodeType="clickEffect">
+                                  <p:stCondLst>
+                                    <p:cond delay="0"/>
+                                  </p:stCondLst>
+                                  <p:childTnLst>
+                                    <p:set>
+                                      <p:cBhvr>
+                                        <p:cTn id="31" dur="1" fill="hold">
+                                          <p:stCondLst>
+                                            <p:cond delay="0"/>
+                                          </p:stCondLst>
+                                        </p:cTn>
+                                        <p:tgtEl>
+                                          <p:spTgt spid="27"/>
+                                        </p:tgtEl>
+                                        <p:attrNameLst>
+                                          <p:attrName>style.visibility</p:attrName>
+                                        </p:attrNameLst>
+                                      </p:cBhvr>
+                                      <p:to>
+                                        <p:strVal val="visible"/>
+                                      </p:to>
+                                    </p:set>
+                                  </p:childTnLst>
+                                </p:cTn>
+                              </p:par>
+                              <p:par>
+                                <p:cTn id="32" presetID="10" presetClass="exit" presetSubtype="0" fill="hold" grpId="1" nodeType="withEffect">
+                                  <p:stCondLst>
+                                    <p:cond delay="0"/>
+                                  </p:stCondLst>
+                                  <p:childTnLst>
+                                    <p:animEffect transition="out" filter="fade">
+                                      <p:cBhvr>
+                                        <p:cTn id="33" dur="500"/>
+                                        <p:tgtEl>
+                                          <p:spTgt spid="26"/>
+                                        </p:tgtEl>
+                                      </p:cBhvr>
+                                    </p:animEffect>
+                                    <p:set>
+                                      <p:cBhvr>
+                                        <p:cTn id="34" dur="1" fill="hold">
+                                          <p:stCondLst>
+                                            <p:cond delay="499"/>
+                                          </p:stCondLst>
+                                        </p:cTn>
+                                        <p:tgtEl>
+                                          <p:spTgt spid="26"/>
+                                        </p:tgtEl>
+                                        <p:attrNameLst>
+                                          <p:attrName>style.visibility</p:attrName>
+                                        </p:attrNameLst>
+                                      </p:cBhvr>
+                                      <p:to>
+                                        <p:strVal val="hidden"/>
+                                      </p:to>
+                                    </p:set>
+                                  </p:childTnLst>
+                                </p:cTn>
+                              </p:par>
+                            </p:childTnLst>
+                          </p:cTn>
+                        </p:par>
+                      </p:childTnLst>
+                    </p:cTn>
+                  </p:par>
+                  <p:par>
+                    <p:cTn id="35" fill="hold">
+                      <p:stCondLst>
+                        <p:cond delay="indefinite"/>
+                      </p:stCondLst>
+                      <p:childTnLst>
+                        <p:par>
+                          <p:cTn id="36" fill="hold">
+                            <p:stCondLst>
+                              <p:cond delay="0"/>
+                            </p:stCondLst>
+                            <p:childTnLst>
+                              <p:par>
+                                <p:cTn id="37" presetID="1" presetClass="entr" presetSubtype="0" fill="hold" grpId="0" nodeType="clickEffect">
+                                  <p:stCondLst>
+                                    <p:cond delay="0"/>
+                                  </p:stCondLst>
+                                  <p:childTnLst>
+                                    <p:set>
+                                      <p:cBhvr>
+                                        <p:cTn id="38" dur="1" fill="hold">
+                                          <p:stCondLst>
+                                            <p:cond delay="0"/>
+                                          </p:stCondLst>
+                                        </p:cTn>
+                                        <p:tgtEl>
+                                          <p:spTgt spid="28"/>
+                                        </p:tgtEl>
+                                        <p:attrNameLst>
+                                          <p:attrName>style.visibility</p:attrName>
+                                        </p:attrNameLst>
+                                      </p:cBhvr>
+                                      <p:to>
+                                        <p:strVal val="visible"/>
+                                      </p:to>
+                                    </p:set>
+                                  </p:childTnLst>
+                                </p:cTn>
+                              </p:par>
+                              <p:par>
+                                <p:cTn id="39" presetID="10" presetClass="exit" presetSubtype="0" fill="hold" grpId="1" nodeType="withEffect">
+                                  <p:stCondLst>
+                                    <p:cond delay="0"/>
+                                  </p:stCondLst>
+                                  <p:childTnLst>
+                                    <p:animEffect transition="out" filter="fade">
+                                      <p:cBhvr>
+                                        <p:cTn id="40" dur="500"/>
+                                        <p:tgtEl>
+                                          <p:spTgt spid="27"/>
+                                        </p:tgtEl>
+                                      </p:cBhvr>
+                                    </p:animEffect>
+                                    <p:set>
+                                      <p:cBhvr>
+                                        <p:cTn id="41" dur="1" fill="hold">
+                                          <p:stCondLst>
+                                            <p:cond delay="499"/>
+                                          </p:stCondLst>
+                                        </p:cTn>
+                                        <p:tgtEl>
+                                          <p:spTgt spid="27"/>
+                                        </p:tgtEl>
+                                        <p:attrNameLst>
+                                          <p:attrName>style.visibility</p:attrName>
+                                        </p:attrNameLst>
+                                      </p:cBhvr>
+                                      <p:to>
+                                        <p:strVal val="hidden"/>
+                                      </p:to>
+                                    </p:set>
+                                  </p:childTnLst>
+                                </p:cTn>
+                              </p:par>
+                            </p:childTnLst>
+                          </p:cTn>
+                        </p:par>
+                      </p:childTnLst>
+                    </p:cTn>
+                  </p:par>
+                  <p:par>
+                    <p:cTn id="42" fill="hold">
+                      <p:stCondLst>
+                        <p:cond delay="indefinite"/>
+                      </p:stCondLst>
+                      <p:childTnLst>
+                        <p:par>
+                          <p:cTn id="43" fill="hold">
+                            <p:stCondLst>
+                              <p:cond delay="0"/>
+                            </p:stCondLst>
+                            <p:childTnLst>
+                              <p:par>
+                                <p:cTn id="44" presetID="1" presetClass="entr" presetSubtype="0" fill="hold" grpId="0" nodeType="clickEffect">
+                                  <p:stCondLst>
+                                    <p:cond delay="0"/>
+                                  </p:stCondLst>
+                                  <p:childTnLst>
+                                    <p:set>
+                                      <p:cBhvr>
+                                        <p:cTn id="45" dur="1" fill="hold">
+                                          <p:stCondLst>
+                                            <p:cond delay="0"/>
+                                          </p:stCondLst>
+                                        </p:cTn>
+                                        <p:tgtEl>
+                                          <p:spTgt spid="29"/>
+                                        </p:tgtEl>
+                                        <p:attrNameLst>
+                                          <p:attrName>style.visibility</p:attrName>
+                                        </p:attrNameLst>
+                                      </p:cBhvr>
+                                      <p:to>
+                                        <p:strVal val="visible"/>
+                                      </p:to>
+                                    </p:set>
+                                  </p:childTnLst>
+                                </p:cTn>
+                              </p:par>
+                              <p:par>
+                                <p:cTn id="46" presetID="10" presetClass="exit" presetSubtype="0" fill="hold" grpId="1" nodeType="withEffect">
+                                  <p:stCondLst>
+                                    <p:cond delay="0"/>
+                                  </p:stCondLst>
+                                  <p:childTnLst>
+                                    <p:animEffect transition="out" filter="fade">
+                                      <p:cBhvr>
+                                        <p:cTn id="47" dur="500"/>
+                                        <p:tgtEl>
+                                          <p:spTgt spid="28"/>
+                                        </p:tgtEl>
+                                      </p:cBhvr>
+                                    </p:animEffect>
+                                    <p:set>
+                                      <p:cBhvr>
+                                        <p:cTn id="48" dur="1" fill="hold">
+                                          <p:stCondLst>
+                                            <p:cond delay="499"/>
+                                          </p:stCondLst>
+                                        </p:cTn>
+                                        <p:tgtEl>
+                                          <p:spTgt spid="28"/>
+                                        </p:tgtEl>
+                                        <p:attrNameLst>
+                                          <p:attrName>style.visibility</p:attrName>
+                                        </p:attrNameLst>
+                                      </p:cBhvr>
+                                      <p:to>
+                                        <p:strVal val="hidden"/>
+                                      </p:to>
+                                    </p:set>
+                                  </p:childTnLst>
+                                </p:cTn>
+                              </p:par>
+                            </p:childTnLst>
+                          </p:cTn>
+                        </p:par>
+                      </p:childTnLst>
+                    </p:cTn>
+                  </p:par>
+                  <p:par>
+                    <p:cTn id="49" fill="hold">
+                      <p:stCondLst>
+                        <p:cond delay="indefinite"/>
+                      </p:stCondLst>
+                      <p:childTnLst>
+                        <p:par>
+                          <p:cTn id="50" fill="hold">
+                            <p:stCondLst>
+                              <p:cond delay="0"/>
+                            </p:stCondLst>
+                            <p:childTnLst>
+                              <p:par>
+                                <p:cTn id="51" presetID="1" presetClass="entr" presetSubtype="0" fill="hold" grpId="0" nodeType="clickEffect">
+                                  <p:stCondLst>
+                                    <p:cond delay="0"/>
+                                  </p:stCondLst>
+                                  <p:childTnLst>
+                                    <p:set>
+                                      <p:cBhvr>
+                                        <p:cTn id="52" dur="1" fill="hold">
+                                          <p:stCondLst>
+                                            <p:cond delay="0"/>
+                                          </p:stCondLst>
+                                        </p:cTn>
+                                        <p:tgtEl>
+                                          <p:spTgt spid="30"/>
+                                        </p:tgtEl>
+                                        <p:attrNameLst>
+                                          <p:attrName>style.visibility</p:attrName>
+                                        </p:attrNameLst>
+                                      </p:cBhvr>
+                                      <p:to>
+                                        <p:strVal val="visible"/>
+                                      </p:to>
+                                    </p:set>
+                                  </p:childTnLst>
+                                </p:cTn>
+                              </p:par>
+                              <p:par>
+                                <p:cTn id="53" presetID="10" presetClass="exit" presetSubtype="0" fill="hold" grpId="1" nodeType="withEffect">
+                                  <p:stCondLst>
+                                    <p:cond delay="0"/>
+                                  </p:stCondLst>
+                                  <p:childTnLst>
+                                    <p:animEffect transition="out" filter="fade">
+                                      <p:cBhvr>
+                                        <p:cTn id="54" dur="500"/>
+                                        <p:tgtEl>
+                                          <p:spTgt spid="29"/>
+                                        </p:tgtEl>
+                                      </p:cBhvr>
+                                    </p:animEffect>
+                                    <p:set>
+                                      <p:cBhvr>
+                                        <p:cTn id="55" dur="1" fill="hold">
+                                          <p:stCondLst>
+                                            <p:cond delay="499"/>
+                                          </p:stCondLst>
+                                        </p:cTn>
+                                        <p:tgtEl>
+                                          <p:spTgt spid="29"/>
+                                        </p:tgtEl>
+                                        <p:attrNameLst>
+                                          <p:attrName>style.visibility</p:attrName>
+                                        </p:attrNameLst>
+                                      </p:cBhvr>
+                                      <p:to>
+                                        <p:strVal val="hidden"/>
+                                      </p:to>
+                                    </p:set>
+                                  </p:childTnLst>
+                                </p:cTn>
+                              </p:par>
+                              <p:par>
+                                <p:cTn id="56" presetID="1" presetClass="entr" presetSubtype="0" fill="hold" grpId="0" nodeType="withEffect">
+                                  <p:stCondLst>
+                                    <p:cond delay="0"/>
+                                  </p:stCondLst>
+                                  <p:childTnLst>
+                                    <p:set>
+                                      <p:cBhvr>
+                                        <p:cTn id="57" dur="1" fill="hold">
+                                          <p:stCondLst>
+                                            <p:cond delay="0"/>
+                                          </p:stCondLst>
+                                        </p:cTn>
+                                        <p:tgtEl>
+                                          <p:spTgt spid="31"/>
+                                        </p:tgtEl>
+                                        <p:attrNameLst>
+                                          <p:attrName>style.visibility</p:attrName>
+                                        </p:attrNameLst>
+                                      </p:cBhvr>
+                                      <p:to>
+                                        <p:strVal val="visible"/>
+                                      </p:to>
+                                    </p:set>
+                                  </p:childTnLst>
+                                </p:cTn>
+                              </p:par>
+                            </p:childTnLst>
+                          </p:cTn>
+                        </p:par>
+                      </p:childTnLst>
+                    </p:cTn>
+                  </p:par>
+                  <p:par>
+                    <p:cTn id="58" fill="hold">
+                      <p:stCondLst>
+                        <p:cond delay="indefinite"/>
+                      </p:stCondLst>
+                      <p:childTnLst>
+                        <p:par>
+                          <p:cTn id="59" fill="hold">
+                            <p:stCondLst>
+                              <p:cond delay="0"/>
+                            </p:stCondLst>
+                            <p:childTnLst>
+                              <p:par>
+                                <p:cTn id="60" presetID="10" presetClass="exit" presetSubtype="0" fill="hold" grpId="1" nodeType="clickEffect">
+                                  <p:stCondLst>
+                                    <p:cond delay="0"/>
+                                  </p:stCondLst>
+                                  <p:childTnLst>
+                                    <p:animEffect transition="out" filter="fade">
+                                      <p:cBhvr>
+                                        <p:cTn id="61" dur="500"/>
+                                        <p:tgtEl>
+                                          <p:spTgt spid="30"/>
+                                        </p:tgtEl>
+                                      </p:cBhvr>
+                                    </p:animEffect>
+                                    <p:set>
+                                      <p:cBhvr>
+                                        <p:cTn id="62" dur="1" fill="hold">
+                                          <p:stCondLst>
+                                            <p:cond delay="499"/>
+                                          </p:stCondLst>
+                                        </p:cTn>
+                                        <p:tgtEl>
+                                          <p:spTgt spid="30"/>
+                                        </p:tgtEl>
+                                        <p:attrNameLst>
+                                          <p:attrName>style.visibility</p:attrName>
+                                        </p:attrNameLst>
+                                      </p:cBhvr>
+                                      <p:to>
+                                        <p:strVal val="hidden"/>
+                                      </p:to>
+                                    </p:set>
+                                  </p:childTnLst>
+                                </p:cTn>
+                              </p:par>
+                              <p:par>
+                                <p:cTn id="63" presetID="10" presetClass="exit" presetSubtype="0" fill="hold" grpId="1" nodeType="withEffect">
+                                  <p:stCondLst>
+                                    <p:cond delay="0"/>
+                                  </p:stCondLst>
+                                  <p:childTnLst>
+                                    <p:animEffect transition="out" filter="fade">
+                                      <p:cBhvr>
+                                        <p:cTn id="64" dur="500"/>
+                                        <p:tgtEl>
+                                          <p:spTgt spid="31"/>
+                                        </p:tgtEl>
+                                      </p:cBhvr>
+                                    </p:animEffect>
+                                    <p:set>
+                                      <p:cBhvr>
+                                        <p:cTn id="65" dur="1" fill="hold">
+                                          <p:stCondLst>
+                                            <p:cond delay="499"/>
+                                          </p:stCondLst>
+                                        </p:cTn>
+                                        <p:tgtEl>
+                                          <p:spTgt spid="31"/>
+                                        </p:tgtEl>
+                                        <p:attrNameLst>
+                                          <p:attrName>style.visibility</p:attrName>
+                                        </p:attrNameLst>
+                                      </p:cBhvr>
+                                      <p:to>
+                                        <p:strVal val="hidden"/>
+                                      </p:to>
+                                    </p:set>
+                                  </p:childTnLst>
+                                </p:cTn>
+                              </p:par>
+                            </p:childTnLst>
+                          </p:cTn>
+                        </p:par>
+                      </p:childTnLst>
+                    </p:cTn>
+                  </p:par>
+                </p:childTnLst>
+              </p:cTn>
+              <p:prevCondLst>
+                <p:cond evt="onPrev" delay="0">
+                  <p:tgtEl>
+                    <p:sldTgt/>
+                  </p:tgtEl>
+                </p:cond>
+              </p:prevCondLst>
+              <p:nextCondLst>
+                <p:cond evt="onNext" delay="0">
+                  <p:tgtEl>
+                    <p:sldTgt/>
+                  </p:tgtEl>
+                </p:cond>
+              </p:nextCondLst>
+            </p:seq>
+          </p:childTnLst>
+        </p:cTn>
       </p:par>
     </p:tnLst>
+    <p:bldLst>
+      <p:bldP spid="12" grpId="0" animBg="1"/>
+      <p:bldP spid="12" grpId="1" animBg="1"/>
+      <p:bldP spid="23" grpId="0" animBg="1"/>
+      <p:bldP spid="23" grpId="1" animBg="1"/>
+      <p:bldP spid="25" grpId="0" animBg="1"/>
+      <p:bldP spid="25" grpId="1" animBg="1"/>
+      <p:bldP spid="26" grpId="0" animBg="1"/>
+      <p:bldP spid="26" grpId="1" animBg="1"/>
+      <p:bldP spid="27" grpId="0" animBg="1"/>
+      <p:bldP spid="27" grpId="1" animBg="1"/>
+      <p:bldP spid="28" grpId="0" animBg="1"/>
+      <p:bldP spid="28" grpId="1" animBg="1"/>
+      <p:bldP spid="29" grpId="0" animBg="1"/>
+      <p:bldP spid="29" grpId="1" animBg="1"/>
+      <p:bldP spid="30" grpId="0" animBg="1"/>
+      <p:bldP spid="30" grpId="1" animBg="1"/>
+      <p:bldP spid="31" grpId="0" animBg="1"/>
+      <p:bldP spid="31" grpId="1" animBg="1"/>
+    </p:bldLst>
   </p:timing>
 </p:sld>
 </file>
@@ -27069,13 +28214,13 @@
   <p:clrMapOvr>
     <a:masterClrMapping/>
   </p:clrMapOvr>
-  <mc:AlternateContent xmlns:mc="http://schemas.openxmlformats.org/markup-compatibility/2006">
-    <mc:Choice xmlns:p14="http://schemas.microsoft.com/office/powerpoint/2010/main" Requires="p14">
+  <mc:AlternateContent xmlns:mc="http://schemas.openxmlformats.org/markup-compatibility/2006" xmlns:p14="http://schemas.microsoft.com/office/powerpoint/2010/main">
+    <mc:Choice Requires="p14">
       <p:transition spd="slow" p14:dur="1500">
         <p14:window dir="vert"/>
       </p:transition>
     </mc:Choice>
-    <mc:Fallback>
+    <mc:Fallback xmlns="">
       <p:transition spd="slow">
         <p:fade/>
       </p:transition>
@@ -27216,7 +28361,7 @@
           <a:p>
             <a:r>
               <a:rPr lang="en-US" dirty="0" smtClean="0"/>
-              <a:t>Tools</a:t>
+              <a:t>Tools and Lifecycle Management</a:t>
             </a:r>
             <a:endParaRPr lang="en-US" dirty="0"/>
           </a:p>
@@ -27232,7 +28377,12 @@
             <p:ph sz="quarter" idx="13"/>
           </p:nvPr>
         </p:nvSpPr>
-        <p:spPr/>
+        <p:spPr>
+          <a:xfrm>
+            <a:off x="913774" y="2367092"/>
+            <a:ext cx="10363826" cy="3881308"/>
+          </a:xfrm>
+        </p:spPr>
         <p:txBody>
           <a:bodyPr>
             <a:normAutofit fontScale="92500" lnSpcReduction="10000"/>
@@ -27284,13 +28434,28 @@
           <a:p>
             <a:r>
               <a:rPr lang="en-US" dirty="0" smtClean="0"/>
-              <a:t>Source control: Git, GitHub, Bitbucket, Visual Studio Online</a:t>
-            </a:r>
-          </a:p>
-          <a:p>
+              <a:t>Source control: Git, GitHub, Bitbucket, Visual Studio </a:t>
+            </a:r>
             <a:r>
               <a:rPr lang="en-US" dirty="0" smtClean="0"/>
-              <a:t>Other tools: Node.js, Fiddler, Karma, Jasmine, PhantomJS</a:t>
+              <a:t>Online</a:t>
+            </a:r>
+          </a:p>
+          <a:p>
+            <a:r>
+              <a:rPr lang="en-US" dirty="0" smtClean="0"/>
+              <a:t>Testing: Karma, Mocha, Jasmine, PhantomJS</a:t>
+            </a:r>
+            <a:endParaRPr lang="en-US" dirty="0" smtClean="0"/>
+          </a:p>
+          <a:p>
+            <a:r>
+              <a:rPr lang="en-US" dirty="0" smtClean="0"/>
+              <a:t>Other tools: Node.js, </a:t>
+            </a:r>
+            <a:r>
+              <a:rPr lang="en-US" dirty="0" smtClean="0"/>
+              <a:t>Fiddler</a:t>
             </a:r>
             <a:endParaRPr lang="en-US" dirty="0"/>
           </a:p>
@@ -28062,7 +29227,11 @@
           <a:p>
             <a:r>
               <a:rPr lang="en-US" dirty="0" smtClean="0"/>
-              <a:t>Test in different browsers</a:t>
+              <a:t>Test in different </a:t>
+            </a:r>
+            <a:r>
+              <a:rPr lang="en-US" dirty="0" smtClean="0"/>
+              <a:t>browsers</a:t>
             </a:r>
             <a:endParaRPr lang="en-US" dirty="0"/>
           </a:p>
@@ -29477,16 +30646,9 @@
             <a:pPr lvl="1"/>
             <a:r>
               <a:rPr lang="en-US" dirty="0" smtClean="0"/>
-              <a:t>Maintainability (if you leverage a framework or you are a JavaScript ninja </a:t>
-            </a:r>
-            <a:r>
-              <a:rPr lang="en-US" dirty="0"/>
-              <a:t>d</a:t>
-            </a:r>
-            <a:r>
-              <a:rPr lang="en-US" dirty="0" smtClean="0"/>
-              <a:t>eveloper)</a:t>
-            </a:r>
+              <a:t>Maintainability</a:t>
+            </a:r>
+            <a:endParaRPr lang="en-US" dirty="0" smtClean="0"/>
           </a:p>
           <a:p>
             <a:pPr lvl="1"/>
@@ -29539,6 +30701,9 @@
                     <p:cTn id="3" fill="hold">
                       <p:stCondLst>
                         <p:cond delay="indefinite"/>
+                        <p:cond evt="onBegin" delay="0">
+                          <p:tn val="2"/>
+                        </p:cond>
                       </p:stCondLst>
                       <p:childTnLst>
                         <p:par>
@@ -29548,7 +30713,7 @@
                             </p:stCondLst>
                             <p:childTnLst>
                               <p:par>
-                                <p:cTn id="5" presetID="1" presetClass="entr" presetSubtype="0" fill="hold" grpId="0" nodeType="clickEffect">
+                                <p:cTn id="5" presetID="1" presetClass="entr" presetSubtype="0" fill="hold" grpId="0" nodeType="withEffect">
                                   <p:stCondLst>
                                     <p:cond delay="0"/>
                                   </p:stCondLst>
@@ -30014,7 +31179,7 @@
       </p:par>
     </p:tnLst>
     <p:bldLst>
-      <p:bldP spid="3" grpId="0" build="p"/>
+      <p:bldP spid="3" grpId="0" uiExpand="1" build="p"/>
     </p:bldLst>
   </p:timing>
 </p:sld>
@@ -30682,7 +31847,7 @@
           </a:ln>
           <a:extLst>
             <a:ext uri="{91240B29-F687-4f45-9708-019B960494DF}">
-              <a14:hiddenLine xmlns="" xmlns:a14="http://schemas.microsoft.com/office/drawing/2010/main" w="9525">
+              <a14:hiddenLine xmlns:a14="http://schemas.microsoft.com/office/drawing/2010/main" xmlns="" w="9525">
                 <a:solidFill>
                   <a:srgbClr val="000000"/>
                 </a:solidFill>
@@ -30736,7 +31901,7 @@
           </a:ln>
           <a:extLst>
             <a:ext uri="{91240B29-F687-4f45-9708-019B960494DF}">
-              <a14:hiddenLine xmlns="" xmlns:a14="http://schemas.microsoft.com/office/drawing/2010/main" w="9525">
+              <a14:hiddenLine xmlns:a14="http://schemas.microsoft.com/office/drawing/2010/main" xmlns="" w="9525">
                 <a:solidFill>
                   <a:srgbClr val="000000"/>
                 </a:solidFill>
@@ -31131,14 +32296,18 @@
             </a:r>
             <a:r>
               <a:rPr lang="en-US" dirty="0"/>
-              <a:t>HTML's syntax to express your application's components clearly and succinctly</a:t>
+              <a:t>HTML's syntax </a:t>
             </a:r>
             <a:endParaRPr lang="en-US" dirty="0" smtClean="0"/>
           </a:p>
           <a:p>
             <a:r>
               <a:rPr lang="en-US" dirty="0" smtClean="0"/>
-              <a:t>Backed by Google and the community</a:t>
+              <a:t>Backed </a:t>
+            </a:r>
+            <a:r>
+              <a:rPr lang="en-US" dirty="0" smtClean="0"/>
+              <a:t>by Google and the community</a:t>
             </a:r>
           </a:p>
           <a:p>

--- a/Building SPAs in SharePoint Using AngularJS.pptx
+++ b/Building SPAs in SharePoint Using AngularJS.pptx
@@ -4503,8 +4503,8 @@
     <dgm:cxn modelId="{BAD6D932-295D-4B11-AB4F-C6A51681FEBF}" type="presOf" srcId="{CF2E496F-FE56-4416-B846-DC12E4577A57}" destId="{17A1F249-6BEF-4F56-A4D8-8470A1E98F15}" srcOrd="0" destOrd="4" presId="urn:microsoft.com/office/officeart/2005/8/layout/hProcess9"/>
     <dgm:cxn modelId="{EA0EE867-287C-4759-B04B-1A44DD272934}" srcId="{EB74A234-8CAB-45D0-A223-6A45EB9687CD}" destId="{73AD9478-DFBD-45AE-8C86-9F4CB3BB1065}" srcOrd="2" destOrd="0" parTransId="{9746DDD7-C15A-4CDE-A7A9-ECC7812B47E4}" sibTransId="{B69AF354-070B-44D2-9041-ADEA0B558672}"/>
     <dgm:cxn modelId="{04F02849-7425-4E1F-898E-FA7DF4ED9666}" srcId="{95A2F766-9D02-45F9-8F0E-E4477259B64E}" destId="{7BAE7899-E3C2-4B98-B54B-7CF98FABE6C9}" srcOrd="1" destOrd="0" parTransId="{6A4813D0-9A5E-4C8A-8814-6B3627CFB165}" sibTransId="{F555F416-CF8C-46B6-A6CB-31C043865330}"/>
+    <dgm:cxn modelId="{06CBBF6D-5C60-4E24-85FE-3D72B5DF292D}" type="presOf" srcId="{D025C9CA-C276-4620-8793-4C01C8D3C8C5}" destId="{17A1F249-6BEF-4F56-A4D8-8470A1E98F15}" srcOrd="0" destOrd="5" presId="urn:microsoft.com/office/officeart/2005/8/layout/hProcess9"/>
     <dgm:cxn modelId="{4B256FB0-F8A6-4FC7-9768-1B5644FB9597}" srcId="{95A2F766-9D02-45F9-8F0E-E4477259B64E}" destId="{06ABEAEB-0AB1-4B03-9DB2-1747D846F76E}" srcOrd="2" destOrd="0" parTransId="{39D41540-6B5A-4F2C-B728-B10955AEA6F0}" sibTransId="{31BEE491-4EB9-4240-BAFF-E839945F6CC2}"/>
-    <dgm:cxn modelId="{06CBBF6D-5C60-4E24-85FE-3D72B5DF292D}" type="presOf" srcId="{D025C9CA-C276-4620-8793-4C01C8D3C8C5}" destId="{17A1F249-6BEF-4F56-A4D8-8470A1E98F15}" srcOrd="0" destOrd="5" presId="urn:microsoft.com/office/officeart/2005/8/layout/hProcess9"/>
     <dgm:cxn modelId="{56E07505-5528-42D2-BF65-AC0B13049BD5}" srcId="{06ABEAEB-0AB1-4B03-9DB2-1747D846F76E}" destId="{DAD5068A-7091-420C-87F0-598961455E7C}" srcOrd="0" destOrd="0" parTransId="{E2E48095-73D9-45CE-B1F4-5CC208A04174}" sibTransId="{6BA6DC11-1A25-4A5E-A262-45E03AB8968F}"/>
     <dgm:cxn modelId="{597B6F7A-1AB8-7A40-A88C-F20BDA8446CA}" type="presOf" srcId="{3D2CA84F-7F83-488E-9CE9-2466A7E58E8C}" destId="{C5C479F1-027C-425C-A0B3-5734FC2D9DF4}" srcOrd="0" destOrd="3" presId="urn:microsoft.com/office/officeart/2005/8/layout/hProcess9"/>
     <dgm:cxn modelId="{0E8AE683-6858-4ECC-8F94-9CB028DF1605}" srcId="{7BAE7899-E3C2-4B98-B54B-7CF98FABE6C9}" destId="{9D1C7FDD-1C7E-4F92-A303-4A4F612A191B}" srcOrd="0" destOrd="0" parTransId="{CE3951D3-C82F-4197-BB44-E4023C884400}" sibTransId="{78BC0FB8-1233-449C-947F-C73B9E9738DF}"/>
@@ -24930,13 +24930,8 @@
           <a:p>
             <a:r>
               <a:rPr lang="en-US" dirty="0" smtClean="0"/>
-              <a:t>Preferred method to communicate between </a:t>
-            </a:r>
-            <a:r>
-              <a:rPr lang="en-US" dirty="0" smtClean="0"/>
-              <a:t>controllers</a:t>
-            </a:r>
-            <a:endParaRPr lang="en-US" dirty="0" smtClean="0"/>
+              <a:t>Preferred method to communicate between controllers</a:t>
+            </a:r>
           </a:p>
         </p:txBody>
       </p:sp>
@@ -28434,11 +28429,7 @@
           <a:p>
             <a:r>
               <a:rPr lang="en-US" dirty="0" smtClean="0"/>
-              <a:t>Source control: Git, GitHub, Bitbucket, Visual Studio </a:t>
-            </a:r>
-            <a:r>
-              <a:rPr lang="en-US" dirty="0" smtClean="0"/>
-              <a:t>Online</a:t>
+              <a:t>Source control: Git, GitHub, Bitbucket, Visual Studio Online</a:t>
             </a:r>
           </a:p>
           <a:p>
@@ -28446,16 +28437,11 @@
               <a:rPr lang="en-US" dirty="0" smtClean="0"/>
               <a:t>Testing: Karma, Mocha, Jasmine, PhantomJS</a:t>
             </a:r>
-            <a:endParaRPr lang="en-US" dirty="0" smtClean="0"/>
           </a:p>
           <a:p>
             <a:r>
               <a:rPr lang="en-US" dirty="0" smtClean="0"/>
-              <a:t>Other tools: Node.js, </a:t>
-            </a:r>
-            <a:r>
-              <a:rPr lang="en-US" dirty="0" smtClean="0"/>
-              <a:t>Fiddler</a:t>
+              <a:t>Other tools: Node.js, Fiddler</a:t>
             </a:r>
             <a:endParaRPr lang="en-US" dirty="0"/>
           </a:p>
@@ -29227,11 +29213,7 @@
           <a:p>
             <a:r>
               <a:rPr lang="en-US" dirty="0" smtClean="0"/>
-              <a:t>Test in different </a:t>
-            </a:r>
-            <a:r>
-              <a:rPr lang="en-US" dirty="0" smtClean="0"/>
-              <a:t>browsers</a:t>
+              <a:t>Test in different browsers</a:t>
             </a:r>
             <a:endParaRPr lang="en-US" dirty="0"/>
           </a:p>
@@ -30352,7 +30334,11 @@
           <a:p>
             <a:r>
               <a:rPr lang="en-US" dirty="0" smtClean="0"/>
-              <a:t>Tools &amp; Data Access</a:t>
+              <a:t>Tools, Lifecycle Management, </a:t>
+            </a:r>
+            <a:r>
+              <a:rPr lang="en-US" dirty="0" smtClean="0"/>
+              <a:t>&amp; Data Access</a:t>
             </a:r>
             <a:endParaRPr lang="en-US" dirty="0"/>
           </a:p>
@@ -30648,7 +30634,6 @@
               <a:rPr lang="en-US" dirty="0" smtClean="0"/>
               <a:t>Maintainability</a:t>
             </a:r>
-            <a:endParaRPr lang="en-US" dirty="0" smtClean="0"/>
           </a:p>
           <a:p>
             <a:pPr lvl="1"/>
@@ -31847,7 +31832,7 @@
           </a:ln>
           <a:extLst>
             <a:ext uri="{91240B29-F687-4f45-9708-019B960494DF}">
-              <a14:hiddenLine xmlns:a14="http://schemas.microsoft.com/office/drawing/2010/main" xmlns="" w="9525">
+              <a14:hiddenLine xmlns="" xmlns:a14="http://schemas.microsoft.com/office/drawing/2010/main" w="9525">
                 <a:solidFill>
                   <a:srgbClr val="000000"/>
                 </a:solidFill>
@@ -31901,7 +31886,7 @@
           </a:ln>
           <a:extLst>
             <a:ext uri="{91240B29-F687-4f45-9708-019B960494DF}">
-              <a14:hiddenLine xmlns:a14="http://schemas.microsoft.com/office/drawing/2010/main" xmlns="" w="9525">
+              <a14:hiddenLine xmlns="" xmlns:a14="http://schemas.microsoft.com/office/drawing/2010/main" w="9525">
                 <a:solidFill>
                   <a:srgbClr val="000000"/>
                 </a:solidFill>
@@ -32303,11 +32288,7 @@
           <a:p>
             <a:r>
               <a:rPr lang="en-US" dirty="0" smtClean="0"/>
-              <a:t>Backed </a:t>
-            </a:r>
-            <a:r>
-              <a:rPr lang="en-US" dirty="0" smtClean="0"/>
-              <a:t>by Google and the community</a:t>
+              <a:t>Backed by Google and the community</a:t>
             </a:r>
           </a:p>
           <a:p>
